--- a/EnjoyTrip_Design.pptx
+++ b/EnjoyTrip_Design.pptx
@@ -7,12 +7,14 @@
   <p:sldIdLst>
     <p:sldId id="256" r:id="rId2"/>
     <p:sldId id="257" r:id="rId3"/>
-    <p:sldId id="260" r:id="rId4"/>
-    <p:sldId id="265" r:id="rId5"/>
-    <p:sldId id="261" r:id="rId6"/>
-    <p:sldId id="263" r:id="rId7"/>
-    <p:sldId id="262" r:id="rId8"/>
-    <p:sldId id="266" r:id="rId9"/>
+    <p:sldId id="261" r:id="rId4"/>
+    <p:sldId id="263" r:id="rId5"/>
+    <p:sldId id="268" r:id="rId6"/>
+    <p:sldId id="270" r:id="rId7"/>
+    <p:sldId id="271" r:id="rId8"/>
+    <p:sldId id="262" r:id="rId9"/>
+    <p:sldId id="266" r:id="rId10"/>
+    <p:sldId id="267" r:id="rId11"/>
   </p:sldIdLst>
   <p:sldSz cx="12192000" cy="6858000"/>
   <p:notesSz cx="6858000" cy="9144000"/>
@@ -111,6 +113,11 @@
       </a:defRPr>
     </a:lvl9pPr>
   </p:defaultTextStyle>
+  <p:extLst>
+    <p:ext uri="{EFAFB233-063F-42B5-8137-9DF3F51BA10A}">
+      <p15:sldGuideLst xmlns:p15="http://schemas.microsoft.com/office/powerpoint/2012/main"/>
+    </p:ext>
+  </p:extLst>
 </p:presentation>
 </file>
 
@@ -261,7 +268,7 @@
           <a:p>
             <a:fld id="{A7C4F895-CFCB-4043-9E4B-B20E17F0A145}" type="datetimeFigureOut">
               <a:rPr lang="ko-KR" altLang="en-US" smtClean="0"/>
-              <a:t>2023-05-14</a:t>
+              <a:t>2023-05-16</a:t>
             </a:fld>
             <a:endParaRPr lang="ko-KR" altLang="en-US"/>
           </a:p>
@@ -459,7 +466,7 @@
           <a:p>
             <a:fld id="{A7C4F895-CFCB-4043-9E4B-B20E17F0A145}" type="datetimeFigureOut">
               <a:rPr lang="ko-KR" altLang="en-US" smtClean="0"/>
-              <a:t>2023-05-14</a:t>
+              <a:t>2023-05-16</a:t>
             </a:fld>
             <a:endParaRPr lang="ko-KR" altLang="en-US"/>
           </a:p>
@@ -667,7 +674,7 @@
           <a:p>
             <a:fld id="{A7C4F895-CFCB-4043-9E4B-B20E17F0A145}" type="datetimeFigureOut">
               <a:rPr lang="ko-KR" altLang="en-US" smtClean="0"/>
-              <a:t>2023-05-14</a:t>
+              <a:t>2023-05-16</a:t>
             </a:fld>
             <a:endParaRPr lang="ko-KR" altLang="en-US"/>
           </a:p>
@@ -865,7 +872,7 @@
           <a:p>
             <a:fld id="{A7C4F895-CFCB-4043-9E4B-B20E17F0A145}" type="datetimeFigureOut">
               <a:rPr lang="ko-KR" altLang="en-US" smtClean="0"/>
-              <a:t>2023-05-14</a:t>
+              <a:t>2023-05-16</a:t>
             </a:fld>
             <a:endParaRPr lang="ko-KR" altLang="en-US"/>
           </a:p>
@@ -1140,7 +1147,7 @@
           <a:p>
             <a:fld id="{A7C4F895-CFCB-4043-9E4B-B20E17F0A145}" type="datetimeFigureOut">
               <a:rPr lang="ko-KR" altLang="en-US" smtClean="0"/>
-              <a:t>2023-05-14</a:t>
+              <a:t>2023-05-16</a:t>
             </a:fld>
             <a:endParaRPr lang="ko-KR" altLang="en-US"/>
           </a:p>
@@ -1405,7 +1412,7 @@
           <a:p>
             <a:fld id="{A7C4F895-CFCB-4043-9E4B-B20E17F0A145}" type="datetimeFigureOut">
               <a:rPr lang="ko-KR" altLang="en-US" smtClean="0"/>
-              <a:t>2023-05-14</a:t>
+              <a:t>2023-05-16</a:t>
             </a:fld>
             <a:endParaRPr lang="ko-KR" altLang="en-US"/>
           </a:p>
@@ -1817,7 +1824,7 @@
           <a:p>
             <a:fld id="{A7C4F895-CFCB-4043-9E4B-B20E17F0A145}" type="datetimeFigureOut">
               <a:rPr lang="ko-KR" altLang="en-US" smtClean="0"/>
-              <a:t>2023-05-14</a:t>
+              <a:t>2023-05-16</a:t>
             </a:fld>
             <a:endParaRPr lang="ko-KR" altLang="en-US"/>
           </a:p>
@@ -1958,7 +1965,7 @@
           <a:p>
             <a:fld id="{A7C4F895-CFCB-4043-9E4B-B20E17F0A145}" type="datetimeFigureOut">
               <a:rPr lang="ko-KR" altLang="en-US" smtClean="0"/>
-              <a:t>2023-05-14</a:t>
+              <a:t>2023-05-16</a:t>
             </a:fld>
             <a:endParaRPr lang="ko-KR" altLang="en-US"/>
           </a:p>
@@ -2071,7 +2078,7 @@
           <a:p>
             <a:fld id="{A7C4F895-CFCB-4043-9E4B-B20E17F0A145}" type="datetimeFigureOut">
               <a:rPr lang="ko-KR" altLang="en-US" smtClean="0"/>
-              <a:t>2023-05-14</a:t>
+              <a:t>2023-05-16</a:t>
             </a:fld>
             <a:endParaRPr lang="ko-KR" altLang="en-US"/>
           </a:p>
@@ -2382,7 +2389,7 @@
           <a:p>
             <a:fld id="{A7C4F895-CFCB-4043-9E4B-B20E17F0A145}" type="datetimeFigureOut">
               <a:rPr lang="ko-KR" altLang="en-US" smtClean="0"/>
-              <a:t>2023-05-14</a:t>
+              <a:t>2023-05-16</a:t>
             </a:fld>
             <a:endParaRPr lang="ko-KR" altLang="en-US"/>
           </a:p>
@@ -2670,7 +2677,7 @@
           <a:p>
             <a:fld id="{A7C4F895-CFCB-4043-9E4B-B20E17F0A145}" type="datetimeFigureOut">
               <a:rPr lang="ko-KR" altLang="en-US" smtClean="0"/>
-              <a:t>2023-05-14</a:t>
+              <a:t>2023-05-16</a:t>
             </a:fld>
             <a:endParaRPr lang="ko-KR" altLang="en-US"/>
           </a:p>
@@ -2911,7 +2918,7 @@
           <a:p>
             <a:fld id="{A7C4F895-CFCB-4043-9E4B-B20E17F0A145}" type="datetimeFigureOut">
               <a:rPr lang="ko-KR" altLang="en-US" smtClean="0"/>
-              <a:t>2023-05-14</a:t>
+              <a:t>2023-05-16</a:t>
             </a:fld>
             <a:endParaRPr lang="ko-KR" altLang="en-US"/>
           </a:p>
@@ -3450,7 +3457,7 @@
         <p:spPr>
           <a:xfrm>
             <a:off x="2820941" y="3585836"/>
-            <a:ext cx="3194604" cy="2137605"/>
+            <a:ext cx="1975648" cy="2137605"/>
           </a:xfrm>
           <a:prstGeom prst="rect">
             <a:avLst/>
@@ -3483,13 +3490,26 @@
           <a:p>
             <a:pPr algn="ctr"/>
             <a:r>
-              <a:rPr lang="ko-KR" altLang="en-US" dirty="0">
-                <a:solidFill>
-                  <a:schemeClr val="tx1"/>
-                </a:solidFill>
-              </a:rPr>
-              <a:t>공지사항</a:t>
-            </a:r>
+              <a:rPr lang="ko-KR" altLang="en-US" dirty="0" smtClean="0">
+                <a:solidFill>
+                  <a:schemeClr val="tx1"/>
+                </a:solidFill>
+              </a:rPr>
+              <a:t>관광지 순위</a:t>
+            </a:r>
+            <a:r>
+              <a:rPr lang="en-US" altLang="ko-KR" dirty="0" smtClean="0">
+                <a:solidFill>
+                  <a:schemeClr val="tx1"/>
+                </a:solidFill>
+              </a:rPr>
+              <a:t>1</a:t>
+            </a:r>
+            <a:endParaRPr lang="ko-KR" altLang="en-US" dirty="0">
+              <a:solidFill>
+                <a:schemeClr val="tx1"/>
+              </a:solidFill>
+            </a:endParaRPr>
           </a:p>
         </p:txBody>
       </p:sp>
@@ -3550,8 +3570,8 @@
         </p:nvSpPr>
         <p:spPr>
           <a:xfrm>
-            <a:off x="6416600" y="3585835"/>
-            <a:ext cx="3194605" cy="2137608"/>
+            <a:off x="2820941" y="6037515"/>
+            <a:ext cx="6790260" cy="2137608"/>
           </a:xfrm>
           <a:prstGeom prst="rect">
             <a:avLst/>
@@ -3616,7 +3636,7 @@
         </p:blipFill>
         <p:spPr>
           <a:xfrm>
-            <a:off x="1812757" y="6136100"/>
+            <a:off x="1812757" y="8556976"/>
             <a:ext cx="8566485" cy="569738"/>
           </a:xfrm>
           <a:prstGeom prst="rect">
@@ -3626,10 +3646,10 @@
       </p:pic>
       <p:pic>
         <p:nvPicPr>
-          <p:cNvPr id="36" name="그림 35">
-            <a:extLst>
-              <a:ext uri="{FF2B5EF4-FFF2-40B4-BE49-F238E27FC236}">
-                <a16:creationId xmlns:a16="http://schemas.microsoft.com/office/drawing/2014/main" id="{51F75FA0-038A-83D0-EB25-9C80F6CD446F}"/>
+          <p:cNvPr id="38" name="그림 37">
+            <a:extLst>
+              <a:ext uri="{FF2B5EF4-FFF2-40B4-BE49-F238E27FC236}">
+                <a16:creationId xmlns:a16="http://schemas.microsoft.com/office/drawing/2014/main" id="{DCB1D01F-B61D-678D-5384-F012AF9D8189}"/>
               </a:ext>
             </a:extLst>
           </p:cNvPr>
@@ -3646,23 +3666,217 @@
         </p:blipFill>
         <p:spPr>
           <a:xfrm>
-            <a:off x="1812757" y="187371"/>
-            <a:ext cx="8633570" cy="459174"/>
+            <a:off x="5276273" y="1081449"/>
+            <a:ext cx="4334928" cy="2029997"/>
           </a:xfrm>
           <a:prstGeom prst="rect">
             <a:avLst/>
           </a:prstGeom>
         </p:spPr>
       </p:pic>
+      <p:sp>
+        <p:nvSpPr>
+          <p:cNvPr id="10" name="직사각형 9">
+            <a:extLst>
+              <a:ext uri="{FF2B5EF4-FFF2-40B4-BE49-F238E27FC236}">
+                <a16:creationId xmlns:a16="http://schemas.microsoft.com/office/drawing/2014/main" id="{ED9288A2-74BF-75F5-E308-BB2DD8435BAE}"/>
+              </a:ext>
+            </a:extLst>
+          </p:cNvPr>
+          <p:cNvSpPr/>
+          <p:nvPr/>
+        </p:nvSpPr>
+        <p:spPr>
+          <a:xfrm>
+            <a:off x="5276273" y="1059202"/>
+            <a:ext cx="4334933" cy="2052244"/>
+          </a:xfrm>
+          <a:prstGeom prst="rect">
+            <a:avLst/>
+          </a:prstGeom>
+          <a:solidFill>
+            <a:schemeClr val="bg1">
+              <a:alpha val="69000"/>
+            </a:schemeClr>
+          </a:solidFill>
+        </p:spPr>
+        <p:style>
+          <a:lnRef idx="2">
+            <a:schemeClr val="accent1">
+              <a:shade val="50000"/>
+            </a:schemeClr>
+          </a:lnRef>
+          <a:fillRef idx="1">
+            <a:schemeClr val="accent1"/>
+          </a:fillRef>
+          <a:effectRef idx="0">
+            <a:schemeClr val="accent1"/>
+          </a:effectRef>
+          <a:fontRef idx="minor">
+            <a:schemeClr val="lt1"/>
+          </a:fontRef>
+        </p:style>
+        <p:txBody>
+          <a:bodyPr rtlCol="0" anchor="ctr"/>
+          <a:lstStyle/>
+          <a:p>
+            <a:pPr algn="ctr"/>
+            <a:r>
+              <a:rPr lang="ko-KR" altLang="en-US" dirty="0">
+                <a:solidFill>
+                  <a:schemeClr val="tx1"/>
+                </a:solidFill>
+              </a:rPr>
+              <a:t>사진 슬라이드</a:t>
+            </a:r>
+          </a:p>
+        </p:txBody>
+      </p:sp>
+      <p:sp>
+        <p:nvSpPr>
+          <p:cNvPr id="11" name="직사각형 10">
+            <a:extLst>
+              <a:ext uri="{FF2B5EF4-FFF2-40B4-BE49-F238E27FC236}">
+                <a16:creationId xmlns:a16="http://schemas.microsoft.com/office/drawing/2014/main" id="{2254D6C0-DB61-174A-BBFA-2508D162A70E}"/>
+              </a:ext>
+            </a:extLst>
+          </p:cNvPr>
+          <p:cNvSpPr/>
+          <p:nvPr/>
+        </p:nvSpPr>
+        <p:spPr>
+          <a:xfrm>
+            <a:off x="5276273" y="3585836"/>
+            <a:ext cx="1975648" cy="2137605"/>
+          </a:xfrm>
+          <a:prstGeom prst="rect">
+            <a:avLst/>
+          </a:prstGeom>
+          <a:solidFill>
+            <a:schemeClr val="bg1">
+              <a:alpha val="69000"/>
+            </a:schemeClr>
+          </a:solidFill>
+        </p:spPr>
+        <p:style>
+          <a:lnRef idx="2">
+            <a:schemeClr val="accent1">
+              <a:shade val="50000"/>
+            </a:schemeClr>
+          </a:lnRef>
+          <a:fillRef idx="1">
+            <a:schemeClr val="accent1"/>
+          </a:fillRef>
+          <a:effectRef idx="0">
+            <a:schemeClr val="accent1"/>
+          </a:effectRef>
+          <a:fontRef idx="minor">
+            <a:schemeClr val="lt1"/>
+          </a:fontRef>
+        </p:style>
+        <p:txBody>
+          <a:bodyPr rtlCol="0" anchor="ctr"/>
+          <a:lstStyle/>
+          <a:p>
+            <a:pPr algn="ctr"/>
+            <a:r>
+              <a:rPr lang="ko-KR" altLang="en-US" dirty="0" smtClean="0">
+                <a:solidFill>
+                  <a:schemeClr val="tx1"/>
+                </a:solidFill>
+              </a:rPr>
+              <a:t>관광지 순위</a:t>
+            </a:r>
+            <a:r>
+              <a:rPr lang="en-US" altLang="ko-KR" dirty="0" smtClean="0">
+                <a:solidFill>
+                  <a:schemeClr val="tx1"/>
+                </a:solidFill>
+              </a:rPr>
+              <a:t>2</a:t>
+            </a:r>
+            <a:endParaRPr lang="ko-KR" altLang="en-US" dirty="0">
+              <a:solidFill>
+                <a:schemeClr val="tx1"/>
+              </a:solidFill>
+            </a:endParaRPr>
+          </a:p>
+        </p:txBody>
+      </p:sp>
+      <p:sp>
+        <p:nvSpPr>
+          <p:cNvPr id="12" name="직사각형 11">
+            <a:extLst>
+              <a:ext uri="{FF2B5EF4-FFF2-40B4-BE49-F238E27FC236}">
+                <a16:creationId xmlns:a16="http://schemas.microsoft.com/office/drawing/2014/main" id="{2254D6C0-DB61-174A-BBFA-2508D162A70E}"/>
+              </a:ext>
+            </a:extLst>
+          </p:cNvPr>
+          <p:cNvSpPr/>
+          <p:nvPr/>
+        </p:nvSpPr>
+        <p:spPr>
+          <a:xfrm>
+            <a:off x="7635553" y="3610512"/>
+            <a:ext cx="1975648" cy="2137605"/>
+          </a:xfrm>
+          <a:prstGeom prst="rect">
+            <a:avLst/>
+          </a:prstGeom>
+          <a:solidFill>
+            <a:schemeClr val="bg1">
+              <a:alpha val="69000"/>
+            </a:schemeClr>
+          </a:solidFill>
+        </p:spPr>
+        <p:style>
+          <a:lnRef idx="2">
+            <a:schemeClr val="accent1">
+              <a:shade val="50000"/>
+            </a:schemeClr>
+          </a:lnRef>
+          <a:fillRef idx="1">
+            <a:schemeClr val="accent1"/>
+          </a:fillRef>
+          <a:effectRef idx="0">
+            <a:schemeClr val="accent1"/>
+          </a:effectRef>
+          <a:fontRef idx="minor">
+            <a:schemeClr val="lt1"/>
+          </a:fontRef>
+        </p:style>
+        <p:txBody>
+          <a:bodyPr rtlCol="0" anchor="ctr"/>
+          <a:lstStyle/>
+          <a:p>
+            <a:pPr algn="ctr"/>
+            <a:r>
+              <a:rPr lang="ko-KR" altLang="en-US" dirty="0" smtClean="0">
+                <a:solidFill>
+                  <a:schemeClr val="tx1"/>
+                </a:solidFill>
+              </a:rPr>
+              <a:t>관광지 순위</a:t>
+            </a:r>
+            <a:r>
+              <a:rPr lang="en-US" altLang="ko-KR" dirty="0" smtClean="0">
+                <a:solidFill>
+                  <a:schemeClr val="tx1"/>
+                </a:solidFill>
+              </a:rPr>
+              <a:t>3</a:t>
+            </a:r>
+            <a:endParaRPr lang="ko-KR" altLang="en-US" dirty="0">
+              <a:solidFill>
+                <a:schemeClr val="tx1"/>
+              </a:solidFill>
+            </a:endParaRPr>
+          </a:p>
+        </p:txBody>
+      </p:sp>
       <p:pic>
         <p:nvPicPr>
-          <p:cNvPr id="38" name="그림 37">
-            <a:extLst>
-              <a:ext uri="{FF2B5EF4-FFF2-40B4-BE49-F238E27FC236}">
-                <a16:creationId xmlns:a16="http://schemas.microsoft.com/office/drawing/2014/main" id="{DCB1D01F-B61D-678D-5384-F012AF9D8189}"/>
-              </a:ext>
-            </a:extLst>
-          </p:cNvPr>
+          <p:cNvPr id="13" name="그림 12"/>
           <p:cNvPicPr>
             <a:picLocks noChangeAspect="1"/>
           </p:cNvPicPr>
@@ -3676,14 +3890,80 @@
         </p:blipFill>
         <p:spPr>
           <a:xfrm>
-            <a:off x="5276273" y="1081449"/>
-            <a:ext cx="4334928" cy="2029997"/>
+            <a:off x="1812757" y="181588"/>
+            <a:ext cx="8566485" cy="401079"/>
           </a:xfrm>
           <a:prstGeom prst="rect">
             <a:avLst/>
           </a:prstGeom>
         </p:spPr>
       </p:pic>
+    </p:spTree>
+    <p:extLst>
+      <p:ext uri="{BB962C8B-B14F-4D97-AF65-F5344CB8AC3E}">
+        <p14:creationId xmlns:p14="http://schemas.microsoft.com/office/powerpoint/2010/main" val="2763112081"/>
+      </p:ext>
+    </p:extLst>
+  </p:cSld>
+  <p:clrMapOvr>
+    <a:masterClrMapping/>
+  </p:clrMapOvr>
+</p:sld>
+</file>
+
+<file path=ppt/slides/slide10.xml><?xml version="1.0" encoding="utf-8"?>
+<p:sld xmlns:a="http://schemas.openxmlformats.org/drawingml/2006/main" xmlns:r="http://schemas.openxmlformats.org/officeDocument/2006/relationships" xmlns:p="http://schemas.openxmlformats.org/presentationml/2006/main">
+  <p:cSld>
+    <p:spTree>
+      <p:nvGrpSpPr>
+        <p:cNvPr id="1" name=""/>
+        <p:cNvGrpSpPr/>
+        <p:nvPr/>
+      </p:nvGrpSpPr>
+      <p:grpSpPr>
+        <a:xfrm>
+          <a:off x="0" y="0"/>
+          <a:ext cx="0" cy="0"/>
+          <a:chOff x="0" y="0"/>
+          <a:chExt cx="0" cy="0"/>
+        </a:xfrm>
+      </p:grpSpPr>
+      <p:pic>
+        <p:nvPicPr>
+          <p:cNvPr id="5" name="그림 4">
+            <a:extLst>
+              <a:ext uri="{FF2B5EF4-FFF2-40B4-BE49-F238E27FC236}">
+                <a16:creationId xmlns:a16="http://schemas.microsoft.com/office/drawing/2014/main" id="{792D97C3-F1C6-E0B5-E54D-CFF5FD564126}"/>
+              </a:ext>
+            </a:extLst>
+          </p:cNvPr>
+          <p:cNvPicPr>
+            <a:picLocks noChangeAspect="1"/>
+          </p:cNvPicPr>
+          <p:nvPr/>
+        </p:nvPicPr>
+        <p:blipFill>
+          <a:blip r:embed="rId2">
+            <a:extLst>
+              <a:ext uri="{28A0092B-C50C-407E-A947-70E740481C1C}">
+                <a14:useLocalDpi xmlns:a14="http://schemas.microsoft.com/office/drawing/2010/main" val="0"/>
+              </a:ext>
+            </a:extLst>
+          </a:blip>
+          <a:stretch>
+            <a:fillRect/>
+          </a:stretch>
+        </p:blipFill>
+        <p:spPr>
+          <a:xfrm>
+            <a:off x="1523999" y="-20073"/>
+            <a:ext cx="9144000" cy="6858000"/>
+          </a:xfrm>
+          <a:prstGeom prst="rect">
+            <a:avLst/>
+          </a:prstGeom>
+        </p:spPr>
+      </p:pic>
       <p:sp>
         <p:nvSpPr>
           <p:cNvPr id="10" name="직사각형 9">
@@ -3698,8 +3978,8 @@
         </p:nvSpPr>
         <p:spPr>
           <a:xfrm>
-            <a:off x="5276273" y="1059202"/>
-            <a:ext cx="4334933" cy="2052244"/>
+            <a:off x="2087418" y="833916"/>
+            <a:ext cx="8128000" cy="5150022"/>
           </a:xfrm>
           <a:prstGeom prst="rect">
             <a:avLst/>
@@ -3731,21 +4011,399 @@
           <a:lstStyle/>
           <a:p>
             <a:pPr algn="ctr"/>
+            <a:endParaRPr lang="ko-KR" altLang="en-US" dirty="0">
+              <a:solidFill>
+                <a:schemeClr val="tx1"/>
+              </a:solidFill>
+            </a:endParaRPr>
+          </a:p>
+        </p:txBody>
+      </p:sp>
+      <p:pic>
+        <p:nvPicPr>
+          <p:cNvPr id="21" name="그림 20">
+            <a:extLst>
+              <a:ext uri="{FF2B5EF4-FFF2-40B4-BE49-F238E27FC236}">
+                <a16:creationId xmlns:a16="http://schemas.microsoft.com/office/drawing/2014/main" id="{CAAFEC92-6D1C-AFA4-FF8D-63D0B5136CDE}"/>
+              </a:ext>
+            </a:extLst>
+          </p:cNvPr>
+          <p:cNvPicPr>
+            <a:picLocks noChangeAspect="1"/>
+          </p:cNvPicPr>
+          <p:nvPr/>
+        </p:nvPicPr>
+        <p:blipFill>
+          <a:blip r:embed="rId3"/>
+          <a:stretch>
+            <a:fillRect/>
+          </a:stretch>
+        </p:blipFill>
+        <p:spPr>
+          <a:xfrm>
+            <a:off x="1812757" y="6136100"/>
+            <a:ext cx="8566485" cy="569738"/>
+          </a:xfrm>
+          <a:prstGeom prst="rect">
+            <a:avLst/>
+          </a:prstGeom>
+        </p:spPr>
+      </p:pic>
+      <p:sp>
+        <p:nvSpPr>
+          <p:cNvPr id="6" name="직사각형 5">
+            <a:extLst>
+              <a:ext uri="{FF2B5EF4-FFF2-40B4-BE49-F238E27FC236}">
+                <a16:creationId xmlns:a16="http://schemas.microsoft.com/office/drawing/2014/main" id="{93A48854-3D49-9FD7-F64C-FB8151AA3538}"/>
+              </a:ext>
+            </a:extLst>
+          </p:cNvPr>
+          <p:cNvSpPr/>
+          <p:nvPr/>
+        </p:nvSpPr>
+        <p:spPr>
+          <a:xfrm>
+            <a:off x="2320636" y="1777231"/>
+            <a:ext cx="7661564" cy="3903133"/>
+          </a:xfrm>
+          <a:prstGeom prst="rect">
+            <a:avLst/>
+          </a:prstGeom>
+          <a:solidFill>
+            <a:schemeClr val="bg1">
+              <a:alpha val="69000"/>
+            </a:schemeClr>
+          </a:solidFill>
+        </p:spPr>
+        <p:style>
+          <a:lnRef idx="2">
+            <a:schemeClr val="accent1">
+              <a:shade val="50000"/>
+            </a:schemeClr>
+          </a:lnRef>
+          <a:fillRef idx="1">
+            <a:schemeClr val="accent1"/>
+          </a:fillRef>
+          <a:effectRef idx="0">
+            <a:schemeClr val="accent1"/>
+          </a:effectRef>
+          <a:fontRef idx="minor">
+            <a:schemeClr val="lt1"/>
+          </a:fontRef>
+        </p:style>
+        <p:txBody>
+          <a:bodyPr rtlCol="0" anchor="ctr"/>
+          <a:lstStyle/>
+          <a:p>
+            <a:pPr algn="ctr"/>
+            <a:endParaRPr lang="ko-KR" altLang="en-US" dirty="0">
+              <a:solidFill>
+                <a:schemeClr val="tx1"/>
+              </a:solidFill>
+            </a:endParaRPr>
+          </a:p>
+        </p:txBody>
+      </p:sp>
+      <p:sp>
+        <p:nvSpPr>
+          <p:cNvPr id="2" name="직사각형 1">
+            <a:extLst>
+              <a:ext uri="{FF2B5EF4-FFF2-40B4-BE49-F238E27FC236}">
+                <a16:creationId xmlns:a16="http://schemas.microsoft.com/office/drawing/2014/main" id="{F2D1636A-86BB-F6F4-11D0-E132195C29DB}"/>
+              </a:ext>
+            </a:extLst>
+          </p:cNvPr>
+          <p:cNvSpPr/>
+          <p:nvPr/>
+        </p:nvSpPr>
+        <p:spPr>
+          <a:xfrm>
+            <a:off x="4292600" y="1019414"/>
+            <a:ext cx="3420534" cy="572319"/>
+          </a:xfrm>
+          <a:prstGeom prst="rect">
+            <a:avLst/>
+          </a:prstGeom>
+          <a:solidFill>
+            <a:schemeClr val="bg1">
+              <a:alpha val="69000"/>
+            </a:schemeClr>
+          </a:solidFill>
+        </p:spPr>
+        <p:style>
+          <a:lnRef idx="2">
+            <a:schemeClr val="accent1">
+              <a:shade val="50000"/>
+            </a:schemeClr>
+          </a:lnRef>
+          <a:fillRef idx="1">
+            <a:schemeClr val="accent1"/>
+          </a:fillRef>
+          <a:effectRef idx="0">
+            <a:schemeClr val="accent1"/>
+          </a:effectRef>
+          <a:fontRef idx="minor">
+            <a:schemeClr val="lt1"/>
+          </a:fontRef>
+        </p:style>
+        <p:txBody>
+          <a:bodyPr rtlCol="0" anchor="ctr"/>
+          <a:lstStyle/>
+          <a:p>
+            <a:pPr algn="ctr"/>
+            <a:r>
+              <a:rPr lang="ko-KR" altLang="en-US" dirty="0" smtClean="0">
+                <a:solidFill>
+                  <a:schemeClr val="tx1"/>
+                </a:solidFill>
+              </a:rPr>
+              <a:t>날씨</a:t>
+            </a:r>
+            <a:endParaRPr lang="ko-KR" altLang="en-US" dirty="0">
+              <a:solidFill>
+                <a:schemeClr val="tx1"/>
+              </a:solidFill>
+            </a:endParaRPr>
+          </a:p>
+        </p:txBody>
+      </p:sp>
+      <p:sp>
+        <p:nvSpPr>
+          <p:cNvPr id="3" name="직사각형 2">
+            <a:extLst>
+              <a:ext uri="{FF2B5EF4-FFF2-40B4-BE49-F238E27FC236}">
+                <a16:creationId xmlns:a16="http://schemas.microsoft.com/office/drawing/2014/main" id="{3FD71A41-A53B-C6DC-349D-AB8726B1E2E9}"/>
+              </a:ext>
+            </a:extLst>
+          </p:cNvPr>
+          <p:cNvSpPr/>
+          <p:nvPr/>
+        </p:nvSpPr>
+        <p:spPr>
+          <a:xfrm>
+            <a:off x="2730884" y="2060815"/>
+            <a:ext cx="4241272" cy="3329332"/>
+          </a:xfrm>
+          <a:prstGeom prst="rect">
+            <a:avLst/>
+          </a:prstGeom>
+          <a:solidFill>
+            <a:schemeClr val="bg1">
+              <a:alpha val="69000"/>
+            </a:schemeClr>
+          </a:solidFill>
+        </p:spPr>
+        <p:style>
+          <a:lnRef idx="2">
+            <a:schemeClr val="accent1">
+              <a:shade val="50000"/>
+            </a:schemeClr>
+          </a:lnRef>
+          <a:fillRef idx="1">
+            <a:schemeClr val="accent1"/>
+          </a:fillRef>
+          <a:effectRef idx="0">
+            <a:schemeClr val="accent1"/>
+          </a:effectRef>
+          <a:fontRef idx="minor">
+            <a:schemeClr val="lt1"/>
+          </a:fontRef>
+        </p:style>
+        <p:txBody>
+          <a:bodyPr rtlCol="0" anchor="ctr"/>
+          <a:lstStyle/>
+          <a:p>
+            <a:pPr algn="ctr"/>
             <a:r>
               <a:rPr lang="ko-KR" altLang="en-US" dirty="0">
                 <a:solidFill>
                   <a:schemeClr val="tx1"/>
                 </a:solidFill>
               </a:rPr>
-              <a:t>사진 슬라이드</a:t>
-            </a:r>
-          </a:p>
-        </p:txBody>
-      </p:sp>
+              <a:t>맵</a:t>
+            </a:r>
+            <a:endParaRPr lang="ko-KR" altLang="en-US" dirty="0">
+              <a:solidFill>
+                <a:schemeClr val="tx1"/>
+              </a:solidFill>
+            </a:endParaRPr>
+          </a:p>
+        </p:txBody>
+      </p:sp>
+      <p:pic>
+        <p:nvPicPr>
+          <p:cNvPr id="1028" name="Picture 4" descr="지도 마커 PNG 이미지 | PNGWing"/>
+          <p:cNvPicPr>
+            <a:picLocks noChangeAspect="1" noChangeArrowheads="1"/>
+          </p:cNvPicPr>
+          <p:nvPr/>
+        </p:nvPicPr>
+        <p:blipFill>
+          <a:blip r:embed="rId4" cstate="hqprint">
+            <a:extLst>
+              <a:ext uri="{28A0092B-C50C-407E-A947-70E740481C1C}">
+                <a14:useLocalDpi xmlns:a14="http://schemas.microsoft.com/office/drawing/2010/main" val="0"/>
+              </a:ext>
+            </a:extLst>
+          </a:blip>
+          <a:srcRect/>
+          <a:stretch>
+            <a:fillRect/>
+          </a:stretch>
+        </p:blipFill>
+        <p:spPr bwMode="auto">
+          <a:xfrm>
+            <a:off x="3632450" y="3368842"/>
+            <a:ext cx="442625" cy="665167"/>
+          </a:xfrm>
+          <a:prstGeom prst="rect">
+            <a:avLst/>
+          </a:prstGeom>
+          <a:noFill/>
+          <a:extLst>
+            <a:ext uri="{909E8E84-426E-40DD-AFC4-6F175D3DCCD1}">
+              <a14:hiddenFill xmlns:a14="http://schemas.microsoft.com/office/drawing/2010/main">
+                <a:solidFill>
+                  <a:srgbClr val="FFFFFF"/>
+                </a:solidFill>
+              </a14:hiddenFill>
+            </a:ext>
+          </a:extLst>
+        </p:spPr>
+      </p:pic>
+      <p:sp>
+        <p:nvSpPr>
+          <p:cNvPr id="13" name="사각형 설명선 12"/>
+          <p:cNvSpPr/>
+          <p:nvPr/>
+        </p:nvSpPr>
+        <p:spPr>
+          <a:xfrm>
+            <a:off x="3449054" y="2688091"/>
+            <a:ext cx="1279924" cy="483316"/>
+          </a:xfrm>
+          <a:prstGeom prst="wedgeRectCallout">
+            <a:avLst/>
+          </a:prstGeom>
+        </p:spPr>
+        <p:style>
+          <a:lnRef idx="2">
+            <a:schemeClr val="accent6"/>
+          </a:lnRef>
+          <a:fillRef idx="1">
+            <a:schemeClr val="lt1"/>
+          </a:fillRef>
+          <a:effectRef idx="0">
+            <a:schemeClr val="accent6"/>
+          </a:effectRef>
+          <a:fontRef idx="minor">
+            <a:schemeClr val="dk1"/>
+          </a:fontRef>
+        </p:style>
+        <p:txBody>
+          <a:bodyPr rtlCol="0" anchor="ctr"/>
+          <a:lstStyle/>
+          <a:p>
+            <a:pPr algn="ctr"/>
+            <a:r>
+              <a:rPr lang="ko-KR" altLang="en-US" dirty="0" smtClean="0"/>
+              <a:t>지역</a:t>
+            </a:r>
+            <a:endParaRPr lang="ko-KR" altLang="en-US" dirty="0"/>
+          </a:p>
+        </p:txBody>
+      </p:sp>
+      <p:sp>
+        <p:nvSpPr>
+          <p:cNvPr id="20" name="직사각형 19">
+            <a:extLst>
+              <a:ext uri="{FF2B5EF4-FFF2-40B4-BE49-F238E27FC236}">
+                <a16:creationId xmlns:a16="http://schemas.microsoft.com/office/drawing/2014/main" id="{3FD71A41-A53B-C6DC-349D-AB8726B1E2E9}"/>
+              </a:ext>
+            </a:extLst>
+          </p:cNvPr>
+          <p:cNvSpPr/>
+          <p:nvPr/>
+        </p:nvSpPr>
+        <p:spPr>
+          <a:xfrm>
+            <a:off x="7337711" y="2077570"/>
+            <a:ext cx="2278934" cy="3329332"/>
+          </a:xfrm>
+          <a:prstGeom prst="rect">
+            <a:avLst/>
+          </a:prstGeom>
+          <a:solidFill>
+            <a:schemeClr val="bg1">
+              <a:alpha val="69000"/>
+            </a:schemeClr>
+          </a:solidFill>
+        </p:spPr>
+        <p:style>
+          <a:lnRef idx="2">
+            <a:schemeClr val="accent1">
+              <a:shade val="50000"/>
+            </a:schemeClr>
+          </a:lnRef>
+          <a:fillRef idx="1">
+            <a:schemeClr val="accent1"/>
+          </a:fillRef>
+          <a:effectRef idx="0">
+            <a:schemeClr val="accent1"/>
+          </a:effectRef>
+          <a:fontRef idx="minor">
+            <a:schemeClr val="lt1"/>
+          </a:fontRef>
+        </p:style>
+        <p:txBody>
+          <a:bodyPr rtlCol="0" anchor="ctr"/>
+          <a:lstStyle/>
+          <a:p>
+            <a:pPr algn="ctr"/>
+            <a:r>
+              <a:rPr lang="ko-KR" altLang="en-US" dirty="0" smtClean="0">
+                <a:solidFill>
+                  <a:schemeClr val="tx1"/>
+                </a:solidFill>
+              </a:rPr>
+              <a:t>주간 날씨</a:t>
+            </a:r>
+            <a:endParaRPr lang="ko-KR" altLang="en-US" dirty="0">
+              <a:solidFill>
+                <a:schemeClr val="tx1"/>
+              </a:solidFill>
+            </a:endParaRPr>
+          </a:p>
+        </p:txBody>
+      </p:sp>
+      <p:pic>
+        <p:nvPicPr>
+          <p:cNvPr id="22" name="그림 21"/>
+          <p:cNvPicPr>
+            <a:picLocks noChangeAspect="1"/>
+          </p:cNvPicPr>
+          <p:nvPr/>
+        </p:nvPicPr>
+        <p:blipFill>
+          <a:blip r:embed="rId5"/>
+          <a:stretch>
+            <a:fillRect/>
+          </a:stretch>
+        </p:blipFill>
+        <p:spPr>
+          <a:xfrm>
+            <a:off x="1812757" y="181588"/>
+            <a:ext cx="8566485" cy="401079"/>
+          </a:xfrm>
+          <a:prstGeom prst="rect">
+            <a:avLst/>
+          </a:prstGeom>
+        </p:spPr>
+      </p:pic>
     </p:spTree>
     <p:extLst>
       <p:ext uri="{BB962C8B-B14F-4D97-AF65-F5344CB8AC3E}">
-        <p14:creationId xmlns:p14="http://schemas.microsoft.com/office/powerpoint/2010/main" val="2763112081"/>
+        <p14:creationId xmlns:p14="http://schemas.microsoft.com/office/powerpoint/2010/main" val="1064139990"/>
       </p:ext>
     </p:extLst>
   </p:cSld>
@@ -3893,15 +4551,183 @@
           </a:prstGeom>
         </p:spPr>
       </p:pic>
+      <p:sp>
+        <p:nvSpPr>
+          <p:cNvPr id="2" name="직사각형 1">
+            <a:extLst>
+              <a:ext uri="{FF2B5EF4-FFF2-40B4-BE49-F238E27FC236}">
+                <a16:creationId xmlns:a16="http://schemas.microsoft.com/office/drawing/2014/main" id="{8EE18A7B-D9C7-0634-9830-FF966971084C}"/>
+              </a:ext>
+            </a:extLst>
+          </p:cNvPr>
+          <p:cNvSpPr/>
+          <p:nvPr/>
+        </p:nvSpPr>
+        <p:spPr>
+          <a:xfrm>
+            <a:off x="2313709" y="2196280"/>
+            <a:ext cx="4382654" cy="3484084"/>
+          </a:xfrm>
+          <a:prstGeom prst="rect">
+            <a:avLst/>
+          </a:prstGeom>
+          <a:solidFill>
+            <a:schemeClr val="bg1">
+              <a:alpha val="69000"/>
+            </a:schemeClr>
+          </a:solidFill>
+        </p:spPr>
+        <p:style>
+          <a:lnRef idx="2">
+            <a:schemeClr val="accent1">
+              <a:shade val="50000"/>
+            </a:schemeClr>
+          </a:lnRef>
+          <a:fillRef idx="1">
+            <a:schemeClr val="accent1"/>
+          </a:fillRef>
+          <a:effectRef idx="0">
+            <a:schemeClr val="accent1"/>
+          </a:effectRef>
+          <a:fontRef idx="minor">
+            <a:schemeClr val="lt1"/>
+          </a:fontRef>
+        </p:style>
+        <p:txBody>
+          <a:bodyPr rtlCol="0" anchor="ctr"/>
+          <a:lstStyle/>
+          <a:p>
+            <a:pPr algn="ctr"/>
+            <a:r>
+              <a:rPr lang="ko-KR" altLang="en-US" dirty="0">
+                <a:solidFill>
+                  <a:schemeClr val="tx1"/>
+                </a:solidFill>
+              </a:rPr>
+              <a:t>맵</a:t>
+            </a:r>
+          </a:p>
+        </p:txBody>
+      </p:sp>
+      <p:sp>
+        <p:nvSpPr>
+          <p:cNvPr id="3" name="직사각형 2">
+            <a:extLst>
+              <a:ext uri="{FF2B5EF4-FFF2-40B4-BE49-F238E27FC236}">
+                <a16:creationId xmlns:a16="http://schemas.microsoft.com/office/drawing/2014/main" id="{3F8D0F82-37F8-2D5F-32C0-0F5E4CA19D9D}"/>
+              </a:ext>
+            </a:extLst>
+          </p:cNvPr>
+          <p:cNvSpPr/>
+          <p:nvPr/>
+        </p:nvSpPr>
+        <p:spPr>
+          <a:xfrm>
+            <a:off x="2313709" y="1049234"/>
+            <a:ext cx="4382654" cy="994884"/>
+          </a:xfrm>
+          <a:prstGeom prst="rect">
+            <a:avLst/>
+          </a:prstGeom>
+          <a:solidFill>
+            <a:schemeClr val="bg1">
+              <a:alpha val="69000"/>
+            </a:schemeClr>
+          </a:solidFill>
+        </p:spPr>
+        <p:style>
+          <a:lnRef idx="2">
+            <a:schemeClr val="accent1">
+              <a:shade val="50000"/>
+            </a:schemeClr>
+          </a:lnRef>
+          <a:fillRef idx="1">
+            <a:schemeClr val="accent1"/>
+          </a:fillRef>
+          <a:effectRef idx="0">
+            <a:schemeClr val="accent1"/>
+          </a:effectRef>
+          <a:fontRef idx="minor">
+            <a:schemeClr val="lt1"/>
+          </a:fontRef>
+        </p:style>
+        <p:txBody>
+          <a:bodyPr rtlCol="0" anchor="ctr"/>
+          <a:lstStyle/>
+          <a:p>
+            <a:pPr algn="ctr"/>
+            <a:r>
+              <a:rPr lang="ko-KR" altLang="en-US" dirty="0">
+                <a:solidFill>
+                  <a:schemeClr val="tx1"/>
+                </a:solidFill>
+              </a:rPr>
+              <a:t>관광지 조회 검색</a:t>
+            </a:r>
+          </a:p>
+        </p:txBody>
+      </p:sp>
+      <p:sp>
+        <p:nvSpPr>
+          <p:cNvPr id="4" name="직사각형 3">
+            <a:extLst>
+              <a:ext uri="{FF2B5EF4-FFF2-40B4-BE49-F238E27FC236}">
+                <a16:creationId xmlns:a16="http://schemas.microsoft.com/office/drawing/2014/main" id="{2510843B-90EB-0EDD-F0B6-2E451B0541EC}"/>
+              </a:ext>
+            </a:extLst>
+          </p:cNvPr>
+          <p:cNvSpPr/>
+          <p:nvPr/>
+        </p:nvSpPr>
+        <p:spPr>
+          <a:xfrm>
+            <a:off x="7148945" y="1049234"/>
+            <a:ext cx="2618511" cy="4631130"/>
+          </a:xfrm>
+          <a:prstGeom prst="rect">
+            <a:avLst/>
+          </a:prstGeom>
+          <a:solidFill>
+            <a:schemeClr val="bg1">
+              <a:alpha val="69000"/>
+            </a:schemeClr>
+          </a:solidFill>
+        </p:spPr>
+        <p:style>
+          <a:lnRef idx="2">
+            <a:schemeClr val="accent1">
+              <a:shade val="50000"/>
+            </a:schemeClr>
+          </a:lnRef>
+          <a:fillRef idx="1">
+            <a:schemeClr val="accent1"/>
+          </a:fillRef>
+          <a:effectRef idx="0">
+            <a:schemeClr val="accent1"/>
+          </a:effectRef>
+          <a:fontRef idx="minor">
+            <a:schemeClr val="lt1"/>
+          </a:fontRef>
+        </p:style>
+        <p:txBody>
+          <a:bodyPr rtlCol="0" anchor="ctr"/>
+          <a:lstStyle/>
+          <a:p>
+            <a:pPr algn="ctr"/>
+            <a:r>
+              <a:rPr lang="ko-KR" altLang="en-US" dirty="0">
+                <a:solidFill>
+                  <a:schemeClr val="tx1"/>
+                </a:solidFill>
+              </a:rPr>
+              <a:t>리스트</a:t>
+            </a:r>
+          </a:p>
+        </p:txBody>
+      </p:sp>
       <p:pic>
         <p:nvPicPr>
-          <p:cNvPr id="36" name="그림 35">
-            <a:extLst>
-              <a:ext uri="{FF2B5EF4-FFF2-40B4-BE49-F238E27FC236}">
-                <a16:creationId xmlns:a16="http://schemas.microsoft.com/office/drawing/2014/main" id="{51F75FA0-038A-83D0-EB25-9C80F6CD446F}"/>
-              </a:ext>
-            </a:extLst>
-          </p:cNvPr>
+          <p:cNvPr id="9" name="그림 8"/>
           <p:cNvPicPr>
             <a:picLocks noChangeAspect="1"/>
           </p:cNvPicPr>
@@ -3915,188 +4741,14 @@
         </p:blipFill>
         <p:spPr>
           <a:xfrm>
-            <a:off x="1812757" y="187371"/>
-            <a:ext cx="8633570" cy="459174"/>
+            <a:off x="1812757" y="181588"/>
+            <a:ext cx="8566485" cy="401079"/>
           </a:xfrm>
           <a:prstGeom prst="rect">
             <a:avLst/>
           </a:prstGeom>
         </p:spPr>
       </p:pic>
-      <p:sp>
-        <p:nvSpPr>
-          <p:cNvPr id="2" name="직사각형 1">
-            <a:extLst>
-              <a:ext uri="{FF2B5EF4-FFF2-40B4-BE49-F238E27FC236}">
-                <a16:creationId xmlns:a16="http://schemas.microsoft.com/office/drawing/2014/main" id="{8EE18A7B-D9C7-0634-9830-FF966971084C}"/>
-              </a:ext>
-            </a:extLst>
-          </p:cNvPr>
-          <p:cNvSpPr/>
-          <p:nvPr/>
-        </p:nvSpPr>
-        <p:spPr>
-          <a:xfrm>
-            <a:off x="2313709" y="2196280"/>
-            <a:ext cx="4382654" cy="3484084"/>
-          </a:xfrm>
-          <a:prstGeom prst="rect">
-            <a:avLst/>
-          </a:prstGeom>
-          <a:solidFill>
-            <a:schemeClr val="bg1">
-              <a:alpha val="69000"/>
-            </a:schemeClr>
-          </a:solidFill>
-        </p:spPr>
-        <p:style>
-          <a:lnRef idx="2">
-            <a:schemeClr val="accent1">
-              <a:shade val="50000"/>
-            </a:schemeClr>
-          </a:lnRef>
-          <a:fillRef idx="1">
-            <a:schemeClr val="accent1"/>
-          </a:fillRef>
-          <a:effectRef idx="0">
-            <a:schemeClr val="accent1"/>
-          </a:effectRef>
-          <a:fontRef idx="minor">
-            <a:schemeClr val="lt1"/>
-          </a:fontRef>
-        </p:style>
-        <p:txBody>
-          <a:bodyPr rtlCol="0" anchor="ctr"/>
-          <a:lstStyle/>
-          <a:p>
-            <a:pPr algn="ctr"/>
-            <a:r>
-              <a:rPr lang="ko-KR" altLang="en-US" dirty="0">
-                <a:solidFill>
-                  <a:schemeClr val="tx1"/>
-                </a:solidFill>
-              </a:rPr>
-              <a:t>맵</a:t>
-            </a:r>
-          </a:p>
-        </p:txBody>
-      </p:sp>
-      <p:sp>
-        <p:nvSpPr>
-          <p:cNvPr id="3" name="직사각형 2">
-            <a:extLst>
-              <a:ext uri="{FF2B5EF4-FFF2-40B4-BE49-F238E27FC236}">
-                <a16:creationId xmlns:a16="http://schemas.microsoft.com/office/drawing/2014/main" id="{3F8D0F82-37F8-2D5F-32C0-0F5E4CA19D9D}"/>
-              </a:ext>
-            </a:extLst>
-          </p:cNvPr>
-          <p:cNvSpPr/>
-          <p:nvPr/>
-        </p:nvSpPr>
-        <p:spPr>
-          <a:xfrm>
-            <a:off x="2313709" y="1049234"/>
-            <a:ext cx="4382654" cy="994884"/>
-          </a:xfrm>
-          <a:prstGeom prst="rect">
-            <a:avLst/>
-          </a:prstGeom>
-          <a:solidFill>
-            <a:schemeClr val="bg1">
-              <a:alpha val="69000"/>
-            </a:schemeClr>
-          </a:solidFill>
-        </p:spPr>
-        <p:style>
-          <a:lnRef idx="2">
-            <a:schemeClr val="accent1">
-              <a:shade val="50000"/>
-            </a:schemeClr>
-          </a:lnRef>
-          <a:fillRef idx="1">
-            <a:schemeClr val="accent1"/>
-          </a:fillRef>
-          <a:effectRef idx="0">
-            <a:schemeClr val="accent1"/>
-          </a:effectRef>
-          <a:fontRef idx="minor">
-            <a:schemeClr val="lt1"/>
-          </a:fontRef>
-        </p:style>
-        <p:txBody>
-          <a:bodyPr rtlCol="0" anchor="ctr"/>
-          <a:lstStyle/>
-          <a:p>
-            <a:pPr algn="ctr"/>
-            <a:r>
-              <a:rPr lang="ko-KR" altLang="en-US" dirty="0">
-                <a:solidFill>
-                  <a:schemeClr val="tx1"/>
-                </a:solidFill>
-              </a:rPr>
-              <a:t>관광지 조회 검색</a:t>
-            </a:r>
-          </a:p>
-        </p:txBody>
-      </p:sp>
-      <p:sp>
-        <p:nvSpPr>
-          <p:cNvPr id="4" name="직사각형 3">
-            <a:extLst>
-              <a:ext uri="{FF2B5EF4-FFF2-40B4-BE49-F238E27FC236}">
-                <a16:creationId xmlns:a16="http://schemas.microsoft.com/office/drawing/2014/main" id="{2510843B-90EB-0EDD-F0B6-2E451B0541EC}"/>
-              </a:ext>
-            </a:extLst>
-          </p:cNvPr>
-          <p:cNvSpPr/>
-          <p:nvPr/>
-        </p:nvSpPr>
-        <p:spPr>
-          <a:xfrm>
-            <a:off x="7148945" y="1049234"/>
-            <a:ext cx="2618511" cy="4631130"/>
-          </a:xfrm>
-          <a:prstGeom prst="rect">
-            <a:avLst/>
-          </a:prstGeom>
-          <a:solidFill>
-            <a:schemeClr val="bg1">
-              <a:alpha val="69000"/>
-            </a:schemeClr>
-          </a:solidFill>
-        </p:spPr>
-        <p:style>
-          <a:lnRef idx="2">
-            <a:schemeClr val="accent1">
-              <a:shade val="50000"/>
-            </a:schemeClr>
-          </a:lnRef>
-          <a:fillRef idx="1">
-            <a:schemeClr val="accent1"/>
-          </a:fillRef>
-          <a:effectRef idx="0">
-            <a:schemeClr val="accent1"/>
-          </a:effectRef>
-          <a:fontRef idx="minor">
-            <a:schemeClr val="lt1"/>
-          </a:fontRef>
-        </p:style>
-        <p:txBody>
-          <a:bodyPr rtlCol="0" anchor="ctr"/>
-          <a:lstStyle/>
-          <a:p>
-            <a:pPr algn="ctr"/>
-            <a:r>
-              <a:rPr lang="ko-KR" altLang="en-US" dirty="0">
-                <a:solidFill>
-                  <a:schemeClr val="tx1"/>
-                </a:solidFill>
-              </a:rPr>
-              <a:t>리스트</a:t>
-            </a:r>
-          </a:p>
-        </p:txBody>
-      </p:sp>
     </p:spTree>
     <p:extLst>
       <p:ext uri="{BB962C8B-B14F-4D97-AF65-F5344CB8AC3E}">
@@ -4248,15 +4900,415 @@
           </a:prstGeom>
         </p:spPr>
       </p:pic>
+      <p:sp>
+        <p:nvSpPr>
+          <p:cNvPr id="3" name="직사각형 2">
+            <a:extLst>
+              <a:ext uri="{FF2B5EF4-FFF2-40B4-BE49-F238E27FC236}">
+                <a16:creationId xmlns:a16="http://schemas.microsoft.com/office/drawing/2014/main" id="{3F8D0F82-37F8-2D5F-32C0-0F5E4CA19D9D}"/>
+              </a:ext>
+            </a:extLst>
+          </p:cNvPr>
+          <p:cNvSpPr/>
+          <p:nvPr/>
+        </p:nvSpPr>
+        <p:spPr>
+          <a:xfrm>
+            <a:off x="2313709" y="1049234"/>
+            <a:ext cx="7661564" cy="587061"/>
+          </a:xfrm>
+          <a:prstGeom prst="rect">
+            <a:avLst/>
+          </a:prstGeom>
+          <a:solidFill>
+            <a:schemeClr val="bg1">
+              <a:alpha val="69000"/>
+            </a:schemeClr>
+          </a:solidFill>
+        </p:spPr>
+        <p:style>
+          <a:lnRef idx="2">
+            <a:schemeClr val="accent1">
+              <a:shade val="50000"/>
+            </a:schemeClr>
+          </a:lnRef>
+          <a:fillRef idx="1">
+            <a:schemeClr val="accent1"/>
+          </a:fillRef>
+          <a:effectRef idx="0">
+            <a:schemeClr val="accent1"/>
+          </a:effectRef>
+          <a:fontRef idx="minor">
+            <a:schemeClr val="lt1"/>
+          </a:fontRef>
+        </p:style>
+        <p:txBody>
+          <a:bodyPr rtlCol="0" anchor="ctr"/>
+          <a:lstStyle/>
+          <a:p>
+            <a:pPr algn="ctr"/>
+            <a:r>
+              <a:rPr lang="ko-KR" altLang="en-US" dirty="0" smtClean="0">
+                <a:solidFill>
+                  <a:schemeClr val="tx1"/>
+                </a:solidFill>
+              </a:rPr>
+              <a:t>그룹 플랜</a:t>
+            </a:r>
+            <a:endParaRPr lang="ko-KR" altLang="en-US" dirty="0">
+              <a:solidFill>
+                <a:schemeClr val="tx1"/>
+              </a:solidFill>
+            </a:endParaRPr>
+          </a:p>
+        </p:txBody>
+      </p:sp>
+      <p:sp>
+        <p:nvSpPr>
+          <p:cNvPr id="12" name="직사각형 11">
+            <a:extLst>
+              <a:ext uri="{FF2B5EF4-FFF2-40B4-BE49-F238E27FC236}">
+                <a16:creationId xmlns:a16="http://schemas.microsoft.com/office/drawing/2014/main" id="{598D4036-4C7D-78D9-D5B4-3B7ED40CB267}"/>
+              </a:ext>
+            </a:extLst>
+          </p:cNvPr>
+          <p:cNvSpPr/>
+          <p:nvPr/>
+        </p:nvSpPr>
+        <p:spPr>
+          <a:xfrm>
+            <a:off x="8238067" y="1973978"/>
+            <a:ext cx="1527079" cy="342592"/>
+          </a:xfrm>
+          <a:prstGeom prst="rect">
+            <a:avLst/>
+          </a:prstGeom>
+          <a:solidFill>
+            <a:schemeClr val="bg1">
+              <a:alpha val="69000"/>
+            </a:schemeClr>
+          </a:solidFill>
+        </p:spPr>
+        <p:style>
+          <a:lnRef idx="2">
+            <a:schemeClr val="accent1">
+              <a:shade val="50000"/>
+            </a:schemeClr>
+          </a:lnRef>
+          <a:fillRef idx="1">
+            <a:schemeClr val="accent1"/>
+          </a:fillRef>
+          <a:effectRef idx="0">
+            <a:schemeClr val="accent1"/>
+          </a:effectRef>
+          <a:fontRef idx="minor">
+            <a:schemeClr val="lt1"/>
+          </a:fontRef>
+        </p:style>
+        <p:txBody>
+          <a:bodyPr rtlCol="0" anchor="ctr"/>
+          <a:lstStyle/>
+          <a:p>
+            <a:pPr algn="ctr"/>
+            <a:r>
+              <a:rPr lang="ko-KR" altLang="en-US" dirty="0" smtClean="0">
+                <a:solidFill>
+                  <a:schemeClr val="tx1"/>
+                </a:solidFill>
+              </a:rPr>
+              <a:t>그룹</a:t>
+            </a:r>
+            <a:r>
+              <a:rPr lang="ko-KR" altLang="en-US" dirty="0" smtClean="0">
+                <a:solidFill>
+                  <a:schemeClr val="tx1"/>
+                </a:solidFill>
+              </a:rPr>
+              <a:t> </a:t>
+            </a:r>
+            <a:r>
+              <a:rPr lang="ko-KR" altLang="en-US" dirty="0">
+                <a:solidFill>
+                  <a:schemeClr val="tx1"/>
+                </a:solidFill>
+              </a:rPr>
+              <a:t>만들기</a:t>
+            </a:r>
+          </a:p>
+        </p:txBody>
+      </p:sp>
+      <p:sp>
+        <p:nvSpPr>
+          <p:cNvPr id="9" name="직사각형 8">
+            <a:extLst>
+              <a:ext uri="{FF2B5EF4-FFF2-40B4-BE49-F238E27FC236}">
+                <a16:creationId xmlns:a16="http://schemas.microsoft.com/office/drawing/2014/main" id="{3F8D0F82-37F8-2D5F-32C0-0F5E4CA19D9D}"/>
+              </a:ext>
+            </a:extLst>
+          </p:cNvPr>
+          <p:cNvSpPr/>
+          <p:nvPr/>
+        </p:nvSpPr>
+        <p:spPr>
+          <a:xfrm>
+            <a:off x="2313709" y="1950173"/>
+            <a:ext cx="1185949" cy="366397"/>
+          </a:xfrm>
+          <a:prstGeom prst="rect">
+            <a:avLst/>
+          </a:prstGeom>
+          <a:solidFill>
+            <a:schemeClr val="bg1">
+              <a:alpha val="69000"/>
+            </a:schemeClr>
+          </a:solidFill>
+        </p:spPr>
+        <p:style>
+          <a:lnRef idx="2">
+            <a:schemeClr val="accent1">
+              <a:shade val="50000"/>
+            </a:schemeClr>
+          </a:lnRef>
+          <a:fillRef idx="1">
+            <a:schemeClr val="accent1"/>
+          </a:fillRef>
+          <a:effectRef idx="0">
+            <a:schemeClr val="accent1"/>
+          </a:effectRef>
+          <a:fontRef idx="minor">
+            <a:schemeClr val="lt1"/>
+          </a:fontRef>
+        </p:style>
+        <p:txBody>
+          <a:bodyPr rtlCol="0" anchor="ctr"/>
+          <a:lstStyle/>
+          <a:p>
+            <a:pPr algn="ctr"/>
+            <a:r>
+              <a:rPr lang="ko-KR" altLang="en-US" dirty="0" smtClean="0">
+                <a:solidFill>
+                  <a:schemeClr val="tx1"/>
+                </a:solidFill>
+              </a:rPr>
+              <a:t>전체</a:t>
+            </a:r>
+            <a:endParaRPr lang="ko-KR" altLang="en-US" dirty="0">
+              <a:solidFill>
+                <a:schemeClr val="tx1"/>
+              </a:solidFill>
+            </a:endParaRPr>
+          </a:p>
+        </p:txBody>
+      </p:sp>
+      <p:sp>
+        <p:nvSpPr>
+          <p:cNvPr id="14" name="직사각형 13">
+            <a:extLst>
+              <a:ext uri="{FF2B5EF4-FFF2-40B4-BE49-F238E27FC236}">
+                <a16:creationId xmlns:a16="http://schemas.microsoft.com/office/drawing/2014/main" id="{3F8D0F82-37F8-2D5F-32C0-0F5E4CA19D9D}"/>
+              </a:ext>
+            </a:extLst>
+          </p:cNvPr>
+          <p:cNvSpPr/>
+          <p:nvPr/>
+        </p:nvSpPr>
+        <p:spPr>
+          <a:xfrm>
+            <a:off x="2313709" y="2503941"/>
+            <a:ext cx="7613072" cy="3198590"/>
+          </a:xfrm>
+          <a:prstGeom prst="rect">
+            <a:avLst/>
+          </a:prstGeom>
+          <a:solidFill>
+            <a:schemeClr val="bg1">
+              <a:alpha val="69000"/>
+            </a:schemeClr>
+          </a:solidFill>
+        </p:spPr>
+        <p:style>
+          <a:lnRef idx="2">
+            <a:schemeClr val="accent1">
+              <a:shade val="50000"/>
+            </a:schemeClr>
+          </a:lnRef>
+          <a:fillRef idx="1">
+            <a:schemeClr val="accent1"/>
+          </a:fillRef>
+          <a:effectRef idx="0">
+            <a:schemeClr val="accent1"/>
+          </a:effectRef>
+          <a:fontRef idx="minor">
+            <a:schemeClr val="lt1"/>
+          </a:fontRef>
+        </p:style>
+        <p:txBody>
+          <a:bodyPr rtlCol="0" anchor="ctr"/>
+          <a:lstStyle/>
+          <a:p>
+            <a:pPr algn="ctr"/>
+            <a:r>
+              <a:rPr lang="ko-KR" altLang="en-US" dirty="0" smtClean="0">
+                <a:solidFill>
+                  <a:schemeClr val="tx1"/>
+                </a:solidFill>
+              </a:rPr>
+              <a:t>번호</a:t>
+            </a:r>
+            <a:r>
+              <a:rPr lang="en-US" altLang="ko-KR" dirty="0" smtClean="0">
+                <a:solidFill>
+                  <a:schemeClr val="tx1"/>
+                </a:solidFill>
+              </a:rPr>
+              <a:t>/ </a:t>
+            </a:r>
+            <a:r>
+              <a:rPr lang="ko-KR" altLang="en-US" dirty="0" smtClean="0">
+                <a:solidFill>
+                  <a:schemeClr val="tx1"/>
+                </a:solidFill>
+              </a:rPr>
+              <a:t>제목 </a:t>
+            </a:r>
+            <a:r>
+              <a:rPr lang="en-US" altLang="ko-KR" dirty="0" smtClean="0">
+                <a:solidFill>
+                  <a:schemeClr val="tx1"/>
+                </a:solidFill>
+              </a:rPr>
+              <a:t>/ </a:t>
+            </a:r>
+            <a:r>
+              <a:rPr lang="ko-KR" altLang="en-US" dirty="0" smtClean="0">
+                <a:solidFill>
+                  <a:schemeClr val="tx1"/>
+                </a:solidFill>
+              </a:rPr>
+              <a:t>방장 </a:t>
+            </a:r>
+            <a:r>
+              <a:rPr lang="en-US" altLang="ko-KR" dirty="0" smtClean="0">
+                <a:solidFill>
+                  <a:schemeClr val="tx1"/>
+                </a:solidFill>
+              </a:rPr>
+              <a:t>/ </a:t>
+            </a:r>
+            <a:r>
+              <a:rPr lang="ko-KR" altLang="en-US" dirty="0" smtClean="0">
+                <a:solidFill>
+                  <a:schemeClr val="tx1"/>
+                </a:solidFill>
+              </a:rPr>
+              <a:t>여행 시작 날짜 </a:t>
+            </a:r>
+            <a:r>
+              <a:rPr lang="en-US" altLang="ko-KR" dirty="0" smtClean="0">
+                <a:solidFill>
+                  <a:schemeClr val="tx1"/>
+                </a:solidFill>
+              </a:rPr>
+              <a:t>/ </a:t>
+            </a:r>
+            <a:r>
+              <a:rPr lang="ko-KR" altLang="en-US" dirty="0" smtClean="0">
+                <a:solidFill>
+                  <a:schemeClr val="tx1"/>
+                </a:solidFill>
+              </a:rPr>
+              <a:t>여행 종료 날짜 </a:t>
+            </a:r>
+            <a:r>
+              <a:rPr lang="en-US" altLang="ko-KR" dirty="0" smtClean="0">
+                <a:solidFill>
+                  <a:schemeClr val="tx1"/>
+                </a:solidFill>
+              </a:rPr>
+              <a:t>/ </a:t>
+            </a:r>
+            <a:r>
+              <a:rPr lang="ko-KR" altLang="en-US" dirty="0" smtClean="0">
+                <a:solidFill>
+                  <a:schemeClr val="tx1"/>
+                </a:solidFill>
+              </a:rPr>
+              <a:t>인원 수</a:t>
+            </a:r>
+            <a:endParaRPr lang="ko-KR" altLang="en-US" dirty="0">
+              <a:solidFill>
+                <a:schemeClr val="tx1"/>
+              </a:solidFill>
+            </a:endParaRPr>
+          </a:p>
+        </p:txBody>
+      </p:sp>
+      <p:sp>
+        <p:nvSpPr>
+          <p:cNvPr id="15" name="직사각형 14">
+            <a:extLst>
+              <a:ext uri="{FF2B5EF4-FFF2-40B4-BE49-F238E27FC236}">
+                <a16:creationId xmlns:a16="http://schemas.microsoft.com/office/drawing/2014/main" id="{3F8D0F82-37F8-2D5F-32C0-0F5E4CA19D9D}"/>
+              </a:ext>
+            </a:extLst>
+          </p:cNvPr>
+          <p:cNvSpPr/>
+          <p:nvPr/>
+        </p:nvSpPr>
+        <p:spPr>
+          <a:xfrm>
+            <a:off x="3725950" y="1950173"/>
+            <a:ext cx="1153622" cy="366397"/>
+          </a:xfrm>
+          <a:prstGeom prst="rect">
+            <a:avLst/>
+          </a:prstGeom>
+          <a:solidFill>
+            <a:schemeClr val="bg1">
+              <a:alpha val="69000"/>
+            </a:schemeClr>
+          </a:solidFill>
+        </p:spPr>
+        <p:style>
+          <a:lnRef idx="2">
+            <a:schemeClr val="accent1">
+              <a:shade val="50000"/>
+            </a:schemeClr>
+          </a:lnRef>
+          <a:fillRef idx="1">
+            <a:schemeClr val="accent1"/>
+          </a:fillRef>
+          <a:effectRef idx="0">
+            <a:schemeClr val="accent1"/>
+          </a:effectRef>
+          <a:fontRef idx="minor">
+            <a:schemeClr val="lt1"/>
+          </a:fontRef>
+        </p:style>
+        <p:txBody>
+          <a:bodyPr rtlCol="0" anchor="ctr"/>
+          <a:lstStyle/>
+          <a:p>
+            <a:pPr algn="ctr"/>
+            <a:r>
+              <a:rPr lang="ko-KR" altLang="en-US" dirty="0" smtClean="0">
+                <a:solidFill>
+                  <a:schemeClr val="tx1"/>
+                </a:solidFill>
+              </a:rPr>
+              <a:t>내 그룹</a:t>
+            </a:r>
+            <a:endParaRPr lang="ko-KR" altLang="en-US" dirty="0">
+              <a:solidFill>
+                <a:schemeClr val="tx1"/>
+              </a:solidFill>
+            </a:endParaRPr>
+          </a:p>
+        </p:txBody>
+      </p:sp>
       <p:pic>
         <p:nvPicPr>
-          <p:cNvPr id="36" name="그림 35">
-            <a:extLst>
-              <a:ext uri="{FF2B5EF4-FFF2-40B4-BE49-F238E27FC236}">
-                <a16:creationId xmlns:a16="http://schemas.microsoft.com/office/drawing/2014/main" id="{51F75FA0-038A-83D0-EB25-9C80F6CD446F}"/>
-              </a:ext>
-            </a:extLst>
-          </p:cNvPr>
+          <p:cNvPr id="2" name="그림 1"/>
           <p:cNvPicPr>
             <a:picLocks noChangeAspect="1"/>
           </p:cNvPicPr>
@@ -4270,240 +5322,18 @@
         </p:blipFill>
         <p:spPr>
           <a:xfrm>
-            <a:off x="1812757" y="187371"/>
-            <a:ext cx="8633570" cy="459174"/>
+            <a:off x="1812757" y="181588"/>
+            <a:ext cx="8566485" cy="401079"/>
           </a:xfrm>
           <a:prstGeom prst="rect">
             <a:avLst/>
           </a:prstGeom>
         </p:spPr>
       </p:pic>
-      <p:sp>
-        <p:nvSpPr>
-          <p:cNvPr id="3" name="직사각형 2">
-            <a:extLst>
-              <a:ext uri="{FF2B5EF4-FFF2-40B4-BE49-F238E27FC236}">
-                <a16:creationId xmlns:a16="http://schemas.microsoft.com/office/drawing/2014/main" id="{3F8D0F82-37F8-2D5F-32C0-0F5E4CA19D9D}"/>
-              </a:ext>
-            </a:extLst>
-          </p:cNvPr>
-          <p:cNvSpPr/>
-          <p:nvPr/>
-        </p:nvSpPr>
-        <p:spPr>
-          <a:xfrm>
-            <a:off x="2313709" y="1049234"/>
-            <a:ext cx="7661564" cy="994884"/>
-          </a:xfrm>
-          <a:prstGeom prst="rect">
-            <a:avLst/>
-          </a:prstGeom>
-          <a:solidFill>
-            <a:schemeClr val="bg1">
-              <a:alpha val="69000"/>
-            </a:schemeClr>
-          </a:solidFill>
-        </p:spPr>
-        <p:style>
-          <a:lnRef idx="2">
-            <a:schemeClr val="accent1">
-              <a:shade val="50000"/>
-            </a:schemeClr>
-          </a:lnRef>
-          <a:fillRef idx="1">
-            <a:schemeClr val="accent1"/>
-          </a:fillRef>
-          <a:effectRef idx="0">
-            <a:schemeClr val="accent1"/>
-          </a:effectRef>
-          <a:fontRef idx="minor">
-            <a:schemeClr val="lt1"/>
-          </a:fontRef>
-        </p:style>
-        <p:txBody>
-          <a:bodyPr rtlCol="0" anchor="ctr"/>
-          <a:lstStyle/>
-          <a:p>
-            <a:pPr algn="ctr"/>
-            <a:r>
-              <a:rPr lang="ko-KR" altLang="en-US" dirty="0">
-                <a:solidFill>
-                  <a:schemeClr val="tx1"/>
-                </a:solidFill>
-              </a:rPr>
-              <a:t>공지사항</a:t>
-            </a:r>
-          </a:p>
-        </p:txBody>
-      </p:sp>
-      <p:sp>
-        <p:nvSpPr>
-          <p:cNvPr id="6" name="직사각형 5">
-            <a:extLst>
-              <a:ext uri="{FF2B5EF4-FFF2-40B4-BE49-F238E27FC236}">
-                <a16:creationId xmlns:a16="http://schemas.microsoft.com/office/drawing/2014/main" id="{93A48854-3D49-9FD7-F64C-FB8151AA3538}"/>
-              </a:ext>
-            </a:extLst>
-          </p:cNvPr>
-          <p:cNvSpPr/>
-          <p:nvPr/>
-        </p:nvSpPr>
-        <p:spPr>
-          <a:xfrm>
-            <a:off x="2320636" y="2196280"/>
-            <a:ext cx="7661564" cy="3484084"/>
-          </a:xfrm>
-          <a:prstGeom prst="rect">
-            <a:avLst/>
-          </a:prstGeom>
-          <a:solidFill>
-            <a:schemeClr val="bg1">
-              <a:alpha val="69000"/>
-            </a:schemeClr>
-          </a:solidFill>
-        </p:spPr>
-        <p:style>
-          <a:lnRef idx="2">
-            <a:schemeClr val="accent1">
-              <a:shade val="50000"/>
-            </a:schemeClr>
-          </a:lnRef>
-          <a:fillRef idx="1">
-            <a:schemeClr val="accent1"/>
-          </a:fillRef>
-          <a:effectRef idx="0">
-            <a:schemeClr val="accent1"/>
-          </a:effectRef>
-          <a:fontRef idx="minor">
-            <a:schemeClr val="lt1"/>
-          </a:fontRef>
-        </p:style>
-        <p:txBody>
-          <a:bodyPr rtlCol="0" anchor="ctr"/>
-          <a:lstStyle/>
-          <a:p>
-            <a:pPr algn="ctr"/>
-            <a:r>
-              <a:rPr lang="ko-KR" altLang="en-US" dirty="0">
-                <a:solidFill>
-                  <a:schemeClr val="tx1"/>
-                </a:solidFill>
-              </a:rPr>
-              <a:t>리스트</a:t>
-            </a:r>
-          </a:p>
-        </p:txBody>
-      </p:sp>
-      <p:sp>
-        <p:nvSpPr>
-          <p:cNvPr id="7" name="직사각형 6">
-            <a:extLst>
-              <a:ext uri="{FF2B5EF4-FFF2-40B4-BE49-F238E27FC236}">
-                <a16:creationId xmlns:a16="http://schemas.microsoft.com/office/drawing/2014/main" id="{6795926C-7240-BDAF-8F0E-F7A5CE3A3B31}"/>
-              </a:ext>
-            </a:extLst>
-          </p:cNvPr>
-          <p:cNvSpPr/>
-          <p:nvPr/>
-        </p:nvSpPr>
-        <p:spPr>
-          <a:xfrm>
-            <a:off x="2715491" y="2228015"/>
-            <a:ext cx="7047346" cy="478554"/>
-          </a:xfrm>
-          <a:prstGeom prst="rect">
-            <a:avLst/>
-          </a:prstGeom>
-          <a:solidFill>
-            <a:schemeClr val="bg1">
-              <a:alpha val="69000"/>
-            </a:schemeClr>
-          </a:solidFill>
-        </p:spPr>
-        <p:style>
-          <a:lnRef idx="2">
-            <a:schemeClr val="accent1">
-              <a:shade val="50000"/>
-            </a:schemeClr>
-          </a:lnRef>
-          <a:fillRef idx="1">
-            <a:schemeClr val="accent1"/>
-          </a:fillRef>
-          <a:effectRef idx="0">
-            <a:schemeClr val="accent1"/>
-          </a:effectRef>
-          <a:fontRef idx="minor">
-            <a:schemeClr val="lt1"/>
-          </a:fontRef>
-        </p:style>
-        <p:txBody>
-          <a:bodyPr rtlCol="0" anchor="ctr"/>
-          <a:lstStyle/>
-          <a:p>
-            <a:pPr algn="ctr"/>
-            <a:r>
-              <a:rPr lang="ko-KR" altLang="en-US" dirty="0">
-                <a:solidFill>
-                  <a:schemeClr val="tx1"/>
-                </a:solidFill>
-              </a:rPr>
-              <a:t>번호 </a:t>
-            </a:r>
-            <a:r>
-              <a:rPr lang="en-US" altLang="ko-KR" dirty="0">
-                <a:solidFill>
-                  <a:schemeClr val="tx1"/>
-                </a:solidFill>
-              </a:rPr>
-              <a:t>/ </a:t>
-            </a:r>
-            <a:r>
-              <a:rPr lang="ko-KR" altLang="en-US" dirty="0">
-                <a:solidFill>
-                  <a:schemeClr val="tx1"/>
-                </a:solidFill>
-              </a:rPr>
-              <a:t>제목 </a:t>
-            </a:r>
-            <a:r>
-              <a:rPr lang="en-US" altLang="ko-KR" dirty="0">
-                <a:solidFill>
-                  <a:schemeClr val="tx1"/>
-                </a:solidFill>
-              </a:rPr>
-              <a:t>/ </a:t>
-            </a:r>
-            <a:r>
-              <a:rPr lang="ko-KR" altLang="en-US" dirty="0">
-                <a:solidFill>
-                  <a:schemeClr val="tx1"/>
-                </a:solidFill>
-              </a:rPr>
-              <a:t>작성자 </a:t>
-            </a:r>
-            <a:r>
-              <a:rPr lang="en-US" altLang="ko-KR" dirty="0">
-                <a:solidFill>
-                  <a:schemeClr val="tx1"/>
-                </a:solidFill>
-              </a:rPr>
-              <a:t>/ </a:t>
-            </a:r>
-            <a:r>
-              <a:rPr lang="ko-KR" altLang="en-US" dirty="0">
-                <a:solidFill>
-                  <a:schemeClr val="tx1"/>
-                </a:solidFill>
-              </a:rPr>
-              <a:t>작성 날짜</a:t>
-            </a:r>
-          </a:p>
-        </p:txBody>
-      </p:sp>
     </p:spTree>
     <p:extLst>
       <p:ext uri="{BB962C8B-B14F-4D97-AF65-F5344CB8AC3E}">
-        <p14:creationId xmlns:p14="http://schemas.microsoft.com/office/powerpoint/2010/main" val="62045993"/>
+        <p14:creationId xmlns:p14="http://schemas.microsoft.com/office/powerpoint/2010/main" val="3864224683"/>
       </p:ext>
     </p:extLst>
   </p:cSld>
@@ -4651,15 +5481,309 @@
           </a:prstGeom>
         </p:spPr>
       </p:pic>
+      <p:sp>
+        <p:nvSpPr>
+          <p:cNvPr id="8" name="직사각형 7">
+            <a:extLst>
+              <a:ext uri="{FF2B5EF4-FFF2-40B4-BE49-F238E27FC236}">
+                <a16:creationId xmlns:a16="http://schemas.microsoft.com/office/drawing/2014/main" id="{0DF0AD0C-F28C-C0BA-D9F6-47935286BD32}"/>
+              </a:ext>
+            </a:extLst>
+          </p:cNvPr>
+          <p:cNvSpPr/>
+          <p:nvPr/>
+        </p:nvSpPr>
+        <p:spPr>
+          <a:xfrm>
+            <a:off x="4698077" y="1806119"/>
+            <a:ext cx="2891443" cy="437794"/>
+          </a:xfrm>
+          <a:prstGeom prst="rect">
+            <a:avLst/>
+          </a:prstGeom>
+          <a:solidFill>
+            <a:schemeClr val="bg1">
+              <a:alpha val="69000"/>
+            </a:schemeClr>
+          </a:solidFill>
+        </p:spPr>
+        <p:style>
+          <a:lnRef idx="2">
+            <a:schemeClr val="accent1">
+              <a:shade val="50000"/>
+            </a:schemeClr>
+          </a:lnRef>
+          <a:fillRef idx="1">
+            <a:schemeClr val="accent1"/>
+          </a:fillRef>
+          <a:effectRef idx="0">
+            <a:schemeClr val="accent1"/>
+          </a:effectRef>
+          <a:fontRef idx="minor">
+            <a:schemeClr val="lt1"/>
+          </a:fontRef>
+        </p:style>
+        <p:txBody>
+          <a:bodyPr rtlCol="0" anchor="ctr"/>
+          <a:lstStyle/>
+          <a:p>
+            <a:pPr algn="ctr"/>
+            <a:r>
+              <a:rPr lang="ko-KR" altLang="en-US" dirty="0">
+                <a:solidFill>
+                  <a:schemeClr val="tx1"/>
+                </a:solidFill>
+              </a:rPr>
+              <a:t>방 제목</a:t>
+            </a:r>
+          </a:p>
+        </p:txBody>
+      </p:sp>
+      <p:sp>
+        <p:nvSpPr>
+          <p:cNvPr id="9" name="직사각형 8">
+            <a:extLst>
+              <a:ext uri="{FF2B5EF4-FFF2-40B4-BE49-F238E27FC236}">
+                <a16:creationId xmlns:a16="http://schemas.microsoft.com/office/drawing/2014/main" id="{07AF2F58-677D-1CA5-0893-E967F4065002}"/>
+              </a:ext>
+            </a:extLst>
+          </p:cNvPr>
+          <p:cNvSpPr/>
+          <p:nvPr/>
+        </p:nvSpPr>
+        <p:spPr>
+          <a:xfrm>
+            <a:off x="4705696" y="2651467"/>
+            <a:ext cx="2891444" cy="437794"/>
+          </a:xfrm>
+          <a:prstGeom prst="rect">
+            <a:avLst/>
+          </a:prstGeom>
+          <a:solidFill>
+            <a:schemeClr val="bg1">
+              <a:alpha val="69000"/>
+            </a:schemeClr>
+          </a:solidFill>
+        </p:spPr>
+        <p:style>
+          <a:lnRef idx="2">
+            <a:schemeClr val="accent1">
+              <a:shade val="50000"/>
+            </a:schemeClr>
+          </a:lnRef>
+          <a:fillRef idx="1">
+            <a:schemeClr val="accent1"/>
+          </a:fillRef>
+          <a:effectRef idx="0">
+            <a:schemeClr val="accent1"/>
+          </a:effectRef>
+          <a:fontRef idx="minor">
+            <a:schemeClr val="lt1"/>
+          </a:fontRef>
+        </p:style>
+        <p:txBody>
+          <a:bodyPr rtlCol="0" anchor="ctr"/>
+          <a:lstStyle/>
+          <a:p>
+            <a:pPr algn="ctr"/>
+            <a:r>
+              <a:rPr lang="ko-KR" altLang="en-US" dirty="0">
+                <a:solidFill>
+                  <a:schemeClr val="tx1"/>
+                </a:solidFill>
+              </a:rPr>
+              <a:t>수용 인원</a:t>
+            </a:r>
+          </a:p>
+        </p:txBody>
+      </p:sp>
+      <p:sp>
+        <p:nvSpPr>
+          <p:cNvPr id="13" name="직사각형 12">
+            <a:extLst>
+              <a:ext uri="{FF2B5EF4-FFF2-40B4-BE49-F238E27FC236}">
+                <a16:creationId xmlns:a16="http://schemas.microsoft.com/office/drawing/2014/main" id="{F7E2E362-C7D9-A66A-D00C-51F44B28ADAD}"/>
+              </a:ext>
+            </a:extLst>
+          </p:cNvPr>
+          <p:cNvSpPr/>
+          <p:nvPr/>
+        </p:nvSpPr>
+        <p:spPr>
+          <a:xfrm>
+            <a:off x="7173938" y="5420668"/>
+            <a:ext cx="1254963" cy="366104"/>
+          </a:xfrm>
+          <a:prstGeom prst="rect">
+            <a:avLst/>
+          </a:prstGeom>
+          <a:solidFill>
+            <a:schemeClr val="bg1">
+              <a:alpha val="69000"/>
+            </a:schemeClr>
+          </a:solidFill>
+        </p:spPr>
+        <p:style>
+          <a:lnRef idx="2">
+            <a:schemeClr val="accent1">
+              <a:shade val="50000"/>
+            </a:schemeClr>
+          </a:lnRef>
+          <a:fillRef idx="1">
+            <a:schemeClr val="accent1"/>
+          </a:fillRef>
+          <a:effectRef idx="0">
+            <a:schemeClr val="accent1"/>
+          </a:effectRef>
+          <a:fontRef idx="minor">
+            <a:schemeClr val="lt1"/>
+          </a:fontRef>
+        </p:style>
+        <p:txBody>
+          <a:bodyPr rtlCol="0" anchor="ctr"/>
+          <a:lstStyle/>
+          <a:p>
+            <a:pPr algn="ctr"/>
+            <a:r>
+              <a:rPr lang="ko-KR" altLang="en-US" dirty="0" smtClean="0">
+                <a:solidFill>
+                  <a:schemeClr val="tx1"/>
+                </a:solidFill>
+              </a:rPr>
+              <a:t>등록</a:t>
+            </a:r>
+            <a:endParaRPr lang="ko-KR" altLang="en-US" dirty="0">
+              <a:solidFill>
+                <a:schemeClr val="tx1"/>
+              </a:solidFill>
+            </a:endParaRPr>
+          </a:p>
+        </p:txBody>
+      </p:sp>
+      <p:sp>
+        <p:nvSpPr>
+          <p:cNvPr id="14" name="직사각형 13">
+            <a:extLst>
+              <a:ext uri="{FF2B5EF4-FFF2-40B4-BE49-F238E27FC236}">
+                <a16:creationId xmlns:a16="http://schemas.microsoft.com/office/drawing/2014/main" id="{AD07592D-5A07-6B15-E037-834A5BE18FFE}"/>
+              </a:ext>
+            </a:extLst>
+          </p:cNvPr>
+          <p:cNvSpPr/>
+          <p:nvPr/>
+        </p:nvSpPr>
+        <p:spPr>
+          <a:xfrm>
+            <a:off x="8710611" y="5420668"/>
+            <a:ext cx="1254963" cy="366104"/>
+          </a:xfrm>
+          <a:prstGeom prst="rect">
+            <a:avLst/>
+          </a:prstGeom>
+          <a:solidFill>
+            <a:schemeClr val="bg1">
+              <a:alpha val="69000"/>
+            </a:schemeClr>
+          </a:solidFill>
+        </p:spPr>
+        <p:style>
+          <a:lnRef idx="2">
+            <a:schemeClr val="accent1">
+              <a:shade val="50000"/>
+            </a:schemeClr>
+          </a:lnRef>
+          <a:fillRef idx="1">
+            <a:schemeClr val="accent1"/>
+          </a:fillRef>
+          <a:effectRef idx="0">
+            <a:schemeClr val="accent1"/>
+          </a:effectRef>
+          <a:fontRef idx="minor">
+            <a:schemeClr val="lt1"/>
+          </a:fontRef>
+        </p:style>
+        <p:txBody>
+          <a:bodyPr rtlCol="0" anchor="ctr"/>
+          <a:lstStyle/>
+          <a:p>
+            <a:pPr algn="ctr"/>
+            <a:r>
+              <a:rPr lang="ko-KR" altLang="en-US" dirty="0">
+                <a:solidFill>
+                  <a:schemeClr val="tx1"/>
+                </a:solidFill>
+              </a:rPr>
+              <a:t>취소</a:t>
+            </a:r>
+          </a:p>
+        </p:txBody>
+      </p:sp>
+      <p:sp>
+        <p:nvSpPr>
+          <p:cNvPr id="18" name="직사각형 17">
+            <a:extLst>
+              <a:ext uri="{FF2B5EF4-FFF2-40B4-BE49-F238E27FC236}">
+                <a16:creationId xmlns:a16="http://schemas.microsoft.com/office/drawing/2014/main" id="{68323086-26DE-AF00-34DB-F4236D98558A}"/>
+              </a:ext>
+            </a:extLst>
+          </p:cNvPr>
+          <p:cNvSpPr/>
+          <p:nvPr/>
+        </p:nvSpPr>
+        <p:spPr>
+          <a:xfrm>
+            <a:off x="3562987" y="960771"/>
+            <a:ext cx="5133109" cy="437794"/>
+          </a:xfrm>
+          <a:prstGeom prst="rect">
+            <a:avLst/>
+          </a:prstGeom>
+          <a:solidFill>
+            <a:schemeClr val="bg1">
+              <a:alpha val="69000"/>
+            </a:schemeClr>
+          </a:solidFill>
+        </p:spPr>
+        <p:style>
+          <a:lnRef idx="2">
+            <a:schemeClr val="accent1">
+              <a:shade val="50000"/>
+            </a:schemeClr>
+          </a:lnRef>
+          <a:fillRef idx="1">
+            <a:schemeClr val="accent1"/>
+          </a:fillRef>
+          <a:effectRef idx="0">
+            <a:schemeClr val="accent1"/>
+          </a:effectRef>
+          <a:fontRef idx="minor">
+            <a:schemeClr val="lt1"/>
+          </a:fontRef>
+        </p:style>
+        <p:txBody>
+          <a:bodyPr rtlCol="0" anchor="ctr"/>
+          <a:lstStyle/>
+          <a:p>
+            <a:pPr algn="ctr"/>
+            <a:r>
+              <a:rPr lang="en-US" altLang="ko-KR" dirty="0">
+                <a:solidFill>
+                  <a:schemeClr val="tx1"/>
+                </a:solidFill>
+              </a:rPr>
+              <a:t>Create Group</a:t>
+            </a:r>
+            <a:endParaRPr lang="ko-KR" altLang="en-US" dirty="0">
+              <a:solidFill>
+                <a:schemeClr val="tx1"/>
+              </a:solidFill>
+            </a:endParaRPr>
+          </a:p>
+        </p:txBody>
+      </p:sp>
       <p:pic>
         <p:nvPicPr>
-          <p:cNvPr id="36" name="그림 35">
-            <a:extLst>
-              <a:ext uri="{FF2B5EF4-FFF2-40B4-BE49-F238E27FC236}">
-                <a16:creationId xmlns:a16="http://schemas.microsoft.com/office/drawing/2014/main" id="{51F75FA0-038A-83D0-EB25-9C80F6CD446F}"/>
-              </a:ext>
-            </a:extLst>
-          </p:cNvPr>
+          <p:cNvPr id="20" name="그림 19"/>
           <p:cNvPicPr>
             <a:picLocks noChangeAspect="1"/>
           </p:cNvPicPr>
@@ -4673,8 +5797,8 @@
         </p:blipFill>
         <p:spPr>
           <a:xfrm>
-            <a:off x="1812757" y="187371"/>
-            <a:ext cx="8633570" cy="459174"/>
+            <a:off x="1812757" y="181588"/>
+            <a:ext cx="8566485" cy="401079"/>
           </a:xfrm>
           <a:prstGeom prst="rect">
             <a:avLst/>
@@ -4683,10 +5807,10 @@
       </p:pic>
       <p:sp>
         <p:nvSpPr>
-          <p:cNvPr id="6" name="직사각형 5">
-            <a:extLst>
-              <a:ext uri="{FF2B5EF4-FFF2-40B4-BE49-F238E27FC236}">
-                <a16:creationId xmlns:a16="http://schemas.microsoft.com/office/drawing/2014/main" id="{93A48854-3D49-9FD7-F64C-FB8151AA3538}"/>
+          <p:cNvPr id="22" name="직사각형 21">
+            <a:extLst>
+              <a:ext uri="{FF2B5EF4-FFF2-40B4-BE49-F238E27FC236}">
+                <a16:creationId xmlns:a16="http://schemas.microsoft.com/office/drawing/2014/main" id="{D0A4ABD9-8023-D99F-5712-7CF7C3292E9C}"/>
               </a:ext>
             </a:extLst>
           </p:cNvPr>
@@ -4695,8 +5819,8 @@
         </p:nvSpPr>
         <p:spPr>
           <a:xfrm>
-            <a:off x="2320636" y="1777231"/>
-            <a:ext cx="7661564" cy="3903133"/>
+            <a:off x="4705696" y="3563160"/>
+            <a:ext cx="2891444" cy="437794"/>
           </a:xfrm>
           <a:prstGeom prst="rect">
             <a:avLst/>
@@ -4728,6 +5852,14 @@
           <a:lstStyle/>
           <a:p>
             <a:pPr algn="ctr"/>
+            <a:r>
+              <a:rPr lang="ko-KR" altLang="en-US" dirty="0" smtClean="0">
+                <a:solidFill>
+                  <a:schemeClr val="tx1"/>
+                </a:solidFill>
+              </a:rPr>
+              <a:t>여행 시작 날짜</a:t>
+            </a:r>
             <a:endParaRPr lang="ko-KR" altLang="en-US" dirty="0">
               <a:solidFill>
                 <a:schemeClr val="tx1"/>
@@ -4738,10 +5870,10 @@
       </p:sp>
       <p:sp>
         <p:nvSpPr>
-          <p:cNvPr id="2" name="직사각형 1">
-            <a:extLst>
-              <a:ext uri="{FF2B5EF4-FFF2-40B4-BE49-F238E27FC236}">
-                <a16:creationId xmlns:a16="http://schemas.microsoft.com/office/drawing/2014/main" id="{F2D1636A-86BB-F6F4-11D0-E132195C29DB}"/>
+          <p:cNvPr id="23" name="직사각형 22">
+            <a:extLst>
+              <a:ext uri="{FF2B5EF4-FFF2-40B4-BE49-F238E27FC236}">
+                <a16:creationId xmlns:a16="http://schemas.microsoft.com/office/drawing/2014/main" id="{D0A4ABD9-8023-D99F-5712-7CF7C3292E9C}"/>
               </a:ext>
             </a:extLst>
           </p:cNvPr>
@@ -4750,8 +5882,8 @@
         </p:nvSpPr>
         <p:spPr>
           <a:xfrm>
-            <a:off x="4292600" y="1019414"/>
-            <a:ext cx="3420534" cy="572319"/>
+            <a:off x="4698076" y="4474854"/>
+            <a:ext cx="2891444" cy="437794"/>
           </a:xfrm>
           <a:prstGeom prst="rect">
             <a:avLst/>
@@ -4784,128 +5916,12 @@
           <a:p>
             <a:pPr algn="ctr"/>
             <a:r>
-              <a:rPr lang="ko-KR" altLang="en-US" dirty="0">
-                <a:solidFill>
-                  <a:schemeClr val="tx1"/>
-                </a:solidFill>
-              </a:rPr>
-              <a:t>공지사항 작성</a:t>
-            </a:r>
-          </a:p>
-        </p:txBody>
-      </p:sp>
-      <p:sp>
-        <p:nvSpPr>
-          <p:cNvPr id="3" name="직사각형 2">
-            <a:extLst>
-              <a:ext uri="{FF2B5EF4-FFF2-40B4-BE49-F238E27FC236}">
-                <a16:creationId xmlns:a16="http://schemas.microsoft.com/office/drawing/2014/main" id="{3FD71A41-A53B-C6DC-349D-AB8726B1E2E9}"/>
-              </a:ext>
-            </a:extLst>
-          </p:cNvPr>
-          <p:cNvSpPr/>
-          <p:nvPr/>
-        </p:nvSpPr>
-        <p:spPr>
-          <a:xfrm>
-            <a:off x="2730884" y="2060815"/>
-            <a:ext cx="3420534" cy="377586"/>
-          </a:xfrm>
-          <a:prstGeom prst="rect">
-            <a:avLst/>
-          </a:prstGeom>
-          <a:solidFill>
-            <a:schemeClr val="bg1">
-              <a:alpha val="69000"/>
-            </a:schemeClr>
-          </a:solidFill>
-        </p:spPr>
-        <p:style>
-          <a:lnRef idx="2">
-            <a:schemeClr val="accent1">
-              <a:shade val="50000"/>
-            </a:schemeClr>
-          </a:lnRef>
-          <a:fillRef idx="1">
-            <a:schemeClr val="accent1"/>
-          </a:fillRef>
-          <a:effectRef idx="0">
-            <a:schemeClr val="accent1"/>
-          </a:effectRef>
-          <a:fontRef idx="minor">
-            <a:schemeClr val="lt1"/>
-          </a:fontRef>
-        </p:style>
-        <p:txBody>
-          <a:bodyPr rtlCol="0" anchor="ctr"/>
-          <a:lstStyle/>
-          <a:p>
-            <a:pPr algn="ctr"/>
-            <a:r>
-              <a:rPr lang="ko-KR" altLang="en-US" dirty="0">
-                <a:solidFill>
-                  <a:schemeClr val="tx1"/>
-                </a:solidFill>
-              </a:rPr>
-              <a:t>제목</a:t>
-            </a:r>
-          </a:p>
-        </p:txBody>
-      </p:sp>
-      <p:sp>
-        <p:nvSpPr>
-          <p:cNvPr id="4" name="직사각형 3">
-            <a:extLst>
-              <a:ext uri="{FF2B5EF4-FFF2-40B4-BE49-F238E27FC236}">
-                <a16:creationId xmlns:a16="http://schemas.microsoft.com/office/drawing/2014/main" id="{116FEC38-A648-623C-CD50-EC5B7B54C875}"/>
-              </a:ext>
-            </a:extLst>
-          </p:cNvPr>
-          <p:cNvSpPr/>
-          <p:nvPr/>
-        </p:nvSpPr>
-        <p:spPr>
-          <a:xfrm>
-            <a:off x="2730884" y="2629514"/>
-            <a:ext cx="7031183" cy="2440854"/>
-          </a:xfrm>
-          <a:prstGeom prst="rect">
-            <a:avLst/>
-          </a:prstGeom>
-          <a:solidFill>
-            <a:schemeClr val="bg1">
-              <a:alpha val="69000"/>
-            </a:schemeClr>
-          </a:solidFill>
-        </p:spPr>
-        <p:style>
-          <a:lnRef idx="2">
-            <a:schemeClr val="accent1">
-              <a:shade val="50000"/>
-            </a:schemeClr>
-          </a:lnRef>
-          <a:fillRef idx="1">
-            <a:schemeClr val="accent1"/>
-          </a:fillRef>
-          <a:effectRef idx="0">
-            <a:schemeClr val="accent1"/>
-          </a:effectRef>
-          <a:fontRef idx="minor">
-            <a:schemeClr val="lt1"/>
-          </a:fontRef>
-        </p:style>
-        <p:txBody>
-          <a:bodyPr rtlCol="0" anchor="ctr"/>
-          <a:lstStyle/>
-          <a:p>
-            <a:pPr algn="ctr"/>
-            <a:r>
-              <a:rPr lang="ko-KR" altLang="en-US">
-                <a:solidFill>
-                  <a:schemeClr val="tx1"/>
-                </a:solidFill>
-              </a:rPr>
-              <a:t>내용</a:t>
+              <a:rPr lang="ko-KR" altLang="en-US" dirty="0" smtClean="0">
+                <a:solidFill>
+                  <a:schemeClr val="tx1"/>
+                </a:solidFill>
+              </a:rPr>
+              <a:t>여행 종료 날짜</a:t>
             </a:r>
             <a:endParaRPr lang="ko-KR" altLang="en-US" dirty="0">
               <a:solidFill>
@@ -4915,126 +5931,10 @@
           </a:p>
         </p:txBody>
       </p:sp>
-      <p:sp>
-        <p:nvSpPr>
-          <p:cNvPr id="11" name="직사각형 10">
-            <a:extLst>
-              <a:ext uri="{FF2B5EF4-FFF2-40B4-BE49-F238E27FC236}">
-                <a16:creationId xmlns:a16="http://schemas.microsoft.com/office/drawing/2014/main" id="{B85272B4-6636-4151-645F-48A4A4D66FB8}"/>
-              </a:ext>
-            </a:extLst>
-          </p:cNvPr>
-          <p:cNvSpPr/>
-          <p:nvPr/>
-        </p:nvSpPr>
-        <p:spPr>
-          <a:xfrm>
-            <a:off x="6970431" y="5205596"/>
-            <a:ext cx="1254963" cy="366104"/>
-          </a:xfrm>
-          <a:prstGeom prst="rect">
-            <a:avLst/>
-          </a:prstGeom>
-          <a:solidFill>
-            <a:schemeClr val="bg1">
-              <a:alpha val="69000"/>
-            </a:schemeClr>
-          </a:solidFill>
-        </p:spPr>
-        <p:style>
-          <a:lnRef idx="2">
-            <a:schemeClr val="accent1">
-              <a:shade val="50000"/>
-            </a:schemeClr>
-          </a:lnRef>
-          <a:fillRef idx="1">
-            <a:schemeClr val="accent1"/>
-          </a:fillRef>
-          <a:effectRef idx="0">
-            <a:schemeClr val="accent1"/>
-          </a:effectRef>
-          <a:fontRef idx="minor">
-            <a:schemeClr val="lt1"/>
-          </a:fontRef>
-        </p:style>
-        <p:txBody>
-          <a:bodyPr rtlCol="0" anchor="ctr"/>
-          <a:lstStyle/>
-          <a:p>
-            <a:pPr algn="ctr"/>
-            <a:r>
-              <a:rPr lang="ko-KR" altLang="en-US" dirty="0">
-                <a:solidFill>
-                  <a:schemeClr val="tx1"/>
-                </a:solidFill>
-              </a:rPr>
-              <a:t>등록</a:t>
-            </a:r>
-          </a:p>
-        </p:txBody>
-      </p:sp>
-      <p:sp>
-        <p:nvSpPr>
-          <p:cNvPr id="12" name="직사각형 11">
-            <a:extLst>
-              <a:ext uri="{FF2B5EF4-FFF2-40B4-BE49-F238E27FC236}">
-                <a16:creationId xmlns:a16="http://schemas.microsoft.com/office/drawing/2014/main" id="{85EC6C87-0A0A-A33A-C445-B2297D6AA97F}"/>
-              </a:ext>
-            </a:extLst>
-          </p:cNvPr>
-          <p:cNvSpPr/>
-          <p:nvPr/>
-        </p:nvSpPr>
-        <p:spPr>
-          <a:xfrm>
-            <a:off x="8507104" y="5205596"/>
-            <a:ext cx="1254963" cy="366104"/>
-          </a:xfrm>
-          <a:prstGeom prst="rect">
-            <a:avLst/>
-          </a:prstGeom>
-          <a:solidFill>
-            <a:schemeClr val="bg1">
-              <a:alpha val="69000"/>
-            </a:schemeClr>
-          </a:solidFill>
-        </p:spPr>
-        <p:style>
-          <a:lnRef idx="2">
-            <a:schemeClr val="accent1">
-              <a:shade val="50000"/>
-            </a:schemeClr>
-          </a:lnRef>
-          <a:fillRef idx="1">
-            <a:schemeClr val="accent1"/>
-          </a:fillRef>
-          <a:effectRef idx="0">
-            <a:schemeClr val="accent1"/>
-          </a:effectRef>
-          <a:fontRef idx="minor">
-            <a:schemeClr val="lt1"/>
-          </a:fontRef>
-        </p:style>
-        <p:txBody>
-          <a:bodyPr rtlCol="0" anchor="ctr"/>
-          <a:lstStyle/>
-          <a:p>
-            <a:pPr algn="ctr"/>
-            <a:r>
-              <a:rPr lang="ko-KR" altLang="en-US" dirty="0">
-                <a:solidFill>
-                  <a:schemeClr val="tx1"/>
-                </a:solidFill>
-              </a:rPr>
-              <a:t>취소</a:t>
-            </a:r>
-          </a:p>
-        </p:txBody>
-      </p:sp>
     </p:spTree>
     <p:extLst>
       <p:ext uri="{BB962C8B-B14F-4D97-AF65-F5344CB8AC3E}">
-        <p14:creationId xmlns:p14="http://schemas.microsoft.com/office/powerpoint/2010/main" val="3340971523"/>
+        <p14:creationId xmlns:p14="http://schemas.microsoft.com/office/powerpoint/2010/main" val="3926362099"/>
       </p:ext>
     </p:extLst>
   </p:cSld>
@@ -5182,15 +6082,222 @@
           </a:prstGeom>
         </p:spPr>
       </p:pic>
+      <p:sp>
+        <p:nvSpPr>
+          <p:cNvPr id="3" name="직사각형 2">
+            <a:extLst>
+              <a:ext uri="{FF2B5EF4-FFF2-40B4-BE49-F238E27FC236}">
+                <a16:creationId xmlns:a16="http://schemas.microsoft.com/office/drawing/2014/main" id="{3F8D0F82-37F8-2D5F-32C0-0F5E4CA19D9D}"/>
+              </a:ext>
+            </a:extLst>
+          </p:cNvPr>
+          <p:cNvSpPr/>
+          <p:nvPr/>
+        </p:nvSpPr>
+        <p:spPr>
+          <a:xfrm>
+            <a:off x="2313709" y="1049234"/>
+            <a:ext cx="7661564" cy="587061"/>
+          </a:xfrm>
+          <a:prstGeom prst="rect">
+            <a:avLst/>
+          </a:prstGeom>
+          <a:solidFill>
+            <a:schemeClr val="bg1">
+              <a:alpha val="69000"/>
+            </a:schemeClr>
+          </a:solidFill>
+        </p:spPr>
+        <p:style>
+          <a:lnRef idx="2">
+            <a:schemeClr val="accent1">
+              <a:shade val="50000"/>
+            </a:schemeClr>
+          </a:lnRef>
+          <a:fillRef idx="1">
+            <a:schemeClr val="accent1"/>
+          </a:fillRef>
+          <a:effectRef idx="0">
+            <a:schemeClr val="accent1"/>
+          </a:effectRef>
+          <a:fontRef idx="minor">
+            <a:schemeClr val="lt1"/>
+          </a:fontRef>
+        </p:style>
+        <p:txBody>
+          <a:bodyPr rtlCol="0" anchor="ctr"/>
+          <a:lstStyle/>
+          <a:p>
+            <a:pPr algn="ctr"/>
+            <a:r>
+              <a:rPr lang="ko-KR" altLang="en-US" dirty="0" smtClean="0">
+                <a:solidFill>
+                  <a:schemeClr val="tx1"/>
+                </a:solidFill>
+              </a:rPr>
+              <a:t>그룹 방</a:t>
+            </a:r>
+            <a:endParaRPr lang="ko-KR" altLang="en-US" dirty="0">
+              <a:solidFill>
+                <a:schemeClr val="tx1"/>
+              </a:solidFill>
+            </a:endParaRPr>
+          </a:p>
+        </p:txBody>
+      </p:sp>
+      <p:sp>
+        <p:nvSpPr>
+          <p:cNvPr id="14" name="직사각형 13">
+            <a:extLst>
+              <a:ext uri="{FF2B5EF4-FFF2-40B4-BE49-F238E27FC236}">
+                <a16:creationId xmlns:a16="http://schemas.microsoft.com/office/drawing/2014/main" id="{3F8D0F82-37F8-2D5F-32C0-0F5E4CA19D9D}"/>
+              </a:ext>
+            </a:extLst>
+          </p:cNvPr>
+          <p:cNvSpPr/>
+          <p:nvPr/>
+        </p:nvSpPr>
+        <p:spPr>
+          <a:xfrm>
+            <a:off x="2313709" y="1851613"/>
+            <a:ext cx="7613072" cy="3850917"/>
+          </a:xfrm>
+          <a:prstGeom prst="rect">
+            <a:avLst/>
+          </a:prstGeom>
+          <a:solidFill>
+            <a:schemeClr val="bg1">
+              <a:alpha val="69000"/>
+            </a:schemeClr>
+          </a:solidFill>
+        </p:spPr>
+        <p:style>
+          <a:lnRef idx="2">
+            <a:schemeClr val="accent1">
+              <a:shade val="50000"/>
+            </a:schemeClr>
+          </a:lnRef>
+          <a:fillRef idx="1">
+            <a:schemeClr val="accent1"/>
+          </a:fillRef>
+          <a:effectRef idx="0">
+            <a:schemeClr val="accent1"/>
+          </a:effectRef>
+          <a:fontRef idx="minor">
+            <a:schemeClr val="lt1"/>
+          </a:fontRef>
+        </p:style>
+        <p:txBody>
+          <a:bodyPr rtlCol="0" anchor="ctr"/>
+          <a:lstStyle/>
+          <a:p>
+            <a:pPr algn="ctr"/>
+            <a:endParaRPr lang="ko-KR" altLang="en-US" dirty="0">
+              <a:solidFill>
+                <a:schemeClr val="tx1"/>
+              </a:solidFill>
+            </a:endParaRPr>
+          </a:p>
+        </p:txBody>
+      </p:sp>
+      <p:sp>
+        <p:nvSpPr>
+          <p:cNvPr id="12" name="직사각형 11">
+            <a:extLst>
+              <a:ext uri="{FF2B5EF4-FFF2-40B4-BE49-F238E27FC236}">
+                <a16:creationId xmlns:a16="http://schemas.microsoft.com/office/drawing/2014/main" id="{598D4036-4C7D-78D9-D5B4-3B7ED40CB267}"/>
+              </a:ext>
+            </a:extLst>
+          </p:cNvPr>
+          <p:cNvSpPr/>
+          <p:nvPr/>
+        </p:nvSpPr>
+        <p:spPr>
+          <a:xfrm>
+            <a:off x="7032567" y="1973978"/>
+            <a:ext cx="2732580" cy="644532"/>
+          </a:xfrm>
+          <a:prstGeom prst="rect">
+            <a:avLst/>
+          </a:prstGeom>
+          <a:solidFill>
+            <a:schemeClr val="bg1">
+              <a:alpha val="69000"/>
+            </a:schemeClr>
+          </a:solidFill>
+        </p:spPr>
+        <p:style>
+          <a:lnRef idx="2">
+            <a:schemeClr val="accent1">
+              <a:shade val="50000"/>
+            </a:schemeClr>
+          </a:lnRef>
+          <a:fillRef idx="1">
+            <a:schemeClr val="accent1"/>
+          </a:fillRef>
+          <a:effectRef idx="0">
+            <a:schemeClr val="accent1"/>
+          </a:effectRef>
+          <a:fontRef idx="minor">
+            <a:schemeClr val="lt1"/>
+          </a:fontRef>
+        </p:style>
+        <p:txBody>
+          <a:bodyPr rtlCol="0" anchor="ctr"/>
+          <a:lstStyle/>
+          <a:p>
+            <a:pPr algn="ctr"/>
+            <a:r>
+              <a:rPr lang="ko-KR" altLang="en-US" dirty="0" smtClean="0">
+                <a:solidFill>
+                  <a:schemeClr val="tx1"/>
+                </a:solidFill>
+              </a:rPr>
+              <a:t>그룹 참여하기</a:t>
+            </a:r>
+            <a:endParaRPr lang="en-US" altLang="ko-KR" dirty="0" smtClean="0">
+              <a:solidFill>
+                <a:schemeClr val="tx1"/>
+              </a:solidFill>
+            </a:endParaRPr>
+          </a:p>
+          <a:p>
+            <a:pPr algn="ctr"/>
+            <a:r>
+              <a:rPr lang="en-US" altLang="ko-KR" dirty="0" smtClean="0">
+                <a:solidFill>
+                  <a:schemeClr val="tx1"/>
+                </a:solidFill>
+              </a:rPr>
+              <a:t>/</a:t>
+            </a:r>
+            <a:r>
+              <a:rPr lang="ko-KR" altLang="en-US" dirty="0">
+                <a:solidFill>
+                  <a:schemeClr val="tx1"/>
+                </a:solidFill>
+              </a:rPr>
+              <a:t>여행 계획 </a:t>
+            </a:r>
+            <a:r>
+              <a:rPr lang="ko-KR" altLang="en-US" dirty="0" smtClean="0">
+                <a:solidFill>
+                  <a:schemeClr val="tx1"/>
+                </a:solidFill>
+              </a:rPr>
+              <a:t>만들기</a:t>
+            </a:r>
+            <a:endParaRPr lang="ko-KR" altLang="en-US" dirty="0">
+              <a:solidFill>
+                <a:schemeClr val="tx1"/>
+              </a:solidFill>
+            </a:endParaRPr>
+          </a:p>
+        </p:txBody>
+      </p:sp>
       <p:pic>
         <p:nvPicPr>
-          <p:cNvPr id="36" name="그림 35">
-            <a:extLst>
-              <a:ext uri="{FF2B5EF4-FFF2-40B4-BE49-F238E27FC236}">
-                <a16:creationId xmlns:a16="http://schemas.microsoft.com/office/drawing/2014/main" id="{51F75FA0-038A-83D0-EB25-9C80F6CD446F}"/>
-              </a:ext>
-            </a:extLst>
-          </p:cNvPr>
+          <p:cNvPr id="11" name="그림 10"/>
           <p:cNvPicPr>
             <a:picLocks noChangeAspect="1"/>
           </p:cNvPicPr>
@@ -5204,8 +6311,8 @@
         </p:blipFill>
         <p:spPr>
           <a:xfrm>
-            <a:off x="1812757" y="187371"/>
-            <a:ext cx="8633570" cy="459174"/>
+            <a:off x="1812757" y="181588"/>
+            <a:ext cx="8566485" cy="401079"/>
           </a:xfrm>
           <a:prstGeom prst="rect">
             <a:avLst/>
@@ -5214,7 +6321,7 @@
       </p:pic>
       <p:sp>
         <p:nvSpPr>
-          <p:cNvPr id="3" name="직사각형 2">
+          <p:cNvPr id="16" name="직사각형 15">
             <a:extLst>
               <a:ext uri="{FF2B5EF4-FFF2-40B4-BE49-F238E27FC236}">
                 <a16:creationId xmlns:a16="http://schemas.microsoft.com/office/drawing/2014/main" id="{3F8D0F82-37F8-2D5F-32C0-0F5E4CA19D9D}"/>
@@ -5226,8 +6333,8 @@
         </p:nvSpPr>
         <p:spPr>
           <a:xfrm>
-            <a:off x="2313709" y="1049234"/>
-            <a:ext cx="7661564" cy="994884"/>
+            <a:off x="2485737" y="2827495"/>
+            <a:ext cx="7279410" cy="1908903"/>
           </a:xfrm>
           <a:prstGeom prst="rect">
             <a:avLst/>
@@ -5260,52 +6367,91 @@
           <a:p>
             <a:pPr algn="ctr"/>
             <a:r>
-              <a:rPr lang="ko-KR" altLang="en-US" dirty="0">
-                <a:solidFill>
-                  <a:schemeClr val="tx1"/>
-                </a:solidFill>
-              </a:rPr>
-              <a:t>그룹플랜</a:t>
-            </a:r>
-          </a:p>
-        </p:txBody>
-      </p:sp>
-      <p:pic>
-        <p:nvPicPr>
-          <p:cNvPr id="11" name="그림 10">
-            <a:extLst>
-              <a:ext uri="{FF2B5EF4-FFF2-40B4-BE49-F238E27FC236}">
-                <a16:creationId xmlns:a16="http://schemas.microsoft.com/office/drawing/2014/main" id="{E4412417-8BA4-18BA-71C7-112DCFF13306}"/>
-              </a:ext>
-            </a:extLst>
-          </p:cNvPr>
-          <p:cNvPicPr>
-            <a:picLocks noChangeAspect="1"/>
-          </p:cNvPicPr>
-          <p:nvPr/>
-        </p:nvPicPr>
-        <p:blipFill>
-          <a:blip r:embed="rId5"/>
-          <a:stretch>
-            <a:fillRect/>
-          </a:stretch>
-        </p:blipFill>
-        <p:spPr>
-          <a:xfrm>
-            <a:off x="2313709" y="2340438"/>
-            <a:ext cx="7661564" cy="1133574"/>
-          </a:xfrm>
-          <a:prstGeom prst="rect">
-            <a:avLst/>
-          </a:prstGeom>
-        </p:spPr>
-      </p:pic>
-      <p:sp>
-        <p:nvSpPr>
-          <p:cNvPr id="12" name="직사각형 11">
-            <a:extLst>
-              <a:ext uri="{FF2B5EF4-FFF2-40B4-BE49-F238E27FC236}">
-                <a16:creationId xmlns:a16="http://schemas.microsoft.com/office/drawing/2014/main" id="{598D4036-4C7D-78D9-D5B4-3B7ED40CB267}"/>
+              <a:rPr lang="ko-KR" altLang="en-US" dirty="0" smtClean="0">
+                <a:solidFill>
+                  <a:schemeClr val="tx1"/>
+                </a:solidFill>
+              </a:rPr>
+              <a:t>번호 </a:t>
+            </a:r>
+            <a:r>
+              <a:rPr lang="en-US" altLang="ko-KR" dirty="0" smtClean="0">
+                <a:solidFill>
+                  <a:schemeClr val="tx1"/>
+                </a:solidFill>
+              </a:rPr>
+              <a:t>/  </a:t>
+            </a:r>
+            <a:r>
+              <a:rPr lang="ko-KR" altLang="en-US" dirty="0" smtClean="0">
+                <a:solidFill>
+                  <a:schemeClr val="tx1"/>
+                </a:solidFill>
+              </a:rPr>
+              <a:t>제목 </a:t>
+            </a:r>
+            <a:r>
+              <a:rPr lang="en-US" altLang="ko-KR" dirty="0" smtClean="0">
+                <a:solidFill>
+                  <a:schemeClr val="tx1"/>
+                </a:solidFill>
+              </a:rPr>
+              <a:t>/ </a:t>
+            </a:r>
+            <a:r>
+              <a:rPr lang="ko-KR" altLang="en-US" dirty="0" smtClean="0">
+                <a:solidFill>
+                  <a:schemeClr val="tx1"/>
+                </a:solidFill>
+              </a:rPr>
+              <a:t>작성자 </a:t>
+            </a:r>
+            <a:r>
+              <a:rPr lang="en-US" altLang="ko-KR" dirty="0" smtClean="0">
+                <a:solidFill>
+                  <a:schemeClr val="tx1"/>
+                </a:solidFill>
+              </a:rPr>
+              <a:t>/ </a:t>
+            </a:r>
+            <a:r>
+              <a:rPr lang="ko-KR" altLang="en-US" dirty="0" smtClean="0">
+                <a:solidFill>
+                  <a:schemeClr val="tx1"/>
+                </a:solidFill>
+              </a:rPr>
+              <a:t>좋아요 수 </a:t>
+            </a:r>
+            <a:r>
+              <a:rPr lang="en-US" altLang="ko-KR" dirty="0" smtClean="0">
+                <a:solidFill>
+                  <a:schemeClr val="tx1"/>
+                </a:solidFill>
+              </a:rPr>
+              <a:t>/ </a:t>
+            </a:r>
+            <a:r>
+              <a:rPr lang="ko-KR" altLang="en-US" dirty="0" smtClean="0">
+                <a:solidFill>
+                  <a:schemeClr val="tx1"/>
+                </a:solidFill>
+              </a:rPr>
+              <a:t>좋아요 버튼</a:t>
+            </a:r>
+            <a:endParaRPr lang="ko-KR" altLang="en-US" dirty="0">
+              <a:solidFill>
+                <a:schemeClr val="tx1"/>
+              </a:solidFill>
+            </a:endParaRPr>
+          </a:p>
+        </p:txBody>
+      </p:sp>
+      <p:sp>
+        <p:nvSpPr>
+          <p:cNvPr id="17" name="직사각형 16">
+            <a:extLst>
+              <a:ext uri="{FF2B5EF4-FFF2-40B4-BE49-F238E27FC236}">
+                <a16:creationId xmlns:a16="http://schemas.microsoft.com/office/drawing/2014/main" id="{3F8D0F82-37F8-2D5F-32C0-0F5E4CA19D9D}"/>
               </a:ext>
             </a:extLst>
           </p:cNvPr>
@@ -5314,8 +6460,8 @@
         </p:nvSpPr>
         <p:spPr>
           <a:xfrm>
-            <a:off x="8238067" y="2445169"/>
-            <a:ext cx="1527079" cy="342592"/>
+            <a:off x="2485737" y="4868487"/>
+            <a:ext cx="7279410" cy="588600"/>
           </a:xfrm>
           <a:prstGeom prst="rect">
             <a:avLst/>
@@ -5348,20 +6494,96 @@
           <a:p>
             <a:pPr algn="ctr"/>
             <a:r>
-              <a:rPr lang="ko-KR" altLang="en-US" dirty="0">
-                <a:solidFill>
-                  <a:schemeClr val="tx1"/>
-                </a:solidFill>
-              </a:rPr>
-              <a:t>방 만들기</a:t>
-            </a:r>
+              <a:rPr lang="ko-KR" altLang="en-US" dirty="0" smtClean="0">
+                <a:solidFill>
+                  <a:schemeClr val="tx1"/>
+                </a:solidFill>
+              </a:rPr>
+              <a:t>소통 창</a:t>
+            </a:r>
+            <a:endParaRPr lang="ko-KR" altLang="en-US" dirty="0">
+              <a:solidFill>
+                <a:schemeClr val="tx1"/>
+              </a:solidFill>
+            </a:endParaRPr>
+          </a:p>
+        </p:txBody>
+      </p:sp>
+      <p:sp>
+        <p:nvSpPr>
+          <p:cNvPr id="18" name="직사각형 17">
+            <a:extLst>
+              <a:ext uri="{FF2B5EF4-FFF2-40B4-BE49-F238E27FC236}">
+                <a16:creationId xmlns:a16="http://schemas.microsoft.com/office/drawing/2014/main" id="{598D4036-4C7D-78D9-D5B4-3B7ED40CB267}"/>
+              </a:ext>
+            </a:extLst>
+          </p:cNvPr>
+          <p:cNvSpPr/>
+          <p:nvPr/>
+        </p:nvSpPr>
+        <p:spPr>
+          <a:xfrm>
+            <a:off x="2485737" y="1973978"/>
+            <a:ext cx="2732580" cy="644532"/>
+          </a:xfrm>
+          <a:prstGeom prst="rect">
+            <a:avLst/>
+          </a:prstGeom>
+          <a:solidFill>
+            <a:schemeClr val="bg1">
+              <a:alpha val="69000"/>
+            </a:schemeClr>
+          </a:solidFill>
+        </p:spPr>
+        <p:style>
+          <a:lnRef idx="2">
+            <a:schemeClr val="accent1">
+              <a:shade val="50000"/>
+            </a:schemeClr>
+          </a:lnRef>
+          <a:fillRef idx="1">
+            <a:schemeClr val="accent1"/>
+          </a:fillRef>
+          <a:effectRef idx="0">
+            <a:schemeClr val="accent1"/>
+          </a:effectRef>
+          <a:fontRef idx="minor">
+            <a:schemeClr val="lt1"/>
+          </a:fontRef>
+        </p:style>
+        <p:txBody>
+          <a:bodyPr rtlCol="0" anchor="ctr"/>
+          <a:lstStyle/>
+          <a:p>
+            <a:pPr algn="ctr"/>
+            <a:r>
+              <a:rPr lang="ko-KR" altLang="en-US" dirty="0" smtClean="0">
+                <a:solidFill>
+                  <a:schemeClr val="tx1"/>
+                </a:solidFill>
+              </a:rPr>
+              <a:t>그룹 멤버 </a:t>
+            </a:r>
+            <a:r>
+              <a:rPr lang="en-US" altLang="ko-KR" dirty="0" smtClean="0">
+                <a:solidFill>
+                  <a:schemeClr val="tx1"/>
+                </a:solidFill>
+              </a:rPr>
+              <a:t>: id1, id2..</a:t>
+            </a:r>
+            <a:endParaRPr lang="ko-KR" altLang="en-US" dirty="0">
+              <a:solidFill>
+                <a:schemeClr val="tx1"/>
+              </a:solidFill>
+            </a:endParaRPr>
           </a:p>
         </p:txBody>
       </p:sp>
     </p:spTree>
     <p:extLst>
       <p:ext uri="{BB962C8B-B14F-4D97-AF65-F5344CB8AC3E}">
-        <p14:creationId xmlns:p14="http://schemas.microsoft.com/office/powerpoint/2010/main" val="3864224683"/>
+        <p14:creationId xmlns:p14="http://schemas.microsoft.com/office/powerpoint/2010/main" val="742493619"/>
       </p:ext>
     </p:extLst>
   </p:cSld>
@@ -5509,15 +6731,312 @@
           </a:prstGeom>
         </p:spPr>
       </p:pic>
+      <p:sp>
+        <p:nvSpPr>
+          <p:cNvPr id="8" name="직사각형 7">
+            <a:extLst>
+              <a:ext uri="{FF2B5EF4-FFF2-40B4-BE49-F238E27FC236}">
+                <a16:creationId xmlns:a16="http://schemas.microsoft.com/office/drawing/2014/main" id="{0DF0AD0C-F28C-C0BA-D9F6-47935286BD32}"/>
+              </a:ext>
+            </a:extLst>
+          </p:cNvPr>
+          <p:cNvSpPr/>
+          <p:nvPr/>
+        </p:nvSpPr>
+        <p:spPr>
+          <a:xfrm>
+            <a:off x="4132811" y="1553419"/>
+            <a:ext cx="3775364" cy="437794"/>
+          </a:xfrm>
+          <a:prstGeom prst="rect">
+            <a:avLst/>
+          </a:prstGeom>
+          <a:solidFill>
+            <a:schemeClr val="bg1">
+              <a:alpha val="69000"/>
+            </a:schemeClr>
+          </a:solidFill>
+        </p:spPr>
+        <p:style>
+          <a:lnRef idx="2">
+            <a:schemeClr val="accent1">
+              <a:shade val="50000"/>
+            </a:schemeClr>
+          </a:lnRef>
+          <a:fillRef idx="1">
+            <a:schemeClr val="accent1"/>
+          </a:fillRef>
+          <a:effectRef idx="0">
+            <a:schemeClr val="accent1"/>
+          </a:effectRef>
+          <a:fontRef idx="minor">
+            <a:schemeClr val="lt1"/>
+          </a:fontRef>
+        </p:style>
+        <p:txBody>
+          <a:bodyPr rtlCol="0" anchor="ctr"/>
+          <a:lstStyle/>
+          <a:p>
+            <a:pPr algn="ctr"/>
+            <a:r>
+              <a:rPr lang="ko-KR" altLang="en-US" dirty="0" smtClean="0">
+                <a:solidFill>
+                  <a:schemeClr val="tx1"/>
+                </a:solidFill>
+              </a:rPr>
+              <a:t>계획</a:t>
+            </a:r>
+            <a:r>
+              <a:rPr lang="ko-KR" altLang="en-US" dirty="0" smtClean="0">
+                <a:solidFill>
+                  <a:schemeClr val="tx1"/>
+                </a:solidFill>
+              </a:rPr>
+              <a:t> </a:t>
+            </a:r>
+            <a:r>
+              <a:rPr lang="ko-KR" altLang="en-US" dirty="0">
+                <a:solidFill>
+                  <a:schemeClr val="tx1"/>
+                </a:solidFill>
+              </a:rPr>
+              <a:t>제목</a:t>
+            </a:r>
+          </a:p>
+        </p:txBody>
+      </p:sp>
+      <p:sp>
+        <p:nvSpPr>
+          <p:cNvPr id="14" name="직사각형 13">
+            <a:extLst>
+              <a:ext uri="{FF2B5EF4-FFF2-40B4-BE49-F238E27FC236}">
+                <a16:creationId xmlns:a16="http://schemas.microsoft.com/office/drawing/2014/main" id="{AD07592D-5A07-6B15-E037-834A5BE18FFE}"/>
+              </a:ext>
+            </a:extLst>
+          </p:cNvPr>
+          <p:cNvSpPr/>
+          <p:nvPr/>
+        </p:nvSpPr>
+        <p:spPr>
+          <a:xfrm>
+            <a:off x="8727237" y="5528733"/>
+            <a:ext cx="1254963" cy="366104"/>
+          </a:xfrm>
+          <a:prstGeom prst="rect">
+            <a:avLst/>
+          </a:prstGeom>
+          <a:solidFill>
+            <a:schemeClr val="bg1">
+              <a:alpha val="69000"/>
+            </a:schemeClr>
+          </a:solidFill>
+        </p:spPr>
+        <p:style>
+          <a:lnRef idx="2">
+            <a:schemeClr val="accent1">
+              <a:shade val="50000"/>
+            </a:schemeClr>
+          </a:lnRef>
+          <a:fillRef idx="1">
+            <a:schemeClr val="accent1"/>
+          </a:fillRef>
+          <a:effectRef idx="0">
+            <a:schemeClr val="accent1"/>
+          </a:effectRef>
+          <a:fontRef idx="minor">
+            <a:schemeClr val="lt1"/>
+          </a:fontRef>
+        </p:style>
+        <p:txBody>
+          <a:bodyPr rtlCol="0" anchor="ctr"/>
+          <a:lstStyle/>
+          <a:p>
+            <a:pPr algn="ctr"/>
+            <a:r>
+              <a:rPr lang="ko-KR" altLang="en-US" dirty="0" smtClean="0">
+                <a:solidFill>
+                  <a:schemeClr val="tx1"/>
+                </a:solidFill>
+              </a:rPr>
+              <a:t>목록</a:t>
+            </a:r>
+            <a:endParaRPr lang="ko-KR" altLang="en-US" dirty="0">
+              <a:solidFill>
+                <a:schemeClr val="tx1"/>
+              </a:solidFill>
+            </a:endParaRPr>
+          </a:p>
+        </p:txBody>
+      </p:sp>
+      <p:sp>
+        <p:nvSpPr>
+          <p:cNvPr id="15" name="직사각형 14">
+            <a:extLst>
+              <a:ext uri="{FF2B5EF4-FFF2-40B4-BE49-F238E27FC236}">
+                <a16:creationId xmlns:a16="http://schemas.microsoft.com/office/drawing/2014/main" id="{0DC8297D-FFD0-E842-A050-FDD57C2B9B9C}"/>
+              </a:ext>
+            </a:extLst>
+          </p:cNvPr>
+          <p:cNvSpPr/>
+          <p:nvPr/>
+        </p:nvSpPr>
+        <p:spPr>
+          <a:xfrm>
+            <a:off x="4420228" y="2195004"/>
+            <a:ext cx="1505990" cy="1189649"/>
+          </a:xfrm>
+          <a:prstGeom prst="rect">
+            <a:avLst/>
+          </a:prstGeom>
+          <a:solidFill>
+            <a:schemeClr val="bg1">
+              <a:alpha val="69000"/>
+            </a:schemeClr>
+          </a:solidFill>
+        </p:spPr>
+        <p:style>
+          <a:lnRef idx="2">
+            <a:schemeClr val="accent1">
+              <a:shade val="50000"/>
+            </a:schemeClr>
+          </a:lnRef>
+          <a:fillRef idx="1">
+            <a:schemeClr val="accent1"/>
+          </a:fillRef>
+          <a:effectRef idx="0">
+            <a:schemeClr val="accent1"/>
+          </a:effectRef>
+          <a:fontRef idx="minor">
+            <a:schemeClr val="lt1"/>
+          </a:fontRef>
+        </p:style>
+        <p:txBody>
+          <a:bodyPr rtlCol="0" anchor="ctr"/>
+          <a:lstStyle/>
+          <a:p>
+            <a:pPr algn="ctr"/>
+            <a:r>
+              <a:rPr lang="ko-KR" altLang="en-US" dirty="0">
+                <a:solidFill>
+                  <a:schemeClr val="tx1"/>
+                </a:solidFill>
+              </a:rPr>
+              <a:t>관광지 </a:t>
+            </a:r>
+            <a:r>
+              <a:rPr lang="ko-KR" altLang="en-US" dirty="0" smtClean="0">
+                <a:solidFill>
+                  <a:schemeClr val="tx1"/>
+                </a:solidFill>
+              </a:rPr>
+              <a:t>카드</a:t>
+            </a:r>
+            <a:endParaRPr lang="en-US" altLang="ko-KR" dirty="0" smtClean="0">
+              <a:solidFill>
+                <a:schemeClr val="tx1"/>
+              </a:solidFill>
+            </a:endParaRPr>
+          </a:p>
+          <a:p>
+            <a:pPr algn="ctr"/>
+            <a:endParaRPr lang="en-US" altLang="ko-KR" dirty="0">
+              <a:solidFill>
+                <a:schemeClr val="tx1"/>
+              </a:solidFill>
+            </a:endParaRPr>
+          </a:p>
+          <a:p>
+            <a:pPr algn="ctr"/>
+            <a:r>
+              <a:rPr lang="en-US" altLang="ko-KR" dirty="0" smtClean="0">
+                <a:solidFill>
+                  <a:schemeClr val="tx1"/>
+                </a:solidFill>
+              </a:rPr>
+              <a:t>comment</a:t>
+            </a:r>
+            <a:endParaRPr lang="ko-KR" altLang="en-US" dirty="0">
+              <a:solidFill>
+                <a:schemeClr val="tx1"/>
+              </a:solidFill>
+            </a:endParaRPr>
+          </a:p>
+        </p:txBody>
+      </p:sp>
+      <p:sp>
+        <p:nvSpPr>
+          <p:cNvPr id="18" name="직사각형 17">
+            <a:extLst>
+              <a:ext uri="{FF2B5EF4-FFF2-40B4-BE49-F238E27FC236}">
+                <a16:creationId xmlns:a16="http://schemas.microsoft.com/office/drawing/2014/main" id="{68323086-26DE-AF00-34DB-F4236D98558A}"/>
+              </a:ext>
+            </a:extLst>
+          </p:cNvPr>
+          <p:cNvSpPr/>
+          <p:nvPr/>
+        </p:nvSpPr>
+        <p:spPr>
+          <a:xfrm>
+            <a:off x="3562987" y="960771"/>
+            <a:ext cx="5133109" cy="437794"/>
+          </a:xfrm>
+          <a:prstGeom prst="rect">
+            <a:avLst/>
+          </a:prstGeom>
+          <a:solidFill>
+            <a:schemeClr val="bg1">
+              <a:alpha val="69000"/>
+            </a:schemeClr>
+          </a:solidFill>
+        </p:spPr>
+        <p:style>
+          <a:lnRef idx="2">
+            <a:schemeClr val="accent1">
+              <a:shade val="50000"/>
+            </a:schemeClr>
+          </a:lnRef>
+          <a:fillRef idx="1">
+            <a:schemeClr val="accent1"/>
+          </a:fillRef>
+          <a:effectRef idx="0">
+            <a:schemeClr val="accent1"/>
+          </a:effectRef>
+          <a:fontRef idx="minor">
+            <a:schemeClr val="lt1"/>
+          </a:fontRef>
+        </p:style>
+        <p:txBody>
+          <a:bodyPr rtlCol="0" anchor="ctr"/>
+          <a:lstStyle/>
+          <a:p>
+            <a:pPr algn="ctr"/>
+            <a:r>
+              <a:rPr lang="ko-KR" altLang="en-US" dirty="0" smtClean="0">
+                <a:solidFill>
+                  <a:schemeClr val="tx1"/>
+                </a:solidFill>
+              </a:rPr>
+              <a:t>계획 </a:t>
+            </a:r>
+            <a:r>
+              <a:rPr lang="en-US" altLang="ko-KR" dirty="0" smtClean="0">
+                <a:solidFill>
+                  <a:schemeClr val="tx1"/>
+                </a:solidFill>
+              </a:rPr>
+              <a:t>view</a:t>
+            </a:r>
+            <a:endParaRPr lang="ko-KR" altLang="en-US" dirty="0">
+              <a:solidFill>
+                <a:schemeClr val="tx1"/>
+              </a:solidFill>
+            </a:endParaRPr>
+          </a:p>
+        </p:txBody>
+      </p:sp>
       <p:pic>
         <p:nvPicPr>
-          <p:cNvPr id="36" name="그림 35">
-            <a:extLst>
-              <a:ext uri="{FF2B5EF4-FFF2-40B4-BE49-F238E27FC236}">
-                <a16:creationId xmlns:a16="http://schemas.microsoft.com/office/drawing/2014/main" id="{51F75FA0-038A-83D0-EB25-9C80F6CD446F}"/>
-              </a:ext>
-            </a:extLst>
-          </p:cNvPr>
+          <p:cNvPr id="20" name="그림 19"/>
           <p:cNvPicPr>
             <a:picLocks noChangeAspect="1"/>
           </p:cNvPicPr>
@@ -5531,49 +7050,20 @@
         </p:blipFill>
         <p:spPr>
           <a:xfrm>
-            <a:off x="1812757" y="187371"/>
-            <a:ext cx="8633570" cy="459174"/>
+            <a:off x="1812757" y="181588"/>
+            <a:ext cx="8566485" cy="401079"/>
           </a:xfrm>
           <a:prstGeom prst="rect">
             <a:avLst/>
           </a:prstGeom>
         </p:spPr>
       </p:pic>
-      <p:pic>
-        <p:nvPicPr>
-          <p:cNvPr id="7" name="그림 6">
-            <a:extLst>
-              <a:ext uri="{FF2B5EF4-FFF2-40B4-BE49-F238E27FC236}">
-                <a16:creationId xmlns:a16="http://schemas.microsoft.com/office/drawing/2014/main" id="{1643EB2F-385D-6A17-3ADF-0B6ACB46E08D}"/>
-              </a:ext>
-            </a:extLst>
-          </p:cNvPr>
-          <p:cNvPicPr>
-            <a:picLocks noChangeAspect="1"/>
-          </p:cNvPicPr>
-          <p:nvPr/>
-        </p:nvPicPr>
-        <p:blipFill rotWithShape="1">
-          <a:blip r:embed="rId5"/>
-          <a:srcRect l="-1" r="-1"/>
-          <a:stretch/>
-        </p:blipFill>
-        <p:spPr>
-          <a:xfrm>
-            <a:off x="2320636" y="4530441"/>
-            <a:ext cx="7661564" cy="866203"/>
-          </a:xfrm>
-          <a:prstGeom prst="rect">
-            <a:avLst/>
-          </a:prstGeom>
-        </p:spPr>
-      </p:pic>
-      <p:sp>
-        <p:nvSpPr>
-          <p:cNvPr id="8" name="직사각형 7">
-            <a:extLst>
-              <a:ext uri="{FF2B5EF4-FFF2-40B4-BE49-F238E27FC236}">
-                <a16:creationId xmlns:a16="http://schemas.microsoft.com/office/drawing/2014/main" id="{0DF0AD0C-F28C-C0BA-D9F6-47935286BD32}"/>
+      <p:sp>
+        <p:nvSpPr>
+          <p:cNvPr id="22" name="직사각형 21">
+            <a:extLst>
+              <a:ext uri="{FF2B5EF4-FFF2-40B4-BE49-F238E27FC236}">
+                <a16:creationId xmlns:a16="http://schemas.microsoft.com/office/drawing/2014/main" id="{0DC8297D-FFD0-E842-A050-FDD57C2B9B9C}"/>
               </a:ext>
             </a:extLst>
           </p:cNvPr>
@@ -5582,8 +7072,8 @@
         </p:nvSpPr>
         <p:spPr>
           <a:xfrm>
-            <a:off x="2320637" y="1548065"/>
-            <a:ext cx="3775364" cy="437794"/>
+            <a:off x="6183502" y="2820466"/>
+            <a:ext cx="1578977" cy="1189649"/>
           </a:xfrm>
           <a:prstGeom prst="rect">
             <a:avLst/>
@@ -5616,12 +7106,44 @@
           <a:p>
             <a:pPr algn="ctr"/>
             <a:r>
-              <a:rPr lang="ko-KR" altLang="en-US">
-                <a:solidFill>
-                  <a:schemeClr val="tx1"/>
-                </a:solidFill>
-              </a:rPr>
-              <a:t>방 제목</a:t>
+              <a:rPr lang="ko-KR" altLang="en-US" dirty="0">
+                <a:solidFill>
+                  <a:schemeClr val="tx1"/>
+                </a:solidFill>
+              </a:rPr>
+              <a:t>관광지 </a:t>
+            </a:r>
+            <a:r>
+              <a:rPr lang="ko-KR" altLang="en-US" dirty="0" smtClean="0">
+                <a:solidFill>
+                  <a:schemeClr val="tx1"/>
+                </a:solidFill>
+              </a:rPr>
+              <a:t>카드</a:t>
+            </a:r>
+            <a:endParaRPr lang="en-US" altLang="ko-KR" dirty="0" smtClean="0">
+              <a:solidFill>
+                <a:schemeClr val="tx1"/>
+              </a:solidFill>
+            </a:endParaRPr>
+          </a:p>
+          <a:p>
+            <a:pPr algn="ctr"/>
+            <a:endParaRPr lang="en-US" altLang="ko-KR" dirty="0">
+              <a:solidFill>
+                <a:schemeClr val="tx1"/>
+              </a:solidFill>
+            </a:endParaRPr>
+          </a:p>
+          <a:p>
+            <a:pPr algn="ctr"/>
+            <a:r>
+              <a:rPr lang="en-US" altLang="ko-KR" dirty="0" smtClean="0">
+                <a:solidFill>
+                  <a:schemeClr val="tx1"/>
+                </a:solidFill>
+              </a:rPr>
+              <a:t>comment</a:t>
             </a:r>
             <a:endParaRPr lang="ko-KR" altLang="en-US" dirty="0">
               <a:solidFill>
@@ -5633,10 +7155,10 @@
       </p:sp>
       <p:sp>
         <p:nvSpPr>
-          <p:cNvPr id="9" name="직사각형 8">
-            <a:extLst>
-              <a:ext uri="{FF2B5EF4-FFF2-40B4-BE49-F238E27FC236}">
-                <a16:creationId xmlns:a16="http://schemas.microsoft.com/office/drawing/2014/main" id="{07AF2F58-677D-1CA5-0893-E967F4065002}"/>
+          <p:cNvPr id="23" name="직사각형 22">
+            <a:extLst>
+              <a:ext uri="{FF2B5EF4-FFF2-40B4-BE49-F238E27FC236}">
+                <a16:creationId xmlns:a16="http://schemas.microsoft.com/office/drawing/2014/main" id="{0DC8297D-FFD0-E842-A050-FDD57C2B9B9C}"/>
               </a:ext>
             </a:extLst>
           </p:cNvPr>
@@ -5645,8 +7167,8 @@
         </p:nvSpPr>
         <p:spPr>
           <a:xfrm>
-            <a:off x="6329220" y="1548065"/>
-            <a:ext cx="1625227" cy="437794"/>
+            <a:off x="4420228" y="3635902"/>
+            <a:ext cx="1505990" cy="1189649"/>
           </a:xfrm>
           <a:prstGeom prst="rect">
             <a:avLst/>
@@ -5684,17 +7206,54 @@
                   <a:schemeClr val="tx1"/>
                 </a:solidFill>
               </a:rPr>
-              <a:t>수용 인원</a:t>
-            </a:r>
-          </a:p>
-        </p:txBody>
-      </p:sp>
-      <p:sp>
-        <p:nvSpPr>
-          <p:cNvPr id="13" name="직사각형 12">
-            <a:extLst>
-              <a:ext uri="{FF2B5EF4-FFF2-40B4-BE49-F238E27FC236}">
-                <a16:creationId xmlns:a16="http://schemas.microsoft.com/office/drawing/2014/main" id="{F7E2E362-C7D9-A66A-D00C-51F44B28ADAD}"/>
+              <a:t>관광지 </a:t>
+            </a:r>
+            <a:r>
+              <a:rPr lang="ko-KR" altLang="en-US" dirty="0" smtClean="0">
+                <a:solidFill>
+                  <a:schemeClr val="tx1"/>
+                </a:solidFill>
+              </a:rPr>
+              <a:t>카드</a:t>
+            </a:r>
+            <a:endParaRPr lang="en-US" altLang="ko-KR" dirty="0" smtClean="0">
+              <a:solidFill>
+                <a:schemeClr val="tx1"/>
+              </a:solidFill>
+            </a:endParaRPr>
+          </a:p>
+          <a:p>
+            <a:pPr algn="ctr"/>
+            <a:endParaRPr lang="en-US" altLang="ko-KR" dirty="0">
+              <a:solidFill>
+                <a:schemeClr val="tx1"/>
+              </a:solidFill>
+            </a:endParaRPr>
+          </a:p>
+          <a:p>
+            <a:pPr algn="ctr"/>
+            <a:r>
+              <a:rPr lang="en-US" altLang="ko-KR" dirty="0" smtClean="0">
+                <a:solidFill>
+                  <a:schemeClr val="tx1"/>
+                </a:solidFill>
+              </a:rPr>
+              <a:t>comment</a:t>
+            </a:r>
+            <a:endParaRPr lang="ko-KR" altLang="en-US" dirty="0">
+              <a:solidFill>
+                <a:schemeClr val="tx1"/>
+              </a:solidFill>
+            </a:endParaRPr>
+          </a:p>
+        </p:txBody>
+      </p:sp>
+      <p:sp>
+        <p:nvSpPr>
+          <p:cNvPr id="25" name="직사각형 24">
+            <a:extLst>
+              <a:ext uri="{FF2B5EF4-FFF2-40B4-BE49-F238E27FC236}">
+                <a16:creationId xmlns:a16="http://schemas.microsoft.com/office/drawing/2014/main" id="{AD07592D-5A07-6B15-E037-834A5BE18FFE}"/>
               </a:ext>
             </a:extLst>
           </p:cNvPr>
@@ -5703,7 +7262,7 @@
         </p:nvSpPr>
         <p:spPr>
           <a:xfrm>
-            <a:off x="7190564" y="5528733"/>
+            <a:off x="7441133" y="5528733"/>
             <a:ext cx="1254963" cy="366104"/>
           </a:xfrm>
           <a:prstGeom prst="rect">
@@ -5737,302 +7296,12 @@
           <a:p>
             <a:pPr algn="ctr"/>
             <a:r>
-              <a:rPr lang="ko-KR" altLang="en-US" dirty="0">
-                <a:solidFill>
-                  <a:schemeClr val="tx1"/>
-                </a:solidFill>
-              </a:rPr>
-              <a:t>등록</a:t>
-            </a:r>
-          </a:p>
-        </p:txBody>
-      </p:sp>
-      <p:sp>
-        <p:nvSpPr>
-          <p:cNvPr id="14" name="직사각형 13">
-            <a:extLst>
-              <a:ext uri="{FF2B5EF4-FFF2-40B4-BE49-F238E27FC236}">
-                <a16:creationId xmlns:a16="http://schemas.microsoft.com/office/drawing/2014/main" id="{AD07592D-5A07-6B15-E037-834A5BE18FFE}"/>
-              </a:ext>
-            </a:extLst>
-          </p:cNvPr>
-          <p:cNvSpPr/>
-          <p:nvPr/>
-        </p:nvSpPr>
-        <p:spPr>
-          <a:xfrm>
-            <a:off x="8727237" y="5528733"/>
-            <a:ext cx="1254963" cy="366104"/>
-          </a:xfrm>
-          <a:prstGeom prst="rect">
-            <a:avLst/>
-          </a:prstGeom>
-          <a:solidFill>
-            <a:schemeClr val="bg1">
-              <a:alpha val="69000"/>
-            </a:schemeClr>
-          </a:solidFill>
-        </p:spPr>
-        <p:style>
-          <a:lnRef idx="2">
-            <a:schemeClr val="accent1">
-              <a:shade val="50000"/>
-            </a:schemeClr>
-          </a:lnRef>
-          <a:fillRef idx="1">
-            <a:schemeClr val="accent1"/>
-          </a:fillRef>
-          <a:effectRef idx="0">
-            <a:schemeClr val="accent1"/>
-          </a:effectRef>
-          <a:fontRef idx="minor">
-            <a:schemeClr val="lt1"/>
-          </a:fontRef>
-        </p:style>
-        <p:txBody>
-          <a:bodyPr rtlCol="0" anchor="ctr"/>
-          <a:lstStyle/>
-          <a:p>
-            <a:pPr algn="ctr"/>
-            <a:r>
-              <a:rPr lang="ko-KR" altLang="en-US" dirty="0">
-                <a:solidFill>
-                  <a:schemeClr val="tx1"/>
-                </a:solidFill>
-              </a:rPr>
-              <a:t>취소</a:t>
-            </a:r>
-          </a:p>
-        </p:txBody>
-      </p:sp>
-      <p:sp>
-        <p:nvSpPr>
-          <p:cNvPr id="15" name="직사각형 14">
-            <a:extLst>
-              <a:ext uri="{FF2B5EF4-FFF2-40B4-BE49-F238E27FC236}">
-                <a16:creationId xmlns:a16="http://schemas.microsoft.com/office/drawing/2014/main" id="{0DC8297D-FFD0-E842-A050-FDD57C2B9B9C}"/>
-              </a:ext>
-            </a:extLst>
-          </p:cNvPr>
-          <p:cNvSpPr/>
-          <p:nvPr/>
-        </p:nvSpPr>
-        <p:spPr>
-          <a:xfrm>
-            <a:off x="2320637" y="2193631"/>
-            <a:ext cx="2098964" cy="2138697"/>
-          </a:xfrm>
-          <a:prstGeom prst="rect">
-            <a:avLst/>
-          </a:prstGeom>
-          <a:solidFill>
-            <a:schemeClr val="bg1">
-              <a:alpha val="69000"/>
-            </a:schemeClr>
-          </a:solidFill>
-        </p:spPr>
-        <p:style>
-          <a:lnRef idx="2">
-            <a:schemeClr val="accent1">
-              <a:shade val="50000"/>
-            </a:schemeClr>
-          </a:lnRef>
-          <a:fillRef idx="1">
-            <a:schemeClr val="accent1"/>
-          </a:fillRef>
-          <a:effectRef idx="0">
-            <a:schemeClr val="accent1"/>
-          </a:effectRef>
-          <a:fontRef idx="minor">
-            <a:schemeClr val="lt1"/>
-          </a:fontRef>
-        </p:style>
-        <p:txBody>
-          <a:bodyPr rtlCol="0" anchor="ctr"/>
-          <a:lstStyle/>
-          <a:p>
-            <a:pPr algn="ctr"/>
-            <a:r>
-              <a:rPr lang="ko-KR" altLang="en-US" dirty="0">
-                <a:solidFill>
-                  <a:schemeClr val="tx1"/>
-                </a:solidFill>
-              </a:rPr>
-              <a:t>관광지 검색</a:t>
-            </a:r>
-          </a:p>
-        </p:txBody>
-      </p:sp>
-      <p:sp>
-        <p:nvSpPr>
-          <p:cNvPr id="16" name="직사각형 15">
-            <a:extLst>
-              <a:ext uri="{FF2B5EF4-FFF2-40B4-BE49-F238E27FC236}">
-                <a16:creationId xmlns:a16="http://schemas.microsoft.com/office/drawing/2014/main" id="{03153F1D-3BAF-C8B7-72BB-B94F666A3B1F}"/>
-              </a:ext>
-            </a:extLst>
-          </p:cNvPr>
-          <p:cNvSpPr/>
-          <p:nvPr/>
-        </p:nvSpPr>
-        <p:spPr>
-          <a:xfrm>
-            <a:off x="4652820" y="2210948"/>
-            <a:ext cx="2800925" cy="2138697"/>
-          </a:xfrm>
-          <a:prstGeom prst="rect">
-            <a:avLst/>
-          </a:prstGeom>
-          <a:solidFill>
-            <a:schemeClr val="bg1">
-              <a:alpha val="69000"/>
-            </a:schemeClr>
-          </a:solidFill>
-        </p:spPr>
-        <p:style>
-          <a:lnRef idx="2">
-            <a:schemeClr val="accent1">
-              <a:shade val="50000"/>
-            </a:schemeClr>
-          </a:lnRef>
-          <a:fillRef idx="1">
-            <a:schemeClr val="accent1"/>
-          </a:fillRef>
-          <a:effectRef idx="0">
-            <a:schemeClr val="accent1"/>
-          </a:effectRef>
-          <a:fontRef idx="minor">
-            <a:schemeClr val="lt1"/>
-          </a:fontRef>
-        </p:style>
-        <p:txBody>
-          <a:bodyPr rtlCol="0" anchor="ctr"/>
-          <a:lstStyle/>
-          <a:p>
-            <a:pPr algn="ctr"/>
-            <a:r>
-              <a:rPr lang="ko-KR" altLang="en-US" dirty="0">
-                <a:solidFill>
-                  <a:schemeClr val="tx1"/>
-                </a:solidFill>
-              </a:rPr>
-              <a:t>맵</a:t>
-            </a:r>
-          </a:p>
-        </p:txBody>
-      </p:sp>
-      <p:sp>
-        <p:nvSpPr>
-          <p:cNvPr id="17" name="직사각형 16">
-            <a:extLst>
-              <a:ext uri="{FF2B5EF4-FFF2-40B4-BE49-F238E27FC236}">
-                <a16:creationId xmlns:a16="http://schemas.microsoft.com/office/drawing/2014/main" id="{B2B5362E-F1B6-736A-828A-EAEA108C0BC8}"/>
-              </a:ext>
-            </a:extLst>
-          </p:cNvPr>
-          <p:cNvSpPr/>
-          <p:nvPr/>
-        </p:nvSpPr>
-        <p:spPr>
-          <a:xfrm>
-            <a:off x="7772400" y="2246740"/>
-            <a:ext cx="2209799" cy="2085588"/>
-          </a:xfrm>
-          <a:prstGeom prst="rect">
-            <a:avLst/>
-          </a:prstGeom>
-          <a:solidFill>
-            <a:schemeClr val="bg1">
-              <a:alpha val="69000"/>
-            </a:schemeClr>
-          </a:solidFill>
-        </p:spPr>
-        <p:style>
-          <a:lnRef idx="2">
-            <a:schemeClr val="accent1">
-              <a:shade val="50000"/>
-            </a:schemeClr>
-          </a:lnRef>
-          <a:fillRef idx="1">
-            <a:schemeClr val="accent1"/>
-          </a:fillRef>
-          <a:effectRef idx="0">
-            <a:schemeClr val="accent1"/>
-          </a:effectRef>
-          <a:fontRef idx="minor">
-            <a:schemeClr val="lt1"/>
-          </a:fontRef>
-        </p:style>
-        <p:txBody>
-          <a:bodyPr rtlCol="0" anchor="ctr"/>
-          <a:lstStyle/>
-          <a:p>
-            <a:pPr algn="ctr"/>
-            <a:r>
-              <a:rPr lang="ko-KR" altLang="en-US" dirty="0">
-                <a:solidFill>
-                  <a:schemeClr val="tx1"/>
-                </a:solidFill>
-              </a:rPr>
-              <a:t>선택 여행 리스트</a:t>
-            </a:r>
-          </a:p>
-        </p:txBody>
-      </p:sp>
-      <p:sp>
-        <p:nvSpPr>
-          <p:cNvPr id="18" name="직사각형 17">
-            <a:extLst>
-              <a:ext uri="{FF2B5EF4-FFF2-40B4-BE49-F238E27FC236}">
-                <a16:creationId xmlns:a16="http://schemas.microsoft.com/office/drawing/2014/main" id="{68323086-26DE-AF00-34DB-F4236D98558A}"/>
-              </a:ext>
-            </a:extLst>
-          </p:cNvPr>
-          <p:cNvSpPr/>
-          <p:nvPr/>
-        </p:nvSpPr>
-        <p:spPr>
-          <a:xfrm>
-            <a:off x="3562987" y="960771"/>
-            <a:ext cx="5133109" cy="437794"/>
-          </a:xfrm>
-          <a:prstGeom prst="rect">
-            <a:avLst/>
-          </a:prstGeom>
-          <a:solidFill>
-            <a:schemeClr val="bg1">
-              <a:alpha val="69000"/>
-            </a:schemeClr>
-          </a:solidFill>
-        </p:spPr>
-        <p:style>
-          <a:lnRef idx="2">
-            <a:schemeClr val="accent1">
-              <a:shade val="50000"/>
-            </a:schemeClr>
-          </a:lnRef>
-          <a:fillRef idx="1">
-            <a:schemeClr val="accent1"/>
-          </a:fillRef>
-          <a:effectRef idx="0">
-            <a:schemeClr val="accent1"/>
-          </a:effectRef>
-          <a:fontRef idx="minor">
-            <a:schemeClr val="lt1"/>
-          </a:fontRef>
-        </p:style>
-        <p:txBody>
-          <a:bodyPr rtlCol="0" anchor="ctr"/>
-          <a:lstStyle/>
-          <a:p>
-            <a:pPr algn="ctr"/>
-            <a:r>
-              <a:rPr lang="en-US" altLang="ko-KR" dirty="0">
-                <a:solidFill>
-                  <a:schemeClr val="tx1"/>
-                </a:solidFill>
-              </a:rPr>
-              <a:t>Create Group</a:t>
+              <a:rPr lang="ko-KR" altLang="en-US" smtClean="0">
+                <a:solidFill>
+                  <a:schemeClr val="tx1"/>
+                </a:solidFill>
+              </a:rPr>
+              <a:t>수정</a:t>
             </a:r>
             <a:endParaRPr lang="ko-KR" altLang="en-US" dirty="0">
               <a:solidFill>
@@ -6042,84 +7311,10 @@
           </a:p>
         </p:txBody>
       </p:sp>
-      <p:sp>
-        <p:nvSpPr>
-          <p:cNvPr id="19" name="직사각형 18">
-            <a:extLst>
-              <a:ext uri="{FF2B5EF4-FFF2-40B4-BE49-F238E27FC236}">
-                <a16:creationId xmlns:a16="http://schemas.microsoft.com/office/drawing/2014/main" id="{D0A4ABD9-8023-D99F-5712-7CF7C3292E9C}"/>
-              </a:ext>
-            </a:extLst>
-          </p:cNvPr>
-          <p:cNvSpPr/>
-          <p:nvPr/>
-        </p:nvSpPr>
-        <p:spPr>
-          <a:xfrm>
-            <a:off x="8204200" y="1560692"/>
-            <a:ext cx="1761465" cy="437794"/>
-          </a:xfrm>
-          <a:prstGeom prst="rect">
-            <a:avLst/>
-          </a:prstGeom>
-          <a:solidFill>
-            <a:schemeClr val="bg1">
-              <a:alpha val="69000"/>
-            </a:schemeClr>
-          </a:solidFill>
-        </p:spPr>
-        <p:style>
-          <a:lnRef idx="2">
-            <a:schemeClr val="accent1">
-              <a:shade val="50000"/>
-            </a:schemeClr>
-          </a:lnRef>
-          <a:fillRef idx="1">
-            <a:schemeClr val="accent1"/>
-          </a:fillRef>
-          <a:effectRef idx="0">
-            <a:schemeClr val="accent1"/>
-          </a:effectRef>
-          <a:fontRef idx="minor">
-            <a:schemeClr val="lt1"/>
-          </a:fontRef>
-        </p:style>
-        <p:txBody>
-          <a:bodyPr rtlCol="0" anchor="ctr"/>
-          <a:lstStyle/>
-          <a:p>
-            <a:pPr algn="ctr"/>
-            <a:r>
-              <a:rPr lang="ko-KR" altLang="en-US" dirty="0">
-                <a:solidFill>
-                  <a:schemeClr val="tx1"/>
-                </a:solidFill>
-              </a:rPr>
-              <a:t>비공개  </a:t>
-            </a:r>
-            <a:r>
-              <a:rPr lang="en-US" altLang="ko-KR" dirty="0">
-                <a:solidFill>
-                  <a:schemeClr val="tx1"/>
-                </a:solidFill>
-              </a:rPr>
-              <a:t>/ </a:t>
-            </a:r>
-            <a:r>
-              <a:rPr lang="ko-KR" altLang="en-US" dirty="0">
-                <a:solidFill>
-                  <a:schemeClr val="tx1"/>
-                </a:solidFill>
-              </a:rPr>
-              <a:t>공개</a:t>
-            </a:r>
-          </a:p>
-        </p:txBody>
-      </p:sp>
     </p:spTree>
     <p:extLst>
       <p:ext uri="{BB962C8B-B14F-4D97-AF65-F5344CB8AC3E}">
-        <p14:creationId xmlns:p14="http://schemas.microsoft.com/office/powerpoint/2010/main" val="3926362099"/>
+        <p14:creationId xmlns:p14="http://schemas.microsoft.com/office/powerpoint/2010/main" val="1806832822"/>
       </p:ext>
     </p:extLst>
   </p:cSld>
@@ -6267,15 +7462,507 @@
           </a:prstGeom>
         </p:spPr>
       </p:pic>
+      <p:sp>
+        <p:nvSpPr>
+          <p:cNvPr id="8" name="직사각형 7">
+            <a:extLst>
+              <a:ext uri="{FF2B5EF4-FFF2-40B4-BE49-F238E27FC236}">
+                <a16:creationId xmlns:a16="http://schemas.microsoft.com/office/drawing/2014/main" id="{0DF0AD0C-F28C-C0BA-D9F6-47935286BD32}"/>
+              </a:ext>
+            </a:extLst>
+          </p:cNvPr>
+          <p:cNvSpPr/>
+          <p:nvPr/>
+        </p:nvSpPr>
+        <p:spPr>
+          <a:xfrm>
+            <a:off x="2320637" y="1548065"/>
+            <a:ext cx="4479174" cy="437794"/>
+          </a:xfrm>
+          <a:prstGeom prst="rect">
+            <a:avLst/>
+          </a:prstGeom>
+          <a:solidFill>
+            <a:schemeClr val="bg1">
+              <a:alpha val="69000"/>
+            </a:schemeClr>
+          </a:solidFill>
+        </p:spPr>
+        <p:style>
+          <a:lnRef idx="2">
+            <a:schemeClr val="accent1">
+              <a:shade val="50000"/>
+            </a:schemeClr>
+          </a:lnRef>
+          <a:fillRef idx="1">
+            <a:schemeClr val="accent1"/>
+          </a:fillRef>
+          <a:effectRef idx="0">
+            <a:schemeClr val="accent1"/>
+          </a:effectRef>
+          <a:fontRef idx="minor">
+            <a:schemeClr val="lt1"/>
+          </a:fontRef>
+        </p:style>
+        <p:txBody>
+          <a:bodyPr rtlCol="0" anchor="ctr"/>
+          <a:lstStyle/>
+          <a:p>
+            <a:pPr algn="ctr"/>
+            <a:r>
+              <a:rPr lang="ko-KR" altLang="en-US" dirty="0" smtClean="0">
+                <a:solidFill>
+                  <a:schemeClr val="tx1"/>
+                </a:solidFill>
+              </a:rPr>
+              <a:t>계획</a:t>
+            </a:r>
+            <a:r>
+              <a:rPr lang="ko-KR" altLang="en-US" dirty="0" smtClean="0">
+                <a:solidFill>
+                  <a:schemeClr val="tx1"/>
+                </a:solidFill>
+              </a:rPr>
+              <a:t> </a:t>
+            </a:r>
+            <a:r>
+              <a:rPr lang="ko-KR" altLang="en-US" dirty="0">
+                <a:solidFill>
+                  <a:schemeClr val="tx1"/>
+                </a:solidFill>
+              </a:rPr>
+              <a:t>제목</a:t>
+            </a:r>
+          </a:p>
+        </p:txBody>
+      </p:sp>
+      <p:sp>
+        <p:nvSpPr>
+          <p:cNvPr id="13" name="직사각형 12">
+            <a:extLst>
+              <a:ext uri="{FF2B5EF4-FFF2-40B4-BE49-F238E27FC236}">
+                <a16:creationId xmlns:a16="http://schemas.microsoft.com/office/drawing/2014/main" id="{F7E2E362-C7D9-A66A-D00C-51F44B28ADAD}"/>
+              </a:ext>
+            </a:extLst>
+          </p:cNvPr>
+          <p:cNvSpPr/>
+          <p:nvPr/>
+        </p:nvSpPr>
+        <p:spPr>
+          <a:xfrm>
+            <a:off x="7190564" y="5528733"/>
+            <a:ext cx="1254963" cy="366104"/>
+          </a:xfrm>
+          <a:prstGeom prst="rect">
+            <a:avLst/>
+          </a:prstGeom>
+          <a:solidFill>
+            <a:schemeClr val="bg1">
+              <a:alpha val="69000"/>
+            </a:schemeClr>
+          </a:solidFill>
+        </p:spPr>
+        <p:style>
+          <a:lnRef idx="2">
+            <a:schemeClr val="accent1">
+              <a:shade val="50000"/>
+            </a:schemeClr>
+          </a:lnRef>
+          <a:fillRef idx="1">
+            <a:schemeClr val="accent1"/>
+          </a:fillRef>
+          <a:effectRef idx="0">
+            <a:schemeClr val="accent1"/>
+          </a:effectRef>
+          <a:fontRef idx="minor">
+            <a:schemeClr val="lt1"/>
+          </a:fontRef>
+        </p:style>
+        <p:txBody>
+          <a:bodyPr rtlCol="0" anchor="ctr"/>
+          <a:lstStyle/>
+          <a:p>
+            <a:pPr algn="ctr"/>
+            <a:r>
+              <a:rPr lang="ko-KR" altLang="en-US" dirty="0">
+                <a:solidFill>
+                  <a:schemeClr val="tx1"/>
+                </a:solidFill>
+              </a:rPr>
+              <a:t>등록</a:t>
+            </a:r>
+          </a:p>
+        </p:txBody>
+      </p:sp>
+      <p:sp>
+        <p:nvSpPr>
+          <p:cNvPr id="14" name="직사각형 13">
+            <a:extLst>
+              <a:ext uri="{FF2B5EF4-FFF2-40B4-BE49-F238E27FC236}">
+                <a16:creationId xmlns:a16="http://schemas.microsoft.com/office/drawing/2014/main" id="{AD07592D-5A07-6B15-E037-834A5BE18FFE}"/>
+              </a:ext>
+            </a:extLst>
+          </p:cNvPr>
+          <p:cNvSpPr/>
+          <p:nvPr/>
+        </p:nvSpPr>
+        <p:spPr>
+          <a:xfrm>
+            <a:off x="8727237" y="5528733"/>
+            <a:ext cx="1254963" cy="366104"/>
+          </a:xfrm>
+          <a:prstGeom prst="rect">
+            <a:avLst/>
+          </a:prstGeom>
+          <a:solidFill>
+            <a:schemeClr val="bg1">
+              <a:alpha val="69000"/>
+            </a:schemeClr>
+          </a:solidFill>
+        </p:spPr>
+        <p:style>
+          <a:lnRef idx="2">
+            <a:schemeClr val="accent1">
+              <a:shade val="50000"/>
+            </a:schemeClr>
+          </a:lnRef>
+          <a:fillRef idx="1">
+            <a:schemeClr val="accent1"/>
+          </a:fillRef>
+          <a:effectRef idx="0">
+            <a:schemeClr val="accent1"/>
+          </a:effectRef>
+          <a:fontRef idx="minor">
+            <a:schemeClr val="lt1"/>
+          </a:fontRef>
+        </p:style>
+        <p:txBody>
+          <a:bodyPr rtlCol="0" anchor="ctr"/>
+          <a:lstStyle/>
+          <a:p>
+            <a:pPr algn="ctr"/>
+            <a:r>
+              <a:rPr lang="ko-KR" altLang="en-US" dirty="0">
+                <a:solidFill>
+                  <a:schemeClr val="tx1"/>
+                </a:solidFill>
+              </a:rPr>
+              <a:t>취소</a:t>
+            </a:r>
+          </a:p>
+        </p:txBody>
+      </p:sp>
+      <p:sp>
+        <p:nvSpPr>
+          <p:cNvPr id="15" name="직사각형 14">
+            <a:extLst>
+              <a:ext uri="{FF2B5EF4-FFF2-40B4-BE49-F238E27FC236}">
+                <a16:creationId xmlns:a16="http://schemas.microsoft.com/office/drawing/2014/main" id="{0DC8297D-FFD0-E842-A050-FDD57C2B9B9C}"/>
+              </a:ext>
+            </a:extLst>
+          </p:cNvPr>
+          <p:cNvSpPr/>
+          <p:nvPr/>
+        </p:nvSpPr>
+        <p:spPr>
+          <a:xfrm>
+            <a:off x="2320637" y="2193631"/>
+            <a:ext cx="2098964" cy="3060013"/>
+          </a:xfrm>
+          <a:prstGeom prst="rect">
+            <a:avLst/>
+          </a:prstGeom>
+          <a:solidFill>
+            <a:schemeClr val="bg1">
+              <a:alpha val="69000"/>
+            </a:schemeClr>
+          </a:solidFill>
+        </p:spPr>
+        <p:style>
+          <a:lnRef idx="2">
+            <a:schemeClr val="accent1">
+              <a:shade val="50000"/>
+            </a:schemeClr>
+          </a:lnRef>
+          <a:fillRef idx="1">
+            <a:schemeClr val="accent1"/>
+          </a:fillRef>
+          <a:effectRef idx="0">
+            <a:schemeClr val="accent1"/>
+          </a:effectRef>
+          <a:fontRef idx="minor">
+            <a:schemeClr val="lt1"/>
+          </a:fontRef>
+        </p:style>
+        <p:txBody>
+          <a:bodyPr rtlCol="0" anchor="ctr"/>
+          <a:lstStyle/>
+          <a:p>
+            <a:pPr algn="ctr"/>
+            <a:r>
+              <a:rPr lang="ko-KR" altLang="en-US" dirty="0">
+                <a:solidFill>
+                  <a:schemeClr val="tx1"/>
+                </a:solidFill>
+              </a:rPr>
+              <a:t>관광지 검색</a:t>
+            </a:r>
+          </a:p>
+        </p:txBody>
+      </p:sp>
+      <p:sp>
+        <p:nvSpPr>
+          <p:cNvPr id="16" name="직사각형 15">
+            <a:extLst>
+              <a:ext uri="{FF2B5EF4-FFF2-40B4-BE49-F238E27FC236}">
+                <a16:creationId xmlns:a16="http://schemas.microsoft.com/office/drawing/2014/main" id="{03153F1D-3BAF-C8B7-72BB-B94F666A3B1F}"/>
+              </a:ext>
+            </a:extLst>
+          </p:cNvPr>
+          <p:cNvSpPr/>
+          <p:nvPr/>
+        </p:nvSpPr>
+        <p:spPr>
+          <a:xfrm>
+            <a:off x="4652820" y="2210948"/>
+            <a:ext cx="2800925" cy="3042696"/>
+          </a:xfrm>
+          <a:prstGeom prst="rect">
+            <a:avLst/>
+          </a:prstGeom>
+          <a:solidFill>
+            <a:schemeClr val="bg1">
+              <a:alpha val="69000"/>
+            </a:schemeClr>
+          </a:solidFill>
+        </p:spPr>
+        <p:style>
+          <a:lnRef idx="2">
+            <a:schemeClr val="accent1">
+              <a:shade val="50000"/>
+            </a:schemeClr>
+          </a:lnRef>
+          <a:fillRef idx="1">
+            <a:schemeClr val="accent1"/>
+          </a:fillRef>
+          <a:effectRef idx="0">
+            <a:schemeClr val="accent1"/>
+          </a:effectRef>
+          <a:fontRef idx="minor">
+            <a:schemeClr val="lt1"/>
+          </a:fontRef>
+        </p:style>
+        <p:txBody>
+          <a:bodyPr rtlCol="0" anchor="ctr"/>
+          <a:lstStyle/>
+          <a:p>
+            <a:pPr algn="ctr"/>
+            <a:r>
+              <a:rPr lang="ko-KR" altLang="en-US" dirty="0">
+                <a:solidFill>
+                  <a:schemeClr val="tx1"/>
+                </a:solidFill>
+              </a:rPr>
+              <a:t>맵</a:t>
+            </a:r>
+          </a:p>
+        </p:txBody>
+      </p:sp>
+      <p:sp>
+        <p:nvSpPr>
+          <p:cNvPr id="17" name="직사각형 16">
+            <a:extLst>
+              <a:ext uri="{FF2B5EF4-FFF2-40B4-BE49-F238E27FC236}">
+                <a16:creationId xmlns:a16="http://schemas.microsoft.com/office/drawing/2014/main" id="{B2B5362E-F1B6-736A-828A-EAEA108C0BC8}"/>
+              </a:ext>
+            </a:extLst>
+          </p:cNvPr>
+          <p:cNvSpPr/>
+          <p:nvPr/>
+        </p:nvSpPr>
+        <p:spPr>
+          <a:xfrm>
+            <a:off x="7772400" y="2246740"/>
+            <a:ext cx="2209799" cy="3006904"/>
+          </a:xfrm>
+          <a:prstGeom prst="rect">
+            <a:avLst/>
+          </a:prstGeom>
+          <a:solidFill>
+            <a:schemeClr val="bg1">
+              <a:alpha val="69000"/>
+            </a:schemeClr>
+          </a:solidFill>
+        </p:spPr>
+        <p:style>
+          <a:lnRef idx="2">
+            <a:schemeClr val="accent1">
+              <a:shade val="50000"/>
+            </a:schemeClr>
+          </a:lnRef>
+          <a:fillRef idx="1">
+            <a:schemeClr val="accent1"/>
+          </a:fillRef>
+          <a:effectRef idx="0">
+            <a:schemeClr val="accent1"/>
+          </a:effectRef>
+          <a:fontRef idx="minor">
+            <a:schemeClr val="lt1"/>
+          </a:fontRef>
+        </p:style>
+        <p:txBody>
+          <a:bodyPr rtlCol="0" anchor="ctr"/>
+          <a:lstStyle/>
+          <a:p>
+            <a:pPr algn="ctr"/>
+            <a:r>
+              <a:rPr lang="ko-KR" altLang="en-US" dirty="0">
+                <a:solidFill>
+                  <a:schemeClr val="tx1"/>
+                </a:solidFill>
+              </a:rPr>
+              <a:t>선택 여행 리스트</a:t>
+            </a:r>
+          </a:p>
+        </p:txBody>
+      </p:sp>
+      <p:sp>
+        <p:nvSpPr>
+          <p:cNvPr id="18" name="직사각형 17">
+            <a:extLst>
+              <a:ext uri="{FF2B5EF4-FFF2-40B4-BE49-F238E27FC236}">
+                <a16:creationId xmlns:a16="http://schemas.microsoft.com/office/drawing/2014/main" id="{68323086-26DE-AF00-34DB-F4236D98558A}"/>
+              </a:ext>
+            </a:extLst>
+          </p:cNvPr>
+          <p:cNvSpPr/>
+          <p:nvPr/>
+        </p:nvSpPr>
+        <p:spPr>
+          <a:xfrm>
+            <a:off x="3562987" y="960771"/>
+            <a:ext cx="5133109" cy="437794"/>
+          </a:xfrm>
+          <a:prstGeom prst="rect">
+            <a:avLst/>
+          </a:prstGeom>
+          <a:solidFill>
+            <a:schemeClr val="bg1">
+              <a:alpha val="69000"/>
+            </a:schemeClr>
+          </a:solidFill>
+        </p:spPr>
+        <p:style>
+          <a:lnRef idx="2">
+            <a:schemeClr val="accent1">
+              <a:shade val="50000"/>
+            </a:schemeClr>
+          </a:lnRef>
+          <a:fillRef idx="1">
+            <a:schemeClr val="accent1"/>
+          </a:fillRef>
+          <a:effectRef idx="0">
+            <a:schemeClr val="accent1"/>
+          </a:effectRef>
+          <a:fontRef idx="minor">
+            <a:schemeClr val="lt1"/>
+          </a:fontRef>
+        </p:style>
+        <p:txBody>
+          <a:bodyPr rtlCol="0" anchor="ctr"/>
+          <a:lstStyle/>
+          <a:p>
+            <a:pPr algn="ctr"/>
+            <a:r>
+              <a:rPr lang="en-US" altLang="ko-KR" dirty="0">
+                <a:solidFill>
+                  <a:schemeClr val="tx1"/>
+                </a:solidFill>
+              </a:rPr>
+              <a:t>Create </a:t>
+            </a:r>
+            <a:r>
+              <a:rPr lang="en-US" altLang="ko-KR" dirty="0" smtClean="0">
+                <a:solidFill>
+                  <a:schemeClr val="tx1"/>
+                </a:solidFill>
+              </a:rPr>
+              <a:t>Plan</a:t>
+            </a:r>
+            <a:endParaRPr lang="ko-KR" altLang="en-US" dirty="0">
+              <a:solidFill>
+                <a:schemeClr val="tx1"/>
+              </a:solidFill>
+            </a:endParaRPr>
+          </a:p>
+        </p:txBody>
+      </p:sp>
+      <p:sp>
+        <p:nvSpPr>
+          <p:cNvPr id="19" name="직사각형 18">
+            <a:extLst>
+              <a:ext uri="{FF2B5EF4-FFF2-40B4-BE49-F238E27FC236}">
+                <a16:creationId xmlns:a16="http://schemas.microsoft.com/office/drawing/2014/main" id="{D0A4ABD9-8023-D99F-5712-7CF7C3292E9C}"/>
+              </a:ext>
+            </a:extLst>
+          </p:cNvPr>
+          <p:cNvSpPr/>
+          <p:nvPr/>
+        </p:nvSpPr>
+        <p:spPr>
+          <a:xfrm>
+            <a:off x="7996566" y="1557697"/>
+            <a:ext cx="1761465" cy="437794"/>
+          </a:xfrm>
+          <a:prstGeom prst="rect">
+            <a:avLst/>
+          </a:prstGeom>
+          <a:solidFill>
+            <a:schemeClr val="bg1">
+              <a:alpha val="69000"/>
+            </a:schemeClr>
+          </a:solidFill>
+        </p:spPr>
+        <p:style>
+          <a:lnRef idx="2">
+            <a:schemeClr val="accent1">
+              <a:shade val="50000"/>
+            </a:schemeClr>
+          </a:lnRef>
+          <a:fillRef idx="1">
+            <a:schemeClr val="accent1"/>
+          </a:fillRef>
+          <a:effectRef idx="0">
+            <a:schemeClr val="accent1"/>
+          </a:effectRef>
+          <a:fontRef idx="minor">
+            <a:schemeClr val="lt1"/>
+          </a:fontRef>
+        </p:style>
+        <p:txBody>
+          <a:bodyPr rtlCol="0" anchor="ctr"/>
+          <a:lstStyle/>
+          <a:p>
+            <a:pPr algn="ctr"/>
+            <a:r>
+              <a:rPr lang="ko-KR" altLang="en-US" dirty="0" smtClean="0">
+                <a:solidFill>
+                  <a:schemeClr val="tx1"/>
+                </a:solidFill>
+              </a:rPr>
+              <a:t>작성자</a:t>
+            </a:r>
+            <a:endParaRPr lang="ko-KR" altLang="en-US" dirty="0">
+              <a:solidFill>
+                <a:schemeClr val="tx1"/>
+              </a:solidFill>
+            </a:endParaRPr>
+          </a:p>
+        </p:txBody>
+      </p:sp>
       <p:pic>
         <p:nvPicPr>
-          <p:cNvPr id="36" name="그림 35">
-            <a:extLst>
-              <a:ext uri="{FF2B5EF4-FFF2-40B4-BE49-F238E27FC236}">
-                <a16:creationId xmlns:a16="http://schemas.microsoft.com/office/drawing/2014/main" id="{51F75FA0-038A-83D0-EB25-9C80F6CD446F}"/>
-              </a:ext>
-            </a:extLst>
-          </p:cNvPr>
+          <p:cNvPr id="20" name="그림 19"/>
           <p:cNvPicPr>
             <a:picLocks noChangeAspect="1"/>
           </p:cNvPicPr>
@@ -6289,256 +7976,18 @@
         </p:blipFill>
         <p:spPr>
           <a:xfrm>
-            <a:off x="1812757" y="187371"/>
-            <a:ext cx="8633570" cy="459174"/>
+            <a:off x="1812757" y="181588"/>
+            <a:ext cx="8566485" cy="401079"/>
           </a:xfrm>
           <a:prstGeom prst="rect">
             <a:avLst/>
           </a:prstGeom>
         </p:spPr>
       </p:pic>
-      <p:sp>
-        <p:nvSpPr>
-          <p:cNvPr id="3" name="직사각형 2">
-            <a:extLst>
-              <a:ext uri="{FF2B5EF4-FFF2-40B4-BE49-F238E27FC236}">
-                <a16:creationId xmlns:a16="http://schemas.microsoft.com/office/drawing/2014/main" id="{3F8D0F82-37F8-2D5F-32C0-0F5E4CA19D9D}"/>
-              </a:ext>
-            </a:extLst>
-          </p:cNvPr>
-          <p:cNvSpPr/>
-          <p:nvPr/>
-        </p:nvSpPr>
-        <p:spPr>
-          <a:xfrm>
-            <a:off x="2313709" y="1049234"/>
-            <a:ext cx="7661564" cy="994884"/>
-          </a:xfrm>
-          <a:prstGeom prst="rect">
-            <a:avLst/>
-          </a:prstGeom>
-          <a:solidFill>
-            <a:schemeClr val="bg1">
-              <a:alpha val="69000"/>
-            </a:schemeClr>
-          </a:solidFill>
-        </p:spPr>
-        <p:style>
-          <a:lnRef idx="2">
-            <a:schemeClr val="accent1">
-              <a:shade val="50000"/>
-            </a:schemeClr>
-          </a:lnRef>
-          <a:fillRef idx="1">
-            <a:schemeClr val="accent1"/>
-          </a:fillRef>
-          <a:effectRef idx="0">
-            <a:schemeClr val="accent1"/>
-          </a:effectRef>
-          <a:fontRef idx="minor">
-            <a:schemeClr val="lt1"/>
-          </a:fontRef>
-        </p:style>
-        <p:txBody>
-          <a:bodyPr rtlCol="0" anchor="ctr"/>
-          <a:lstStyle/>
-          <a:p>
-            <a:pPr algn="ctr"/>
-            <a:r>
-              <a:rPr lang="ko-KR" altLang="en-US" dirty="0">
-                <a:solidFill>
-                  <a:schemeClr val="tx1"/>
-                </a:solidFill>
-              </a:rPr>
-              <a:t>여행후기</a:t>
-            </a:r>
-          </a:p>
-        </p:txBody>
-      </p:sp>
-      <p:sp>
-        <p:nvSpPr>
-          <p:cNvPr id="6" name="직사각형 5">
-            <a:extLst>
-              <a:ext uri="{FF2B5EF4-FFF2-40B4-BE49-F238E27FC236}">
-                <a16:creationId xmlns:a16="http://schemas.microsoft.com/office/drawing/2014/main" id="{93A48854-3D49-9FD7-F64C-FB8151AA3538}"/>
-              </a:ext>
-            </a:extLst>
-          </p:cNvPr>
-          <p:cNvSpPr/>
-          <p:nvPr/>
-        </p:nvSpPr>
-        <p:spPr>
-          <a:xfrm>
-            <a:off x="2320636" y="2196280"/>
-            <a:ext cx="7661564" cy="3484084"/>
-          </a:xfrm>
-          <a:prstGeom prst="rect">
-            <a:avLst/>
-          </a:prstGeom>
-          <a:solidFill>
-            <a:schemeClr val="bg1">
-              <a:alpha val="69000"/>
-            </a:schemeClr>
-          </a:solidFill>
-        </p:spPr>
-        <p:style>
-          <a:lnRef idx="2">
-            <a:schemeClr val="accent1">
-              <a:shade val="50000"/>
-            </a:schemeClr>
-          </a:lnRef>
-          <a:fillRef idx="1">
-            <a:schemeClr val="accent1"/>
-          </a:fillRef>
-          <a:effectRef idx="0">
-            <a:schemeClr val="accent1"/>
-          </a:effectRef>
-          <a:fontRef idx="minor">
-            <a:schemeClr val="lt1"/>
-          </a:fontRef>
-        </p:style>
-        <p:txBody>
-          <a:bodyPr rtlCol="0" anchor="ctr"/>
-          <a:lstStyle/>
-          <a:p>
-            <a:pPr algn="ctr"/>
-            <a:r>
-              <a:rPr lang="ko-KR" altLang="en-US" dirty="0">
-                <a:solidFill>
-                  <a:schemeClr val="tx1"/>
-                </a:solidFill>
-              </a:rPr>
-              <a:t>리스트</a:t>
-            </a:r>
-          </a:p>
-        </p:txBody>
-      </p:sp>
-      <p:sp>
-        <p:nvSpPr>
-          <p:cNvPr id="2" name="직사각형 1">
-            <a:extLst>
-              <a:ext uri="{FF2B5EF4-FFF2-40B4-BE49-F238E27FC236}">
-                <a16:creationId xmlns:a16="http://schemas.microsoft.com/office/drawing/2014/main" id="{22BC5BA2-1FED-FDBE-7E26-0A43F6657EEA}"/>
-              </a:ext>
-            </a:extLst>
-          </p:cNvPr>
-          <p:cNvSpPr/>
-          <p:nvPr/>
-        </p:nvSpPr>
-        <p:spPr>
-          <a:xfrm>
-            <a:off x="2715491" y="2259436"/>
-            <a:ext cx="7047346" cy="478554"/>
-          </a:xfrm>
-          <a:prstGeom prst="rect">
-            <a:avLst/>
-          </a:prstGeom>
-          <a:solidFill>
-            <a:schemeClr val="bg1">
-              <a:alpha val="69000"/>
-            </a:schemeClr>
-          </a:solidFill>
-        </p:spPr>
-        <p:style>
-          <a:lnRef idx="2">
-            <a:schemeClr val="accent1">
-              <a:shade val="50000"/>
-            </a:schemeClr>
-          </a:lnRef>
-          <a:fillRef idx="1">
-            <a:schemeClr val="accent1"/>
-          </a:fillRef>
-          <a:effectRef idx="0">
-            <a:schemeClr val="accent1"/>
-          </a:effectRef>
-          <a:fontRef idx="minor">
-            <a:schemeClr val="lt1"/>
-          </a:fontRef>
-        </p:style>
-        <p:txBody>
-          <a:bodyPr rtlCol="0" anchor="ctr"/>
-          <a:lstStyle/>
-          <a:p>
-            <a:pPr algn="ctr"/>
-            <a:r>
-              <a:rPr lang="ko-KR" altLang="en-US" dirty="0">
-                <a:solidFill>
-                  <a:schemeClr val="tx1"/>
-                </a:solidFill>
-              </a:rPr>
-              <a:t>번호 </a:t>
-            </a:r>
-            <a:r>
-              <a:rPr lang="en-US" altLang="ko-KR" dirty="0">
-                <a:solidFill>
-                  <a:schemeClr val="tx1"/>
-                </a:solidFill>
-              </a:rPr>
-              <a:t>/ </a:t>
-            </a:r>
-            <a:r>
-              <a:rPr lang="ko-KR" altLang="en-US" dirty="0">
-                <a:solidFill>
-                  <a:schemeClr val="tx1"/>
-                </a:solidFill>
-              </a:rPr>
-              <a:t>제목 </a:t>
-            </a:r>
-            <a:r>
-              <a:rPr lang="en-US" altLang="ko-KR" dirty="0">
-                <a:solidFill>
-                  <a:schemeClr val="tx1"/>
-                </a:solidFill>
-              </a:rPr>
-              <a:t>/ </a:t>
-            </a:r>
-            <a:r>
-              <a:rPr lang="ko-KR" altLang="en-US" dirty="0">
-                <a:solidFill>
-                  <a:schemeClr val="tx1"/>
-                </a:solidFill>
-              </a:rPr>
-              <a:t>작성자 </a:t>
-            </a:r>
-            <a:r>
-              <a:rPr lang="en-US" altLang="ko-KR" dirty="0">
-                <a:solidFill>
-                  <a:schemeClr val="tx1"/>
-                </a:solidFill>
-              </a:rPr>
-              <a:t>/ </a:t>
-            </a:r>
-            <a:r>
-              <a:rPr lang="ko-KR" altLang="en-US" dirty="0">
-                <a:solidFill>
-                  <a:schemeClr val="tx1"/>
-                </a:solidFill>
-              </a:rPr>
-              <a:t>작성 날짜 </a:t>
-            </a:r>
-            <a:r>
-              <a:rPr lang="en-US" altLang="ko-KR" dirty="0">
-                <a:solidFill>
-                  <a:schemeClr val="tx1"/>
-                </a:solidFill>
-              </a:rPr>
-              <a:t>/ </a:t>
-            </a:r>
-            <a:r>
-              <a:rPr lang="ko-KR" altLang="en-US" dirty="0">
-                <a:solidFill>
-                  <a:schemeClr val="tx1"/>
-                </a:solidFill>
-              </a:rPr>
-              <a:t>좋아요 </a:t>
-            </a:r>
-          </a:p>
-        </p:txBody>
-      </p:sp>
     </p:spTree>
     <p:extLst>
       <p:ext uri="{BB962C8B-B14F-4D97-AF65-F5344CB8AC3E}">
-        <p14:creationId xmlns:p14="http://schemas.microsoft.com/office/powerpoint/2010/main" val="1282643395"/>
+        <p14:creationId xmlns:p14="http://schemas.microsoft.com/office/powerpoint/2010/main" val="2914425097"/>
       </p:ext>
     </p:extLst>
   </p:cSld>
@@ -6686,15 +8135,247 @@
           </a:prstGeom>
         </p:spPr>
       </p:pic>
+      <p:sp>
+        <p:nvSpPr>
+          <p:cNvPr id="3" name="직사각형 2">
+            <a:extLst>
+              <a:ext uri="{FF2B5EF4-FFF2-40B4-BE49-F238E27FC236}">
+                <a16:creationId xmlns:a16="http://schemas.microsoft.com/office/drawing/2014/main" id="{3F8D0F82-37F8-2D5F-32C0-0F5E4CA19D9D}"/>
+              </a:ext>
+            </a:extLst>
+          </p:cNvPr>
+          <p:cNvSpPr/>
+          <p:nvPr/>
+        </p:nvSpPr>
+        <p:spPr>
+          <a:xfrm>
+            <a:off x="2313709" y="1049234"/>
+            <a:ext cx="7661564" cy="994884"/>
+          </a:xfrm>
+          <a:prstGeom prst="rect">
+            <a:avLst/>
+          </a:prstGeom>
+          <a:solidFill>
+            <a:schemeClr val="bg1">
+              <a:alpha val="69000"/>
+            </a:schemeClr>
+          </a:solidFill>
+        </p:spPr>
+        <p:style>
+          <a:lnRef idx="2">
+            <a:schemeClr val="accent1">
+              <a:shade val="50000"/>
+            </a:schemeClr>
+          </a:lnRef>
+          <a:fillRef idx="1">
+            <a:schemeClr val="accent1"/>
+          </a:fillRef>
+          <a:effectRef idx="0">
+            <a:schemeClr val="accent1"/>
+          </a:effectRef>
+          <a:fontRef idx="minor">
+            <a:schemeClr val="lt1"/>
+          </a:fontRef>
+        </p:style>
+        <p:txBody>
+          <a:bodyPr rtlCol="0" anchor="ctr"/>
+          <a:lstStyle/>
+          <a:p>
+            <a:pPr algn="ctr"/>
+            <a:r>
+              <a:rPr lang="ko-KR" altLang="en-US" dirty="0">
+                <a:solidFill>
+                  <a:schemeClr val="tx1"/>
+                </a:solidFill>
+              </a:rPr>
+              <a:t>여행후기</a:t>
+            </a:r>
+          </a:p>
+        </p:txBody>
+      </p:sp>
+      <p:sp>
+        <p:nvSpPr>
+          <p:cNvPr id="6" name="직사각형 5">
+            <a:extLst>
+              <a:ext uri="{FF2B5EF4-FFF2-40B4-BE49-F238E27FC236}">
+                <a16:creationId xmlns:a16="http://schemas.microsoft.com/office/drawing/2014/main" id="{93A48854-3D49-9FD7-F64C-FB8151AA3538}"/>
+              </a:ext>
+            </a:extLst>
+          </p:cNvPr>
+          <p:cNvSpPr/>
+          <p:nvPr/>
+        </p:nvSpPr>
+        <p:spPr>
+          <a:xfrm>
+            <a:off x="2320636" y="2196280"/>
+            <a:ext cx="7661564" cy="3484084"/>
+          </a:xfrm>
+          <a:prstGeom prst="rect">
+            <a:avLst/>
+          </a:prstGeom>
+          <a:solidFill>
+            <a:schemeClr val="bg1">
+              <a:alpha val="69000"/>
+            </a:schemeClr>
+          </a:solidFill>
+        </p:spPr>
+        <p:style>
+          <a:lnRef idx="2">
+            <a:schemeClr val="accent1">
+              <a:shade val="50000"/>
+            </a:schemeClr>
+          </a:lnRef>
+          <a:fillRef idx="1">
+            <a:schemeClr val="accent1"/>
+          </a:fillRef>
+          <a:effectRef idx="0">
+            <a:schemeClr val="accent1"/>
+          </a:effectRef>
+          <a:fontRef idx="minor">
+            <a:schemeClr val="lt1"/>
+          </a:fontRef>
+        </p:style>
+        <p:txBody>
+          <a:bodyPr rtlCol="0" anchor="ctr"/>
+          <a:lstStyle/>
+          <a:p>
+            <a:pPr algn="ctr"/>
+            <a:r>
+              <a:rPr lang="ko-KR" altLang="en-US" dirty="0">
+                <a:solidFill>
+                  <a:schemeClr val="tx1"/>
+                </a:solidFill>
+              </a:rPr>
+              <a:t>리스트</a:t>
+            </a:r>
+          </a:p>
+        </p:txBody>
+      </p:sp>
+      <p:sp>
+        <p:nvSpPr>
+          <p:cNvPr id="2" name="직사각형 1">
+            <a:extLst>
+              <a:ext uri="{FF2B5EF4-FFF2-40B4-BE49-F238E27FC236}">
+                <a16:creationId xmlns:a16="http://schemas.microsoft.com/office/drawing/2014/main" id="{22BC5BA2-1FED-FDBE-7E26-0A43F6657EEA}"/>
+              </a:ext>
+            </a:extLst>
+          </p:cNvPr>
+          <p:cNvSpPr/>
+          <p:nvPr/>
+        </p:nvSpPr>
+        <p:spPr>
+          <a:xfrm>
+            <a:off x="2715491" y="2259436"/>
+            <a:ext cx="7047346" cy="478554"/>
+          </a:xfrm>
+          <a:prstGeom prst="rect">
+            <a:avLst/>
+          </a:prstGeom>
+          <a:solidFill>
+            <a:schemeClr val="bg1">
+              <a:alpha val="69000"/>
+            </a:schemeClr>
+          </a:solidFill>
+        </p:spPr>
+        <p:style>
+          <a:lnRef idx="2">
+            <a:schemeClr val="accent1">
+              <a:shade val="50000"/>
+            </a:schemeClr>
+          </a:lnRef>
+          <a:fillRef idx="1">
+            <a:schemeClr val="accent1"/>
+          </a:fillRef>
+          <a:effectRef idx="0">
+            <a:schemeClr val="accent1"/>
+          </a:effectRef>
+          <a:fontRef idx="minor">
+            <a:schemeClr val="lt1"/>
+          </a:fontRef>
+        </p:style>
+        <p:txBody>
+          <a:bodyPr rtlCol="0" anchor="ctr"/>
+          <a:lstStyle/>
+          <a:p>
+            <a:pPr algn="ctr"/>
+            <a:r>
+              <a:rPr lang="ko-KR" altLang="en-US" dirty="0">
+                <a:solidFill>
+                  <a:schemeClr val="tx1"/>
+                </a:solidFill>
+              </a:rPr>
+              <a:t>번호 </a:t>
+            </a:r>
+            <a:r>
+              <a:rPr lang="en-US" altLang="ko-KR" dirty="0">
+                <a:solidFill>
+                  <a:schemeClr val="tx1"/>
+                </a:solidFill>
+              </a:rPr>
+              <a:t>/ </a:t>
+            </a:r>
+            <a:r>
+              <a:rPr lang="ko-KR" altLang="en-US" dirty="0">
+                <a:solidFill>
+                  <a:schemeClr val="tx1"/>
+                </a:solidFill>
+              </a:rPr>
+              <a:t>제목 </a:t>
+            </a:r>
+            <a:r>
+              <a:rPr lang="en-US" altLang="ko-KR" dirty="0">
+                <a:solidFill>
+                  <a:schemeClr val="tx1"/>
+                </a:solidFill>
+              </a:rPr>
+              <a:t>/ </a:t>
+            </a:r>
+            <a:r>
+              <a:rPr lang="ko-KR" altLang="en-US" dirty="0">
+                <a:solidFill>
+                  <a:schemeClr val="tx1"/>
+                </a:solidFill>
+              </a:rPr>
+              <a:t>작성자 </a:t>
+            </a:r>
+            <a:r>
+              <a:rPr lang="en-US" altLang="ko-KR" dirty="0">
+                <a:solidFill>
+                  <a:schemeClr val="tx1"/>
+                </a:solidFill>
+              </a:rPr>
+              <a:t>/ </a:t>
+            </a:r>
+            <a:r>
+              <a:rPr lang="ko-KR" altLang="en-US" dirty="0">
+                <a:solidFill>
+                  <a:schemeClr val="tx1"/>
+                </a:solidFill>
+              </a:rPr>
+              <a:t>작성 날짜 </a:t>
+            </a:r>
+            <a:r>
+              <a:rPr lang="en-US" altLang="ko-KR" dirty="0">
+                <a:solidFill>
+                  <a:schemeClr val="tx1"/>
+                </a:solidFill>
+              </a:rPr>
+              <a:t>/ </a:t>
+            </a:r>
+            <a:r>
+              <a:rPr lang="ko-KR" altLang="en-US" dirty="0">
+                <a:solidFill>
+                  <a:schemeClr val="tx1"/>
+                </a:solidFill>
+              </a:rPr>
+              <a:t>좋아요 </a:t>
+            </a:r>
+          </a:p>
+        </p:txBody>
+      </p:sp>
       <p:pic>
         <p:nvPicPr>
-          <p:cNvPr id="36" name="그림 35">
-            <a:extLst>
-              <a:ext uri="{FF2B5EF4-FFF2-40B4-BE49-F238E27FC236}">
-                <a16:creationId xmlns:a16="http://schemas.microsoft.com/office/drawing/2014/main" id="{51F75FA0-038A-83D0-EB25-9C80F6CD446F}"/>
-              </a:ext>
-            </a:extLst>
-          </p:cNvPr>
+          <p:cNvPr id="9" name="그림 8"/>
           <p:cNvPicPr>
             <a:picLocks noChangeAspect="1"/>
           </p:cNvPicPr>
@@ -6708,20 +8389,86 @@
         </p:blipFill>
         <p:spPr>
           <a:xfrm>
-            <a:off x="1812757" y="187371"/>
-            <a:ext cx="8633570" cy="459174"/>
+            <a:off x="1812757" y="181588"/>
+            <a:ext cx="8566485" cy="401079"/>
           </a:xfrm>
           <a:prstGeom prst="rect">
             <a:avLst/>
           </a:prstGeom>
         </p:spPr>
       </p:pic>
-      <p:sp>
-        <p:nvSpPr>
-          <p:cNvPr id="6" name="직사각형 5">
-            <a:extLst>
-              <a:ext uri="{FF2B5EF4-FFF2-40B4-BE49-F238E27FC236}">
-                <a16:creationId xmlns:a16="http://schemas.microsoft.com/office/drawing/2014/main" id="{93A48854-3D49-9FD7-F64C-FB8151AA3538}"/>
+    </p:spTree>
+    <p:extLst>
+      <p:ext uri="{BB962C8B-B14F-4D97-AF65-F5344CB8AC3E}">
+        <p14:creationId xmlns:p14="http://schemas.microsoft.com/office/powerpoint/2010/main" val="1282643395"/>
+      </p:ext>
+    </p:extLst>
+  </p:cSld>
+  <p:clrMapOvr>
+    <a:masterClrMapping/>
+  </p:clrMapOvr>
+</p:sld>
+</file>
+
+<file path=ppt/slides/slide9.xml><?xml version="1.0" encoding="utf-8"?>
+<p:sld xmlns:a="http://schemas.openxmlformats.org/drawingml/2006/main" xmlns:r="http://schemas.openxmlformats.org/officeDocument/2006/relationships" xmlns:p="http://schemas.openxmlformats.org/presentationml/2006/main">
+  <p:cSld>
+    <p:spTree>
+      <p:nvGrpSpPr>
+        <p:cNvPr id="1" name=""/>
+        <p:cNvGrpSpPr/>
+        <p:nvPr/>
+      </p:nvGrpSpPr>
+      <p:grpSpPr>
+        <a:xfrm>
+          <a:off x="0" y="0"/>
+          <a:ext cx="0" cy="0"/>
+          <a:chOff x="0" y="0"/>
+          <a:chExt cx="0" cy="0"/>
+        </a:xfrm>
+      </p:grpSpPr>
+      <p:pic>
+        <p:nvPicPr>
+          <p:cNvPr id="5" name="그림 4">
+            <a:extLst>
+              <a:ext uri="{FF2B5EF4-FFF2-40B4-BE49-F238E27FC236}">
+                <a16:creationId xmlns:a16="http://schemas.microsoft.com/office/drawing/2014/main" id="{792D97C3-F1C6-E0B5-E54D-CFF5FD564126}"/>
+              </a:ext>
+            </a:extLst>
+          </p:cNvPr>
+          <p:cNvPicPr>
+            <a:picLocks noChangeAspect="1"/>
+          </p:cNvPicPr>
+          <p:nvPr/>
+        </p:nvPicPr>
+        <p:blipFill>
+          <a:blip r:embed="rId2">
+            <a:extLst>
+              <a:ext uri="{28A0092B-C50C-407E-A947-70E740481C1C}">
+                <a14:useLocalDpi xmlns:a14="http://schemas.microsoft.com/office/drawing/2010/main" val="0"/>
+              </a:ext>
+            </a:extLst>
+          </a:blip>
+          <a:stretch>
+            <a:fillRect/>
+          </a:stretch>
+        </p:blipFill>
+        <p:spPr>
+          <a:xfrm>
+            <a:off x="1523999" y="-20073"/>
+            <a:ext cx="9144000" cy="6858000"/>
+          </a:xfrm>
+          <a:prstGeom prst="rect">
+            <a:avLst/>
+          </a:prstGeom>
+        </p:spPr>
+      </p:pic>
+      <p:sp>
+        <p:nvSpPr>
+          <p:cNvPr id="10" name="직사각형 9">
+            <a:extLst>
+              <a:ext uri="{FF2B5EF4-FFF2-40B4-BE49-F238E27FC236}">
+                <a16:creationId xmlns:a16="http://schemas.microsoft.com/office/drawing/2014/main" id="{ED9288A2-74BF-75F5-E308-BB2DD8435BAE}"/>
               </a:ext>
             </a:extLst>
           </p:cNvPr>
@@ -6730,8 +8477,8 @@
         </p:nvSpPr>
         <p:spPr>
           <a:xfrm>
-            <a:off x="2320636" y="1777231"/>
-            <a:ext cx="7661564" cy="3903133"/>
+            <a:off x="2087418" y="833916"/>
+            <a:ext cx="8128000" cy="5150022"/>
           </a:xfrm>
           <a:prstGeom prst="rect">
             <a:avLst/>
@@ -6771,12 +8518,42 @@
           </a:p>
         </p:txBody>
       </p:sp>
-      <p:sp>
-        <p:nvSpPr>
-          <p:cNvPr id="2" name="직사각형 1">
-            <a:extLst>
-              <a:ext uri="{FF2B5EF4-FFF2-40B4-BE49-F238E27FC236}">
-                <a16:creationId xmlns:a16="http://schemas.microsoft.com/office/drawing/2014/main" id="{F2D1636A-86BB-F6F4-11D0-E132195C29DB}"/>
+      <p:pic>
+        <p:nvPicPr>
+          <p:cNvPr id="21" name="그림 20">
+            <a:extLst>
+              <a:ext uri="{FF2B5EF4-FFF2-40B4-BE49-F238E27FC236}">
+                <a16:creationId xmlns:a16="http://schemas.microsoft.com/office/drawing/2014/main" id="{CAAFEC92-6D1C-AFA4-FF8D-63D0B5136CDE}"/>
+              </a:ext>
+            </a:extLst>
+          </p:cNvPr>
+          <p:cNvPicPr>
+            <a:picLocks noChangeAspect="1"/>
+          </p:cNvPicPr>
+          <p:nvPr/>
+        </p:nvPicPr>
+        <p:blipFill>
+          <a:blip r:embed="rId3"/>
+          <a:stretch>
+            <a:fillRect/>
+          </a:stretch>
+        </p:blipFill>
+        <p:spPr>
+          <a:xfrm>
+            <a:off x="1812757" y="6136100"/>
+            <a:ext cx="8566485" cy="569738"/>
+          </a:xfrm>
+          <a:prstGeom prst="rect">
+            <a:avLst/>
+          </a:prstGeom>
+        </p:spPr>
+      </p:pic>
+      <p:sp>
+        <p:nvSpPr>
+          <p:cNvPr id="6" name="직사각형 5">
+            <a:extLst>
+              <a:ext uri="{FF2B5EF4-FFF2-40B4-BE49-F238E27FC236}">
+                <a16:creationId xmlns:a16="http://schemas.microsoft.com/office/drawing/2014/main" id="{93A48854-3D49-9FD7-F64C-FB8151AA3538}"/>
               </a:ext>
             </a:extLst>
           </p:cNvPr>
@@ -6785,8 +8562,8 @@
         </p:nvSpPr>
         <p:spPr>
           <a:xfrm>
-            <a:off x="4292600" y="1019414"/>
-            <a:ext cx="3420534" cy="572319"/>
+            <a:off x="2320636" y="1777231"/>
+            <a:ext cx="7661564" cy="3903133"/>
           </a:xfrm>
           <a:prstGeom prst="rect">
             <a:avLst/>
@@ -6818,23 +8595,20 @@
           <a:lstStyle/>
           <a:p>
             <a:pPr algn="ctr"/>
-            <a:r>
-              <a:rPr lang="ko-KR" altLang="en-US" dirty="0">
-                <a:solidFill>
-                  <a:schemeClr val="tx1"/>
-                </a:solidFill>
-              </a:rPr>
-              <a:t>여행 후기 작성</a:t>
-            </a:r>
-          </a:p>
-        </p:txBody>
-      </p:sp>
-      <p:sp>
-        <p:nvSpPr>
-          <p:cNvPr id="3" name="직사각형 2">
-            <a:extLst>
-              <a:ext uri="{FF2B5EF4-FFF2-40B4-BE49-F238E27FC236}">
-                <a16:creationId xmlns:a16="http://schemas.microsoft.com/office/drawing/2014/main" id="{3FD71A41-A53B-C6DC-349D-AB8726B1E2E9}"/>
+            <a:endParaRPr lang="ko-KR" altLang="en-US" dirty="0">
+              <a:solidFill>
+                <a:schemeClr val="tx1"/>
+              </a:solidFill>
+            </a:endParaRPr>
+          </a:p>
+        </p:txBody>
+      </p:sp>
+      <p:sp>
+        <p:nvSpPr>
+          <p:cNvPr id="2" name="직사각형 1">
+            <a:extLst>
+              <a:ext uri="{FF2B5EF4-FFF2-40B4-BE49-F238E27FC236}">
+                <a16:creationId xmlns:a16="http://schemas.microsoft.com/office/drawing/2014/main" id="{F2D1636A-86BB-F6F4-11D0-E132195C29DB}"/>
               </a:ext>
             </a:extLst>
           </p:cNvPr>
@@ -6843,8 +8617,8 @@
         </p:nvSpPr>
         <p:spPr>
           <a:xfrm>
-            <a:off x="2730884" y="2060815"/>
-            <a:ext cx="3420534" cy="377586"/>
+            <a:off x="4292600" y="1019414"/>
+            <a:ext cx="3420534" cy="572319"/>
           </a:xfrm>
           <a:prstGeom prst="rect">
             <a:avLst/>
@@ -6882,17 +8656,17 @@
                   <a:schemeClr val="tx1"/>
                 </a:solidFill>
               </a:rPr>
-              <a:t>제목</a:t>
-            </a:r>
-          </a:p>
-        </p:txBody>
-      </p:sp>
-      <p:sp>
-        <p:nvSpPr>
-          <p:cNvPr id="4" name="직사각형 3">
-            <a:extLst>
-              <a:ext uri="{FF2B5EF4-FFF2-40B4-BE49-F238E27FC236}">
-                <a16:creationId xmlns:a16="http://schemas.microsoft.com/office/drawing/2014/main" id="{116FEC38-A648-623C-CD50-EC5B7B54C875}"/>
+              <a:t>여행 후기 작성</a:t>
+            </a:r>
+          </a:p>
+        </p:txBody>
+      </p:sp>
+      <p:sp>
+        <p:nvSpPr>
+          <p:cNvPr id="3" name="직사각형 2">
+            <a:extLst>
+              <a:ext uri="{FF2B5EF4-FFF2-40B4-BE49-F238E27FC236}">
+                <a16:creationId xmlns:a16="http://schemas.microsoft.com/office/drawing/2014/main" id="{3FD71A41-A53B-C6DC-349D-AB8726B1E2E9}"/>
               </a:ext>
             </a:extLst>
           </p:cNvPr>
@@ -6901,8 +8675,8 @@
         </p:nvSpPr>
         <p:spPr>
           <a:xfrm>
-            <a:off x="2730884" y="2629515"/>
-            <a:ext cx="7031183" cy="1920618"/>
+            <a:off x="2730884" y="2060815"/>
+            <a:ext cx="3420534" cy="377586"/>
           </a:xfrm>
           <a:prstGeom prst="rect">
             <a:avLst/>
@@ -6935,6 +8709,64 @@
           <a:p>
             <a:pPr algn="ctr"/>
             <a:r>
+              <a:rPr lang="ko-KR" altLang="en-US" dirty="0">
+                <a:solidFill>
+                  <a:schemeClr val="tx1"/>
+                </a:solidFill>
+              </a:rPr>
+              <a:t>제목</a:t>
+            </a:r>
+          </a:p>
+        </p:txBody>
+      </p:sp>
+      <p:sp>
+        <p:nvSpPr>
+          <p:cNvPr id="4" name="직사각형 3">
+            <a:extLst>
+              <a:ext uri="{FF2B5EF4-FFF2-40B4-BE49-F238E27FC236}">
+                <a16:creationId xmlns:a16="http://schemas.microsoft.com/office/drawing/2014/main" id="{116FEC38-A648-623C-CD50-EC5B7B54C875}"/>
+              </a:ext>
+            </a:extLst>
+          </p:cNvPr>
+          <p:cNvSpPr/>
+          <p:nvPr/>
+        </p:nvSpPr>
+        <p:spPr>
+          <a:xfrm>
+            <a:off x="2730884" y="2629515"/>
+            <a:ext cx="7031183" cy="1920618"/>
+          </a:xfrm>
+          <a:prstGeom prst="rect">
+            <a:avLst/>
+          </a:prstGeom>
+          <a:solidFill>
+            <a:schemeClr val="bg1">
+              <a:alpha val="69000"/>
+            </a:schemeClr>
+          </a:solidFill>
+        </p:spPr>
+        <p:style>
+          <a:lnRef idx="2">
+            <a:schemeClr val="accent1">
+              <a:shade val="50000"/>
+            </a:schemeClr>
+          </a:lnRef>
+          <a:fillRef idx="1">
+            <a:schemeClr val="accent1"/>
+          </a:fillRef>
+          <a:effectRef idx="0">
+            <a:schemeClr val="accent1"/>
+          </a:effectRef>
+          <a:fontRef idx="minor">
+            <a:schemeClr val="lt1"/>
+          </a:fontRef>
+        </p:style>
+        <p:txBody>
+          <a:bodyPr rtlCol="0" anchor="ctr"/>
+          <a:lstStyle/>
+          <a:p>
+            <a:pPr algn="ctr"/>
+            <a:r>
               <a:rPr lang="ko-KR" altLang="en-US">
                 <a:solidFill>
                   <a:schemeClr val="tx1"/>
@@ -7182,6 +9014,30 @@
           </a:p>
         </p:txBody>
       </p:sp>
+      <p:pic>
+        <p:nvPicPr>
+          <p:cNvPr id="14" name="그림 13"/>
+          <p:cNvPicPr>
+            <a:picLocks noChangeAspect="1"/>
+          </p:cNvPicPr>
+          <p:nvPr/>
+        </p:nvPicPr>
+        <p:blipFill>
+          <a:blip r:embed="rId4"/>
+          <a:stretch>
+            <a:fillRect/>
+          </a:stretch>
+        </p:blipFill>
+        <p:spPr>
+          <a:xfrm>
+            <a:off x="1812757" y="181588"/>
+            <a:ext cx="8566485" cy="401079"/>
+          </a:xfrm>
+          <a:prstGeom prst="rect">
+            <a:avLst/>
+          </a:prstGeom>
+        </p:spPr>
+      </p:pic>
     </p:spTree>
     <p:extLst>
       <p:ext uri="{BB962C8B-B14F-4D97-AF65-F5344CB8AC3E}">

--- a/EnjoyTrip_Design.pptx
+++ b/EnjoyTrip_Design.pptx
@@ -2,7 +2,7 @@
 <file path=ppt/presentation.xml><?xml version="1.0" encoding="utf-8"?>
 <p:presentation xmlns:a="http://schemas.openxmlformats.org/drawingml/2006/main" xmlns:r="http://schemas.openxmlformats.org/officeDocument/2006/relationships" xmlns:p="http://schemas.openxmlformats.org/presentationml/2006/main" saveSubsetFonts="1">
   <p:sldMasterIdLst>
-    <p:sldMasterId id="2147483648" r:id="rId1"/>
+    <p:sldMasterId id="2147483684" r:id="rId1"/>
   </p:sldMasterIdLst>
   <p:sldIdLst>
     <p:sldId id="256" r:id="rId2"/>
@@ -10,19 +10,20 @@
     <p:sldId id="261" r:id="rId4"/>
     <p:sldId id="263" r:id="rId5"/>
     <p:sldId id="268" r:id="rId6"/>
-    <p:sldId id="270" r:id="rId7"/>
-    <p:sldId id="271" r:id="rId8"/>
+    <p:sldId id="271" r:id="rId7"/>
+    <p:sldId id="270" r:id="rId8"/>
     <p:sldId id="262" r:id="rId9"/>
-    <p:sldId id="266" r:id="rId10"/>
-    <p:sldId id="267" r:id="rId11"/>
+    <p:sldId id="273" r:id="rId10"/>
+    <p:sldId id="266" r:id="rId11"/>
+    <p:sldId id="267" r:id="rId12"/>
   </p:sldIdLst>
-  <p:sldSz cx="12192000" cy="6858000"/>
+  <p:sldSz cx="12192000" cy="11879263"/>
   <p:notesSz cx="6858000" cy="9144000"/>
   <p:defaultTextStyle>
     <a:defPPr>
       <a:defRPr lang="ko-KR"/>
     </a:defPPr>
-    <a:lvl1pPr marL="0" algn="l" defTabSz="914400" rtl="0" eaLnBrk="1" latinLnBrk="1" hangingPunct="1">
+    <a:lvl1pPr marL="0" algn="l" defTabSz="914290" rtl="0" eaLnBrk="1" latinLnBrk="1" hangingPunct="1">
       <a:defRPr sz="1800" kern="1200">
         <a:solidFill>
           <a:schemeClr val="tx1"/>
@@ -32,7 +33,7 @@
         <a:cs typeface="+mn-cs"/>
       </a:defRPr>
     </a:lvl1pPr>
-    <a:lvl2pPr marL="457200" algn="l" defTabSz="914400" rtl="0" eaLnBrk="1" latinLnBrk="1" hangingPunct="1">
+    <a:lvl2pPr marL="457145" algn="l" defTabSz="914290" rtl="0" eaLnBrk="1" latinLnBrk="1" hangingPunct="1">
       <a:defRPr sz="1800" kern="1200">
         <a:solidFill>
           <a:schemeClr val="tx1"/>
@@ -42,7 +43,7 @@
         <a:cs typeface="+mn-cs"/>
       </a:defRPr>
     </a:lvl2pPr>
-    <a:lvl3pPr marL="914400" algn="l" defTabSz="914400" rtl="0" eaLnBrk="1" latinLnBrk="1" hangingPunct="1">
+    <a:lvl3pPr marL="914290" algn="l" defTabSz="914290" rtl="0" eaLnBrk="1" latinLnBrk="1" hangingPunct="1">
       <a:defRPr sz="1800" kern="1200">
         <a:solidFill>
           <a:schemeClr val="tx1"/>
@@ -52,7 +53,7 @@
         <a:cs typeface="+mn-cs"/>
       </a:defRPr>
     </a:lvl3pPr>
-    <a:lvl4pPr marL="1371600" algn="l" defTabSz="914400" rtl="0" eaLnBrk="1" latinLnBrk="1" hangingPunct="1">
+    <a:lvl4pPr marL="1371433" algn="l" defTabSz="914290" rtl="0" eaLnBrk="1" latinLnBrk="1" hangingPunct="1">
       <a:defRPr sz="1800" kern="1200">
         <a:solidFill>
           <a:schemeClr val="tx1"/>
@@ -62,7 +63,7 @@
         <a:cs typeface="+mn-cs"/>
       </a:defRPr>
     </a:lvl4pPr>
-    <a:lvl5pPr marL="1828800" algn="l" defTabSz="914400" rtl="0" eaLnBrk="1" latinLnBrk="1" hangingPunct="1">
+    <a:lvl5pPr marL="1828578" algn="l" defTabSz="914290" rtl="0" eaLnBrk="1" latinLnBrk="1" hangingPunct="1">
       <a:defRPr sz="1800" kern="1200">
         <a:solidFill>
           <a:schemeClr val="tx1"/>
@@ -72,7 +73,7 @@
         <a:cs typeface="+mn-cs"/>
       </a:defRPr>
     </a:lvl5pPr>
-    <a:lvl6pPr marL="2286000" algn="l" defTabSz="914400" rtl="0" eaLnBrk="1" latinLnBrk="1" hangingPunct="1">
+    <a:lvl6pPr marL="2285722" algn="l" defTabSz="914290" rtl="0" eaLnBrk="1" latinLnBrk="1" hangingPunct="1">
       <a:defRPr sz="1800" kern="1200">
         <a:solidFill>
           <a:schemeClr val="tx1"/>
@@ -82,7 +83,7 @@
         <a:cs typeface="+mn-cs"/>
       </a:defRPr>
     </a:lvl6pPr>
-    <a:lvl7pPr marL="2743200" algn="l" defTabSz="914400" rtl="0" eaLnBrk="1" latinLnBrk="1" hangingPunct="1">
+    <a:lvl7pPr marL="2742867" algn="l" defTabSz="914290" rtl="0" eaLnBrk="1" latinLnBrk="1" hangingPunct="1">
       <a:defRPr sz="1800" kern="1200">
         <a:solidFill>
           <a:schemeClr val="tx1"/>
@@ -92,7 +93,7 @@
         <a:cs typeface="+mn-cs"/>
       </a:defRPr>
     </a:lvl7pPr>
-    <a:lvl8pPr marL="3200400" algn="l" defTabSz="914400" rtl="0" eaLnBrk="1" latinLnBrk="1" hangingPunct="1">
+    <a:lvl8pPr marL="3200011" algn="l" defTabSz="914290" rtl="0" eaLnBrk="1" latinLnBrk="1" hangingPunct="1">
       <a:defRPr sz="1800" kern="1200">
         <a:solidFill>
           <a:schemeClr val="tx1"/>
@@ -102,7 +103,7 @@
         <a:cs typeface="+mn-cs"/>
       </a:defRPr>
     </a:lvl8pPr>
-    <a:lvl9pPr marL="3657600" algn="l" defTabSz="914400" rtl="0" eaLnBrk="1" latinLnBrk="1" hangingPunct="1">
+    <a:lvl9pPr marL="3657155" algn="l" defTabSz="914290" rtl="0" eaLnBrk="1" latinLnBrk="1" hangingPunct="1">
       <a:defRPr sz="1800" kern="1200">
         <a:solidFill>
           <a:schemeClr val="tx1"/>
@@ -140,13 +141,7 @@
       </p:grpSpPr>
       <p:sp>
         <p:nvSpPr>
-          <p:cNvPr id="2" name="제목 1">
-            <a:extLst>
-              <a:ext uri="{FF2B5EF4-FFF2-40B4-BE49-F238E27FC236}">
-                <a16:creationId xmlns:a16="http://schemas.microsoft.com/office/drawing/2014/main" id="{45246DAF-1ABF-2E9F-C18B-64E3F4AA3A67}"/>
-              </a:ext>
-            </a:extLst>
-          </p:cNvPr>
+          <p:cNvPr id="2" name="Title 1"/>
           <p:cNvSpPr>
             <a:spLocks noGrp="1"/>
           </p:cNvSpPr>
@@ -156,34 +151,29 @@
         </p:nvSpPr>
         <p:spPr>
           <a:xfrm>
-            <a:off x="1524000" y="1122363"/>
-            <a:ext cx="9144000" cy="2387600"/>
+            <a:off x="914400" y="1944130"/>
+            <a:ext cx="10363200" cy="4135743"/>
           </a:xfrm>
         </p:spPr>
         <p:txBody>
           <a:bodyPr anchor="b"/>
           <a:lstStyle>
             <a:lvl1pPr algn="ctr">
-              <a:defRPr sz="6000"/>
+              <a:defRPr sz="8000"/>
             </a:lvl1pPr>
           </a:lstStyle>
           <a:p>
             <a:r>
-              <a:rPr lang="ko-KR" altLang="en-US"/>
+              <a:rPr lang="ko-KR" altLang="en-US" smtClean="0"/>
               <a:t>마스터 제목 스타일 편집</a:t>
             </a:r>
-          </a:p>
-        </p:txBody>
-      </p:sp>
-      <p:sp>
-        <p:nvSpPr>
-          <p:cNvPr id="3" name="부제목 2">
-            <a:extLst>
-              <a:ext uri="{FF2B5EF4-FFF2-40B4-BE49-F238E27FC236}">
-                <a16:creationId xmlns:a16="http://schemas.microsoft.com/office/drawing/2014/main" id="{24E253FA-5D92-F6F4-02AC-ADD6F29E1B4A}"/>
-              </a:ext>
-            </a:extLst>
-          </p:cNvPr>
+            <a:endParaRPr lang="en-US" dirty="0"/>
+          </a:p>
+        </p:txBody>
+      </p:sp>
+      <p:sp>
+        <p:nvSpPr>
+          <p:cNvPr id="3" name="Subtitle 2"/>
           <p:cNvSpPr>
             <a:spLocks noGrp="1"/>
           </p:cNvSpPr>
@@ -193,8 +183,8 @@
         </p:nvSpPr>
         <p:spPr>
           <a:xfrm>
-            <a:off x="1524000" y="3602038"/>
-            <a:ext cx="9144000" cy="1655762"/>
+            <a:off x="1524000" y="6239364"/>
+            <a:ext cx="9144000" cy="2868071"/>
           </a:xfrm>
         </p:spPr>
         <p:txBody>
@@ -202,58 +192,53 @@
           <a:lstStyle>
             <a:lvl1pPr marL="0" indent="0" algn="ctr">
               <a:buNone/>
+              <a:defRPr sz="3200"/>
+            </a:lvl1pPr>
+            <a:lvl2pPr marL="609585" indent="0" algn="ctr">
+              <a:buNone/>
+              <a:defRPr sz="2667"/>
+            </a:lvl2pPr>
+            <a:lvl3pPr marL="1219170" indent="0" algn="ctr">
+              <a:buNone/>
               <a:defRPr sz="2400"/>
-            </a:lvl1pPr>
-            <a:lvl2pPr marL="457200" indent="0" algn="ctr">
+            </a:lvl3pPr>
+            <a:lvl4pPr marL="1828754" indent="0" algn="ctr">
               <a:buNone/>
-              <a:defRPr sz="2000"/>
-            </a:lvl2pPr>
-            <a:lvl3pPr marL="914400" indent="0" algn="ctr">
+              <a:defRPr sz="2133"/>
+            </a:lvl4pPr>
+            <a:lvl5pPr marL="2438339" indent="0" algn="ctr">
               <a:buNone/>
-              <a:defRPr sz="1800"/>
-            </a:lvl3pPr>
-            <a:lvl4pPr marL="1371600" indent="0" algn="ctr">
+              <a:defRPr sz="2133"/>
+            </a:lvl5pPr>
+            <a:lvl6pPr marL="3047924" indent="0" algn="ctr">
               <a:buNone/>
-              <a:defRPr sz="1600"/>
-            </a:lvl4pPr>
-            <a:lvl5pPr marL="1828800" indent="0" algn="ctr">
+              <a:defRPr sz="2133"/>
+            </a:lvl6pPr>
+            <a:lvl7pPr marL="3657509" indent="0" algn="ctr">
               <a:buNone/>
-              <a:defRPr sz="1600"/>
-            </a:lvl5pPr>
-            <a:lvl6pPr marL="2286000" indent="0" algn="ctr">
+              <a:defRPr sz="2133"/>
+            </a:lvl7pPr>
+            <a:lvl8pPr marL="4267093" indent="0" algn="ctr">
               <a:buNone/>
-              <a:defRPr sz="1600"/>
-            </a:lvl6pPr>
-            <a:lvl7pPr marL="2743200" indent="0" algn="ctr">
+              <a:defRPr sz="2133"/>
+            </a:lvl8pPr>
+            <a:lvl9pPr marL="4876678" indent="0" algn="ctr">
               <a:buNone/>
-              <a:defRPr sz="1600"/>
-            </a:lvl7pPr>
-            <a:lvl8pPr marL="3200400" indent="0" algn="ctr">
-              <a:buNone/>
-              <a:defRPr sz="1600"/>
-            </a:lvl8pPr>
-            <a:lvl9pPr marL="3657600" indent="0" algn="ctr">
-              <a:buNone/>
-              <a:defRPr sz="1600"/>
+              <a:defRPr sz="2133"/>
             </a:lvl9pPr>
           </a:lstStyle>
           <a:p>
             <a:r>
-              <a:rPr lang="ko-KR" altLang="en-US"/>
+              <a:rPr lang="ko-KR" altLang="en-US" smtClean="0"/>
               <a:t>클릭하여 마스터 부제목 스타일 편집</a:t>
             </a:r>
-          </a:p>
-        </p:txBody>
-      </p:sp>
-      <p:sp>
-        <p:nvSpPr>
-          <p:cNvPr id="4" name="날짜 개체 틀 3">
-            <a:extLst>
-              <a:ext uri="{FF2B5EF4-FFF2-40B4-BE49-F238E27FC236}">
-                <a16:creationId xmlns:a16="http://schemas.microsoft.com/office/drawing/2014/main" id="{996CE80D-2B7B-7444-9AF4-C95D217E8A58}"/>
-              </a:ext>
-            </a:extLst>
-          </p:cNvPr>
+            <a:endParaRPr lang="en-US" dirty="0"/>
+          </a:p>
+        </p:txBody>
+      </p:sp>
+      <p:sp>
+        <p:nvSpPr>
+          <p:cNvPr id="4" name="Date Placeholder 3"/>
           <p:cNvSpPr>
             <a:spLocks noGrp="1"/>
           </p:cNvSpPr>
@@ -268,7 +253,7 @@
           <a:p>
             <a:fld id="{A7C4F895-CFCB-4043-9E4B-B20E17F0A145}" type="datetimeFigureOut">
               <a:rPr lang="ko-KR" altLang="en-US" smtClean="0"/>
-              <a:t>2023-05-16</a:t>
+              <a:t>2023-05-17</a:t>
             </a:fld>
             <a:endParaRPr lang="ko-KR" altLang="en-US"/>
           </a:p>
@@ -276,13 +261,7 @@
       </p:sp>
       <p:sp>
         <p:nvSpPr>
-          <p:cNvPr id="5" name="바닥글 개체 틀 4">
-            <a:extLst>
-              <a:ext uri="{FF2B5EF4-FFF2-40B4-BE49-F238E27FC236}">
-                <a16:creationId xmlns:a16="http://schemas.microsoft.com/office/drawing/2014/main" id="{A799F67E-5F87-D33F-67A9-AAAA7F465733}"/>
-              </a:ext>
-            </a:extLst>
-          </p:cNvPr>
+          <p:cNvPr id="5" name="Footer Placeholder 4"/>
           <p:cNvSpPr>
             <a:spLocks noGrp="1"/>
           </p:cNvSpPr>
@@ -301,13 +280,7 @@
       </p:sp>
       <p:sp>
         <p:nvSpPr>
-          <p:cNvPr id="6" name="슬라이드 번호 개체 틀 5">
-            <a:extLst>
-              <a:ext uri="{FF2B5EF4-FFF2-40B4-BE49-F238E27FC236}">
-                <a16:creationId xmlns:a16="http://schemas.microsoft.com/office/drawing/2014/main" id="{8ADD97B6-E32F-5A8E-3F04-2E43FB0A0F03}"/>
-              </a:ext>
-            </a:extLst>
-          </p:cNvPr>
+          <p:cNvPr id="6" name="Slide Number Placeholder 5"/>
           <p:cNvSpPr>
             <a:spLocks noGrp="1"/>
           </p:cNvSpPr>
@@ -331,7 +304,7 @@
     </p:spTree>
     <p:extLst>
       <p:ext uri="{BB962C8B-B14F-4D97-AF65-F5344CB8AC3E}">
-        <p14:creationId xmlns:p14="http://schemas.microsoft.com/office/powerpoint/2010/main" val="2950056724"/>
+        <p14:creationId xmlns:p14="http://schemas.microsoft.com/office/powerpoint/2010/main" val="3108929507"/>
       </p:ext>
     </p:extLst>
   </p:cSld>
@@ -360,13 +333,7 @@
       </p:grpSpPr>
       <p:sp>
         <p:nvSpPr>
-          <p:cNvPr id="2" name="제목 1">
-            <a:extLst>
-              <a:ext uri="{FF2B5EF4-FFF2-40B4-BE49-F238E27FC236}">
-                <a16:creationId xmlns:a16="http://schemas.microsoft.com/office/drawing/2014/main" id="{0ED1CC4D-BD91-C9A7-B2F8-D6FCE5164BB2}"/>
-              </a:ext>
-            </a:extLst>
-          </p:cNvPr>
+          <p:cNvPr id="2" name="Title 1"/>
           <p:cNvSpPr>
             <a:spLocks noGrp="1"/>
           </p:cNvSpPr>
@@ -380,21 +347,16 @@
           <a:lstStyle/>
           <a:p>
             <a:r>
-              <a:rPr lang="ko-KR" altLang="en-US"/>
+              <a:rPr lang="ko-KR" altLang="en-US" smtClean="0"/>
               <a:t>마스터 제목 스타일 편집</a:t>
             </a:r>
-          </a:p>
-        </p:txBody>
-      </p:sp>
-      <p:sp>
-        <p:nvSpPr>
-          <p:cNvPr id="3" name="세로 텍스트 개체 틀 2">
-            <a:extLst>
-              <a:ext uri="{FF2B5EF4-FFF2-40B4-BE49-F238E27FC236}">
-                <a16:creationId xmlns:a16="http://schemas.microsoft.com/office/drawing/2014/main" id="{2E87297A-1990-D43A-5875-4AF9ED624A1B}"/>
-              </a:ext>
-            </a:extLst>
-          </p:cNvPr>
+            <a:endParaRPr lang="en-US" dirty="0"/>
+          </a:p>
+        </p:txBody>
+      </p:sp>
+      <p:sp>
+        <p:nvSpPr>
+          <p:cNvPr id="3" name="Vertical Text Placeholder 2"/>
           <p:cNvSpPr>
             <a:spLocks noGrp="1"/>
           </p:cNvSpPr>
@@ -409,49 +371,44 @@
           <a:p>
             <a:pPr lvl="0"/>
             <a:r>
-              <a:rPr lang="ko-KR" altLang="en-US"/>
-              <a:t>마스터 텍스트 스타일을 편집하려면 클릭</a:t>
+              <a:rPr lang="ko-KR" altLang="en-US" smtClean="0"/>
+              <a:t>마스터 텍스트 스타일 편집</a:t>
             </a:r>
           </a:p>
           <a:p>
             <a:pPr lvl="1"/>
             <a:r>
-              <a:rPr lang="ko-KR" altLang="en-US"/>
-              <a:t>두 번째 수준</a:t>
+              <a:rPr lang="ko-KR" altLang="en-US" smtClean="0"/>
+              <a:t>둘째 수준</a:t>
             </a:r>
           </a:p>
           <a:p>
             <a:pPr lvl="2"/>
             <a:r>
-              <a:rPr lang="ko-KR" altLang="en-US"/>
-              <a:t>세 번째 수준</a:t>
+              <a:rPr lang="ko-KR" altLang="en-US" smtClean="0"/>
+              <a:t>셋째 수준</a:t>
             </a:r>
           </a:p>
           <a:p>
             <a:pPr lvl="3"/>
             <a:r>
-              <a:rPr lang="ko-KR" altLang="en-US"/>
-              <a:t>네 번째 수준</a:t>
+              <a:rPr lang="ko-KR" altLang="en-US" smtClean="0"/>
+              <a:t>넷째 수준</a:t>
             </a:r>
           </a:p>
           <a:p>
             <a:pPr lvl="4"/>
             <a:r>
-              <a:rPr lang="ko-KR" altLang="en-US"/>
-              <a:t>다섯 번째 수준</a:t>
-            </a:r>
-          </a:p>
-        </p:txBody>
-      </p:sp>
-      <p:sp>
-        <p:nvSpPr>
-          <p:cNvPr id="4" name="날짜 개체 틀 3">
-            <a:extLst>
-              <a:ext uri="{FF2B5EF4-FFF2-40B4-BE49-F238E27FC236}">
-                <a16:creationId xmlns:a16="http://schemas.microsoft.com/office/drawing/2014/main" id="{FBCB7971-66C2-7B49-CD8C-CDE17D1A0A3E}"/>
-              </a:ext>
-            </a:extLst>
-          </p:cNvPr>
+              <a:rPr lang="ko-KR" altLang="en-US" smtClean="0"/>
+              <a:t>다섯째 수준</a:t>
+            </a:r>
+            <a:endParaRPr lang="en-US" dirty="0"/>
+          </a:p>
+        </p:txBody>
+      </p:sp>
+      <p:sp>
+        <p:nvSpPr>
+          <p:cNvPr id="4" name="Date Placeholder 3"/>
           <p:cNvSpPr>
             <a:spLocks noGrp="1"/>
           </p:cNvSpPr>
@@ -466,7 +423,7 @@
           <a:p>
             <a:fld id="{A7C4F895-CFCB-4043-9E4B-B20E17F0A145}" type="datetimeFigureOut">
               <a:rPr lang="ko-KR" altLang="en-US" smtClean="0"/>
-              <a:t>2023-05-16</a:t>
+              <a:t>2023-05-17</a:t>
             </a:fld>
             <a:endParaRPr lang="ko-KR" altLang="en-US"/>
           </a:p>
@@ -474,13 +431,7 @@
       </p:sp>
       <p:sp>
         <p:nvSpPr>
-          <p:cNvPr id="5" name="바닥글 개체 틀 4">
-            <a:extLst>
-              <a:ext uri="{FF2B5EF4-FFF2-40B4-BE49-F238E27FC236}">
-                <a16:creationId xmlns:a16="http://schemas.microsoft.com/office/drawing/2014/main" id="{CAB5368C-4232-3C06-C23F-D95483407566}"/>
-              </a:ext>
-            </a:extLst>
-          </p:cNvPr>
+          <p:cNvPr id="5" name="Footer Placeholder 4"/>
           <p:cNvSpPr>
             <a:spLocks noGrp="1"/>
           </p:cNvSpPr>
@@ -499,13 +450,7 @@
       </p:sp>
       <p:sp>
         <p:nvSpPr>
-          <p:cNvPr id="6" name="슬라이드 번호 개체 틀 5">
-            <a:extLst>
-              <a:ext uri="{FF2B5EF4-FFF2-40B4-BE49-F238E27FC236}">
-                <a16:creationId xmlns:a16="http://schemas.microsoft.com/office/drawing/2014/main" id="{04CDEAF0-A9AB-CA17-B385-C72D7E6E3D9B}"/>
-              </a:ext>
-            </a:extLst>
-          </p:cNvPr>
+          <p:cNvPr id="6" name="Slide Number Placeholder 5"/>
           <p:cNvSpPr>
             <a:spLocks noGrp="1"/>
           </p:cNvSpPr>
@@ -529,7 +474,7 @@
     </p:spTree>
     <p:extLst>
       <p:ext uri="{BB962C8B-B14F-4D97-AF65-F5344CB8AC3E}">
-        <p14:creationId xmlns:p14="http://schemas.microsoft.com/office/powerpoint/2010/main" val="657621269"/>
+        <p14:creationId xmlns:p14="http://schemas.microsoft.com/office/powerpoint/2010/main" val="1683116588"/>
       </p:ext>
     </p:extLst>
   </p:cSld>
@@ -558,13 +503,7 @@
       </p:grpSpPr>
       <p:sp>
         <p:nvSpPr>
-          <p:cNvPr id="2" name="세로 제목 1">
-            <a:extLst>
-              <a:ext uri="{FF2B5EF4-FFF2-40B4-BE49-F238E27FC236}">
-                <a16:creationId xmlns:a16="http://schemas.microsoft.com/office/drawing/2014/main" id="{AEAFA5D4-99BC-3087-672A-5C812C301E0F}"/>
-              </a:ext>
-            </a:extLst>
-          </p:cNvPr>
+          <p:cNvPr id="2" name="Vertical Title 1"/>
           <p:cNvSpPr>
             <a:spLocks noGrp="1"/>
           </p:cNvSpPr>
@@ -574,8 +513,8 @@
         </p:nvSpPr>
         <p:spPr>
           <a:xfrm>
-            <a:off x="8724900" y="365125"/>
-            <a:ext cx="2628900" cy="5811838"/>
+            <a:off x="8724901" y="632461"/>
+            <a:ext cx="2628900" cy="10067126"/>
           </a:xfrm>
         </p:spPr>
         <p:txBody>
@@ -583,21 +522,16 @@
           <a:lstStyle/>
           <a:p>
             <a:r>
-              <a:rPr lang="ko-KR" altLang="en-US"/>
+              <a:rPr lang="ko-KR" altLang="en-US" smtClean="0"/>
               <a:t>마스터 제목 스타일 편집</a:t>
             </a:r>
-          </a:p>
-        </p:txBody>
-      </p:sp>
-      <p:sp>
-        <p:nvSpPr>
-          <p:cNvPr id="3" name="세로 텍스트 개체 틀 2">
-            <a:extLst>
-              <a:ext uri="{FF2B5EF4-FFF2-40B4-BE49-F238E27FC236}">
-                <a16:creationId xmlns:a16="http://schemas.microsoft.com/office/drawing/2014/main" id="{210D419B-C809-BB7C-720F-389FB40CD774}"/>
-              </a:ext>
-            </a:extLst>
-          </p:cNvPr>
+            <a:endParaRPr lang="en-US" dirty="0"/>
+          </a:p>
+        </p:txBody>
+      </p:sp>
+      <p:sp>
+        <p:nvSpPr>
+          <p:cNvPr id="3" name="Vertical Text Placeholder 2"/>
           <p:cNvSpPr>
             <a:spLocks noGrp="1"/>
           </p:cNvSpPr>
@@ -607,8 +541,8 @@
         </p:nvSpPr>
         <p:spPr>
           <a:xfrm>
-            <a:off x="838200" y="365125"/>
-            <a:ext cx="7734300" cy="5811838"/>
+            <a:off x="838201" y="632461"/>
+            <a:ext cx="7734300" cy="10067126"/>
           </a:xfrm>
         </p:spPr>
         <p:txBody>
@@ -617,49 +551,44 @@
           <a:p>
             <a:pPr lvl="0"/>
             <a:r>
-              <a:rPr lang="ko-KR" altLang="en-US"/>
-              <a:t>마스터 텍스트 스타일을 편집하려면 클릭</a:t>
+              <a:rPr lang="ko-KR" altLang="en-US" smtClean="0"/>
+              <a:t>마스터 텍스트 스타일 편집</a:t>
             </a:r>
           </a:p>
           <a:p>
             <a:pPr lvl="1"/>
             <a:r>
-              <a:rPr lang="ko-KR" altLang="en-US"/>
-              <a:t>두 번째 수준</a:t>
+              <a:rPr lang="ko-KR" altLang="en-US" smtClean="0"/>
+              <a:t>둘째 수준</a:t>
             </a:r>
           </a:p>
           <a:p>
             <a:pPr lvl="2"/>
             <a:r>
-              <a:rPr lang="ko-KR" altLang="en-US"/>
-              <a:t>세 번째 수준</a:t>
+              <a:rPr lang="ko-KR" altLang="en-US" smtClean="0"/>
+              <a:t>셋째 수준</a:t>
             </a:r>
           </a:p>
           <a:p>
             <a:pPr lvl="3"/>
             <a:r>
-              <a:rPr lang="ko-KR" altLang="en-US"/>
-              <a:t>네 번째 수준</a:t>
+              <a:rPr lang="ko-KR" altLang="en-US" smtClean="0"/>
+              <a:t>넷째 수준</a:t>
             </a:r>
           </a:p>
           <a:p>
             <a:pPr lvl="4"/>
             <a:r>
-              <a:rPr lang="ko-KR" altLang="en-US"/>
-              <a:t>다섯 번째 수준</a:t>
-            </a:r>
-          </a:p>
-        </p:txBody>
-      </p:sp>
-      <p:sp>
-        <p:nvSpPr>
-          <p:cNvPr id="4" name="날짜 개체 틀 3">
-            <a:extLst>
-              <a:ext uri="{FF2B5EF4-FFF2-40B4-BE49-F238E27FC236}">
-                <a16:creationId xmlns:a16="http://schemas.microsoft.com/office/drawing/2014/main" id="{5C089DE4-1FFB-5241-E859-DAFD3EEC91F9}"/>
-              </a:ext>
-            </a:extLst>
-          </p:cNvPr>
+              <a:rPr lang="ko-KR" altLang="en-US" smtClean="0"/>
+              <a:t>다섯째 수준</a:t>
+            </a:r>
+            <a:endParaRPr lang="en-US" dirty="0"/>
+          </a:p>
+        </p:txBody>
+      </p:sp>
+      <p:sp>
+        <p:nvSpPr>
+          <p:cNvPr id="4" name="Date Placeholder 3"/>
           <p:cNvSpPr>
             <a:spLocks noGrp="1"/>
           </p:cNvSpPr>
@@ -674,7 +603,7 @@
           <a:p>
             <a:fld id="{A7C4F895-CFCB-4043-9E4B-B20E17F0A145}" type="datetimeFigureOut">
               <a:rPr lang="ko-KR" altLang="en-US" smtClean="0"/>
-              <a:t>2023-05-16</a:t>
+              <a:t>2023-05-17</a:t>
             </a:fld>
             <a:endParaRPr lang="ko-KR" altLang="en-US"/>
           </a:p>
@@ -682,13 +611,7 @@
       </p:sp>
       <p:sp>
         <p:nvSpPr>
-          <p:cNvPr id="5" name="바닥글 개체 틀 4">
-            <a:extLst>
-              <a:ext uri="{FF2B5EF4-FFF2-40B4-BE49-F238E27FC236}">
-                <a16:creationId xmlns:a16="http://schemas.microsoft.com/office/drawing/2014/main" id="{55C7963D-DC31-8B69-5676-4ECE904B9F75}"/>
-              </a:ext>
-            </a:extLst>
-          </p:cNvPr>
+          <p:cNvPr id="5" name="Footer Placeholder 4"/>
           <p:cNvSpPr>
             <a:spLocks noGrp="1"/>
           </p:cNvSpPr>
@@ -707,13 +630,7 @@
       </p:sp>
       <p:sp>
         <p:nvSpPr>
-          <p:cNvPr id="6" name="슬라이드 번호 개체 틀 5">
-            <a:extLst>
-              <a:ext uri="{FF2B5EF4-FFF2-40B4-BE49-F238E27FC236}">
-                <a16:creationId xmlns:a16="http://schemas.microsoft.com/office/drawing/2014/main" id="{EF63B266-494A-83F2-CA9E-7280BA0D476A}"/>
-              </a:ext>
-            </a:extLst>
-          </p:cNvPr>
+          <p:cNvPr id="6" name="Slide Number Placeholder 5"/>
           <p:cNvSpPr>
             <a:spLocks noGrp="1"/>
           </p:cNvSpPr>
@@ -737,7 +654,7 @@
     </p:spTree>
     <p:extLst>
       <p:ext uri="{BB962C8B-B14F-4D97-AF65-F5344CB8AC3E}">
-        <p14:creationId xmlns:p14="http://schemas.microsoft.com/office/powerpoint/2010/main" val="1873815367"/>
+        <p14:creationId xmlns:p14="http://schemas.microsoft.com/office/powerpoint/2010/main" val="2998224209"/>
       </p:ext>
     </p:extLst>
   </p:cSld>
@@ -766,13 +683,7 @@
       </p:grpSpPr>
       <p:sp>
         <p:nvSpPr>
-          <p:cNvPr id="2" name="제목 1">
-            <a:extLst>
-              <a:ext uri="{FF2B5EF4-FFF2-40B4-BE49-F238E27FC236}">
-                <a16:creationId xmlns:a16="http://schemas.microsoft.com/office/drawing/2014/main" id="{6EEA0AE7-B9E5-A9F1-6BE1-9C6B5AFFE1A8}"/>
-              </a:ext>
-            </a:extLst>
-          </p:cNvPr>
+          <p:cNvPr id="2" name="Title 1"/>
           <p:cNvSpPr>
             <a:spLocks noGrp="1"/>
           </p:cNvSpPr>
@@ -786,21 +697,16 @@
           <a:lstStyle/>
           <a:p>
             <a:r>
-              <a:rPr lang="ko-KR" altLang="en-US"/>
+              <a:rPr lang="ko-KR" altLang="en-US" smtClean="0"/>
               <a:t>마스터 제목 스타일 편집</a:t>
             </a:r>
-          </a:p>
-        </p:txBody>
-      </p:sp>
-      <p:sp>
-        <p:nvSpPr>
-          <p:cNvPr id="3" name="내용 개체 틀 2">
-            <a:extLst>
-              <a:ext uri="{FF2B5EF4-FFF2-40B4-BE49-F238E27FC236}">
-                <a16:creationId xmlns:a16="http://schemas.microsoft.com/office/drawing/2014/main" id="{43EEB9A9-E961-CA1B-B886-78360B18DB13}"/>
-              </a:ext>
-            </a:extLst>
-          </p:cNvPr>
+            <a:endParaRPr lang="en-US" dirty="0"/>
+          </a:p>
+        </p:txBody>
+      </p:sp>
+      <p:sp>
+        <p:nvSpPr>
+          <p:cNvPr id="3" name="Content Placeholder 2"/>
           <p:cNvSpPr>
             <a:spLocks noGrp="1"/>
           </p:cNvSpPr>
@@ -815,49 +721,44 @@
           <a:p>
             <a:pPr lvl="0"/>
             <a:r>
-              <a:rPr lang="ko-KR" altLang="en-US"/>
-              <a:t>마스터 텍스트 스타일을 편집하려면 클릭</a:t>
+              <a:rPr lang="ko-KR" altLang="en-US" smtClean="0"/>
+              <a:t>마스터 텍스트 스타일 편집</a:t>
             </a:r>
           </a:p>
           <a:p>
             <a:pPr lvl="1"/>
             <a:r>
-              <a:rPr lang="ko-KR" altLang="en-US"/>
-              <a:t>두 번째 수준</a:t>
+              <a:rPr lang="ko-KR" altLang="en-US" smtClean="0"/>
+              <a:t>둘째 수준</a:t>
             </a:r>
           </a:p>
           <a:p>
             <a:pPr lvl="2"/>
             <a:r>
-              <a:rPr lang="ko-KR" altLang="en-US"/>
-              <a:t>세 번째 수준</a:t>
+              <a:rPr lang="ko-KR" altLang="en-US" smtClean="0"/>
+              <a:t>셋째 수준</a:t>
             </a:r>
           </a:p>
           <a:p>
             <a:pPr lvl="3"/>
             <a:r>
-              <a:rPr lang="ko-KR" altLang="en-US"/>
-              <a:t>네 번째 수준</a:t>
+              <a:rPr lang="ko-KR" altLang="en-US" smtClean="0"/>
+              <a:t>넷째 수준</a:t>
             </a:r>
           </a:p>
           <a:p>
             <a:pPr lvl="4"/>
             <a:r>
-              <a:rPr lang="ko-KR" altLang="en-US"/>
-              <a:t>다섯 번째 수준</a:t>
-            </a:r>
-          </a:p>
-        </p:txBody>
-      </p:sp>
-      <p:sp>
-        <p:nvSpPr>
-          <p:cNvPr id="4" name="날짜 개체 틀 3">
-            <a:extLst>
-              <a:ext uri="{FF2B5EF4-FFF2-40B4-BE49-F238E27FC236}">
-                <a16:creationId xmlns:a16="http://schemas.microsoft.com/office/drawing/2014/main" id="{14848802-4E1B-B3D4-5F47-628B595E2E9F}"/>
-              </a:ext>
-            </a:extLst>
-          </p:cNvPr>
+              <a:rPr lang="ko-KR" altLang="en-US" smtClean="0"/>
+              <a:t>다섯째 수준</a:t>
+            </a:r>
+            <a:endParaRPr lang="en-US" dirty="0"/>
+          </a:p>
+        </p:txBody>
+      </p:sp>
+      <p:sp>
+        <p:nvSpPr>
+          <p:cNvPr id="4" name="Date Placeholder 3"/>
           <p:cNvSpPr>
             <a:spLocks noGrp="1"/>
           </p:cNvSpPr>
@@ -872,7 +773,7 @@
           <a:p>
             <a:fld id="{A7C4F895-CFCB-4043-9E4B-B20E17F0A145}" type="datetimeFigureOut">
               <a:rPr lang="ko-KR" altLang="en-US" smtClean="0"/>
-              <a:t>2023-05-16</a:t>
+              <a:t>2023-05-17</a:t>
             </a:fld>
             <a:endParaRPr lang="ko-KR" altLang="en-US"/>
           </a:p>
@@ -880,13 +781,7 @@
       </p:sp>
       <p:sp>
         <p:nvSpPr>
-          <p:cNvPr id="5" name="바닥글 개체 틀 4">
-            <a:extLst>
-              <a:ext uri="{FF2B5EF4-FFF2-40B4-BE49-F238E27FC236}">
-                <a16:creationId xmlns:a16="http://schemas.microsoft.com/office/drawing/2014/main" id="{D9546D50-6599-19D2-237B-F561BF841743}"/>
-              </a:ext>
-            </a:extLst>
-          </p:cNvPr>
+          <p:cNvPr id="5" name="Footer Placeholder 4"/>
           <p:cNvSpPr>
             <a:spLocks noGrp="1"/>
           </p:cNvSpPr>
@@ -905,13 +800,7 @@
       </p:sp>
       <p:sp>
         <p:nvSpPr>
-          <p:cNvPr id="6" name="슬라이드 번호 개체 틀 5">
-            <a:extLst>
-              <a:ext uri="{FF2B5EF4-FFF2-40B4-BE49-F238E27FC236}">
-                <a16:creationId xmlns:a16="http://schemas.microsoft.com/office/drawing/2014/main" id="{29631D09-BF06-0E3D-577D-24B1A23C05E4}"/>
-              </a:ext>
-            </a:extLst>
-          </p:cNvPr>
+          <p:cNvPr id="6" name="Slide Number Placeholder 5"/>
           <p:cNvSpPr>
             <a:spLocks noGrp="1"/>
           </p:cNvSpPr>
@@ -935,7 +824,7 @@
     </p:spTree>
     <p:extLst>
       <p:ext uri="{BB962C8B-B14F-4D97-AF65-F5344CB8AC3E}">
-        <p14:creationId xmlns:p14="http://schemas.microsoft.com/office/powerpoint/2010/main" val="1674972842"/>
+        <p14:creationId xmlns:p14="http://schemas.microsoft.com/office/powerpoint/2010/main" val="2788702478"/>
       </p:ext>
     </p:extLst>
   </p:cSld>
@@ -964,13 +853,7 @@
       </p:grpSpPr>
       <p:sp>
         <p:nvSpPr>
-          <p:cNvPr id="2" name="제목 1">
-            <a:extLst>
-              <a:ext uri="{FF2B5EF4-FFF2-40B4-BE49-F238E27FC236}">
-                <a16:creationId xmlns:a16="http://schemas.microsoft.com/office/drawing/2014/main" id="{570B8264-E0F0-6AED-F3FA-E2337CADCFA0}"/>
-              </a:ext>
-            </a:extLst>
-          </p:cNvPr>
+          <p:cNvPr id="2" name="Title 1"/>
           <p:cNvSpPr>
             <a:spLocks noGrp="1"/>
           </p:cNvSpPr>
@@ -980,34 +863,29 @@
         </p:nvSpPr>
         <p:spPr>
           <a:xfrm>
-            <a:off x="831850" y="1709738"/>
-            <a:ext cx="10515600" cy="2852737"/>
+            <a:off x="831851" y="2961570"/>
+            <a:ext cx="10515600" cy="4941443"/>
           </a:xfrm>
         </p:spPr>
         <p:txBody>
           <a:bodyPr anchor="b"/>
           <a:lstStyle>
             <a:lvl1pPr>
-              <a:defRPr sz="6000"/>
+              <a:defRPr sz="8000"/>
             </a:lvl1pPr>
           </a:lstStyle>
           <a:p>
             <a:r>
-              <a:rPr lang="ko-KR" altLang="en-US"/>
+              <a:rPr lang="ko-KR" altLang="en-US" smtClean="0"/>
               <a:t>마스터 제목 스타일 편집</a:t>
             </a:r>
-          </a:p>
-        </p:txBody>
-      </p:sp>
-      <p:sp>
-        <p:nvSpPr>
-          <p:cNvPr id="3" name="텍스트 개체 틀 2">
-            <a:extLst>
-              <a:ext uri="{FF2B5EF4-FFF2-40B4-BE49-F238E27FC236}">
-                <a16:creationId xmlns:a16="http://schemas.microsoft.com/office/drawing/2014/main" id="{3923B6E3-E406-0F92-0332-962769AC78C0}"/>
-              </a:ext>
-            </a:extLst>
-          </p:cNvPr>
+            <a:endParaRPr lang="en-US" dirty="0"/>
+          </a:p>
+        </p:txBody>
+      </p:sp>
+      <p:sp>
+        <p:nvSpPr>
+          <p:cNvPr id="3" name="Text Placeholder 2"/>
           <p:cNvSpPr>
             <a:spLocks noGrp="1"/>
           </p:cNvSpPr>
@@ -1017,8 +895,8 @@
         </p:nvSpPr>
         <p:spPr>
           <a:xfrm>
-            <a:off x="831850" y="4589463"/>
-            <a:ext cx="10515600" cy="1500187"/>
+            <a:off x="831851" y="7949760"/>
+            <a:ext cx="10515600" cy="2598588"/>
           </a:xfrm>
         </p:spPr>
         <p:txBody>
@@ -1026,113 +904,105 @@
           <a:lstStyle>
             <a:lvl1pPr marL="0" indent="0">
               <a:buNone/>
-              <a:defRPr sz="2400">
+              <a:defRPr sz="3200">
+                <a:solidFill>
+                  <a:schemeClr val="tx1"/>
+                </a:solidFill>
+              </a:defRPr>
+            </a:lvl1pPr>
+            <a:lvl2pPr marL="609585" indent="0">
+              <a:buNone/>
+              <a:defRPr sz="2667">
                 <a:solidFill>
                   <a:schemeClr val="tx1">
                     <a:tint val="75000"/>
                   </a:schemeClr>
                 </a:solidFill>
               </a:defRPr>
-            </a:lvl1pPr>
-            <a:lvl2pPr marL="457200" indent="0">
+            </a:lvl2pPr>
+            <a:lvl3pPr marL="1219170" indent="0">
               <a:buNone/>
-              <a:defRPr sz="2000">
+              <a:defRPr sz="2400">
                 <a:solidFill>
                   <a:schemeClr val="tx1">
                     <a:tint val="75000"/>
                   </a:schemeClr>
                 </a:solidFill>
               </a:defRPr>
-            </a:lvl2pPr>
-            <a:lvl3pPr marL="914400" indent="0">
+            </a:lvl3pPr>
+            <a:lvl4pPr marL="1828754" indent="0">
               <a:buNone/>
-              <a:defRPr sz="1800">
+              <a:defRPr sz="2133">
                 <a:solidFill>
                   <a:schemeClr val="tx1">
                     <a:tint val="75000"/>
                   </a:schemeClr>
                 </a:solidFill>
               </a:defRPr>
-            </a:lvl3pPr>
-            <a:lvl4pPr marL="1371600" indent="0">
+            </a:lvl4pPr>
+            <a:lvl5pPr marL="2438339" indent="0">
               <a:buNone/>
-              <a:defRPr sz="1600">
+              <a:defRPr sz="2133">
                 <a:solidFill>
                   <a:schemeClr val="tx1">
                     <a:tint val="75000"/>
                   </a:schemeClr>
                 </a:solidFill>
               </a:defRPr>
-            </a:lvl4pPr>
-            <a:lvl5pPr marL="1828800" indent="0">
+            </a:lvl5pPr>
+            <a:lvl6pPr marL="3047924" indent="0">
               <a:buNone/>
-              <a:defRPr sz="1600">
+              <a:defRPr sz="2133">
                 <a:solidFill>
                   <a:schemeClr val="tx1">
                     <a:tint val="75000"/>
                   </a:schemeClr>
                 </a:solidFill>
               </a:defRPr>
-            </a:lvl5pPr>
-            <a:lvl6pPr marL="2286000" indent="0">
+            </a:lvl6pPr>
+            <a:lvl7pPr marL="3657509" indent="0">
               <a:buNone/>
-              <a:defRPr sz="1600">
+              <a:defRPr sz="2133">
                 <a:solidFill>
                   <a:schemeClr val="tx1">
                     <a:tint val="75000"/>
                   </a:schemeClr>
                 </a:solidFill>
               </a:defRPr>
-            </a:lvl6pPr>
-            <a:lvl7pPr marL="2743200" indent="0">
+            </a:lvl7pPr>
+            <a:lvl8pPr marL="4267093" indent="0">
               <a:buNone/>
-              <a:defRPr sz="1600">
+              <a:defRPr sz="2133">
                 <a:solidFill>
                   <a:schemeClr val="tx1">
                     <a:tint val="75000"/>
                   </a:schemeClr>
                 </a:solidFill>
               </a:defRPr>
-            </a:lvl7pPr>
-            <a:lvl8pPr marL="3200400" indent="0">
+            </a:lvl8pPr>
+            <a:lvl9pPr marL="4876678" indent="0">
               <a:buNone/>
-              <a:defRPr sz="1600">
+              <a:defRPr sz="2133">
                 <a:solidFill>
                   <a:schemeClr val="tx1">
                     <a:tint val="75000"/>
                   </a:schemeClr>
                 </a:solidFill>
               </a:defRPr>
-            </a:lvl8pPr>
-            <a:lvl9pPr marL="3657600" indent="0">
-              <a:buNone/>
-              <a:defRPr sz="1600">
-                <a:solidFill>
-                  <a:schemeClr val="tx1">
-                    <a:tint val="75000"/>
-                  </a:schemeClr>
-                </a:solidFill>
-              </a:defRPr>
             </a:lvl9pPr>
           </a:lstStyle>
           <a:p>
             <a:pPr lvl="0"/>
             <a:r>
-              <a:rPr lang="ko-KR" altLang="en-US"/>
-              <a:t>마스터 텍스트 스타일을 편집하려면 클릭</a:t>
-            </a:r>
-          </a:p>
-        </p:txBody>
-      </p:sp>
-      <p:sp>
-        <p:nvSpPr>
-          <p:cNvPr id="4" name="날짜 개체 틀 3">
-            <a:extLst>
-              <a:ext uri="{FF2B5EF4-FFF2-40B4-BE49-F238E27FC236}">
-                <a16:creationId xmlns:a16="http://schemas.microsoft.com/office/drawing/2014/main" id="{FB4F1167-411C-0D14-E918-D31EDE1CDF3A}"/>
-              </a:ext>
-            </a:extLst>
-          </p:cNvPr>
+              <a:rPr lang="ko-KR" altLang="en-US" smtClean="0"/>
+              <a:t>마스터 텍스트 스타일 편집</a:t>
+            </a:r>
+          </a:p>
+        </p:txBody>
+      </p:sp>
+      <p:sp>
+        <p:nvSpPr>
+          <p:cNvPr id="4" name="Date Placeholder 3"/>
           <p:cNvSpPr>
             <a:spLocks noGrp="1"/>
           </p:cNvSpPr>
@@ -1147,7 +1017,7 @@
           <a:p>
             <a:fld id="{A7C4F895-CFCB-4043-9E4B-B20E17F0A145}" type="datetimeFigureOut">
               <a:rPr lang="ko-KR" altLang="en-US" smtClean="0"/>
-              <a:t>2023-05-16</a:t>
+              <a:t>2023-05-17</a:t>
             </a:fld>
             <a:endParaRPr lang="ko-KR" altLang="en-US"/>
           </a:p>
@@ -1155,13 +1025,7 @@
       </p:sp>
       <p:sp>
         <p:nvSpPr>
-          <p:cNvPr id="5" name="바닥글 개체 틀 4">
-            <a:extLst>
-              <a:ext uri="{FF2B5EF4-FFF2-40B4-BE49-F238E27FC236}">
-                <a16:creationId xmlns:a16="http://schemas.microsoft.com/office/drawing/2014/main" id="{64604044-5BE3-82BC-A9B2-DD974FD4C473}"/>
-              </a:ext>
-            </a:extLst>
-          </p:cNvPr>
+          <p:cNvPr id="5" name="Footer Placeholder 4"/>
           <p:cNvSpPr>
             <a:spLocks noGrp="1"/>
           </p:cNvSpPr>
@@ -1180,13 +1044,7 @@
       </p:sp>
       <p:sp>
         <p:nvSpPr>
-          <p:cNvPr id="6" name="슬라이드 번호 개체 틀 5">
-            <a:extLst>
-              <a:ext uri="{FF2B5EF4-FFF2-40B4-BE49-F238E27FC236}">
-                <a16:creationId xmlns:a16="http://schemas.microsoft.com/office/drawing/2014/main" id="{9D89F6C8-CA0E-CAF0-B3D6-FA47ADF576D7}"/>
-              </a:ext>
-            </a:extLst>
-          </p:cNvPr>
+          <p:cNvPr id="6" name="Slide Number Placeholder 5"/>
           <p:cNvSpPr>
             <a:spLocks noGrp="1"/>
           </p:cNvSpPr>
@@ -1210,7 +1068,7 @@
     </p:spTree>
     <p:extLst>
       <p:ext uri="{BB962C8B-B14F-4D97-AF65-F5344CB8AC3E}">
-        <p14:creationId xmlns:p14="http://schemas.microsoft.com/office/powerpoint/2010/main" val="1907211243"/>
+        <p14:creationId xmlns:p14="http://schemas.microsoft.com/office/powerpoint/2010/main" val="3000823877"/>
       </p:ext>
     </p:extLst>
   </p:cSld>
@@ -1239,13 +1097,7 @@
       </p:grpSpPr>
       <p:sp>
         <p:nvSpPr>
-          <p:cNvPr id="2" name="제목 1">
-            <a:extLst>
-              <a:ext uri="{FF2B5EF4-FFF2-40B4-BE49-F238E27FC236}">
-                <a16:creationId xmlns:a16="http://schemas.microsoft.com/office/drawing/2014/main" id="{A6C1A734-9117-CEE8-B8D2-EF6121C8B78C}"/>
-              </a:ext>
-            </a:extLst>
-          </p:cNvPr>
+          <p:cNvPr id="2" name="Title 1"/>
           <p:cNvSpPr>
             <a:spLocks noGrp="1"/>
           </p:cNvSpPr>
@@ -1259,21 +1111,16 @@
           <a:lstStyle/>
           <a:p>
             <a:r>
-              <a:rPr lang="ko-KR" altLang="en-US"/>
+              <a:rPr lang="ko-KR" altLang="en-US" smtClean="0"/>
               <a:t>마스터 제목 스타일 편집</a:t>
             </a:r>
-          </a:p>
-        </p:txBody>
-      </p:sp>
-      <p:sp>
-        <p:nvSpPr>
-          <p:cNvPr id="3" name="내용 개체 틀 2">
-            <a:extLst>
-              <a:ext uri="{FF2B5EF4-FFF2-40B4-BE49-F238E27FC236}">
-                <a16:creationId xmlns:a16="http://schemas.microsoft.com/office/drawing/2014/main" id="{2B5B0983-36FA-4D6C-7299-B5DD750AD574}"/>
-              </a:ext>
-            </a:extLst>
-          </p:cNvPr>
+            <a:endParaRPr lang="en-US" dirty="0"/>
+          </a:p>
+        </p:txBody>
+      </p:sp>
+      <p:sp>
+        <p:nvSpPr>
+          <p:cNvPr id="3" name="Content Placeholder 2"/>
           <p:cNvSpPr>
             <a:spLocks noGrp="1"/>
           </p:cNvSpPr>
@@ -1283,8 +1130,8 @@
         </p:nvSpPr>
         <p:spPr>
           <a:xfrm>
-            <a:off x="838200" y="1825625"/>
-            <a:ext cx="5181600" cy="4351338"/>
+            <a:off x="838200" y="3162304"/>
+            <a:ext cx="5181600" cy="7537283"/>
           </a:xfrm>
         </p:spPr>
         <p:txBody>
@@ -1293,49 +1140,44 @@
           <a:p>
             <a:pPr lvl="0"/>
             <a:r>
-              <a:rPr lang="ko-KR" altLang="en-US"/>
-              <a:t>마스터 텍스트 스타일을 편집하려면 클릭</a:t>
+              <a:rPr lang="ko-KR" altLang="en-US" smtClean="0"/>
+              <a:t>마스터 텍스트 스타일 편집</a:t>
             </a:r>
           </a:p>
           <a:p>
             <a:pPr lvl="1"/>
             <a:r>
-              <a:rPr lang="ko-KR" altLang="en-US"/>
-              <a:t>두 번째 수준</a:t>
+              <a:rPr lang="ko-KR" altLang="en-US" smtClean="0"/>
+              <a:t>둘째 수준</a:t>
             </a:r>
           </a:p>
           <a:p>
             <a:pPr lvl="2"/>
             <a:r>
-              <a:rPr lang="ko-KR" altLang="en-US"/>
-              <a:t>세 번째 수준</a:t>
+              <a:rPr lang="ko-KR" altLang="en-US" smtClean="0"/>
+              <a:t>셋째 수준</a:t>
             </a:r>
           </a:p>
           <a:p>
             <a:pPr lvl="3"/>
             <a:r>
-              <a:rPr lang="ko-KR" altLang="en-US"/>
-              <a:t>네 번째 수준</a:t>
+              <a:rPr lang="ko-KR" altLang="en-US" smtClean="0"/>
+              <a:t>넷째 수준</a:t>
             </a:r>
           </a:p>
           <a:p>
             <a:pPr lvl="4"/>
             <a:r>
-              <a:rPr lang="ko-KR" altLang="en-US"/>
-              <a:t>다섯 번째 수준</a:t>
-            </a:r>
-          </a:p>
-        </p:txBody>
-      </p:sp>
-      <p:sp>
-        <p:nvSpPr>
-          <p:cNvPr id="4" name="내용 개체 틀 3">
-            <a:extLst>
-              <a:ext uri="{FF2B5EF4-FFF2-40B4-BE49-F238E27FC236}">
-                <a16:creationId xmlns:a16="http://schemas.microsoft.com/office/drawing/2014/main" id="{EEF2C7BC-F328-CF2B-3058-20722A586439}"/>
-              </a:ext>
-            </a:extLst>
-          </p:cNvPr>
+              <a:rPr lang="ko-KR" altLang="en-US" smtClean="0"/>
+              <a:t>다섯째 수준</a:t>
+            </a:r>
+            <a:endParaRPr lang="en-US" dirty="0"/>
+          </a:p>
+        </p:txBody>
+      </p:sp>
+      <p:sp>
+        <p:nvSpPr>
+          <p:cNvPr id="4" name="Content Placeholder 3"/>
           <p:cNvSpPr>
             <a:spLocks noGrp="1"/>
           </p:cNvSpPr>
@@ -1345,8 +1187,8 @@
         </p:nvSpPr>
         <p:spPr>
           <a:xfrm>
-            <a:off x="6172200" y="1825625"/>
-            <a:ext cx="5181600" cy="4351338"/>
+            <a:off x="6172200" y="3162304"/>
+            <a:ext cx="5181600" cy="7537283"/>
           </a:xfrm>
         </p:spPr>
         <p:txBody>
@@ -1355,49 +1197,44 @@
           <a:p>
             <a:pPr lvl="0"/>
             <a:r>
-              <a:rPr lang="ko-KR" altLang="en-US"/>
-              <a:t>마스터 텍스트 스타일을 편집하려면 클릭</a:t>
+              <a:rPr lang="ko-KR" altLang="en-US" smtClean="0"/>
+              <a:t>마스터 텍스트 스타일 편집</a:t>
             </a:r>
           </a:p>
           <a:p>
             <a:pPr lvl="1"/>
             <a:r>
-              <a:rPr lang="ko-KR" altLang="en-US"/>
-              <a:t>두 번째 수준</a:t>
+              <a:rPr lang="ko-KR" altLang="en-US" smtClean="0"/>
+              <a:t>둘째 수준</a:t>
             </a:r>
           </a:p>
           <a:p>
             <a:pPr lvl="2"/>
             <a:r>
-              <a:rPr lang="ko-KR" altLang="en-US"/>
-              <a:t>세 번째 수준</a:t>
+              <a:rPr lang="ko-KR" altLang="en-US" smtClean="0"/>
+              <a:t>셋째 수준</a:t>
             </a:r>
           </a:p>
           <a:p>
             <a:pPr lvl="3"/>
             <a:r>
-              <a:rPr lang="ko-KR" altLang="en-US"/>
-              <a:t>네 번째 수준</a:t>
+              <a:rPr lang="ko-KR" altLang="en-US" smtClean="0"/>
+              <a:t>넷째 수준</a:t>
             </a:r>
           </a:p>
           <a:p>
             <a:pPr lvl="4"/>
             <a:r>
-              <a:rPr lang="ko-KR" altLang="en-US"/>
-              <a:t>다섯 번째 수준</a:t>
-            </a:r>
-          </a:p>
-        </p:txBody>
-      </p:sp>
-      <p:sp>
-        <p:nvSpPr>
-          <p:cNvPr id="5" name="날짜 개체 틀 4">
-            <a:extLst>
-              <a:ext uri="{FF2B5EF4-FFF2-40B4-BE49-F238E27FC236}">
-                <a16:creationId xmlns:a16="http://schemas.microsoft.com/office/drawing/2014/main" id="{32FB33A1-A44C-F899-DE0A-7B70B6CC225F}"/>
-              </a:ext>
-            </a:extLst>
-          </p:cNvPr>
+              <a:rPr lang="ko-KR" altLang="en-US" smtClean="0"/>
+              <a:t>다섯째 수준</a:t>
+            </a:r>
+            <a:endParaRPr lang="en-US" dirty="0"/>
+          </a:p>
+        </p:txBody>
+      </p:sp>
+      <p:sp>
+        <p:nvSpPr>
+          <p:cNvPr id="5" name="Date Placeholder 4"/>
           <p:cNvSpPr>
             <a:spLocks noGrp="1"/>
           </p:cNvSpPr>
@@ -1412,7 +1249,7 @@
           <a:p>
             <a:fld id="{A7C4F895-CFCB-4043-9E4B-B20E17F0A145}" type="datetimeFigureOut">
               <a:rPr lang="ko-KR" altLang="en-US" smtClean="0"/>
-              <a:t>2023-05-16</a:t>
+              <a:t>2023-05-17</a:t>
             </a:fld>
             <a:endParaRPr lang="ko-KR" altLang="en-US"/>
           </a:p>
@@ -1420,13 +1257,7 @@
       </p:sp>
       <p:sp>
         <p:nvSpPr>
-          <p:cNvPr id="6" name="바닥글 개체 틀 5">
-            <a:extLst>
-              <a:ext uri="{FF2B5EF4-FFF2-40B4-BE49-F238E27FC236}">
-                <a16:creationId xmlns:a16="http://schemas.microsoft.com/office/drawing/2014/main" id="{5D0378AC-C898-C861-CCC4-9ADB65981262}"/>
-              </a:ext>
-            </a:extLst>
-          </p:cNvPr>
+          <p:cNvPr id="6" name="Footer Placeholder 5"/>
           <p:cNvSpPr>
             <a:spLocks noGrp="1"/>
           </p:cNvSpPr>
@@ -1445,13 +1276,7 @@
       </p:sp>
       <p:sp>
         <p:nvSpPr>
-          <p:cNvPr id="7" name="슬라이드 번호 개체 틀 6">
-            <a:extLst>
-              <a:ext uri="{FF2B5EF4-FFF2-40B4-BE49-F238E27FC236}">
-                <a16:creationId xmlns:a16="http://schemas.microsoft.com/office/drawing/2014/main" id="{A1F4ABA4-70E2-53C7-AC3D-5555EE928848}"/>
-              </a:ext>
-            </a:extLst>
-          </p:cNvPr>
+          <p:cNvPr id="7" name="Slide Number Placeholder 6"/>
           <p:cNvSpPr>
             <a:spLocks noGrp="1"/>
           </p:cNvSpPr>
@@ -1475,7 +1300,7 @@
     </p:spTree>
     <p:extLst>
       <p:ext uri="{BB962C8B-B14F-4D97-AF65-F5344CB8AC3E}">
-        <p14:creationId xmlns:p14="http://schemas.microsoft.com/office/powerpoint/2010/main" val="3096186366"/>
+        <p14:creationId xmlns:p14="http://schemas.microsoft.com/office/powerpoint/2010/main" val="3412799176"/>
       </p:ext>
     </p:extLst>
   </p:cSld>
@@ -1504,13 +1329,7 @@
       </p:grpSpPr>
       <p:sp>
         <p:nvSpPr>
-          <p:cNvPr id="2" name="제목 1">
-            <a:extLst>
-              <a:ext uri="{FF2B5EF4-FFF2-40B4-BE49-F238E27FC236}">
-                <a16:creationId xmlns:a16="http://schemas.microsoft.com/office/drawing/2014/main" id="{8B50EA4B-5C64-50CA-8E55-FC2A69A4188D}"/>
-              </a:ext>
-            </a:extLst>
-          </p:cNvPr>
+          <p:cNvPr id="2" name="Title 1"/>
           <p:cNvSpPr>
             <a:spLocks noGrp="1"/>
           </p:cNvSpPr>
@@ -1520,8 +1339,8 @@
         </p:nvSpPr>
         <p:spPr>
           <a:xfrm>
-            <a:off x="839788" y="365125"/>
-            <a:ext cx="10515600" cy="1325563"/>
+            <a:off x="839788" y="632464"/>
+            <a:ext cx="10515600" cy="2296108"/>
           </a:xfrm>
         </p:spPr>
         <p:txBody>
@@ -1529,21 +1348,16 @@
           <a:lstStyle/>
           <a:p>
             <a:r>
-              <a:rPr lang="ko-KR" altLang="en-US"/>
+              <a:rPr lang="ko-KR" altLang="en-US" smtClean="0"/>
               <a:t>마스터 제목 스타일 편집</a:t>
             </a:r>
-          </a:p>
-        </p:txBody>
-      </p:sp>
-      <p:sp>
-        <p:nvSpPr>
-          <p:cNvPr id="3" name="텍스트 개체 틀 2">
-            <a:extLst>
-              <a:ext uri="{FF2B5EF4-FFF2-40B4-BE49-F238E27FC236}">
-                <a16:creationId xmlns:a16="http://schemas.microsoft.com/office/drawing/2014/main" id="{8E98B875-5047-8D77-D05B-4F90B38E42AC}"/>
-              </a:ext>
-            </a:extLst>
-          </p:cNvPr>
+            <a:endParaRPr lang="en-US" dirty="0"/>
+          </a:p>
+        </p:txBody>
+      </p:sp>
+      <p:sp>
+        <p:nvSpPr>
+          <p:cNvPr id="3" name="Text Placeholder 2"/>
           <p:cNvSpPr>
             <a:spLocks noGrp="1"/>
           </p:cNvSpPr>
@@ -1553,8 +1367,8 @@
         </p:nvSpPr>
         <p:spPr>
           <a:xfrm>
-            <a:off x="839788" y="1681163"/>
-            <a:ext cx="5157787" cy="823912"/>
+            <a:off x="839789" y="2912070"/>
+            <a:ext cx="5157787" cy="1427161"/>
           </a:xfrm>
         </p:spPr>
         <p:txBody>
@@ -1562,59 +1376,53 @@
           <a:lstStyle>
             <a:lvl1pPr marL="0" indent="0">
               <a:buNone/>
+              <a:defRPr sz="3200" b="1"/>
+            </a:lvl1pPr>
+            <a:lvl2pPr marL="609585" indent="0">
+              <a:buNone/>
+              <a:defRPr sz="2667" b="1"/>
+            </a:lvl2pPr>
+            <a:lvl3pPr marL="1219170" indent="0">
+              <a:buNone/>
               <a:defRPr sz="2400" b="1"/>
-            </a:lvl1pPr>
-            <a:lvl2pPr marL="457200" indent="0">
+            </a:lvl3pPr>
+            <a:lvl4pPr marL="1828754" indent="0">
               <a:buNone/>
-              <a:defRPr sz="2000" b="1"/>
-            </a:lvl2pPr>
-            <a:lvl3pPr marL="914400" indent="0">
+              <a:defRPr sz="2133" b="1"/>
+            </a:lvl4pPr>
+            <a:lvl5pPr marL="2438339" indent="0">
               <a:buNone/>
-              <a:defRPr sz="1800" b="1"/>
-            </a:lvl3pPr>
-            <a:lvl4pPr marL="1371600" indent="0">
+              <a:defRPr sz="2133" b="1"/>
+            </a:lvl5pPr>
+            <a:lvl6pPr marL="3047924" indent="0">
               <a:buNone/>
-              <a:defRPr sz="1600" b="1"/>
-            </a:lvl4pPr>
-            <a:lvl5pPr marL="1828800" indent="0">
+              <a:defRPr sz="2133" b="1"/>
+            </a:lvl6pPr>
+            <a:lvl7pPr marL="3657509" indent="0">
               <a:buNone/>
-              <a:defRPr sz="1600" b="1"/>
-            </a:lvl5pPr>
-            <a:lvl6pPr marL="2286000" indent="0">
+              <a:defRPr sz="2133" b="1"/>
+            </a:lvl7pPr>
+            <a:lvl8pPr marL="4267093" indent="0">
               <a:buNone/>
-              <a:defRPr sz="1600" b="1"/>
-            </a:lvl6pPr>
-            <a:lvl7pPr marL="2743200" indent="0">
+              <a:defRPr sz="2133" b="1"/>
+            </a:lvl8pPr>
+            <a:lvl9pPr marL="4876678" indent="0">
               <a:buNone/>
-              <a:defRPr sz="1600" b="1"/>
-            </a:lvl7pPr>
-            <a:lvl8pPr marL="3200400" indent="0">
-              <a:buNone/>
-              <a:defRPr sz="1600" b="1"/>
-            </a:lvl8pPr>
-            <a:lvl9pPr marL="3657600" indent="0">
-              <a:buNone/>
-              <a:defRPr sz="1600" b="1"/>
+              <a:defRPr sz="2133" b="1"/>
             </a:lvl9pPr>
           </a:lstStyle>
           <a:p>
             <a:pPr lvl="0"/>
             <a:r>
-              <a:rPr lang="ko-KR" altLang="en-US"/>
-              <a:t>마스터 텍스트 스타일을 편집하려면 클릭</a:t>
-            </a:r>
-          </a:p>
-        </p:txBody>
-      </p:sp>
-      <p:sp>
-        <p:nvSpPr>
-          <p:cNvPr id="4" name="내용 개체 틀 3">
-            <a:extLst>
-              <a:ext uri="{FF2B5EF4-FFF2-40B4-BE49-F238E27FC236}">
-                <a16:creationId xmlns:a16="http://schemas.microsoft.com/office/drawing/2014/main" id="{90C4CF3C-3EAB-D917-FD3B-B5D4F54BFCDE}"/>
-              </a:ext>
-            </a:extLst>
-          </p:cNvPr>
+              <a:rPr lang="ko-KR" altLang="en-US" smtClean="0"/>
+              <a:t>마스터 텍스트 스타일 편집</a:t>
+            </a:r>
+          </a:p>
+        </p:txBody>
+      </p:sp>
+      <p:sp>
+        <p:nvSpPr>
+          <p:cNvPr id="4" name="Content Placeholder 3"/>
           <p:cNvSpPr>
             <a:spLocks noGrp="1"/>
           </p:cNvSpPr>
@@ -1624,8 +1432,8 @@
         </p:nvSpPr>
         <p:spPr>
           <a:xfrm>
-            <a:off x="839788" y="2505075"/>
-            <a:ext cx="5157787" cy="3684588"/>
+            <a:off x="839789" y="4339231"/>
+            <a:ext cx="5157787" cy="6382355"/>
           </a:xfrm>
         </p:spPr>
         <p:txBody>
@@ -1634,49 +1442,44 @@
           <a:p>
             <a:pPr lvl="0"/>
             <a:r>
-              <a:rPr lang="ko-KR" altLang="en-US"/>
-              <a:t>마스터 텍스트 스타일을 편집하려면 클릭</a:t>
+              <a:rPr lang="ko-KR" altLang="en-US" smtClean="0"/>
+              <a:t>마스터 텍스트 스타일 편집</a:t>
             </a:r>
           </a:p>
           <a:p>
             <a:pPr lvl="1"/>
             <a:r>
-              <a:rPr lang="ko-KR" altLang="en-US"/>
-              <a:t>두 번째 수준</a:t>
+              <a:rPr lang="ko-KR" altLang="en-US" smtClean="0"/>
+              <a:t>둘째 수준</a:t>
             </a:r>
           </a:p>
           <a:p>
             <a:pPr lvl="2"/>
             <a:r>
-              <a:rPr lang="ko-KR" altLang="en-US"/>
-              <a:t>세 번째 수준</a:t>
+              <a:rPr lang="ko-KR" altLang="en-US" smtClean="0"/>
+              <a:t>셋째 수준</a:t>
             </a:r>
           </a:p>
           <a:p>
             <a:pPr lvl="3"/>
             <a:r>
-              <a:rPr lang="ko-KR" altLang="en-US"/>
-              <a:t>네 번째 수준</a:t>
+              <a:rPr lang="ko-KR" altLang="en-US" smtClean="0"/>
+              <a:t>넷째 수준</a:t>
             </a:r>
           </a:p>
           <a:p>
             <a:pPr lvl="4"/>
             <a:r>
-              <a:rPr lang="ko-KR" altLang="en-US"/>
-              <a:t>다섯 번째 수준</a:t>
-            </a:r>
-          </a:p>
-        </p:txBody>
-      </p:sp>
-      <p:sp>
-        <p:nvSpPr>
-          <p:cNvPr id="5" name="텍스트 개체 틀 4">
-            <a:extLst>
-              <a:ext uri="{FF2B5EF4-FFF2-40B4-BE49-F238E27FC236}">
-                <a16:creationId xmlns:a16="http://schemas.microsoft.com/office/drawing/2014/main" id="{5C01DE1B-677A-3FCE-96DB-0C51D8E9D501}"/>
-              </a:ext>
-            </a:extLst>
-          </p:cNvPr>
+              <a:rPr lang="ko-KR" altLang="en-US" smtClean="0"/>
+              <a:t>다섯째 수준</a:t>
+            </a:r>
+            <a:endParaRPr lang="en-US" dirty="0"/>
+          </a:p>
+        </p:txBody>
+      </p:sp>
+      <p:sp>
+        <p:nvSpPr>
+          <p:cNvPr id="5" name="Text Placeholder 4"/>
           <p:cNvSpPr>
             <a:spLocks noGrp="1"/>
           </p:cNvSpPr>
@@ -1686,8 +1489,8 @@
         </p:nvSpPr>
         <p:spPr>
           <a:xfrm>
-            <a:off x="6172200" y="1681163"/>
-            <a:ext cx="5183188" cy="823912"/>
+            <a:off x="6172201" y="2912070"/>
+            <a:ext cx="5183188" cy="1427161"/>
           </a:xfrm>
         </p:spPr>
         <p:txBody>
@@ -1695,59 +1498,53 @@
           <a:lstStyle>
             <a:lvl1pPr marL="0" indent="0">
               <a:buNone/>
+              <a:defRPr sz="3200" b="1"/>
+            </a:lvl1pPr>
+            <a:lvl2pPr marL="609585" indent="0">
+              <a:buNone/>
+              <a:defRPr sz="2667" b="1"/>
+            </a:lvl2pPr>
+            <a:lvl3pPr marL="1219170" indent="0">
+              <a:buNone/>
               <a:defRPr sz="2400" b="1"/>
-            </a:lvl1pPr>
-            <a:lvl2pPr marL="457200" indent="0">
+            </a:lvl3pPr>
+            <a:lvl4pPr marL="1828754" indent="0">
               <a:buNone/>
-              <a:defRPr sz="2000" b="1"/>
-            </a:lvl2pPr>
-            <a:lvl3pPr marL="914400" indent="0">
+              <a:defRPr sz="2133" b="1"/>
+            </a:lvl4pPr>
+            <a:lvl5pPr marL="2438339" indent="0">
               <a:buNone/>
-              <a:defRPr sz="1800" b="1"/>
-            </a:lvl3pPr>
-            <a:lvl4pPr marL="1371600" indent="0">
+              <a:defRPr sz="2133" b="1"/>
+            </a:lvl5pPr>
+            <a:lvl6pPr marL="3047924" indent="0">
               <a:buNone/>
-              <a:defRPr sz="1600" b="1"/>
-            </a:lvl4pPr>
-            <a:lvl5pPr marL="1828800" indent="0">
+              <a:defRPr sz="2133" b="1"/>
+            </a:lvl6pPr>
+            <a:lvl7pPr marL="3657509" indent="0">
               <a:buNone/>
-              <a:defRPr sz="1600" b="1"/>
-            </a:lvl5pPr>
-            <a:lvl6pPr marL="2286000" indent="0">
+              <a:defRPr sz="2133" b="1"/>
+            </a:lvl7pPr>
+            <a:lvl8pPr marL="4267093" indent="0">
               <a:buNone/>
-              <a:defRPr sz="1600" b="1"/>
-            </a:lvl6pPr>
-            <a:lvl7pPr marL="2743200" indent="0">
+              <a:defRPr sz="2133" b="1"/>
+            </a:lvl8pPr>
+            <a:lvl9pPr marL="4876678" indent="0">
               <a:buNone/>
-              <a:defRPr sz="1600" b="1"/>
-            </a:lvl7pPr>
-            <a:lvl8pPr marL="3200400" indent="0">
-              <a:buNone/>
-              <a:defRPr sz="1600" b="1"/>
-            </a:lvl8pPr>
-            <a:lvl9pPr marL="3657600" indent="0">
-              <a:buNone/>
-              <a:defRPr sz="1600" b="1"/>
+              <a:defRPr sz="2133" b="1"/>
             </a:lvl9pPr>
           </a:lstStyle>
           <a:p>
             <a:pPr lvl="0"/>
             <a:r>
-              <a:rPr lang="ko-KR" altLang="en-US"/>
-              <a:t>마스터 텍스트 스타일을 편집하려면 클릭</a:t>
-            </a:r>
-          </a:p>
-        </p:txBody>
-      </p:sp>
-      <p:sp>
-        <p:nvSpPr>
-          <p:cNvPr id="6" name="내용 개체 틀 5">
-            <a:extLst>
-              <a:ext uri="{FF2B5EF4-FFF2-40B4-BE49-F238E27FC236}">
-                <a16:creationId xmlns:a16="http://schemas.microsoft.com/office/drawing/2014/main" id="{823FB50E-5696-3315-6ADD-692690B58F63}"/>
-              </a:ext>
-            </a:extLst>
-          </p:cNvPr>
+              <a:rPr lang="ko-KR" altLang="en-US" smtClean="0"/>
+              <a:t>마스터 텍스트 스타일 편집</a:t>
+            </a:r>
+          </a:p>
+        </p:txBody>
+      </p:sp>
+      <p:sp>
+        <p:nvSpPr>
+          <p:cNvPr id="6" name="Content Placeholder 5"/>
           <p:cNvSpPr>
             <a:spLocks noGrp="1"/>
           </p:cNvSpPr>
@@ -1757,8 +1554,8 @@
         </p:nvSpPr>
         <p:spPr>
           <a:xfrm>
-            <a:off x="6172200" y="2505075"/>
-            <a:ext cx="5183188" cy="3684588"/>
+            <a:off x="6172201" y="4339231"/>
+            <a:ext cx="5183188" cy="6382355"/>
           </a:xfrm>
         </p:spPr>
         <p:txBody>
@@ -1767,49 +1564,44 @@
           <a:p>
             <a:pPr lvl="0"/>
             <a:r>
-              <a:rPr lang="ko-KR" altLang="en-US"/>
-              <a:t>마스터 텍스트 스타일을 편집하려면 클릭</a:t>
+              <a:rPr lang="ko-KR" altLang="en-US" smtClean="0"/>
+              <a:t>마스터 텍스트 스타일 편집</a:t>
             </a:r>
           </a:p>
           <a:p>
             <a:pPr lvl="1"/>
             <a:r>
-              <a:rPr lang="ko-KR" altLang="en-US"/>
-              <a:t>두 번째 수준</a:t>
+              <a:rPr lang="ko-KR" altLang="en-US" smtClean="0"/>
+              <a:t>둘째 수준</a:t>
             </a:r>
           </a:p>
           <a:p>
             <a:pPr lvl="2"/>
             <a:r>
-              <a:rPr lang="ko-KR" altLang="en-US"/>
-              <a:t>세 번째 수준</a:t>
+              <a:rPr lang="ko-KR" altLang="en-US" smtClean="0"/>
+              <a:t>셋째 수준</a:t>
             </a:r>
           </a:p>
           <a:p>
             <a:pPr lvl="3"/>
             <a:r>
-              <a:rPr lang="ko-KR" altLang="en-US"/>
-              <a:t>네 번째 수준</a:t>
+              <a:rPr lang="ko-KR" altLang="en-US" smtClean="0"/>
+              <a:t>넷째 수준</a:t>
             </a:r>
           </a:p>
           <a:p>
             <a:pPr lvl="4"/>
             <a:r>
-              <a:rPr lang="ko-KR" altLang="en-US"/>
-              <a:t>다섯 번째 수준</a:t>
-            </a:r>
-          </a:p>
-        </p:txBody>
-      </p:sp>
-      <p:sp>
-        <p:nvSpPr>
-          <p:cNvPr id="7" name="날짜 개체 틀 6">
-            <a:extLst>
-              <a:ext uri="{FF2B5EF4-FFF2-40B4-BE49-F238E27FC236}">
-                <a16:creationId xmlns:a16="http://schemas.microsoft.com/office/drawing/2014/main" id="{FDBA01EE-60E7-C68D-421C-CE003F79697E}"/>
-              </a:ext>
-            </a:extLst>
-          </p:cNvPr>
+              <a:rPr lang="ko-KR" altLang="en-US" smtClean="0"/>
+              <a:t>다섯째 수준</a:t>
+            </a:r>
+            <a:endParaRPr lang="en-US" dirty="0"/>
+          </a:p>
+        </p:txBody>
+      </p:sp>
+      <p:sp>
+        <p:nvSpPr>
+          <p:cNvPr id="7" name="Date Placeholder 6"/>
           <p:cNvSpPr>
             <a:spLocks noGrp="1"/>
           </p:cNvSpPr>
@@ -1824,7 +1616,7 @@
           <a:p>
             <a:fld id="{A7C4F895-CFCB-4043-9E4B-B20E17F0A145}" type="datetimeFigureOut">
               <a:rPr lang="ko-KR" altLang="en-US" smtClean="0"/>
-              <a:t>2023-05-16</a:t>
+              <a:t>2023-05-17</a:t>
             </a:fld>
             <a:endParaRPr lang="ko-KR" altLang="en-US"/>
           </a:p>
@@ -1832,13 +1624,7 @@
       </p:sp>
       <p:sp>
         <p:nvSpPr>
-          <p:cNvPr id="8" name="바닥글 개체 틀 7">
-            <a:extLst>
-              <a:ext uri="{FF2B5EF4-FFF2-40B4-BE49-F238E27FC236}">
-                <a16:creationId xmlns:a16="http://schemas.microsoft.com/office/drawing/2014/main" id="{32E86EFF-CA70-9314-F0CB-777C3CF47F9A}"/>
-              </a:ext>
-            </a:extLst>
-          </p:cNvPr>
+          <p:cNvPr id="8" name="Footer Placeholder 7"/>
           <p:cNvSpPr>
             <a:spLocks noGrp="1"/>
           </p:cNvSpPr>
@@ -1857,13 +1643,7 @@
       </p:sp>
       <p:sp>
         <p:nvSpPr>
-          <p:cNvPr id="9" name="슬라이드 번호 개체 틀 8">
-            <a:extLst>
-              <a:ext uri="{FF2B5EF4-FFF2-40B4-BE49-F238E27FC236}">
-                <a16:creationId xmlns:a16="http://schemas.microsoft.com/office/drawing/2014/main" id="{254DB8FC-9BD4-5D9A-04E5-7CC50AF304DC}"/>
-              </a:ext>
-            </a:extLst>
-          </p:cNvPr>
+          <p:cNvPr id="9" name="Slide Number Placeholder 8"/>
           <p:cNvSpPr>
             <a:spLocks noGrp="1"/>
           </p:cNvSpPr>
@@ -1887,7 +1667,7 @@
     </p:spTree>
     <p:extLst>
       <p:ext uri="{BB962C8B-B14F-4D97-AF65-F5344CB8AC3E}">
-        <p14:creationId xmlns:p14="http://schemas.microsoft.com/office/powerpoint/2010/main" val="489829494"/>
+        <p14:creationId xmlns:p14="http://schemas.microsoft.com/office/powerpoint/2010/main" val="954847697"/>
       </p:ext>
     </p:extLst>
   </p:cSld>
@@ -1916,13 +1696,7 @@
       </p:grpSpPr>
       <p:sp>
         <p:nvSpPr>
-          <p:cNvPr id="2" name="제목 1">
-            <a:extLst>
-              <a:ext uri="{FF2B5EF4-FFF2-40B4-BE49-F238E27FC236}">
-                <a16:creationId xmlns:a16="http://schemas.microsoft.com/office/drawing/2014/main" id="{4C85251D-5F69-BEE6-5FAE-E5DE59CC936D}"/>
-              </a:ext>
-            </a:extLst>
-          </p:cNvPr>
+          <p:cNvPr id="2" name="Title 1"/>
           <p:cNvSpPr>
             <a:spLocks noGrp="1"/>
           </p:cNvSpPr>
@@ -1936,21 +1710,16 @@
           <a:lstStyle/>
           <a:p>
             <a:r>
-              <a:rPr lang="ko-KR" altLang="en-US"/>
+              <a:rPr lang="ko-KR" altLang="en-US" smtClean="0"/>
               <a:t>마스터 제목 스타일 편집</a:t>
             </a:r>
-          </a:p>
-        </p:txBody>
-      </p:sp>
-      <p:sp>
-        <p:nvSpPr>
-          <p:cNvPr id="3" name="날짜 개체 틀 2">
-            <a:extLst>
-              <a:ext uri="{FF2B5EF4-FFF2-40B4-BE49-F238E27FC236}">
-                <a16:creationId xmlns:a16="http://schemas.microsoft.com/office/drawing/2014/main" id="{AB5BF190-332F-2A14-7E06-11C3AAEF3A8F}"/>
-              </a:ext>
-            </a:extLst>
-          </p:cNvPr>
+            <a:endParaRPr lang="en-US" dirty="0"/>
+          </a:p>
+        </p:txBody>
+      </p:sp>
+      <p:sp>
+        <p:nvSpPr>
+          <p:cNvPr id="3" name="Date Placeholder 2"/>
           <p:cNvSpPr>
             <a:spLocks noGrp="1"/>
           </p:cNvSpPr>
@@ -1965,7 +1734,7 @@
           <a:p>
             <a:fld id="{A7C4F895-CFCB-4043-9E4B-B20E17F0A145}" type="datetimeFigureOut">
               <a:rPr lang="ko-KR" altLang="en-US" smtClean="0"/>
-              <a:t>2023-05-16</a:t>
+              <a:t>2023-05-17</a:t>
             </a:fld>
             <a:endParaRPr lang="ko-KR" altLang="en-US"/>
           </a:p>
@@ -1973,13 +1742,7 @@
       </p:sp>
       <p:sp>
         <p:nvSpPr>
-          <p:cNvPr id="4" name="바닥글 개체 틀 3">
-            <a:extLst>
-              <a:ext uri="{FF2B5EF4-FFF2-40B4-BE49-F238E27FC236}">
-                <a16:creationId xmlns:a16="http://schemas.microsoft.com/office/drawing/2014/main" id="{83281A3F-2746-0B72-9EEC-1E8554D447D6}"/>
-              </a:ext>
-            </a:extLst>
-          </p:cNvPr>
+          <p:cNvPr id="4" name="Footer Placeholder 3"/>
           <p:cNvSpPr>
             <a:spLocks noGrp="1"/>
           </p:cNvSpPr>
@@ -1998,13 +1761,7 @@
       </p:sp>
       <p:sp>
         <p:nvSpPr>
-          <p:cNvPr id="5" name="슬라이드 번호 개체 틀 4">
-            <a:extLst>
-              <a:ext uri="{FF2B5EF4-FFF2-40B4-BE49-F238E27FC236}">
-                <a16:creationId xmlns:a16="http://schemas.microsoft.com/office/drawing/2014/main" id="{CB10CD4D-3F06-0B88-EBB5-0A8E2777A61F}"/>
-              </a:ext>
-            </a:extLst>
-          </p:cNvPr>
+          <p:cNvPr id="5" name="Slide Number Placeholder 4"/>
           <p:cNvSpPr>
             <a:spLocks noGrp="1"/>
           </p:cNvSpPr>
@@ -2028,7 +1785,7 @@
     </p:spTree>
     <p:extLst>
       <p:ext uri="{BB962C8B-B14F-4D97-AF65-F5344CB8AC3E}">
-        <p14:creationId xmlns:p14="http://schemas.microsoft.com/office/powerpoint/2010/main" val="2976715919"/>
+        <p14:creationId xmlns:p14="http://schemas.microsoft.com/office/powerpoint/2010/main" val="3653931230"/>
       </p:ext>
     </p:extLst>
   </p:cSld>
@@ -2057,13 +1814,7 @@
       </p:grpSpPr>
       <p:sp>
         <p:nvSpPr>
-          <p:cNvPr id="2" name="날짜 개체 틀 1">
-            <a:extLst>
-              <a:ext uri="{FF2B5EF4-FFF2-40B4-BE49-F238E27FC236}">
-                <a16:creationId xmlns:a16="http://schemas.microsoft.com/office/drawing/2014/main" id="{274D7814-064F-0FBC-CA87-5699A0920D42}"/>
-              </a:ext>
-            </a:extLst>
-          </p:cNvPr>
+          <p:cNvPr id="2" name="Date Placeholder 1"/>
           <p:cNvSpPr>
             <a:spLocks noGrp="1"/>
           </p:cNvSpPr>
@@ -2078,7 +1829,7 @@
           <a:p>
             <a:fld id="{A7C4F895-CFCB-4043-9E4B-B20E17F0A145}" type="datetimeFigureOut">
               <a:rPr lang="ko-KR" altLang="en-US" smtClean="0"/>
-              <a:t>2023-05-16</a:t>
+              <a:t>2023-05-17</a:t>
             </a:fld>
             <a:endParaRPr lang="ko-KR" altLang="en-US"/>
           </a:p>
@@ -2086,13 +1837,7 @@
       </p:sp>
       <p:sp>
         <p:nvSpPr>
-          <p:cNvPr id="3" name="바닥글 개체 틀 2">
-            <a:extLst>
-              <a:ext uri="{FF2B5EF4-FFF2-40B4-BE49-F238E27FC236}">
-                <a16:creationId xmlns:a16="http://schemas.microsoft.com/office/drawing/2014/main" id="{678A0110-F2CA-8BF6-1177-EAAF3CECE297}"/>
-              </a:ext>
-            </a:extLst>
-          </p:cNvPr>
+          <p:cNvPr id="3" name="Footer Placeholder 2"/>
           <p:cNvSpPr>
             <a:spLocks noGrp="1"/>
           </p:cNvSpPr>
@@ -2111,13 +1856,7 @@
       </p:sp>
       <p:sp>
         <p:nvSpPr>
-          <p:cNvPr id="4" name="슬라이드 번호 개체 틀 3">
-            <a:extLst>
-              <a:ext uri="{FF2B5EF4-FFF2-40B4-BE49-F238E27FC236}">
-                <a16:creationId xmlns:a16="http://schemas.microsoft.com/office/drawing/2014/main" id="{CF4224CF-E13A-CA7E-4A57-E55DFF48CD60}"/>
-              </a:ext>
-            </a:extLst>
-          </p:cNvPr>
+          <p:cNvPr id="4" name="Slide Number Placeholder 3"/>
           <p:cNvSpPr>
             <a:spLocks noGrp="1"/>
           </p:cNvSpPr>
@@ -2141,7 +1880,7 @@
     </p:spTree>
     <p:extLst>
       <p:ext uri="{BB962C8B-B14F-4D97-AF65-F5344CB8AC3E}">
-        <p14:creationId xmlns:p14="http://schemas.microsoft.com/office/powerpoint/2010/main" val="2916192629"/>
+        <p14:creationId xmlns:p14="http://schemas.microsoft.com/office/powerpoint/2010/main" val="2647557000"/>
       </p:ext>
     </p:extLst>
   </p:cSld>
@@ -2170,13 +1909,7 @@
       </p:grpSpPr>
       <p:sp>
         <p:nvSpPr>
-          <p:cNvPr id="2" name="제목 1">
-            <a:extLst>
-              <a:ext uri="{FF2B5EF4-FFF2-40B4-BE49-F238E27FC236}">
-                <a16:creationId xmlns:a16="http://schemas.microsoft.com/office/drawing/2014/main" id="{5074D3FA-C444-49BD-B58D-E046EB5F876E}"/>
-              </a:ext>
-            </a:extLst>
-          </p:cNvPr>
+          <p:cNvPr id="2" name="Title 1"/>
           <p:cNvSpPr>
             <a:spLocks noGrp="1"/>
           </p:cNvSpPr>
@@ -2186,34 +1919,29 @@
         </p:nvSpPr>
         <p:spPr>
           <a:xfrm>
-            <a:off x="839788" y="457200"/>
-            <a:ext cx="3932237" cy="1600200"/>
+            <a:off x="839788" y="791951"/>
+            <a:ext cx="3932237" cy="2771828"/>
           </a:xfrm>
         </p:spPr>
         <p:txBody>
           <a:bodyPr anchor="b"/>
           <a:lstStyle>
             <a:lvl1pPr>
-              <a:defRPr sz="3200"/>
+              <a:defRPr sz="4267"/>
             </a:lvl1pPr>
           </a:lstStyle>
           <a:p>
             <a:r>
-              <a:rPr lang="ko-KR" altLang="en-US"/>
+              <a:rPr lang="ko-KR" altLang="en-US" smtClean="0"/>
               <a:t>마스터 제목 스타일 편집</a:t>
             </a:r>
-          </a:p>
-        </p:txBody>
-      </p:sp>
-      <p:sp>
-        <p:nvSpPr>
-          <p:cNvPr id="3" name="내용 개체 틀 2">
-            <a:extLst>
-              <a:ext uri="{FF2B5EF4-FFF2-40B4-BE49-F238E27FC236}">
-                <a16:creationId xmlns:a16="http://schemas.microsoft.com/office/drawing/2014/main" id="{8CE3716C-F0D1-B614-ED4E-638D033F5F29}"/>
-              </a:ext>
-            </a:extLst>
-          </p:cNvPr>
+            <a:endParaRPr lang="en-US" dirty="0"/>
+          </a:p>
+        </p:txBody>
+      </p:sp>
+      <p:sp>
+        <p:nvSpPr>
+          <p:cNvPr id="3" name="Content Placeholder 2"/>
           <p:cNvSpPr>
             <a:spLocks noGrp="1"/>
           </p:cNvSpPr>
@@ -2223,87 +1951,82 @@
         </p:nvSpPr>
         <p:spPr>
           <a:xfrm>
-            <a:off x="5183188" y="987425"/>
-            <a:ext cx="6172200" cy="4873625"/>
+            <a:off x="5183188" y="1710397"/>
+            <a:ext cx="6172200" cy="8441976"/>
           </a:xfrm>
         </p:spPr>
         <p:txBody>
           <a:bodyPr/>
           <a:lstStyle>
             <a:lvl1pPr>
-              <a:defRPr sz="3200"/>
+              <a:defRPr sz="4267"/>
             </a:lvl1pPr>
             <a:lvl2pPr>
-              <a:defRPr sz="2800"/>
+              <a:defRPr sz="3733"/>
             </a:lvl2pPr>
             <a:lvl3pPr>
-              <a:defRPr sz="2400"/>
+              <a:defRPr sz="3200"/>
             </a:lvl3pPr>
             <a:lvl4pPr>
-              <a:defRPr sz="2000"/>
+              <a:defRPr sz="2667"/>
             </a:lvl4pPr>
             <a:lvl5pPr>
-              <a:defRPr sz="2000"/>
+              <a:defRPr sz="2667"/>
             </a:lvl5pPr>
             <a:lvl6pPr>
-              <a:defRPr sz="2000"/>
+              <a:defRPr sz="2667"/>
             </a:lvl6pPr>
             <a:lvl7pPr>
-              <a:defRPr sz="2000"/>
+              <a:defRPr sz="2667"/>
             </a:lvl7pPr>
             <a:lvl8pPr>
-              <a:defRPr sz="2000"/>
+              <a:defRPr sz="2667"/>
             </a:lvl8pPr>
             <a:lvl9pPr>
-              <a:defRPr sz="2000"/>
+              <a:defRPr sz="2667"/>
             </a:lvl9pPr>
           </a:lstStyle>
           <a:p>
             <a:pPr lvl="0"/>
             <a:r>
-              <a:rPr lang="ko-KR" altLang="en-US"/>
-              <a:t>마스터 텍스트 스타일을 편집하려면 클릭</a:t>
+              <a:rPr lang="ko-KR" altLang="en-US" smtClean="0"/>
+              <a:t>마스터 텍스트 스타일 편집</a:t>
             </a:r>
           </a:p>
           <a:p>
             <a:pPr lvl="1"/>
             <a:r>
-              <a:rPr lang="ko-KR" altLang="en-US"/>
-              <a:t>두 번째 수준</a:t>
+              <a:rPr lang="ko-KR" altLang="en-US" smtClean="0"/>
+              <a:t>둘째 수준</a:t>
             </a:r>
           </a:p>
           <a:p>
             <a:pPr lvl="2"/>
             <a:r>
-              <a:rPr lang="ko-KR" altLang="en-US"/>
-              <a:t>세 번째 수준</a:t>
+              <a:rPr lang="ko-KR" altLang="en-US" smtClean="0"/>
+              <a:t>셋째 수준</a:t>
             </a:r>
           </a:p>
           <a:p>
             <a:pPr lvl="3"/>
             <a:r>
-              <a:rPr lang="ko-KR" altLang="en-US"/>
-              <a:t>네 번째 수준</a:t>
+              <a:rPr lang="ko-KR" altLang="en-US" smtClean="0"/>
+              <a:t>넷째 수준</a:t>
             </a:r>
           </a:p>
           <a:p>
             <a:pPr lvl="4"/>
             <a:r>
-              <a:rPr lang="ko-KR" altLang="en-US"/>
-              <a:t>다섯 번째 수준</a:t>
-            </a:r>
-          </a:p>
-        </p:txBody>
-      </p:sp>
-      <p:sp>
-        <p:nvSpPr>
-          <p:cNvPr id="4" name="텍스트 개체 틀 3">
-            <a:extLst>
-              <a:ext uri="{FF2B5EF4-FFF2-40B4-BE49-F238E27FC236}">
-                <a16:creationId xmlns:a16="http://schemas.microsoft.com/office/drawing/2014/main" id="{FBF1FDDE-C1E1-6455-D799-A867577EFED4}"/>
-              </a:ext>
-            </a:extLst>
-          </p:cNvPr>
+              <a:rPr lang="ko-KR" altLang="en-US" smtClean="0"/>
+              <a:t>다섯째 수준</a:t>
+            </a:r>
+            <a:endParaRPr lang="en-US" dirty="0"/>
+          </a:p>
+        </p:txBody>
+      </p:sp>
+      <p:sp>
+        <p:nvSpPr>
+          <p:cNvPr id="4" name="Text Placeholder 3"/>
           <p:cNvSpPr>
             <a:spLocks noGrp="1"/>
           </p:cNvSpPr>
@@ -2313,8 +2036,8 @@
         </p:nvSpPr>
         <p:spPr>
           <a:xfrm>
-            <a:off x="839788" y="2057400"/>
-            <a:ext cx="3932237" cy="3811588"/>
+            <a:off x="839788" y="3563779"/>
+            <a:ext cx="3932237" cy="6602341"/>
           </a:xfrm>
         </p:spPr>
         <p:txBody>
@@ -2322,59 +2045,53 @@
           <a:lstStyle>
             <a:lvl1pPr marL="0" indent="0">
               <a:buNone/>
+              <a:defRPr sz="2133"/>
+            </a:lvl1pPr>
+            <a:lvl2pPr marL="609585" indent="0">
+              <a:buNone/>
+              <a:defRPr sz="1867"/>
+            </a:lvl2pPr>
+            <a:lvl3pPr marL="1219170" indent="0">
+              <a:buNone/>
               <a:defRPr sz="1600"/>
-            </a:lvl1pPr>
-            <a:lvl2pPr marL="457200" indent="0">
+            </a:lvl3pPr>
+            <a:lvl4pPr marL="1828754" indent="0">
               <a:buNone/>
-              <a:defRPr sz="1400"/>
-            </a:lvl2pPr>
-            <a:lvl3pPr marL="914400" indent="0">
+              <a:defRPr sz="1333"/>
+            </a:lvl4pPr>
+            <a:lvl5pPr marL="2438339" indent="0">
               <a:buNone/>
-              <a:defRPr sz="1200"/>
-            </a:lvl3pPr>
-            <a:lvl4pPr marL="1371600" indent="0">
+              <a:defRPr sz="1333"/>
+            </a:lvl5pPr>
+            <a:lvl6pPr marL="3047924" indent="0">
               <a:buNone/>
-              <a:defRPr sz="1000"/>
-            </a:lvl4pPr>
-            <a:lvl5pPr marL="1828800" indent="0">
+              <a:defRPr sz="1333"/>
+            </a:lvl6pPr>
+            <a:lvl7pPr marL="3657509" indent="0">
               <a:buNone/>
-              <a:defRPr sz="1000"/>
-            </a:lvl5pPr>
-            <a:lvl6pPr marL="2286000" indent="0">
+              <a:defRPr sz="1333"/>
+            </a:lvl7pPr>
+            <a:lvl8pPr marL="4267093" indent="0">
               <a:buNone/>
-              <a:defRPr sz="1000"/>
-            </a:lvl6pPr>
-            <a:lvl7pPr marL="2743200" indent="0">
+              <a:defRPr sz="1333"/>
+            </a:lvl8pPr>
+            <a:lvl9pPr marL="4876678" indent="0">
               <a:buNone/>
-              <a:defRPr sz="1000"/>
-            </a:lvl7pPr>
-            <a:lvl8pPr marL="3200400" indent="0">
-              <a:buNone/>
-              <a:defRPr sz="1000"/>
-            </a:lvl8pPr>
-            <a:lvl9pPr marL="3657600" indent="0">
-              <a:buNone/>
-              <a:defRPr sz="1000"/>
+              <a:defRPr sz="1333"/>
             </a:lvl9pPr>
           </a:lstStyle>
           <a:p>
             <a:pPr lvl="0"/>
             <a:r>
-              <a:rPr lang="ko-KR" altLang="en-US"/>
-              <a:t>마스터 텍스트 스타일을 편집하려면 클릭</a:t>
-            </a:r>
-          </a:p>
-        </p:txBody>
-      </p:sp>
-      <p:sp>
-        <p:nvSpPr>
-          <p:cNvPr id="5" name="날짜 개체 틀 4">
-            <a:extLst>
-              <a:ext uri="{FF2B5EF4-FFF2-40B4-BE49-F238E27FC236}">
-                <a16:creationId xmlns:a16="http://schemas.microsoft.com/office/drawing/2014/main" id="{586DDD58-77DD-B88D-AFAC-0A39B9BD4556}"/>
-              </a:ext>
-            </a:extLst>
-          </p:cNvPr>
+              <a:rPr lang="ko-KR" altLang="en-US" smtClean="0"/>
+              <a:t>마스터 텍스트 스타일 편집</a:t>
+            </a:r>
+          </a:p>
+        </p:txBody>
+      </p:sp>
+      <p:sp>
+        <p:nvSpPr>
+          <p:cNvPr id="5" name="Date Placeholder 4"/>
           <p:cNvSpPr>
             <a:spLocks noGrp="1"/>
           </p:cNvSpPr>
@@ -2389,7 +2106,7 @@
           <a:p>
             <a:fld id="{A7C4F895-CFCB-4043-9E4B-B20E17F0A145}" type="datetimeFigureOut">
               <a:rPr lang="ko-KR" altLang="en-US" smtClean="0"/>
-              <a:t>2023-05-16</a:t>
+              <a:t>2023-05-17</a:t>
             </a:fld>
             <a:endParaRPr lang="ko-KR" altLang="en-US"/>
           </a:p>
@@ -2397,13 +2114,7 @@
       </p:sp>
       <p:sp>
         <p:nvSpPr>
-          <p:cNvPr id="6" name="바닥글 개체 틀 5">
-            <a:extLst>
-              <a:ext uri="{FF2B5EF4-FFF2-40B4-BE49-F238E27FC236}">
-                <a16:creationId xmlns:a16="http://schemas.microsoft.com/office/drawing/2014/main" id="{456E1FF7-D226-3C6E-5B2A-CA660EEED55C}"/>
-              </a:ext>
-            </a:extLst>
-          </p:cNvPr>
+          <p:cNvPr id="6" name="Footer Placeholder 5"/>
           <p:cNvSpPr>
             <a:spLocks noGrp="1"/>
           </p:cNvSpPr>
@@ -2422,13 +2133,7 @@
       </p:sp>
       <p:sp>
         <p:nvSpPr>
-          <p:cNvPr id="7" name="슬라이드 번호 개체 틀 6">
-            <a:extLst>
-              <a:ext uri="{FF2B5EF4-FFF2-40B4-BE49-F238E27FC236}">
-                <a16:creationId xmlns:a16="http://schemas.microsoft.com/office/drawing/2014/main" id="{A12F33B9-1ADF-1C06-EFD9-1CBC1E3B6D50}"/>
-              </a:ext>
-            </a:extLst>
-          </p:cNvPr>
+          <p:cNvPr id="7" name="Slide Number Placeholder 6"/>
           <p:cNvSpPr>
             <a:spLocks noGrp="1"/>
           </p:cNvSpPr>
@@ -2452,7 +2157,7 @@
     </p:spTree>
     <p:extLst>
       <p:ext uri="{BB962C8B-B14F-4D97-AF65-F5344CB8AC3E}">
-        <p14:creationId xmlns:p14="http://schemas.microsoft.com/office/powerpoint/2010/main" val="583019519"/>
+        <p14:creationId xmlns:p14="http://schemas.microsoft.com/office/powerpoint/2010/main" val="3332252227"/>
       </p:ext>
     </p:extLst>
   </p:cSld>
@@ -2481,13 +2186,7 @@
       </p:grpSpPr>
       <p:sp>
         <p:nvSpPr>
-          <p:cNvPr id="2" name="제목 1">
-            <a:extLst>
-              <a:ext uri="{FF2B5EF4-FFF2-40B4-BE49-F238E27FC236}">
-                <a16:creationId xmlns:a16="http://schemas.microsoft.com/office/drawing/2014/main" id="{1CC6F1CD-352D-B81E-1E1D-332892524201}"/>
-              </a:ext>
-            </a:extLst>
-          </p:cNvPr>
+          <p:cNvPr id="2" name="Title 1"/>
           <p:cNvSpPr>
             <a:spLocks noGrp="1"/>
           </p:cNvSpPr>
@@ -2497,36 +2196,31 @@
         </p:nvSpPr>
         <p:spPr>
           <a:xfrm>
-            <a:off x="839788" y="457200"/>
-            <a:ext cx="3932237" cy="1600200"/>
+            <a:off x="839788" y="791951"/>
+            <a:ext cx="3932237" cy="2771828"/>
           </a:xfrm>
         </p:spPr>
         <p:txBody>
           <a:bodyPr anchor="b"/>
           <a:lstStyle>
             <a:lvl1pPr>
-              <a:defRPr sz="3200"/>
+              <a:defRPr sz="4267"/>
             </a:lvl1pPr>
           </a:lstStyle>
           <a:p>
             <a:r>
-              <a:rPr lang="ko-KR" altLang="en-US"/>
+              <a:rPr lang="ko-KR" altLang="en-US" smtClean="0"/>
               <a:t>마스터 제목 스타일 편집</a:t>
             </a:r>
-          </a:p>
-        </p:txBody>
-      </p:sp>
-      <p:sp>
-        <p:nvSpPr>
-          <p:cNvPr id="3" name="그림 개체 틀 2">
-            <a:extLst>
-              <a:ext uri="{FF2B5EF4-FFF2-40B4-BE49-F238E27FC236}">
-                <a16:creationId xmlns:a16="http://schemas.microsoft.com/office/drawing/2014/main" id="{C5894EFC-5157-B763-D26E-8817525E58B7}"/>
-              </a:ext>
-            </a:extLst>
-          </p:cNvPr>
+            <a:endParaRPr lang="en-US" dirty="0"/>
+          </a:p>
+        </p:txBody>
+      </p:sp>
+      <p:sp>
+        <p:nvSpPr>
+          <p:cNvPr id="3" name="Picture Placeholder 2"/>
           <p:cNvSpPr>
-            <a:spLocks noGrp="1"/>
+            <a:spLocks noGrp="1" noChangeAspect="1"/>
           </p:cNvSpPr>
           <p:nvPr>
             <p:ph type="pic" idx="1"/>
@@ -2534,64 +2228,62 @@
         </p:nvSpPr>
         <p:spPr>
           <a:xfrm>
-            <a:off x="5183188" y="987425"/>
-            <a:ext cx="6172200" cy="4873625"/>
-          </a:xfrm>
-        </p:spPr>
-        <p:txBody>
-          <a:bodyPr/>
+            <a:off x="5183188" y="1710397"/>
+            <a:ext cx="6172200" cy="8441976"/>
+          </a:xfrm>
+        </p:spPr>
+        <p:txBody>
+          <a:bodyPr anchor="t"/>
           <a:lstStyle>
             <a:lvl1pPr marL="0" indent="0">
               <a:buNone/>
+              <a:defRPr sz="4267"/>
+            </a:lvl1pPr>
+            <a:lvl2pPr marL="609585" indent="0">
+              <a:buNone/>
+              <a:defRPr sz="3733"/>
+            </a:lvl2pPr>
+            <a:lvl3pPr marL="1219170" indent="0">
+              <a:buNone/>
               <a:defRPr sz="3200"/>
-            </a:lvl1pPr>
-            <a:lvl2pPr marL="457200" indent="0">
+            </a:lvl3pPr>
+            <a:lvl4pPr marL="1828754" indent="0">
               <a:buNone/>
-              <a:defRPr sz="2800"/>
-            </a:lvl2pPr>
-            <a:lvl3pPr marL="914400" indent="0">
+              <a:defRPr sz="2667"/>
+            </a:lvl4pPr>
+            <a:lvl5pPr marL="2438339" indent="0">
               <a:buNone/>
-              <a:defRPr sz="2400"/>
-            </a:lvl3pPr>
-            <a:lvl4pPr marL="1371600" indent="0">
+              <a:defRPr sz="2667"/>
+            </a:lvl5pPr>
+            <a:lvl6pPr marL="3047924" indent="0">
               <a:buNone/>
-              <a:defRPr sz="2000"/>
-            </a:lvl4pPr>
-            <a:lvl5pPr marL="1828800" indent="0">
+              <a:defRPr sz="2667"/>
+            </a:lvl6pPr>
+            <a:lvl7pPr marL="3657509" indent="0">
               <a:buNone/>
-              <a:defRPr sz="2000"/>
-            </a:lvl5pPr>
-            <a:lvl6pPr marL="2286000" indent="0">
+              <a:defRPr sz="2667"/>
+            </a:lvl7pPr>
+            <a:lvl8pPr marL="4267093" indent="0">
               <a:buNone/>
-              <a:defRPr sz="2000"/>
-            </a:lvl6pPr>
-            <a:lvl7pPr marL="2743200" indent="0">
+              <a:defRPr sz="2667"/>
+            </a:lvl8pPr>
+            <a:lvl9pPr marL="4876678" indent="0">
               <a:buNone/>
-              <a:defRPr sz="2000"/>
-            </a:lvl7pPr>
-            <a:lvl8pPr marL="3200400" indent="0">
-              <a:buNone/>
-              <a:defRPr sz="2000"/>
-            </a:lvl8pPr>
-            <a:lvl9pPr marL="3657600" indent="0">
-              <a:buNone/>
-              <a:defRPr sz="2000"/>
+              <a:defRPr sz="2667"/>
             </a:lvl9pPr>
           </a:lstStyle>
           <a:p>
-            <a:endParaRPr lang="ko-KR" altLang="en-US"/>
-          </a:p>
-        </p:txBody>
-      </p:sp>
-      <p:sp>
-        <p:nvSpPr>
-          <p:cNvPr id="4" name="텍스트 개체 틀 3">
-            <a:extLst>
-              <a:ext uri="{FF2B5EF4-FFF2-40B4-BE49-F238E27FC236}">
-                <a16:creationId xmlns:a16="http://schemas.microsoft.com/office/drawing/2014/main" id="{B5AC3240-0CEB-2C1B-5688-E3165782FEFC}"/>
-              </a:ext>
-            </a:extLst>
-          </p:cNvPr>
+            <a:r>
+              <a:rPr lang="ko-KR" altLang="en-US" smtClean="0"/>
+              <a:t>그림을 추가하려면 아이콘을 클릭하십시오</a:t>
+            </a:r>
+            <a:endParaRPr lang="en-US" dirty="0"/>
+          </a:p>
+        </p:txBody>
+      </p:sp>
+      <p:sp>
+        <p:nvSpPr>
+          <p:cNvPr id="4" name="Text Placeholder 3"/>
           <p:cNvSpPr>
             <a:spLocks noGrp="1"/>
           </p:cNvSpPr>
@@ -2601,8 +2293,8 @@
         </p:nvSpPr>
         <p:spPr>
           <a:xfrm>
-            <a:off x="839788" y="2057400"/>
-            <a:ext cx="3932237" cy="3811588"/>
+            <a:off x="839788" y="3563779"/>
+            <a:ext cx="3932237" cy="6602341"/>
           </a:xfrm>
         </p:spPr>
         <p:txBody>
@@ -2610,59 +2302,53 @@
           <a:lstStyle>
             <a:lvl1pPr marL="0" indent="0">
               <a:buNone/>
+              <a:defRPr sz="2133"/>
+            </a:lvl1pPr>
+            <a:lvl2pPr marL="609585" indent="0">
+              <a:buNone/>
+              <a:defRPr sz="1867"/>
+            </a:lvl2pPr>
+            <a:lvl3pPr marL="1219170" indent="0">
+              <a:buNone/>
               <a:defRPr sz="1600"/>
-            </a:lvl1pPr>
-            <a:lvl2pPr marL="457200" indent="0">
+            </a:lvl3pPr>
+            <a:lvl4pPr marL="1828754" indent="0">
               <a:buNone/>
-              <a:defRPr sz="1400"/>
-            </a:lvl2pPr>
-            <a:lvl3pPr marL="914400" indent="0">
+              <a:defRPr sz="1333"/>
+            </a:lvl4pPr>
+            <a:lvl5pPr marL="2438339" indent="0">
               <a:buNone/>
-              <a:defRPr sz="1200"/>
-            </a:lvl3pPr>
-            <a:lvl4pPr marL="1371600" indent="0">
+              <a:defRPr sz="1333"/>
+            </a:lvl5pPr>
+            <a:lvl6pPr marL="3047924" indent="0">
               <a:buNone/>
-              <a:defRPr sz="1000"/>
-            </a:lvl4pPr>
-            <a:lvl5pPr marL="1828800" indent="0">
+              <a:defRPr sz="1333"/>
+            </a:lvl6pPr>
+            <a:lvl7pPr marL="3657509" indent="0">
               <a:buNone/>
-              <a:defRPr sz="1000"/>
-            </a:lvl5pPr>
-            <a:lvl6pPr marL="2286000" indent="0">
+              <a:defRPr sz="1333"/>
+            </a:lvl7pPr>
+            <a:lvl8pPr marL="4267093" indent="0">
               <a:buNone/>
-              <a:defRPr sz="1000"/>
-            </a:lvl6pPr>
-            <a:lvl7pPr marL="2743200" indent="0">
+              <a:defRPr sz="1333"/>
+            </a:lvl8pPr>
+            <a:lvl9pPr marL="4876678" indent="0">
               <a:buNone/>
-              <a:defRPr sz="1000"/>
-            </a:lvl7pPr>
-            <a:lvl8pPr marL="3200400" indent="0">
-              <a:buNone/>
-              <a:defRPr sz="1000"/>
-            </a:lvl8pPr>
-            <a:lvl9pPr marL="3657600" indent="0">
-              <a:buNone/>
-              <a:defRPr sz="1000"/>
+              <a:defRPr sz="1333"/>
             </a:lvl9pPr>
           </a:lstStyle>
           <a:p>
             <a:pPr lvl="0"/>
             <a:r>
-              <a:rPr lang="ko-KR" altLang="en-US"/>
-              <a:t>마스터 텍스트 스타일을 편집하려면 클릭</a:t>
-            </a:r>
-          </a:p>
-        </p:txBody>
-      </p:sp>
-      <p:sp>
-        <p:nvSpPr>
-          <p:cNvPr id="5" name="날짜 개체 틀 4">
-            <a:extLst>
-              <a:ext uri="{FF2B5EF4-FFF2-40B4-BE49-F238E27FC236}">
-                <a16:creationId xmlns:a16="http://schemas.microsoft.com/office/drawing/2014/main" id="{CE4037E0-20DC-C155-FAF8-FAD0A395210B}"/>
-              </a:ext>
-            </a:extLst>
-          </p:cNvPr>
+              <a:rPr lang="ko-KR" altLang="en-US" smtClean="0"/>
+              <a:t>마스터 텍스트 스타일 편집</a:t>
+            </a:r>
+          </a:p>
+        </p:txBody>
+      </p:sp>
+      <p:sp>
+        <p:nvSpPr>
+          <p:cNvPr id="5" name="Date Placeholder 4"/>
           <p:cNvSpPr>
             <a:spLocks noGrp="1"/>
           </p:cNvSpPr>
@@ -2677,7 +2363,7 @@
           <a:p>
             <a:fld id="{A7C4F895-CFCB-4043-9E4B-B20E17F0A145}" type="datetimeFigureOut">
               <a:rPr lang="ko-KR" altLang="en-US" smtClean="0"/>
-              <a:t>2023-05-16</a:t>
+              <a:t>2023-05-17</a:t>
             </a:fld>
             <a:endParaRPr lang="ko-KR" altLang="en-US"/>
           </a:p>
@@ -2685,13 +2371,7 @@
       </p:sp>
       <p:sp>
         <p:nvSpPr>
-          <p:cNvPr id="6" name="바닥글 개체 틀 5">
-            <a:extLst>
-              <a:ext uri="{FF2B5EF4-FFF2-40B4-BE49-F238E27FC236}">
-                <a16:creationId xmlns:a16="http://schemas.microsoft.com/office/drawing/2014/main" id="{0702FE31-B880-E943-28BE-731A6278F672}"/>
-              </a:ext>
-            </a:extLst>
-          </p:cNvPr>
+          <p:cNvPr id="6" name="Footer Placeholder 5"/>
           <p:cNvSpPr>
             <a:spLocks noGrp="1"/>
           </p:cNvSpPr>
@@ -2710,13 +2390,7 @@
       </p:sp>
       <p:sp>
         <p:nvSpPr>
-          <p:cNvPr id="7" name="슬라이드 번호 개체 틀 6">
-            <a:extLst>
-              <a:ext uri="{FF2B5EF4-FFF2-40B4-BE49-F238E27FC236}">
-                <a16:creationId xmlns:a16="http://schemas.microsoft.com/office/drawing/2014/main" id="{4D8F5706-6610-A1B5-D3DF-19285F6B25A9}"/>
-              </a:ext>
-            </a:extLst>
-          </p:cNvPr>
+          <p:cNvPr id="7" name="Slide Number Placeholder 6"/>
           <p:cNvSpPr>
             <a:spLocks noGrp="1"/>
           </p:cNvSpPr>
@@ -2740,7 +2414,7 @@
     </p:spTree>
     <p:extLst>
       <p:ext uri="{BB962C8B-B14F-4D97-AF65-F5344CB8AC3E}">
-        <p14:creationId xmlns:p14="http://schemas.microsoft.com/office/powerpoint/2010/main" val="966843122"/>
+        <p14:creationId xmlns:p14="http://schemas.microsoft.com/office/powerpoint/2010/main" val="3193222241"/>
       </p:ext>
     </p:extLst>
   </p:cSld>
@@ -2774,13 +2448,7 @@
       </p:grpSpPr>
       <p:sp>
         <p:nvSpPr>
-          <p:cNvPr id="2" name="제목 개체 틀 1">
-            <a:extLst>
-              <a:ext uri="{FF2B5EF4-FFF2-40B4-BE49-F238E27FC236}">
-                <a16:creationId xmlns:a16="http://schemas.microsoft.com/office/drawing/2014/main" id="{D0930CE7-9696-A502-88C7-C56555D4FD99}"/>
-              </a:ext>
-            </a:extLst>
-          </p:cNvPr>
+          <p:cNvPr id="2" name="Title Placeholder 1"/>
           <p:cNvSpPr>
             <a:spLocks noGrp="1"/>
           </p:cNvSpPr>
@@ -2790,8 +2458,8 @@
         </p:nvSpPr>
         <p:spPr>
           <a:xfrm>
-            <a:off x="838200" y="365125"/>
-            <a:ext cx="10515600" cy="1325563"/>
+            <a:off x="838200" y="632464"/>
+            <a:ext cx="10515600" cy="2296108"/>
           </a:xfrm>
           <a:prstGeom prst="rect">
             <a:avLst/>
@@ -2804,21 +2472,16 @@
           <a:lstStyle/>
           <a:p>
             <a:r>
-              <a:rPr lang="ko-KR" altLang="en-US"/>
+              <a:rPr lang="ko-KR" altLang="en-US" smtClean="0"/>
               <a:t>마스터 제목 스타일 편집</a:t>
             </a:r>
-          </a:p>
-        </p:txBody>
-      </p:sp>
-      <p:sp>
-        <p:nvSpPr>
-          <p:cNvPr id="3" name="텍스트 개체 틀 2">
-            <a:extLst>
-              <a:ext uri="{FF2B5EF4-FFF2-40B4-BE49-F238E27FC236}">
-                <a16:creationId xmlns:a16="http://schemas.microsoft.com/office/drawing/2014/main" id="{90988FBA-99BE-80AC-9BCB-57EEDD73D760}"/>
-              </a:ext>
-            </a:extLst>
-          </p:cNvPr>
+            <a:endParaRPr lang="en-US" dirty="0"/>
+          </a:p>
+        </p:txBody>
+      </p:sp>
+      <p:sp>
+        <p:nvSpPr>
+          <p:cNvPr id="3" name="Text Placeholder 2"/>
           <p:cNvSpPr>
             <a:spLocks noGrp="1"/>
           </p:cNvSpPr>
@@ -2828,8 +2491,8 @@
         </p:nvSpPr>
         <p:spPr>
           <a:xfrm>
-            <a:off x="838200" y="1825625"/>
-            <a:ext cx="10515600" cy="4351338"/>
+            <a:off x="838200" y="3162304"/>
+            <a:ext cx="10515600" cy="7537283"/>
           </a:xfrm>
           <a:prstGeom prst="rect">
             <a:avLst/>
@@ -2843,49 +2506,44 @@
           <a:p>
             <a:pPr lvl="0"/>
             <a:r>
-              <a:rPr lang="ko-KR" altLang="en-US"/>
-              <a:t>마스터 텍스트 스타일을 편집하려면 클릭</a:t>
+              <a:rPr lang="ko-KR" altLang="en-US" smtClean="0"/>
+              <a:t>마스터 텍스트 스타일 편집</a:t>
             </a:r>
           </a:p>
           <a:p>
             <a:pPr lvl="1"/>
             <a:r>
-              <a:rPr lang="ko-KR" altLang="en-US"/>
-              <a:t>두 번째 수준</a:t>
+              <a:rPr lang="ko-KR" altLang="en-US" smtClean="0"/>
+              <a:t>둘째 수준</a:t>
             </a:r>
           </a:p>
           <a:p>
             <a:pPr lvl="2"/>
             <a:r>
-              <a:rPr lang="ko-KR" altLang="en-US"/>
-              <a:t>세 번째 수준</a:t>
+              <a:rPr lang="ko-KR" altLang="en-US" smtClean="0"/>
+              <a:t>셋째 수준</a:t>
             </a:r>
           </a:p>
           <a:p>
             <a:pPr lvl="3"/>
             <a:r>
-              <a:rPr lang="ko-KR" altLang="en-US"/>
-              <a:t>네 번째 수준</a:t>
+              <a:rPr lang="ko-KR" altLang="en-US" smtClean="0"/>
+              <a:t>넷째 수준</a:t>
             </a:r>
           </a:p>
           <a:p>
             <a:pPr lvl="4"/>
             <a:r>
-              <a:rPr lang="ko-KR" altLang="en-US"/>
-              <a:t>다섯 번째 수준</a:t>
-            </a:r>
-          </a:p>
-        </p:txBody>
-      </p:sp>
-      <p:sp>
-        <p:nvSpPr>
-          <p:cNvPr id="4" name="날짜 개체 틀 3">
-            <a:extLst>
-              <a:ext uri="{FF2B5EF4-FFF2-40B4-BE49-F238E27FC236}">
-                <a16:creationId xmlns:a16="http://schemas.microsoft.com/office/drawing/2014/main" id="{C895B498-870A-8A67-1BC5-EEFA4D8174FF}"/>
-              </a:ext>
-            </a:extLst>
-          </p:cNvPr>
+              <a:rPr lang="ko-KR" altLang="en-US" smtClean="0"/>
+              <a:t>다섯째 수준</a:t>
+            </a:r>
+            <a:endParaRPr lang="en-US" dirty="0"/>
+          </a:p>
+        </p:txBody>
+      </p:sp>
+      <p:sp>
+        <p:nvSpPr>
+          <p:cNvPr id="4" name="Date Placeholder 3"/>
           <p:cNvSpPr>
             <a:spLocks noGrp="1"/>
           </p:cNvSpPr>
@@ -2895,8 +2553,8 @@
         </p:nvSpPr>
         <p:spPr>
           <a:xfrm>
-            <a:off x="838200" y="6356350"/>
-            <a:ext cx="2743200" cy="365125"/>
+            <a:off x="838200" y="11010319"/>
+            <a:ext cx="2743200" cy="632461"/>
           </a:xfrm>
           <a:prstGeom prst="rect">
             <a:avLst/>
@@ -2906,7 +2564,7 @@
           <a:bodyPr vert="horz" lIns="91440" tIns="45720" rIns="91440" bIns="45720" rtlCol="0" anchor="ctr"/>
           <a:lstStyle>
             <a:lvl1pPr algn="l">
-              <a:defRPr sz="1200">
+              <a:defRPr sz="1600">
                 <a:solidFill>
                   <a:schemeClr val="tx1">
                     <a:tint val="75000"/>
@@ -2918,7 +2576,7 @@
           <a:p>
             <a:fld id="{A7C4F895-CFCB-4043-9E4B-B20E17F0A145}" type="datetimeFigureOut">
               <a:rPr lang="ko-KR" altLang="en-US" smtClean="0"/>
-              <a:t>2023-05-16</a:t>
+              <a:t>2023-05-17</a:t>
             </a:fld>
             <a:endParaRPr lang="ko-KR" altLang="en-US"/>
           </a:p>
@@ -2926,13 +2584,7 @@
       </p:sp>
       <p:sp>
         <p:nvSpPr>
-          <p:cNvPr id="5" name="바닥글 개체 틀 4">
-            <a:extLst>
-              <a:ext uri="{FF2B5EF4-FFF2-40B4-BE49-F238E27FC236}">
-                <a16:creationId xmlns:a16="http://schemas.microsoft.com/office/drawing/2014/main" id="{464268B8-57F7-4D66-372D-5EE2000DE47E}"/>
-              </a:ext>
-            </a:extLst>
-          </p:cNvPr>
+          <p:cNvPr id="5" name="Footer Placeholder 4"/>
           <p:cNvSpPr>
             <a:spLocks noGrp="1"/>
           </p:cNvSpPr>
@@ -2942,8 +2594,8 @@
         </p:nvSpPr>
         <p:spPr>
           <a:xfrm>
-            <a:off x="4038600" y="6356350"/>
-            <a:ext cx="4114800" cy="365125"/>
+            <a:off x="4038600" y="11010319"/>
+            <a:ext cx="4114800" cy="632461"/>
           </a:xfrm>
           <a:prstGeom prst="rect">
             <a:avLst/>
@@ -2953,7 +2605,7 @@
           <a:bodyPr vert="horz" lIns="91440" tIns="45720" rIns="91440" bIns="45720" rtlCol="0" anchor="ctr"/>
           <a:lstStyle>
             <a:lvl1pPr algn="ctr">
-              <a:defRPr sz="1200">
+              <a:defRPr sz="1600">
                 <a:solidFill>
                   <a:schemeClr val="tx1">
                     <a:tint val="75000"/>
@@ -2969,13 +2621,7 @@
       </p:sp>
       <p:sp>
         <p:nvSpPr>
-          <p:cNvPr id="6" name="슬라이드 번호 개체 틀 5">
-            <a:extLst>
-              <a:ext uri="{FF2B5EF4-FFF2-40B4-BE49-F238E27FC236}">
-                <a16:creationId xmlns:a16="http://schemas.microsoft.com/office/drawing/2014/main" id="{E97C7C7F-5B50-420B-1409-113A742AC2E4}"/>
-              </a:ext>
-            </a:extLst>
-          </p:cNvPr>
+          <p:cNvPr id="6" name="Slide Number Placeholder 5"/>
           <p:cNvSpPr>
             <a:spLocks noGrp="1"/>
           </p:cNvSpPr>
@@ -2985,8 +2631,8 @@
         </p:nvSpPr>
         <p:spPr>
           <a:xfrm>
-            <a:off x="8610600" y="6356350"/>
-            <a:ext cx="2743200" cy="365125"/>
+            <a:off x="8610600" y="11010319"/>
+            <a:ext cx="2743200" cy="632461"/>
           </a:xfrm>
           <a:prstGeom prst="rect">
             <a:avLst/>
@@ -2996,7 +2642,7 @@
           <a:bodyPr vert="horz" lIns="91440" tIns="45720" rIns="91440" bIns="45720" rtlCol="0" anchor="ctr"/>
           <a:lstStyle>
             <a:lvl1pPr algn="r">
-              <a:defRPr sz="1200">
+              <a:defRPr sz="1600">
                 <a:solidFill>
                   <a:schemeClr val="tx1">
                     <a:tint val="75000"/>
@@ -3017,27 +2663,27 @@
     </p:spTree>
     <p:extLst>
       <p:ext uri="{BB962C8B-B14F-4D97-AF65-F5344CB8AC3E}">
-        <p14:creationId xmlns:p14="http://schemas.microsoft.com/office/powerpoint/2010/main" val="1100749111"/>
+        <p14:creationId xmlns:p14="http://schemas.microsoft.com/office/powerpoint/2010/main" val="1321052263"/>
       </p:ext>
     </p:extLst>
   </p:cSld>
   <p:clrMap bg1="lt1" tx1="dk1" bg2="lt2" tx2="dk2" accent1="accent1" accent2="accent2" accent3="accent3" accent4="accent4" accent5="accent5" accent6="accent6" hlink="hlink" folHlink="folHlink"/>
   <p:sldLayoutIdLst>
-    <p:sldLayoutId id="2147483649" r:id="rId1"/>
-    <p:sldLayoutId id="2147483650" r:id="rId2"/>
-    <p:sldLayoutId id="2147483651" r:id="rId3"/>
-    <p:sldLayoutId id="2147483652" r:id="rId4"/>
-    <p:sldLayoutId id="2147483653" r:id="rId5"/>
-    <p:sldLayoutId id="2147483654" r:id="rId6"/>
-    <p:sldLayoutId id="2147483655" r:id="rId7"/>
-    <p:sldLayoutId id="2147483656" r:id="rId8"/>
-    <p:sldLayoutId id="2147483657" r:id="rId9"/>
-    <p:sldLayoutId id="2147483658" r:id="rId10"/>
-    <p:sldLayoutId id="2147483659" r:id="rId11"/>
+    <p:sldLayoutId id="2147483685" r:id="rId1"/>
+    <p:sldLayoutId id="2147483686" r:id="rId2"/>
+    <p:sldLayoutId id="2147483687" r:id="rId3"/>
+    <p:sldLayoutId id="2147483688" r:id="rId4"/>
+    <p:sldLayoutId id="2147483689" r:id="rId5"/>
+    <p:sldLayoutId id="2147483690" r:id="rId6"/>
+    <p:sldLayoutId id="2147483691" r:id="rId7"/>
+    <p:sldLayoutId id="2147483692" r:id="rId8"/>
+    <p:sldLayoutId id="2147483693" r:id="rId9"/>
+    <p:sldLayoutId id="2147483694" r:id="rId10"/>
+    <p:sldLayoutId id="2147483695" r:id="rId11"/>
   </p:sldLayoutIdLst>
   <p:txStyles>
     <p:titleStyle>
-      <a:lvl1pPr algn="l" defTabSz="914400" rtl="0" eaLnBrk="1" latinLnBrk="1" hangingPunct="1">
+      <a:lvl1pPr algn="l" defTabSz="1219170" rtl="0" eaLnBrk="1" latinLnBrk="1" hangingPunct="1">
         <a:lnSpc>
           <a:spcPct val="90000"/>
         </a:lnSpc>
@@ -3045,7 +2691,7 @@
           <a:spcPct val="0"/>
         </a:spcBef>
         <a:buNone/>
-        <a:defRPr sz="4400" kern="1200">
+        <a:defRPr sz="5867" kern="1200">
           <a:solidFill>
             <a:schemeClr val="tx1"/>
           </a:solidFill>
@@ -3056,16 +2702,16 @@
       </a:lvl1pPr>
     </p:titleStyle>
     <p:bodyStyle>
-      <a:lvl1pPr marL="228600" indent="-228600" algn="l" defTabSz="914400" rtl="0" eaLnBrk="1" latinLnBrk="1" hangingPunct="1">
+      <a:lvl1pPr marL="304792" indent="-304792" algn="l" defTabSz="1219170" rtl="0" eaLnBrk="1" latinLnBrk="1" hangingPunct="1">
         <a:lnSpc>
           <a:spcPct val="90000"/>
         </a:lnSpc>
         <a:spcBef>
-          <a:spcPts val="1000"/>
+          <a:spcPts val="1333"/>
         </a:spcBef>
         <a:buFont typeface="Arial" panose="020B0604020202020204" pitchFamily="34" charset="0"/>
         <a:buChar char="•"/>
-        <a:defRPr sz="2800" kern="1200">
+        <a:defRPr sz="3733" kern="1200">
           <a:solidFill>
             <a:schemeClr val="tx1"/>
           </a:solidFill>
@@ -3074,12 +2720,48 @@
           <a:cs typeface="+mn-cs"/>
         </a:defRPr>
       </a:lvl1pPr>
-      <a:lvl2pPr marL="685800" indent="-228600" algn="l" defTabSz="914400" rtl="0" eaLnBrk="1" latinLnBrk="1" hangingPunct="1">
+      <a:lvl2pPr marL="914377" indent="-304792" algn="l" defTabSz="1219170" rtl="0" eaLnBrk="1" latinLnBrk="1" hangingPunct="1">
         <a:lnSpc>
           <a:spcPct val="90000"/>
         </a:lnSpc>
         <a:spcBef>
-          <a:spcPts val="500"/>
+          <a:spcPts val="667"/>
+        </a:spcBef>
+        <a:buFont typeface="Arial" panose="020B0604020202020204" pitchFamily="34" charset="0"/>
+        <a:buChar char="•"/>
+        <a:defRPr sz="3200" kern="1200">
+          <a:solidFill>
+            <a:schemeClr val="tx1"/>
+          </a:solidFill>
+          <a:latin typeface="+mn-lt"/>
+          <a:ea typeface="+mn-ea"/>
+          <a:cs typeface="+mn-cs"/>
+        </a:defRPr>
+      </a:lvl2pPr>
+      <a:lvl3pPr marL="1523962" indent="-304792" algn="l" defTabSz="1219170" rtl="0" eaLnBrk="1" latinLnBrk="1" hangingPunct="1">
+        <a:lnSpc>
+          <a:spcPct val="90000"/>
+        </a:lnSpc>
+        <a:spcBef>
+          <a:spcPts val="667"/>
+        </a:spcBef>
+        <a:buFont typeface="Arial" panose="020B0604020202020204" pitchFamily="34" charset="0"/>
+        <a:buChar char="•"/>
+        <a:defRPr sz="2667" kern="1200">
+          <a:solidFill>
+            <a:schemeClr val="tx1"/>
+          </a:solidFill>
+          <a:latin typeface="+mn-lt"/>
+          <a:ea typeface="+mn-ea"/>
+          <a:cs typeface="+mn-cs"/>
+        </a:defRPr>
+      </a:lvl3pPr>
+      <a:lvl4pPr marL="2133547" indent="-304792" algn="l" defTabSz="1219170" rtl="0" eaLnBrk="1" latinLnBrk="1" hangingPunct="1">
+        <a:lnSpc>
+          <a:spcPct val="90000"/>
+        </a:lnSpc>
+        <a:spcBef>
+          <a:spcPts val="667"/>
         </a:spcBef>
         <a:buFont typeface="Arial" panose="020B0604020202020204" pitchFamily="34" charset="0"/>
         <a:buChar char="•"/>
@@ -3091,53 +2773,17 @@
           <a:ea typeface="+mn-ea"/>
           <a:cs typeface="+mn-cs"/>
         </a:defRPr>
-      </a:lvl2pPr>
-      <a:lvl3pPr marL="1143000" indent="-228600" algn="l" defTabSz="914400" rtl="0" eaLnBrk="1" latinLnBrk="1" hangingPunct="1">
+      </a:lvl4pPr>
+      <a:lvl5pPr marL="2743131" indent="-304792" algn="l" defTabSz="1219170" rtl="0" eaLnBrk="1" latinLnBrk="1" hangingPunct="1">
         <a:lnSpc>
           <a:spcPct val="90000"/>
         </a:lnSpc>
         <a:spcBef>
-          <a:spcPts val="500"/>
+          <a:spcPts val="667"/>
         </a:spcBef>
         <a:buFont typeface="Arial" panose="020B0604020202020204" pitchFamily="34" charset="0"/>
         <a:buChar char="•"/>
-        <a:defRPr sz="2000" kern="1200">
-          <a:solidFill>
-            <a:schemeClr val="tx1"/>
-          </a:solidFill>
-          <a:latin typeface="+mn-lt"/>
-          <a:ea typeface="+mn-ea"/>
-          <a:cs typeface="+mn-cs"/>
-        </a:defRPr>
-      </a:lvl3pPr>
-      <a:lvl4pPr marL="1600200" indent="-228600" algn="l" defTabSz="914400" rtl="0" eaLnBrk="1" latinLnBrk="1" hangingPunct="1">
-        <a:lnSpc>
-          <a:spcPct val="90000"/>
-        </a:lnSpc>
-        <a:spcBef>
-          <a:spcPts val="500"/>
-        </a:spcBef>
-        <a:buFont typeface="Arial" panose="020B0604020202020204" pitchFamily="34" charset="0"/>
-        <a:buChar char="•"/>
-        <a:defRPr sz="1800" kern="1200">
-          <a:solidFill>
-            <a:schemeClr val="tx1"/>
-          </a:solidFill>
-          <a:latin typeface="+mn-lt"/>
-          <a:ea typeface="+mn-ea"/>
-          <a:cs typeface="+mn-cs"/>
-        </a:defRPr>
-      </a:lvl4pPr>
-      <a:lvl5pPr marL="2057400" indent="-228600" algn="l" defTabSz="914400" rtl="0" eaLnBrk="1" latinLnBrk="1" hangingPunct="1">
-        <a:lnSpc>
-          <a:spcPct val="90000"/>
-        </a:lnSpc>
-        <a:spcBef>
-          <a:spcPts val="500"/>
-        </a:spcBef>
-        <a:buFont typeface="Arial" panose="020B0604020202020204" pitchFamily="34" charset="0"/>
-        <a:buChar char="•"/>
-        <a:defRPr sz="1800" kern="1200">
+        <a:defRPr sz="2400" kern="1200">
           <a:solidFill>
             <a:schemeClr val="tx1"/>
           </a:solidFill>
@@ -3146,16 +2792,16 @@
           <a:cs typeface="+mn-cs"/>
         </a:defRPr>
       </a:lvl5pPr>
-      <a:lvl6pPr marL="2514600" indent="-228600" algn="l" defTabSz="914400" rtl="0" eaLnBrk="1" latinLnBrk="1" hangingPunct="1">
+      <a:lvl6pPr marL="3352716" indent="-304792" algn="l" defTabSz="1219170" rtl="0" eaLnBrk="1" latinLnBrk="1" hangingPunct="1">
         <a:lnSpc>
           <a:spcPct val="90000"/>
         </a:lnSpc>
         <a:spcBef>
-          <a:spcPts val="500"/>
+          <a:spcPts val="667"/>
         </a:spcBef>
         <a:buFont typeface="Arial" panose="020B0604020202020204" pitchFamily="34" charset="0"/>
         <a:buChar char="•"/>
-        <a:defRPr sz="1800" kern="1200">
+        <a:defRPr sz="2400" kern="1200">
           <a:solidFill>
             <a:schemeClr val="tx1"/>
           </a:solidFill>
@@ -3164,16 +2810,16 @@
           <a:cs typeface="+mn-cs"/>
         </a:defRPr>
       </a:lvl6pPr>
-      <a:lvl7pPr marL="2971800" indent="-228600" algn="l" defTabSz="914400" rtl="0" eaLnBrk="1" latinLnBrk="1" hangingPunct="1">
+      <a:lvl7pPr marL="3962301" indent="-304792" algn="l" defTabSz="1219170" rtl="0" eaLnBrk="1" latinLnBrk="1" hangingPunct="1">
         <a:lnSpc>
           <a:spcPct val="90000"/>
         </a:lnSpc>
         <a:spcBef>
-          <a:spcPts val="500"/>
+          <a:spcPts val="667"/>
         </a:spcBef>
         <a:buFont typeface="Arial" panose="020B0604020202020204" pitchFamily="34" charset="0"/>
         <a:buChar char="•"/>
-        <a:defRPr sz="1800" kern="1200">
+        <a:defRPr sz="2400" kern="1200">
           <a:solidFill>
             <a:schemeClr val="tx1"/>
           </a:solidFill>
@@ -3182,16 +2828,16 @@
           <a:cs typeface="+mn-cs"/>
         </a:defRPr>
       </a:lvl7pPr>
-      <a:lvl8pPr marL="3429000" indent="-228600" algn="l" defTabSz="914400" rtl="0" eaLnBrk="1" latinLnBrk="1" hangingPunct="1">
+      <a:lvl8pPr marL="4571886" indent="-304792" algn="l" defTabSz="1219170" rtl="0" eaLnBrk="1" latinLnBrk="1" hangingPunct="1">
         <a:lnSpc>
           <a:spcPct val="90000"/>
         </a:lnSpc>
         <a:spcBef>
-          <a:spcPts val="500"/>
+          <a:spcPts val="667"/>
         </a:spcBef>
         <a:buFont typeface="Arial" panose="020B0604020202020204" pitchFamily="34" charset="0"/>
         <a:buChar char="•"/>
-        <a:defRPr sz="1800" kern="1200">
+        <a:defRPr sz="2400" kern="1200">
           <a:solidFill>
             <a:schemeClr val="tx1"/>
           </a:solidFill>
@@ -3200,16 +2846,16 @@
           <a:cs typeface="+mn-cs"/>
         </a:defRPr>
       </a:lvl8pPr>
-      <a:lvl9pPr marL="3886200" indent="-228600" algn="l" defTabSz="914400" rtl="0" eaLnBrk="1" latinLnBrk="1" hangingPunct="1">
+      <a:lvl9pPr marL="5181470" indent="-304792" algn="l" defTabSz="1219170" rtl="0" eaLnBrk="1" latinLnBrk="1" hangingPunct="1">
         <a:lnSpc>
           <a:spcPct val="90000"/>
         </a:lnSpc>
         <a:spcBef>
-          <a:spcPts val="500"/>
+          <a:spcPts val="667"/>
         </a:spcBef>
         <a:buFont typeface="Arial" panose="020B0604020202020204" pitchFamily="34" charset="0"/>
         <a:buChar char="•"/>
-        <a:defRPr sz="1800" kern="1200">
+        <a:defRPr sz="2400" kern="1200">
           <a:solidFill>
             <a:schemeClr val="tx1"/>
           </a:solidFill>
@@ -3221,10 +2867,10 @@
     </p:bodyStyle>
     <p:otherStyle>
       <a:defPPr>
-        <a:defRPr lang="ko-KR"/>
+        <a:defRPr lang="en-US"/>
       </a:defPPr>
-      <a:lvl1pPr marL="0" algn="l" defTabSz="914400" rtl="0" eaLnBrk="1" latinLnBrk="1" hangingPunct="1">
-        <a:defRPr sz="1800" kern="1200">
+      <a:lvl1pPr marL="0" algn="l" defTabSz="1219170" rtl="0" eaLnBrk="1" latinLnBrk="1" hangingPunct="1">
+        <a:defRPr sz="2400" kern="1200">
           <a:solidFill>
             <a:schemeClr val="tx1"/>
           </a:solidFill>
@@ -3233,8 +2879,8 @@
           <a:cs typeface="+mn-cs"/>
         </a:defRPr>
       </a:lvl1pPr>
-      <a:lvl2pPr marL="457200" algn="l" defTabSz="914400" rtl="0" eaLnBrk="1" latinLnBrk="1" hangingPunct="1">
-        <a:defRPr sz="1800" kern="1200">
+      <a:lvl2pPr marL="609585" algn="l" defTabSz="1219170" rtl="0" eaLnBrk="1" latinLnBrk="1" hangingPunct="1">
+        <a:defRPr sz="2400" kern="1200">
           <a:solidFill>
             <a:schemeClr val="tx1"/>
           </a:solidFill>
@@ -3243,8 +2889,8 @@
           <a:cs typeface="+mn-cs"/>
         </a:defRPr>
       </a:lvl2pPr>
-      <a:lvl3pPr marL="914400" algn="l" defTabSz="914400" rtl="0" eaLnBrk="1" latinLnBrk="1" hangingPunct="1">
-        <a:defRPr sz="1800" kern="1200">
+      <a:lvl3pPr marL="1219170" algn="l" defTabSz="1219170" rtl="0" eaLnBrk="1" latinLnBrk="1" hangingPunct="1">
+        <a:defRPr sz="2400" kern="1200">
           <a:solidFill>
             <a:schemeClr val="tx1"/>
           </a:solidFill>
@@ -3253,8 +2899,8 @@
           <a:cs typeface="+mn-cs"/>
         </a:defRPr>
       </a:lvl3pPr>
-      <a:lvl4pPr marL="1371600" algn="l" defTabSz="914400" rtl="0" eaLnBrk="1" latinLnBrk="1" hangingPunct="1">
-        <a:defRPr sz="1800" kern="1200">
+      <a:lvl4pPr marL="1828754" algn="l" defTabSz="1219170" rtl="0" eaLnBrk="1" latinLnBrk="1" hangingPunct="1">
+        <a:defRPr sz="2400" kern="1200">
           <a:solidFill>
             <a:schemeClr val="tx1"/>
           </a:solidFill>
@@ -3263,8 +2909,8 @@
           <a:cs typeface="+mn-cs"/>
         </a:defRPr>
       </a:lvl4pPr>
-      <a:lvl5pPr marL="1828800" algn="l" defTabSz="914400" rtl="0" eaLnBrk="1" latinLnBrk="1" hangingPunct="1">
-        <a:defRPr sz="1800" kern="1200">
+      <a:lvl5pPr marL="2438339" algn="l" defTabSz="1219170" rtl="0" eaLnBrk="1" latinLnBrk="1" hangingPunct="1">
+        <a:defRPr sz="2400" kern="1200">
           <a:solidFill>
             <a:schemeClr val="tx1"/>
           </a:solidFill>
@@ -3273,8 +2919,8 @@
           <a:cs typeface="+mn-cs"/>
         </a:defRPr>
       </a:lvl5pPr>
-      <a:lvl6pPr marL="2286000" algn="l" defTabSz="914400" rtl="0" eaLnBrk="1" latinLnBrk="1" hangingPunct="1">
-        <a:defRPr sz="1800" kern="1200">
+      <a:lvl6pPr marL="3047924" algn="l" defTabSz="1219170" rtl="0" eaLnBrk="1" latinLnBrk="1" hangingPunct="1">
+        <a:defRPr sz="2400" kern="1200">
           <a:solidFill>
             <a:schemeClr val="tx1"/>
           </a:solidFill>
@@ -3283,8 +2929,8 @@
           <a:cs typeface="+mn-cs"/>
         </a:defRPr>
       </a:lvl6pPr>
-      <a:lvl7pPr marL="2743200" algn="l" defTabSz="914400" rtl="0" eaLnBrk="1" latinLnBrk="1" hangingPunct="1">
-        <a:defRPr sz="1800" kern="1200">
+      <a:lvl7pPr marL="3657509" algn="l" defTabSz="1219170" rtl="0" eaLnBrk="1" latinLnBrk="1" hangingPunct="1">
+        <a:defRPr sz="2400" kern="1200">
           <a:solidFill>
             <a:schemeClr val="tx1"/>
           </a:solidFill>
@@ -3293,8 +2939,8 @@
           <a:cs typeface="+mn-cs"/>
         </a:defRPr>
       </a:lvl7pPr>
-      <a:lvl8pPr marL="3200400" algn="l" defTabSz="914400" rtl="0" eaLnBrk="1" latinLnBrk="1" hangingPunct="1">
-        <a:defRPr sz="1800" kern="1200">
+      <a:lvl8pPr marL="4267093" algn="l" defTabSz="1219170" rtl="0" eaLnBrk="1" latinLnBrk="1" hangingPunct="1">
+        <a:defRPr sz="2400" kern="1200">
           <a:solidFill>
             <a:schemeClr val="tx1"/>
           </a:solidFill>
@@ -3303,8 +2949,8 @@
           <a:cs typeface="+mn-cs"/>
         </a:defRPr>
       </a:lvl8pPr>
-      <a:lvl9pPr marL="3657600" algn="l" defTabSz="914400" rtl="0" eaLnBrk="1" latinLnBrk="1" hangingPunct="1">
-        <a:defRPr sz="1800" kern="1200">
+      <a:lvl9pPr marL="4876678" algn="l" defTabSz="1219170" rtl="0" eaLnBrk="1" latinLnBrk="1" hangingPunct="1">
+        <a:defRPr sz="2400" kern="1200">
           <a:solidFill>
             <a:schemeClr val="tx1"/>
           </a:solidFill>
@@ -3363,156 +3009,14 @@
         </p:blipFill>
         <p:spPr>
           <a:xfrm>
-            <a:off x="1524000" y="0"/>
-            <a:ext cx="9144000" cy="6858000"/>
+            <a:off x="609434" y="395970"/>
+            <a:ext cx="10973123" cy="11148330"/>
           </a:xfrm>
           <a:prstGeom prst="rect">
             <a:avLst/>
           </a:prstGeom>
         </p:spPr>
       </p:pic>
-      <p:sp>
-        <p:nvSpPr>
-          <p:cNvPr id="8" name="직사각형 7">
-            <a:extLst>
-              <a:ext uri="{FF2B5EF4-FFF2-40B4-BE49-F238E27FC236}">
-                <a16:creationId xmlns:a16="http://schemas.microsoft.com/office/drawing/2014/main" id="{B81A80AB-BC26-08BA-583C-0D74EB76FA4B}"/>
-              </a:ext>
-            </a:extLst>
-          </p:cNvPr>
-          <p:cNvSpPr/>
-          <p:nvPr/>
-        </p:nvSpPr>
-        <p:spPr>
-          <a:xfrm>
-            <a:off x="2820941" y="1059202"/>
-            <a:ext cx="2138986" cy="2029997"/>
-          </a:xfrm>
-          <a:prstGeom prst="rect">
-            <a:avLst/>
-          </a:prstGeom>
-          <a:solidFill>
-            <a:schemeClr val="bg1">
-              <a:alpha val="69000"/>
-            </a:schemeClr>
-          </a:solidFill>
-        </p:spPr>
-        <p:style>
-          <a:lnRef idx="2">
-            <a:schemeClr val="accent1">
-              <a:shade val="50000"/>
-            </a:schemeClr>
-          </a:lnRef>
-          <a:fillRef idx="1">
-            <a:schemeClr val="accent1"/>
-          </a:fillRef>
-          <a:effectRef idx="0">
-            <a:schemeClr val="accent1"/>
-          </a:effectRef>
-          <a:fontRef idx="minor">
-            <a:schemeClr val="lt1"/>
-          </a:fontRef>
-        </p:style>
-        <p:txBody>
-          <a:bodyPr rtlCol="0" anchor="ctr"/>
-          <a:lstStyle/>
-          <a:p>
-            <a:pPr algn="ctr"/>
-            <a:r>
-              <a:rPr lang="ko-KR" altLang="en-US" dirty="0">
-                <a:solidFill>
-                  <a:schemeClr val="tx1"/>
-                </a:solidFill>
-              </a:rPr>
-              <a:t>로그인</a:t>
-            </a:r>
-            <a:endParaRPr lang="en-US" altLang="ko-KR" dirty="0">
-              <a:solidFill>
-                <a:schemeClr val="tx1"/>
-              </a:solidFill>
-            </a:endParaRPr>
-          </a:p>
-          <a:p>
-            <a:pPr algn="ctr"/>
-            <a:endParaRPr lang="ko-KR" altLang="en-US" dirty="0">
-              <a:solidFill>
-                <a:schemeClr val="tx1"/>
-              </a:solidFill>
-            </a:endParaRPr>
-          </a:p>
-        </p:txBody>
-      </p:sp>
-      <p:sp>
-        <p:nvSpPr>
-          <p:cNvPr id="9" name="직사각형 8">
-            <a:extLst>
-              <a:ext uri="{FF2B5EF4-FFF2-40B4-BE49-F238E27FC236}">
-                <a16:creationId xmlns:a16="http://schemas.microsoft.com/office/drawing/2014/main" id="{2254D6C0-DB61-174A-BBFA-2508D162A70E}"/>
-              </a:ext>
-            </a:extLst>
-          </p:cNvPr>
-          <p:cNvSpPr/>
-          <p:nvPr/>
-        </p:nvSpPr>
-        <p:spPr>
-          <a:xfrm>
-            <a:off x="2820941" y="3585836"/>
-            <a:ext cx="1975648" cy="2137605"/>
-          </a:xfrm>
-          <a:prstGeom prst="rect">
-            <a:avLst/>
-          </a:prstGeom>
-          <a:solidFill>
-            <a:schemeClr val="bg1">
-              <a:alpha val="69000"/>
-            </a:schemeClr>
-          </a:solidFill>
-        </p:spPr>
-        <p:style>
-          <a:lnRef idx="2">
-            <a:schemeClr val="accent1">
-              <a:shade val="50000"/>
-            </a:schemeClr>
-          </a:lnRef>
-          <a:fillRef idx="1">
-            <a:schemeClr val="accent1"/>
-          </a:fillRef>
-          <a:effectRef idx="0">
-            <a:schemeClr val="accent1"/>
-          </a:effectRef>
-          <a:fontRef idx="minor">
-            <a:schemeClr val="lt1"/>
-          </a:fontRef>
-        </p:style>
-        <p:txBody>
-          <a:bodyPr rtlCol="0" anchor="ctr"/>
-          <a:lstStyle/>
-          <a:p>
-            <a:pPr algn="ctr"/>
-            <a:r>
-              <a:rPr lang="ko-KR" altLang="en-US" dirty="0" smtClean="0">
-                <a:solidFill>
-                  <a:schemeClr val="tx1"/>
-                </a:solidFill>
-              </a:rPr>
-              <a:t>관광지 순위</a:t>
-            </a:r>
-            <a:r>
-              <a:rPr lang="en-US" altLang="ko-KR" dirty="0" smtClean="0">
-                <a:solidFill>
-                  <a:schemeClr val="tx1"/>
-                </a:solidFill>
-              </a:rPr>
-              <a:t>1</a:t>
-            </a:r>
-            <a:endParaRPr lang="ko-KR" altLang="en-US" dirty="0">
-              <a:solidFill>
-                <a:schemeClr val="tx1"/>
-              </a:solidFill>
-            </a:endParaRPr>
-          </a:p>
-        </p:txBody>
-      </p:sp>
       <p:cxnSp>
         <p:nvCxnSpPr>
           <p:cNvPr id="16" name="직선 연결선 15">
@@ -3529,8 +3033,8 @@
         </p:nvCxnSpPr>
         <p:spPr>
           <a:xfrm>
-            <a:off x="6216073" y="3585835"/>
-            <a:ext cx="0" cy="2263720"/>
+            <a:off x="6240086" y="4786181"/>
+            <a:ext cx="0" cy="2716546"/>
           </a:xfrm>
           <a:prstGeom prst="line">
             <a:avLst/>
@@ -3556,64 +3060,6 @@
           </a:fontRef>
         </p:style>
       </p:cxnSp>
-      <p:sp>
-        <p:nvSpPr>
-          <p:cNvPr id="19" name="직사각형 18">
-            <a:extLst>
-              <a:ext uri="{FF2B5EF4-FFF2-40B4-BE49-F238E27FC236}">
-                <a16:creationId xmlns:a16="http://schemas.microsoft.com/office/drawing/2014/main" id="{2102F9E3-F7B5-57FC-03DE-5C1FD989320F}"/>
-              </a:ext>
-            </a:extLst>
-          </p:cNvPr>
-          <p:cNvSpPr/>
-          <p:nvPr/>
-        </p:nvSpPr>
-        <p:spPr>
-          <a:xfrm>
-            <a:off x="2820941" y="6037515"/>
-            <a:ext cx="6790260" cy="2137608"/>
-          </a:xfrm>
-          <a:prstGeom prst="rect">
-            <a:avLst/>
-          </a:prstGeom>
-          <a:solidFill>
-            <a:schemeClr val="bg1">
-              <a:alpha val="69000"/>
-            </a:schemeClr>
-          </a:solidFill>
-        </p:spPr>
-        <p:style>
-          <a:lnRef idx="2">
-            <a:schemeClr val="accent1">
-              <a:shade val="50000"/>
-            </a:schemeClr>
-          </a:lnRef>
-          <a:fillRef idx="1">
-            <a:schemeClr val="accent1"/>
-          </a:fillRef>
-          <a:effectRef idx="0">
-            <a:schemeClr val="accent1"/>
-          </a:effectRef>
-          <a:fontRef idx="minor">
-            <a:schemeClr val="lt1"/>
-          </a:fontRef>
-        </p:style>
-        <p:txBody>
-          <a:bodyPr rtlCol="0" anchor="ctr"/>
-          <a:lstStyle/>
-          <a:p>
-            <a:pPr algn="ctr"/>
-            <a:r>
-              <a:rPr lang="ko-KR" altLang="en-US" dirty="0">
-                <a:solidFill>
-                  <a:schemeClr val="tx1"/>
-                </a:solidFill>
-              </a:rPr>
-              <a:t>인기후기</a:t>
-            </a:r>
-          </a:p>
-        </p:txBody>
-      </p:sp>
       <p:pic>
         <p:nvPicPr>
           <p:cNvPr id="21" name="그림 20">
@@ -3636,8 +3082,8 @@
         </p:blipFill>
         <p:spPr>
           <a:xfrm>
-            <a:off x="1812757" y="8556976"/>
-            <a:ext cx="8566485" cy="569738"/>
+            <a:off x="955959" y="10582316"/>
+            <a:ext cx="10280084" cy="683706"/>
           </a:xfrm>
           <a:prstGeom prst="rect">
             <a:avLst/>
@@ -3666,214 +3112,14 @@
         </p:blipFill>
         <p:spPr>
           <a:xfrm>
-            <a:off x="5276273" y="1081449"/>
-            <a:ext cx="4334928" cy="2029997"/>
+            <a:off x="5083663" y="1811957"/>
+            <a:ext cx="5202068" cy="2436070"/>
           </a:xfrm>
           <a:prstGeom prst="rect">
             <a:avLst/>
           </a:prstGeom>
         </p:spPr>
       </p:pic>
-      <p:sp>
-        <p:nvSpPr>
-          <p:cNvPr id="10" name="직사각형 9">
-            <a:extLst>
-              <a:ext uri="{FF2B5EF4-FFF2-40B4-BE49-F238E27FC236}">
-                <a16:creationId xmlns:a16="http://schemas.microsoft.com/office/drawing/2014/main" id="{ED9288A2-74BF-75F5-E308-BB2DD8435BAE}"/>
-              </a:ext>
-            </a:extLst>
-          </p:cNvPr>
-          <p:cNvSpPr/>
-          <p:nvPr/>
-        </p:nvSpPr>
-        <p:spPr>
-          <a:xfrm>
-            <a:off x="5276273" y="1059202"/>
-            <a:ext cx="4334933" cy="2052244"/>
-          </a:xfrm>
-          <a:prstGeom prst="rect">
-            <a:avLst/>
-          </a:prstGeom>
-          <a:solidFill>
-            <a:schemeClr val="bg1">
-              <a:alpha val="69000"/>
-            </a:schemeClr>
-          </a:solidFill>
-        </p:spPr>
-        <p:style>
-          <a:lnRef idx="2">
-            <a:schemeClr val="accent1">
-              <a:shade val="50000"/>
-            </a:schemeClr>
-          </a:lnRef>
-          <a:fillRef idx="1">
-            <a:schemeClr val="accent1"/>
-          </a:fillRef>
-          <a:effectRef idx="0">
-            <a:schemeClr val="accent1"/>
-          </a:effectRef>
-          <a:fontRef idx="minor">
-            <a:schemeClr val="lt1"/>
-          </a:fontRef>
-        </p:style>
-        <p:txBody>
-          <a:bodyPr rtlCol="0" anchor="ctr"/>
-          <a:lstStyle/>
-          <a:p>
-            <a:pPr algn="ctr"/>
-            <a:r>
-              <a:rPr lang="ko-KR" altLang="en-US" dirty="0">
-                <a:solidFill>
-                  <a:schemeClr val="tx1"/>
-                </a:solidFill>
-              </a:rPr>
-              <a:t>사진 슬라이드</a:t>
-            </a:r>
-          </a:p>
-        </p:txBody>
-      </p:sp>
-      <p:sp>
-        <p:nvSpPr>
-          <p:cNvPr id="11" name="직사각형 10">
-            <a:extLst>
-              <a:ext uri="{FF2B5EF4-FFF2-40B4-BE49-F238E27FC236}">
-                <a16:creationId xmlns:a16="http://schemas.microsoft.com/office/drawing/2014/main" id="{2254D6C0-DB61-174A-BBFA-2508D162A70E}"/>
-              </a:ext>
-            </a:extLst>
-          </p:cNvPr>
-          <p:cNvSpPr/>
-          <p:nvPr/>
-        </p:nvSpPr>
-        <p:spPr>
-          <a:xfrm>
-            <a:off x="5276273" y="3585836"/>
-            <a:ext cx="1975648" cy="2137605"/>
-          </a:xfrm>
-          <a:prstGeom prst="rect">
-            <a:avLst/>
-          </a:prstGeom>
-          <a:solidFill>
-            <a:schemeClr val="bg1">
-              <a:alpha val="69000"/>
-            </a:schemeClr>
-          </a:solidFill>
-        </p:spPr>
-        <p:style>
-          <a:lnRef idx="2">
-            <a:schemeClr val="accent1">
-              <a:shade val="50000"/>
-            </a:schemeClr>
-          </a:lnRef>
-          <a:fillRef idx="1">
-            <a:schemeClr val="accent1"/>
-          </a:fillRef>
-          <a:effectRef idx="0">
-            <a:schemeClr val="accent1"/>
-          </a:effectRef>
-          <a:fontRef idx="minor">
-            <a:schemeClr val="lt1"/>
-          </a:fontRef>
-        </p:style>
-        <p:txBody>
-          <a:bodyPr rtlCol="0" anchor="ctr"/>
-          <a:lstStyle/>
-          <a:p>
-            <a:pPr algn="ctr"/>
-            <a:r>
-              <a:rPr lang="ko-KR" altLang="en-US" dirty="0" smtClean="0">
-                <a:solidFill>
-                  <a:schemeClr val="tx1"/>
-                </a:solidFill>
-              </a:rPr>
-              <a:t>관광지 순위</a:t>
-            </a:r>
-            <a:r>
-              <a:rPr lang="en-US" altLang="ko-KR" dirty="0" smtClean="0">
-                <a:solidFill>
-                  <a:schemeClr val="tx1"/>
-                </a:solidFill>
-              </a:rPr>
-              <a:t>2</a:t>
-            </a:r>
-            <a:endParaRPr lang="ko-KR" altLang="en-US" dirty="0">
-              <a:solidFill>
-                <a:schemeClr val="tx1"/>
-              </a:solidFill>
-            </a:endParaRPr>
-          </a:p>
-        </p:txBody>
-      </p:sp>
-      <p:sp>
-        <p:nvSpPr>
-          <p:cNvPr id="12" name="직사각형 11">
-            <a:extLst>
-              <a:ext uri="{FF2B5EF4-FFF2-40B4-BE49-F238E27FC236}">
-                <a16:creationId xmlns:a16="http://schemas.microsoft.com/office/drawing/2014/main" id="{2254D6C0-DB61-174A-BBFA-2508D162A70E}"/>
-              </a:ext>
-            </a:extLst>
-          </p:cNvPr>
-          <p:cNvSpPr/>
-          <p:nvPr/>
-        </p:nvSpPr>
-        <p:spPr>
-          <a:xfrm>
-            <a:off x="7635553" y="3610512"/>
-            <a:ext cx="1975648" cy="2137605"/>
-          </a:xfrm>
-          <a:prstGeom prst="rect">
-            <a:avLst/>
-          </a:prstGeom>
-          <a:solidFill>
-            <a:schemeClr val="bg1">
-              <a:alpha val="69000"/>
-            </a:schemeClr>
-          </a:solidFill>
-        </p:spPr>
-        <p:style>
-          <a:lnRef idx="2">
-            <a:schemeClr val="accent1">
-              <a:shade val="50000"/>
-            </a:schemeClr>
-          </a:lnRef>
-          <a:fillRef idx="1">
-            <a:schemeClr val="accent1"/>
-          </a:fillRef>
-          <a:effectRef idx="0">
-            <a:schemeClr val="accent1"/>
-          </a:effectRef>
-          <a:fontRef idx="minor">
-            <a:schemeClr val="lt1"/>
-          </a:fontRef>
-        </p:style>
-        <p:txBody>
-          <a:bodyPr rtlCol="0" anchor="ctr"/>
-          <a:lstStyle/>
-          <a:p>
-            <a:pPr algn="ctr"/>
-            <a:r>
-              <a:rPr lang="ko-KR" altLang="en-US" dirty="0" smtClean="0">
-                <a:solidFill>
-                  <a:schemeClr val="tx1"/>
-                </a:solidFill>
-              </a:rPr>
-              <a:t>관광지 순위</a:t>
-            </a:r>
-            <a:r>
-              <a:rPr lang="en-US" altLang="ko-KR" dirty="0" smtClean="0">
-                <a:solidFill>
-                  <a:schemeClr val="tx1"/>
-                </a:solidFill>
-              </a:rPr>
-              <a:t>3</a:t>
-            </a:r>
-            <a:endParaRPr lang="ko-KR" altLang="en-US" dirty="0">
-              <a:solidFill>
-                <a:schemeClr val="tx1"/>
-              </a:solidFill>
-            </a:endParaRPr>
-          </a:p>
-        </p:txBody>
-      </p:sp>
       <p:pic>
         <p:nvPicPr>
           <p:cNvPr id="13" name="그림 12"/>
@@ -3890,14 +3136,308 @@
         </p:blipFill>
         <p:spPr>
           <a:xfrm>
-            <a:off x="1812757" y="181588"/>
-            <a:ext cx="8566485" cy="401079"/>
+            <a:off x="955959" y="613874"/>
+            <a:ext cx="10280084" cy="481308"/>
           </a:xfrm>
           <a:prstGeom prst="rect">
             <a:avLst/>
           </a:prstGeom>
         </p:spPr>
       </p:pic>
+      <p:pic>
+        <p:nvPicPr>
+          <p:cNvPr id="3" name="그림 2"/>
+          <p:cNvPicPr>
+            <a:picLocks noChangeAspect="1"/>
+          </p:cNvPicPr>
+          <p:nvPr/>
+        </p:nvPicPr>
+        <p:blipFill>
+          <a:blip r:embed="rId6" cstate="hqprint">
+            <a:extLst>
+              <a:ext uri="{28A0092B-C50C-407E-A947-70E740481C1C}">
+                <a14:useLocalDpi xmlns:a14="http://schemas.microsoft.com/office/drawing/2010/main" val="0"/>
+              </a:ext>
+            </a:extLst>
+          </a:blip>
+          <a:stretch>
+            <a:fillRect/>
+          </a:stretch>
+        </p:blipFill>
+        <p:spPr>
+          <a:xfrm>
+            <a:off x="892510" y="2342358"/>
+            <a:ext cx="5782814" cy="3252830"/>
+          </a:xfrm>
+          <a:prstGeom prst="rect">
+            <a:avLst/>
+          </a:prstGeom>
+        </p:spPr>
+      </p:pic>
+      <p:pic>
+        <p:nvPicPr>
+          <p:cNvPr id="6" name="그림 5"/>
+          <p:cNvPicPr>
+            <a:picLocks noChangeAspect="1"/>
+          </p:cNvPicPr>
+          <p:nvPr/>
+        </p:nvPicPr>
+        <p:blipFill>
+          <a:blip r:embed="rId7">
+            <a:extLst>
+              <a:ext uri="{28A0092B-C50C-407E-A947-70E740481C1C}">
+                <a14:useLocalDpi xmlns:a14="http://schemas.microsoft.com/office/drawing/2010/main" val="0"/>
+              </a:ext>
+            </a:extLst>
+          </a:blip>
+          <a:stretch>
+            <a:fillRect/>
+          </a:stretch>
+        </p:blipFill>
+        <p:spPr>
+          <a:xfrm>
+            <a:off x="1824885" y="1553422"/>
+            <a:ext cx="3086193" cy="3486254"/>
+          </a:xfrm>
+          <a:prstGeom prst="rect">
+            <a:avLst/>
+          </a:prstGeom>
+        </p:spPr>
+      </p:pic>
+      <p:pic>
+        <p:nvPicPr>
+          <p:cNvPr id="7" name="그림 6"/>
+          <p:cNvPicPr>
+            <a:picLocks noChangeAspect="1"/>
+          </p:cNvPicPr>
+          <p:nvPr/>
+        </p:nvPicPr>
+        <p:blipFill>
+          <a:blip r:embed="rId8"/>
+          <a:stretch>
+            <a:fillRect/>
+          </a:stretch>
+        </p:blipFill>
+        <p:spPr>
+          <a:xfrm>
+            <a:off x="2287742" y="4987644"/>
+            <a:ext cx="2206064" cy="2534916"/>
+          </a:xfrm>
+          <a:prstGeom prst="rect">
+            <a:avLst/>
+          </a:prstGeom>
+        </p:spPr>
+      </p:pic>
+      <p:pic>
+        <p:nvPicPr>
+          <p:cNvPr id="20" name="그림 19"/>
+          <p:cNvPicPr>
+            <a:picLocks noChangeAspect="1"/>
+          </p:cNvPicPr>
+          <p:nvPr/>
+        </p:nvPicPr>
+        <p:blipFill>
+          <a:blip r:embed="rId8"/>
+          <a:stretch>
+            <a:fillRect/>
+          </a:stretch>
+        </p:blipFill>
+        <p:spPr>
+          <a:xfrm>
+            <a:off x="5203275" y="4987306"/>
+            <a:ext cx="2206064" cy="2534916"/>
+          </a:xfrm>
+          <a:prstGeom prst="rect">
+            <a:avLst/>
+          </a:prstGeom>
+        </p:spPr>
+      </p:pic>
+      <p:pic>
+        <p:nvPicPr>
+          <p:cNvPr id="22" name="그림 21"/>
+          <p:cNvPicPr>
+            <a:picLocks noChangeAspect="1"/>
+          </p:cNvPicPr>
+          <p:nvPr/>
+        </p:nvPicPr>
+        <p:blipFill>
+          <a:blip r:embed="rId8"/>
+          <a:stretch>
+            <a:fillRect/>
+          </a:stretch>
+        </p:blipFill>
+        <p:spPr>
+          <a:xfrm>
+            <a:off x="8079676" y="4983340"/>
+            <a:ext cx="2206064" cy="2534916"/>
+          </a:xfrm>
+          <a:prstGeom prst="rect">
+            <a:avLst/>
+          </a:prstGeom>
+        </p:spPr>
+      </p:pic>
+      <p:sp>
+        <p:nvSpPr>
+          <p:cNvPr id="23" name="직사각형 22">
+            <a:extLst>
+              <a:ext uri="{FF2B5EF4-FFF2-40B4-BE49-F238E27FC236}">
+                <a16:creationId xmlns:a16="http://schemas.microsoft.com/office/drawing/2014/main" id="{2102F9E3-F7B5-57FC-03DE-5C1FD989320F}"/>
+              </a:ext>
+            </a:extLst>
+          </p:cNvPr>
+          <p:cNvSpPr/>
+          <p:nvPr/>
+        </p:nvSpPr>
+        <p:spPr>
+          <a:xfrm>
+            <a:off x="2096253" y="4406581"/>
+            <a:ext cx="2121220" cy="453913"/>
+          </a:xfrm>
+          <a:prstGeom prst="rect">
+            <a:avLst/>
+          </a:prstGeom>
+          <a:solidFill>
+            <a:schemeClr val="bg1">
+              <a:alpha val="0"/>
+            </a:schemeClr>
+          </a:solidFill>
+          <a:ln>
+            <a:noFill/>
+          </a:ln>
+        </p:spPr>
+        <p:style>
+          <a:lnRef idx="2">
+            <a:schemeClr val="accent1">
+              <a:shade val="50000"/>
+            </a:schemeClr>
+          </a:lnRef>
+          <a:fillRef idx="1">
+            <a:schemeClr val="accent1"/>
+          </a:fillRef>
+          <a:effectRef idx="0">
+            <a:schemeClr val="accent1"/>
+          </a:effectRef>
+          <a:fontRef idx="minor">
+            <a:schemeClr val="lt1"/>
+          </a:fontRef>
+        </p:style>
+        <p:txBody>
+          <a:bodyPr rtlCol="0" anchor="ctr"/>
+          <a:lstStyle/>
+          <a:p>
+            <a:pPr algn="ctr"/>
+            <a:r>
+              <a:rPr lang="ko-KR" altLang="en-US" sz="2156" dirty="0">
+                <a:solidFill>
+                  <a:schemeClr val="bg1"/>
+                </a:solidFill>
+              </a:rPr>
+              <a:t>인기 여행지</a:t>
+            </a:r>
+            <a:endParaRPr lang="ko-KR" altLang="en-US" sz="2156" dirty="0">
+              <a:solidFill>
+                <a:schemeClr val="bg1"/>
+              </a:solidFill>
+            </a:endParaRPr>
+          </a:p>
+        </p:txBody>
+      </p:sp>
+      <p:pic>
+        <p:nvPicPr>
+          <p:cNvPr id="14" name="그림 13"/>
+          <p:cNvPicPr>
+            <a:picLocks noChangeAspect="1"/>
+          </p:cNvPicPr>
+          <p:nvPr/>
+        </p:nvPicPr>
+        <p:blipFill>
+          <a:blip r:embed="rId9">
+            <a:extLst>
+              <a:ext uri="{28A0092B-C50C-407E-A947-70E740481C1C}">
+                <a14:useLocalDpi xmlns:a14="http://schemas.microsoft.com/office/drawing/2010/main" val="0"/>
+              </a:ext>
+            </a:extLst>
+          </a:blip>
+          <a:stretch>
+            <a:fillRect/>
+          </a:stretch>
+        </p:blipFill>
+        <p:spPr>
+          <a:xfrm>
+            <a:off x="2258552" y="8366961"/>
+            <a:ext cx="8027181" cy="1767284"/>
+          </a:xfrm>
+          <a:prstGeom prst="rect">
+            <a:avLst/>
+          </a:prstGeom>
+        </p:spPr>
+      </p:pic>
+      <p:sp>
+        <p:nvSpPr>
+          <p:cNvPr id="25" name="직사각형 24">
+            <a:extLst>
+              <a:ext uri="{FF2B5EF4-FFF2-40B4-BE49-F238E27FC236}">
+                <a16:creationId xmlns:a16="http://schemas.microsoft.com/office/drawing/2014/main" id="{3F8D0F82-37F8-2D5F-32C0-0F5E4CA19D9D}"/>
+              </a:ext>
+            </a:extLst>
+          </p:cNvPr>
+          <p:cNvSpPr/>
+          <p:nvPr/>
+        </p:nvSpPr>
+        <p:spPr>
+          <a:xfrm>
+            <a:off x="2258552" y="7771800"/>
+            <a:ext cx="8027181" cy="459266"/>
+          </a:xfrm>
+          <a:prstGeom prst="rect">
+            <a:avLst/>
+          </a:prstGeom>
+          <a:solidFill>
+            <a:schemeClr val="bg1">
+              <a:alpha val="69000"/>
+            </a:schemeClr>
+          </a:solidFill>
+          <a:ln>
+            <a:noFill/>
+          </a:ln>
+        </p:spPr>
+        <p:style>
+          <a:lnRef idx="2">
+            <a:schemeClr val="accent1">
+              <a:shade val="50000"/>
+            </a:schemeClr>
+          </a:lnRef>
+          <a:fillRef idx="1">
+            <a:schemeClr val="accent1"/>
+          </a:fillRef>
+          <a:effectRef idx="0">
+            <a:schemeClr val="accent1"/>
+          </a:effectRef>
+          <a:fontRef idx="minor">
+            <a:schemeClr val="lt1"/>
+          </a:fontRef>
+        </p:style>
+        <p:txBody>
+          <a:bodyPr rtlCol="0" anchor="ctr"/>
+          <a:lstStyle/>
+          <a:p>
+            <a:pPr algn="ctr"/>
+            <a:r>
+              <a:rPr lang="ko-KR" altLang="en-US" sz="2156" dirty="0">
+                <a:solidFill>
+                  <a:schemeClr val="tx1"/>
+                </a:solidFill>
+              </a:rPr>
+              <a:t>인기 후기</a:t>
+            </a:r>
+            <a:endParaRPr lang="ko-KR" altLang="en-US" sz="2156" dirty="0">
+              <a:solidFill>
+                <a:schemeClr val="tx1"/>
+              </a:solidFill>
+            </a:endParaRPr>
+          </a:p>
+        </p:txBody>
+      </p:sp>
     </p:spTree>
     <p:extLst>
       <p:ext uri="{BB962C8B-B14F-4D97-AF65-F5344CB8AC3E}">
@@ -3908,6 +3448,13 @@
   <p:clrMapOvr>
     <a:masterClrMapping/>
   </p:clrMapOvr>
+  <p:timing>
+    <p:tnLst>
+      <p:par>
+        <p:cTn id="1" dur="indefinite" restart="never" nodeType="tmRoot"/>
+      </p:par>
+    </p:tnLst>
+  </p:timing>
 </p:sld>
 </file>
 
@@ -3956,8 +3503,8 @@
         </p:blipFill>
         <p:spPr>
           <a:xfrm>
-            <a:off x="1523999" y="-20073"/>
-            <a:ext cx="9144000" cy="6858000"/>
+            <a:off x="609455" y="1800625"/>
+            <a:ext cx="10973125" cy="8229837"/>
           </a:xfrm>
           <a:prstGeom prst="rect">
             <a:avLst/>
@@ -3978,8 +3525,8 @@
         </p:nvSpPr>
         <p:spPr>
           <a:xfrm>
-            <a:off x="2087418" y="833916"/>
-            <a:ext cx="8128000" cy="5150022"/>
+            <a:off x="1285582" y="2825449"/>
+            <a:ext cx="9753886" cy="6180207"/>
           </a:xfrm>
           <a:prstGeom prst="rect">
             <a:avLst/>
@@ -4011,7 +3558,7 @@
           <a:lstStyle/>
           <a:p>
             <a:pPr algn="ctr"/>
-            <a:endParaRPr lang="ko-KR" altLang="en-US" dirty="0">
+            <a:endParaRPr lang="ko-KR" altLang="en-US" sz="2156" dirty="0">
               <a:solidFill>
                 <a:schemeClr val="tx1"/>
               </a:solidFill>
@@ -4041,8 +3588,8 @@
         </p:blipFill>
         <p:spPr>
           <a:xfrm>
-            <a:off x="1812757" y="6136100"/>
-            <a:ext cx="8566485" cy="569738"/>
+            <a:off x="955979" y="9188263"/>
+            <a:ext cx="10280081" cy="683701"/>
           </a:xfrm>
           <a:prstGeom prst="rect">
             <a:avLst/>
@@ -4063,8 +3610,8 @@
         </p:nvSpPr>
         <p:spPr>
           <a:xfrm>
-            <a:off x="2320636" y="1777231"/>
-            <a:ext cx="7661564" cy="3903133"/>
+            <a:off x="1565441" y="3957475"/>
+            <a:ext cx="9194147" cy="4683899"/>
           </a:xfrm>
           <a:prstGeom prst="rect">
             <a:avLst/>
@@ -4096,7 +3643,7 @@
           <a:lstStyle/>
           <a:p>
             <a:pPr algn="ctr"/>
-            <a:endParaRPr lang="ko-KR" altLang="en-US" dirty="0">
+            <a:endParaRPr lang="ko-KR" altLang="en-US" sz="2156" dirty="0">
               <a:solidFill>
                 <a:schemeClr val="tx1"/>
               </a:solidFill>
@@ -4118,8 +3665,8 @@
         </p:nvSpPr>
         <p:spPr>
           <a:xfrm>
-            <a:off x="4292600" y="1019414"/>
-            <a:ext cx="3420534" cy="572319"/>
+            <a:off x="3931886" y="3048063"/>
+            <a:ext cx="4104759" cy="686807"/>
           </a:xfrm>
           <a:prstGeom prst="rect">
             <a:avLst/>
@@ -4152,14 +3699,22 @@
           <a:p>
             <a:pPr algn="ctr"/>
             <a:r>
-              <a:rPr lang="ko-KR" altLang="en-US" dirty="0" smtClean="0">
+              <a:rPr lang="ko-KR" altLang="en-US" sz="2156" dirty="0">
                 <a:solidFill>
                   <a:schemeClr val="tx1"/>
                 </a:solidFill>
               </a:rPr>
-              <a:t>날씨</a:t>
-            </a:r>
-            <a:endParaRPr lang="ko-KR" altLang="en-US" dirty="0">
+              <a:t>여행 </a:t>
+            </a:r>
+            <a:r>
+              <a:rPr lang="ko-KR" altLang="en-US" sz="2156" dirty="0">
+                <a:solidFill>
+                  <a:schemeClr val="tx1"/>
+                </a:solidFill>
+              </a:rPr>
+              <a:t>후기</a:t>
+            </a:r>
+            <a:endParaRPr lang="ko-KR" altLang="en-US" sz="2156" dirty="0">
               <a:solidFill>
                 <a:schemeClr val="tx1"/>
               </a:solidFill>
@@ -4181,8 +3736,8 @@
         </p:nvSpPr>
         <p:spPr>
           <a:xfrm>
-            <a:off x="2730884" y="2060815"/>
-            <a:ext cx="4241272" cy="3329332"/>
+            <a:off x="2057764" y="4297778"/>
+            <a:ext cx="8422466" cy="453114"/>
           </a:xfrm>
           <a:prstGeom prst="rect">
             <a:avLst/>
@@ -4215,14 +3770,79 @@
           <a:p>
             <a:pPr algn="ctr"/>
             <a:r>
-              <a:rPr lang="ko-KR" altLang="en-US" dirty="0">
+              <a:rPr lang="ko-KR" altLang="en-US" sz="2156" dirty="0">
                 <a:solidFill>
                   <a:schemeClr val="tx1"/>
                 </a:solidFill>
               </a:rPr>
-              <a:t>맵</a:t>
-            </a:r>
-            <a:endParaRPr lang="ko-KR" altLang="en-US" dirty="0">
+              <a:t>작성자</a:t>
+            </a:r>
+            <a:r>
+              <a:rPr lang="en-US" altLang="ko-KR" sz="2156" dirty="0">
+                <a:solidFill>
+                  <a:schemeClr val="tx1"/>
+                </a:solidFill>
+              </a:rPr>
+              <a:t>: SSAFY	</a:t>
+            </a:r>
+            <a:r>
+              <a:rPr lang="ko-KR" altLang="en-US" sz="2156" dirty="0">
+                <a:solidFill>
+                  <a:schemeClr val="tx1"/>
+                </a:solidFill>
+              </a:rPr>
+              <a:t>이메일</a:t>
+            </a:r>
+            <a:r>
+              <a:rPr lang="en-US" altLang="ko-KR" sz="2156" dirty="0">
+                <a:solidFill>
+                  <a:schemeClr val="tx1"/>
+                </a:solidFill>
+              </a:rPr>
+              <a:t>: </a:t>
+            </a:r>
+            <a:r>
+              <a:rPr lang="en-US" altLang="ko-KR" sz="2156" dirty="0">
+                <a:solidFill>
+                  <a:schemeClr val="tx1"/>
+                </a:solidFill>
+                <a:hlinkClick r:id="rId4"/>
+              </a:rPr>
+              <a:t>ssafy@ssafy.com</a:t>
+            </a:r>
+            <a:r>
+              <a:rPr lang="en-US" altLang="ko-KR" sz="2156" dirty="0">
+                <a:solidFill>
+                  <a:schemeClr val="tx1"/>
+                </a:solidFill>
+              </a:rPr>
+              <a:t>	</a:t>
+            </a:r>
+            <a:r>
+              <a:rPr lang="en-US" altLang="ko-KR" sz="2156" dirty="0">
+                <a:solidFill>
+                  <a:schemeClr val="tx1"/>
+                </a:solidFill>
+              </a:rPr>
+              <a:t> </a:t>
+            </a:r>
+            <a:r>
+              <a:rPr lang="ko-KR" altLang="en-US" sz="2156" dirty="0">
+                <a:solidFill>
+                  <a:schemeClr val="tx1"/>
+                </a:solidFill>
+              </a:rPr>
+              <a:t>추천수</a:t>
+            </a:r>
+            <a:r>
+              <a:rPr lang="en-US" altLang="ko-KR" sz="2156" dirty="0">
+                <a:solidFill>
+                  <a:schemeClr val="tx1"/>
+                </a:solidFill>
+              </a:rPr>
+              <a:t>: 0</a:t>
+            </a:r>
+            <a:endParaRPr lang="ko-KR" altLang="en-US" sz="2156" dirty="0">
               <a:solidFill>
                 <a:schemeClr val="tx1"/>
               </a:solidFill>
@@ -4230,16 +3850,595 @@
           </a:p>
         </p:txBody>
       </p:sp>
+      <p:sp>
+        <p:nvSpPr>
+          <p:cNvPr id="4" name="직사각형 3">
+            <a:extLst>
+              <a:ext uri="{FF2B5EF4-FFF2-40B4-BE49-F238E27FC236}">
+                <a16:creationId xmlns:a16="http://schemas.microsoft.com/office/drawing/2014/main" id="{116FEC38-A648-623C-CD50-EC5B7B54C875}"/>
+              </a:ext>
+            </a:extLst>
+          </p:cNvPr>
+          <p:cNvSpPr/>
+          <p:nvPr/>
+        </p:nvSpPr>
+        <p:spPr>
+          <a:xfrm>
+            <a:off x="2057774" y="4980232"/>
+            <a:ext cx="8437671" cy="2304813"/>
+          </a:xfrm>
+          <a:prstGeom prst="rect">
+            <a:avLst/>
+          </a:prstGeom>
+          <a:solidFill>
+            <a:schemeClr val="bg1">
+              <a:alpha val="69000"/>
+            </a:schemeClr>
+          </a:solidFill>
+        </p:spPr>
+        <p:style>
+          <a:lnRef idx="2">
+            <a:schemeClr val="accent1">
+              <a:shade val="50000"/>
+            </a:schemeClr>
+          </a:lnRef>
+          <a:fillRef idx="1">
+            <a:schemeClr val="accent1"/>
+          </a:fillRef>
+          <a:effectRef idx="0">
+            <a:schemeClr val="accent1"/>
+          </a:effectRef>
+          <a:fontRef idx="minor">
+            <a:schemeClr val="lt1"/>
+          </a:fontRef>
+        </p:style>
+        <p:txBody>
+          <a:bodyPr rtlCol="0" anchor="ctr"/>
+          <a:lstStyle/>
+          <a:p>
+            <a:pPr algn="ctr"/>
+            <a:r>
+              <a:rPr lang="ko-KR" altLang="en-US" sz="2156" dirty="0">
+                <a:solidFill>
+                  <a:schemeClr val="tx1"/>
+                </a:solidFill>
+              </a:rPr>
+              <a:t>내용</a:t>
+            </a:r>
+          </a:p>
+        </p:txBody>
+      </p:sp>
+      <p:sp>
+        <p:nvSpPr>
+          <p:cNvPr id="8" name="직사각형 7">
+            <a:extLst>
+              <a:ext uri="{FF2B5EF4-FFF2-40B4-BE49-F238E27FC236}">
+                <a16:creationId xmlns:a16="http://schemas.microsoft.com/office/drawing/2014/main" id="{B03F5ED1-0775-590B-203F-CDC7F5615043}"/>
+              </a:ext>
+            </a:extLst>
+          </p:cNvPr>
+          <p:cNvSpPr/>
+          <p:nvPr/>
+        </p:nvSpPr>
+        <p:spPr>
+          <a:xfrm>
+            <a:off x="2057747" y="7467649"/>
+            <a:ext cx="6812023" cy="453114"/>
+          </a:xfrm>
+          <a:prstGeom prst="rect">
+            <a:avLst/>
+          </a:prstGeom>
+          <a:solidFill>
+            <a:schemeClr val="bg1">
+              <a:alpha val="69000"/>
+            </a:schemeClr>
+          </a:solidFill>
+        </p:spPr>
+        <p:style>
+          <a:lnRef idx="2">
+            <a:schemeClr val="accent1">
+              <a:shade val="50000"/>
+            </a:schemeClr>
+          </a:lnRef>
+          <a:fillRef idx="1">
+            <a:schemeClr val="accent1"/>
+          </a:fillRef>
+          <a:effectRef idx="0">
+            <a:schemeClr val="accent1"/>
+          </a:effectRef>
+          <a:fontRef idx="minor">
+            <a:schemeClr val="lt1"/>
+          </a:fontRef>
+        </p:style>
+        <p:txBody>
+          <a:bodyPr rtlCol="0" anchor="ctr"/>
+          <a:lstStyle/>
+          <a:p>
+            <a:pPr algn="ctr"/>
+            <a:r>
+              <a:rPr lang="ko-KR" altLang="en-US" sz="2156" dirty="0">
+                <a:solidFill>
+                  <a:schemeClr val="tx1"/>
+                </a:solidFill>
+              </a:rPr>
+              <a:t>댓글 입력</a:t>
+            </a:r>
+            <a:endParaRPr lang="ko-KR" altLang="en-US" sz="2156" dirty="0">
+              <a:solidFill>
+                <a:schemeClr val="tx1"/>
+              </a:solidFill>
+            </a:endParaRPr>
+          </a:p>
+        </p:txBody>
+      </p:sp>
+      <p:sp>
+        <p:nvSpPr>
+          <p:cNvPr id="9" name="직사각형 8">
+            <a:extLst>
+              <a:ext uri="{FF2B5EF4-FFF2-40B4-BE49-F238E27FC236}">
+                <a16:creationId xmlns:a16="http://schemas.microsoft.com/office/drawing/2014/main" id="{D52EEC39-1952-117F-F195-8C3FD1FD8D2B}"/>
+              </a:ext>
+            </a:extLst>
+          </p:cNvPr>
+          <p:cNvSpPr/>
+          <p:nvPr/>
+        </p:nvSpPr>
+        <p:spPr>
+          <a:xfrm>
+            <a:off x="9007408" y="7457817"/>
+            <a:ext cx="1488021" cy="453114"/>
+          </a:xfrm>
+          <a:prstGeom prst="rect">
+            <a:avLst/>
+          </a:prstGeom>
+          <a:solidFill>
+            <a:schemeClr val="bg1">
+              <a:alpha val="69000"/>
+            </a:schemeClr>
+          </a:solidFill>
+        </p:spPr>
+        <p:style>
+          <a:lnRef idx="2">
+            <a:schemeClr val="accent1">
+              <a:shade val="50000"/>
+            </a:schemeClr>
+          </a:lnRef>
+          <a:fillRef idx="1">
+            <a:schemeClr val="accent1"/>
+          </a:fillRef>
+          <a:effectRef idx="0">
+            <a:schemeClr val="accent1"/>
+          </a:effectRef>
+          <a:fontRef idx="minor">
+            <a:schemeClr val="lt1"/>
+          </a:fontRef>
+        </p:style>
+        <p:txBody>
+          <a:bodyPr rtlCol="0" anchor="ctr"/>
+          <a:lstStyle/>
+          <a:p>
+            <a:pPr algn="ctr"/>
+            <a:r>
+              <a:rPr lang="ko-KR" altLang="en-US" sz="2156" dirty="0">
+                <a:solidFill>
+                  <a:schemeClr val="tx1"/>
+                </a:solidFill>
+              </a:rPr>
+              <a:t>등록</a:t>
+            </a:r>
+            <a:endParaRPr lang="ko-KR" altLang="en-US" sz="2156" dirty="0">
+              <a:solidFill>
+                <a:schemeClr val="tx1"/>
+              </a:solidFill>
+            </a:endParaRPr>
+          </a:p>
+        </p:txBody>
+      </p:sp>
+      <p:sp>
+        <p:nvSpPr>
+          <p:cNvPr id="11" name="직사각형 10">
+            <a:extLst>
+              <a:ext uri="{FF2B5EF4-FFF2-40B4-BE49-F238E27FC236}">
+                <a16:creationId xmlns:a16="http://schemas.microsoft.com/office/drawing/2014/main" id="{0183B1AF-E993-5C04-1334-AED3BE55AEA8}"/>
+              </a:ext>
+            </a:extLst>
+          </p:cNvPr>
+          <p:cNvSpPr/>
+          <p:nvPr/>
+        </p:nvSpPr>
+        <p:spPr>
+          <a:xfrm>
+            <a:off x="9225386" y="8061716"/>
+            <a:ext cx="1254828" cy="439339"/>
+          </a:xfrm>
+          <a:prstGeom prst="rect">
+            <a:avLst/>
+          </a:prstGeom>
+          <a:solidFill>
+            <a:schemeClr val="bg1">
+              <a:alpha val="69000"/>
+            </a:schemeClr>
+          </a:solidFill>
+        </p:spPr>
+        <p:style>
+          <a:lnRef idx="2">
+            <a:schemeClr val="accent1">
+              <a:shade val="50000"/>
+            </a:schemeClr>
+          </a:lnRef>
+          <a:fillRef idx="1">
+            <a:schemeClr val="accent1"/>
+          </a:fillRef>
+          <a:effectRef idx="0">
+            <a:schemeClr val="accent1"/>
+          </a:effectRef>
+          <a:fontRef idx="minor">
+            <a:schemeClr val="lt1"/>
+          </a:fontRef>
+        </p:style>
+        <p:txBody>
+          <a:bodyPr rtlCol="0" anchor="ctr"/>
+          <a:lstStyle/>
+          <a:p>
+            <a:pPr algn="ctr"/>
+            <a:r>
+              <a:rPr lang="ko-KR" altLang="en-US" sz="2156" dirty="0">
+                <a:solidFill>
+                  <a:schemeClr val="tx1"/>
+                </a:solidFill>
+              </a:rPr>
+              <a:t>목록</a:t>
+            </a:r>
+            <a:endParaRPr lang="ko-KR" altLang="en-US" sz="2156" dirty="0">
+              <a:solidFill>
+                <a:schemeClr val="tx1"/>
+              </a:solidFill>
+            </a:endParaRPr>
+          </a:p>
+        </p:txBody>
+      </p:sp>
       <p:pic>
         <p:nvPicPr>
-          <p:cNvPr id="1028" name="Picture 4" descr="지도 마커 PNG 이미지 | PNGWing"/>
+          <p:cNvPr id="14" name="그림 13"/>
+          <p:cNvPicPr>
+            <a:picLocks noChangeAspect="1"/>
+          </p:cNvPicPr>
+          <p:nvPr/>
+        </p:nvPicPr>
+        <p:blipFill>
+          <a:blip r:embed="rId5"/>
+          <a:stretch>
+            <a:fillRect/>
+          </a:stretch>
+        </p:blipFill>
+        <p:spPr>
+          <a:xfrm>
+            <a:off x="955979" y="2042633"/>
+            <a:ext cx="10280081" cy="481307"/>
+          </a:xfrm>
+          <a:prstGeom prst="rect">
+            <a:avLst/>
+          </a:prstGeom>
+        </p:spPr>
+      </p:pic>
+    </p:spTree>
+    <p:extLst>
+      <p:ext uri="{BB962C8B-B14F-4D97-AF65-F5344CB8AC3E}">
+        <p14:creationId xmlns:p14="http://schemas.microsoft.com/office/powerpoint/2010/main" val="1902277537"/>
+      </p:ext>
+    </p:extLst>
+  </p:cSld>
+  <p:clrMapOvr>
+    <a:masterClrMapping/>
+  </p:clrMapOvr>
+  <p:timing>
+    <p:tnLst>
+      <p:par>
+        <p:cTn id="1" dur="indefinite" restart="never" nodeType="tmRoot"/>
+      </p:par>
+    </p:tnLst>
+  </p:timing>
+</p:sld>
+</file>
+
+<file path=ppt/slides/slide11.xml><?xml version="1.0" encoding="utf-8"?>
+<p:sld xmlns:a="http://schemas.openxmlformats.org/drawingml/2006/main" xmlns:r="http://schemas.openxmlformats.org/officeDocument/2006/relationships" xmlns:p="http://schemas.openxmlformats.org/presentationml/2006/main">
+  <p:cSld>
+    <p:spTree>
+      <p:nvGrpSpPr>
+        <p:cNvPr id="1" name=""/>
+        <p:cNvGrpSpPr/>
+        <p:nvPr/>
+      </p:nvGrpSpPr>
+      <p:grpSpPr>
+        <a:xfrm>
+          <a:off x="0" y="0"/>
+          <a:ext cx="0" cy="0"/>
+          <a:chOff x="0" y="0"/>
+          <a:chExt cx="0" cy="0"/>
+        </a:xfrm>
+      </p:grpSpPr>
+      <p:pic>
+        <p:nvPicPr>
+          <p:cNvPr id="5" name="그림 4">
+            <a:extLst>
+              <a:ext uri="{FF2B5EF4-FFF2-40B4-BE49-F238E27FC236}">
+                <a16:creationId xmlns:a16="http://schemas.microsoft.com/office/drawing/2014/main" id="{792D97C3-F1C6-E0B5-E54D-CFF5FD564126}"/>
+              </a:ext>
+            </a:extLst>
+          </p:cNvPr>
+          <p:cNvPicPr>
+            <a:picLocks noChangeAspect="1"/>
+          </p:cNvPicPr>
+          <p:nvPr/>
+        </p:nvPicPr>
+        <p:blipFill>
+          <a:blip r:embed="rId2">
+            <a:extLst>
+              <a:ext uri="{28A0092B-C50C-407E-A947-70E740481C1C}">
+                <a14:useLocalDpi xmlns:a14="http://schemas.microsoft.com/office/drawing/2010/main" val="0"/>
+              </a:ext>
+            </a:extLst>
+          </a:blip>
+          <a:stretch>
+            <a:fillRect/>
+          </a:stretch>
+        </p:blipFill>
+        <p:spPr>
+          <a:xfrm>
+            <a:off x="609455" y="1800625"/>
+            <a:ext cx="10973125" cy="8229837"/>
+          </a:xfrm>
+          <a:prstGeom prst="rect">
+            <a:avLst/>
+          </a:prstGeom>
+        </p:spPr>
+      </p:pic>
+      <p:sp>
+        <p:nvSpPr>
+          <p:cNvPr id="10" name="직사각형 9">
+            <a:extLst>
+              <a:ext uri="{FF2B5EF4-FFF2-40B4-BE49-F238E27FC236}">
+                <a16:creationId xmlns:a16="http://schemas.microsoft.com/office/drawing/2014/main" id="{ED9288A2-74BF-75F5-E308-BB2DD8435BAE}"/>
+              </a:ext>
+            </a:extLst>
+          </p:cNvPr>
+          <p:cNvSpPr/>
+          <p:nvPr/>
+        </p:nvSpPr>
+        <p:spPr>
+          <a:xfrm>
+            <a:off x="1285582" y="2825449"/>
+            <a:ext cx="9753886" cy="6180207"/>
+          </a:xfrm>
+          <a:prstGeom prst="rect">
+            <a:avLst/>
+          </a:prstGeom>
+          <a:solidFill>
+            <a:schemeClr val="bg1">
+              <a:alpha val="69000"/>
+            </a:schemeClr>
+          </a:solidFill>
+        </p:spPr>
+        <p:style>
+          <a:lnRef idx="2">
+            <a:schemeClr val="accent1">
+              <a:shade val="50000"/>
+            </a:schemeClr>
+          </a:lnRef>
+          <a:fillRef idx="1">
+            <a:schemeClr val="accent1"/>
+          </a:fillRef>
+          <a:effectRef idx="0">
+            <a:schemeClr val="accent1"/>
+          </a:effectRef>
+          <a:fontRef idx="minor">
+            <a:schemeClr val="lt1"/>
+          </a:fontRef>
+        </p:style>
+        <p:txBody>
+          <a:bodyPr rtlCol="0" anchor="ctr"/>
+          <a:lstStyle/>
+          <a:p>
+            <a:pPr algn="ctr"/>
+            <a:endParaRPr lang="ko-KR" altLang="en-US" sz="2156" dirty="0">
+              <a:solidFill>
+                <a:schemeClr val="tx1"/>
+              </a:solidFill>
+            </a:endParaRPr>
+          </a:p>
+        </p:txBody>
+      </p:sp>
+      <p:pic>
+        <p:nvPicPr>
+          <p:cNvPr id="21" name="그림 20">
+            <a:extLst>
+              <a:ext uri="{FF2B5EF4-FFF2-40B4-BE49-F238E27FC236}">
+                <a16:creationId xmlns:a16="http://schemas.microsoft.com/office/drawing/2014/main" id="{CAAFEC92-6D1C-AFA4-FF8D-63D0B5136CDE}"/>
+              </a:ext>
+            </a:extLst>
+          </p:cNvPr>
+          <p:cNvPicPr>
+            <a:picLocks noChangeAspect="1"/>
+          </p:cNvPicPr>
+          <p:nvPr/>
+        </p:nvPicPr>
+        <p:blipFill>
+          <a:blip r:embed="rId3"/>
+          <a:stretch>
+            <a:fillRect/>
+          </a:stretch>
+        </p:blipFill>
+        <p:spPr>
+          <a:xfrm>
+            <a:off x="955979" y="9188263"/>
+            <a:ext cx="10280081" cy="683701"/>
+          </a:xfrm>
+          <a:prstGeom prst="rect">
+            <a:avLst/>
+          </a:prstGeom>
+        </p:spPr>
+      </p:pic>
+      <p:sp>
+        <p:nvSpPr>
+          <p:cNvPr id="6" name="직사각형 5">
+            <a:extLst>
+              <a:ext uri="{FF2B5EF4-FFF2-40B4-BE49-F238E27FC236}">
+                <a16:creationId xmlns:a16="http://schemas.microsoft.com/office/drawing/2014/main" id="{93A48854-3D49-9FD7-F64C-FB8151AA3538}"/>
+              </a:ext>
+            </a:extLst>
+          </p:cNvPr>
+          <p:cNvSpPr/>
+          <p:nvPr/>
+        </p:nvSpPr>
+        <p:spPr>
+          <a:xfrm>
+            <a:off x="1565441" y="3957475"/>
+            <a:ext cx="9194147" cy="4683899"/>
+          </a:xfrm>
+          <a:prstGeom prst="rect">
+            <a:avLst/>
+          </a:prstGeom>
+          <a:solidFill>
+            <a:schemeClr val="bg1">
+              <a:alpha val="69000"/>
+            </a:schemeClr>
+          </a:solidFill>
+        </p:spPr>
+        <p:style>
+          <a:lnRef idx="2">
+            <a:schemeClr val="accent1">
+              <a:shade val="50000"/>
+            </a:schemeClr>
+          </a:lnRef>
+          <a:fillRef idx="1">
+            <a:schemeClr val="accent1"/>
+          </a:fillRef>
+          <a:effectRef idx="0">
+            <a:schemeClr val="accent1"/>
+          </a:effectRef>
+          <a:fontRef idx="minor">
+            <a:schemeClr val="lt1"/>
+          </a:fontRef>
+        </p:style>
+        <p:txBody>
+          <a:bodyPr rtlCol="0" anchor="ctr"/>
+          <a:lstStyle/>
+          <a:p>
+            <a:pPr algn="ctr"/>
+            <a:r>
+              <a:rPr lang="en-US" altLang="ko-KR" sz="2156" dirty="0">
+                <a:solidFill>
+                  <a:schemeClr val="tx1"/>
+                </a:solidFill>
+              </a:rPr>
+              <a:t>\</a:t>
+            </a:r>
+            <a:endParaRPr lang="ko-KR" altLang="en-US" sz="2156" dirty="0">
+              <a:solidFill>
+                <a:schemeClr val="tx1"/>
+              </a:solidFill>
+            </a:endParaRPr>
+          </a:p>
+        </p:txBody>
+      </p:sp>
+      <p:sp>
+        <p:nvSpPr>
+          <p:cNvPr id="2" name="직사각형 1">
+            <a:extLst>
+              <a:ext uri="{FF2B5EF4-FFF2-40B4-BE49-F238E27FC236}">
+                <a16:creationId xmlns:a16="http://schemas.microsoft.com/office/drawing/2014/main" id="{F2D1636A-86BB-F6F4-11D0-E132195C29DB}"/>
+              </a:ext>
+            </a:extLst>
+          </p:cNvPr>
+          <p:cNvSpPr/>
+          <p:nvPr/>
+        </p:nvSpPr>
+        <p:spPr>
+          <a:xfrm>
+            <a:off x="3931886" y="3048063"/>
+            <a:ext cx="4104759" cy="686807"/>
+          </a:xfrm>
+          <a:prstGeom prst="rect">
+            <a:avLst/>
+          </a:prstGeom>
+          <a:solidFill>
+            <a:schemeClr val="bg1">
+              <a:alpha val="69000"/>
+            </a:schemeClr>
+          </a:solidFill>
+        </p:spPr>
+        <p:style>
+          <a:lnRef idx="2">
+            <a:schemeClr val="accent1">
+              <a:shade val="50000"/>
+            </a:schemeClr>
+          </a:lnRef>
+          <a:fillRef idx="1">
+            <a:schemeClr val="accent1"/>
+          </a:fillRef>
+          <a:effectRef idx="0">
+            <a:schemeClr val="accent1"/>
+          </a:effectRef>
+          <a:fontRef idx="minor">
+            <a:schemeClr val="lt1"/>
+          </a:fontRef>
+        </p:style>
+        <p:txBody>
+          <a:bodyPr rtlCol="0" anchor="ctr"/>
+          <a:lstStyle/>
+          <a:p>
+            <a:pPr algn="ctr"/>
+            <a:r>
+              <a:rPr lang="ko-KR" altLang="en-US" sz="2156" dirty="0">
+                <a:solidFill>
+                  <a:schemeClr val="tx1"/>
+                </a:solidFill>
+              </a:rPr>
+              <a:t>날씨</a:t>
+            </a:r>
+            <a:endParaRPr lang="ko-KR" altLang="en-US" sz="2156" dirty="0">
+              <a:solidFill>
+                <a:schemeClr val="tx1"/>
+              </a:solidFill>
+            </a:endParaRPr>
+          </a:p>
+        </p:txBody>
+      </p:sp>
+      <p:pic>
+        <p:nvPicPr>
+          <p:cNvPr id="22" name="그림 21"/>
+          <p:cNvPicPr>
+            <a:picLocks noChangeAspect="1"/>
+          </p:cNvPicPr>
+          <p:nvPr/>
+        </p:nvPicPr>
+        <p:blipFill>
+          <a:blip r:embed="rId4"/>
+          <a:stretch>
+            <a:fillRect/>
+          </a:stretch>
+        </p:blipFill>
+        <p:spPr>
+          <a:xfrm>
+            <a:off x="955979" y="2042633"/>
+            <a:ext cx="10280081" cy="481307"/>
+          </a:xfrm>
+          <a:prstGeom prst="rect">
+            <a:avLst/>
+          </a:prstGeom>
+        </p:spPr>
+      </p:pic>
+      <p:pic>
+        <p:nvPicPr>
+          <p:cNvPr id="2050" name="Picture 2" descr="전국 지역별 오늘의 날씨 및 주말날씨]오늘 밤~내일 낮 제주도와 남해안 비, 내일과 모레 내륙 소나기! - 뉴제주일보"/>
           <p:cNvPicPr>
             <a:picLocks noChangeAspect="1" noChangeArrowheads="1"/>
           </p:cNvPicPr>
           <p:nvPr/>
         </p:nvPicPr>
         <p:blipFill>
-          <a:blip r:embed="rId4" cstate="hqprint">
+          <a:blip r:embed="rId5">
             <a:extLst>
               <a:ext uri="{28A0092B-C50C-407E-A947-70E740481C1C}">
                 <a14:useLocalDpi xmlns:a14="http://schemas.microsoft.com/office/drawing/2010/main" val="0"/>
@@ -4253,8 +4452,8 @@
         </p:blipFill>
         <p:spPr bwMode="auto">
           <a:xfrm>
-            <a:off x="3632450" y="3368842"/>
-            <a:ext cx="442625" cy="665167"/>
+            <a:off x="1990162" y="4317880"/>
+            <a:ext cx="5656040" cy="4020651"/>
           </a:xfrm>
           <a:prstGeom prst="rect">
             <a:avLst/>
@@ -4271,54 +4470,35 @@
           </a:extLst>
         </p:spPr>
       </p:pic>
-      <p:sp>
-        <p:nvSpPr>
-          <p:cNvPr id="13" name="사각형 설명선 12"/>
-          <p:cNvSpPr/>
-          <p:nvPr/>
-        </p:nvSpPr>
-        <p:spPr>
-          <a:xfrm>
-            <a:off x="3449054" y="2688091"/>
-            <a:ext cx="1279924" cy="483316"/>
-          </a:xfrm>
-          <a:prstGeom prst="wedgeRectCallout">
-            <a:avLst/>
-          </a:prstGeom>
-        </p:spPr>
-        <p:style>
-          <a:lnRef idx="2">
-            <a:schemeClr val="accent6"/>
-          </a:lnRef>
-          <a:fillRef idx="1">
-            <a:schemeClr val="lt1"/>
-          </a:fillRef>
-          <a:effectRef idx="0">
-            <a:schemeClr val="accent6"/>
-          </a:effectRef>
-          <a:fontRef idx="minor">
-            <a:schemeClr val="dk1"/>
-          </a:fontRef>
-        </p:style>
-        <p:txBody>
-          <a:bodyPr rtlCol="0" anchor="ctr"/>
-          <a:lstStyle/>
-          <a:p>
-            <a:pPr algn="ctr"/>
-            <a:r>
-              <a:rPr lang="ko-KR" altLang="en-US" dirty="0" smtClean="0"/>
-              <a:t>지역</a:t>
-            </a:r>
-            <a:endParaRPr lang="ko-KR" altLang="en-US" dirty="0"/>
-          </a:p>
-        </p:txBody>
-      </p:sp>
-      <p:sp>
-        <p:nvSpPr>
-          <p:cNvPr id="20" name="직사각형 19">
+      <p:pic>
+        <p:nvPicPr>
+          <p:cNvPr id="4" name="그림 3"/>
+          <p:cNvPicPr>
+            <a:picLocks noChangeAspect="1"/>
+          </p:cNvPicPr>
+          <p:nvPr/>
+        </p:nvPicPr>
+        <p:blipFill rotWithShape="1">
+          <a:blip r:embed="rId6"/>
+          <a:srcRect r="34603"/>
+          <a:stretch/>
+        </p:blipFill>
+        <p:spPr>
+          <a:xfrm>
+            <a:off x="8431365" y="4718051"/>
+            <a:ext cx="1832015" cy="3620476"/>
+          </a:xfrm>
+          <a:prstGeom prst="rect">
+            <a:avLst/>
+          </a:prstGeom>
+        </p:spPr>
+      </p:pic>
+      <p:sp>
+        <p:nvSpPr>
+          <p:cNvPr id="15" name="직사각형 14">
             <a:extLst>
               <a:ext uri="{FF2B5EF4-FFF2-40B4-BE49-F238E27FC236}">
-                <a16:creationId xmlns:a16="http://schemas.microsoft.com/office/drawing/2014/main" id="{3FD71A41-A53B-C6DC-349D-AB8726B1E2E9}"/>
+                <a16:creationId xmlns:a16="http://schemas.microsoft.com/office/drawing/2014/main" id="{2102F9E3-F7B5-57FC-03DE-5C1FD989320F}"/>
               </a:ext>
             </a:extLst>
           </p:cNvPr>
@@ -4327,17 +4507,20 @@
         </p:nvSpPr>
         <p:spPr>
           <a:xfrm>
-            <a:off x="7337711" y="2077570"/>
-            <a:ext cx="2278934" cy="3329332"/>
+            <a:off x="8250216" y="4090936"/>
+            <a:ext cx="2121223" cy="453913"/>
           </a:xfrm>
           <a:prstGeom prst="rect">
             <a:avLst/>
           </a:prstGeom>
           <a:solidFill>
             <a:schemeClr val="bg1">
-              <a:alpha val="69000"/>
+              <a:alpha val="0"/>
             </a:schemeClr>
           </a:solidFill>
+          <a:ln>
+            <a:noFill/>
+          </a:ln>
         </p:spPr>
         <p:style>
           <a:lnRef idx="2">
@@ -4361,14 +4544,14 @@
           <a:p>
             <a:pPr algn="ctr"/>
             <a:r>
-              <a:rPr lang="ko-KR" altLang="en-US" dirty="0" smtClean="0">
+              <a:rPr lang="ko-KR" altLang="en-US" sz="2156" dirty="0">
                 <a:solidFill>
                   <a:schemeClr val="tx1"/>
                 </a:solidFill>
               </a:rPr>
               <a:t>주간 날씨</a:t>
             </a:r>
-            <a:endParaRPr lang="ko-KR" altLang="en-US" dirty="0">
+            <a:endParaRPr lang="ko-KR" altLang="en-US" sz="2156" dirty="0">
               <a:solidFill>
                 <a:schemeClr val="tx1"/>
               </a:solidFill>
@@ -4376,30 +4559,6 @@
           </a:p>
         </p:txBody>
       </p:sp>
-      <p:pic>
-        <p:nvPicPr>
-          <p:cNvPr id="22" name="그림 21"/>
-          <p:cNvPicPr>
-            <a:picLocks noChangeAspect="1"/>
-          </p:cNvPicPr>
-          <p:nvPr/>
-        </p:nvPicPr>
-        <p:blipFill>
-          <a:blip r:embed="rId5"/>
-          <a:stretch>
-            <a:fillRect/>
-          </a:stretch>
-        </p:blipFill>
-        <p:spPr>
-          <a:xfrm>
-            <a:off x="1812757" y="181588"/>
-            <a:ext cx="8566485" cy="401079"/>
-          </a:xfrm>
-          <a:prstGeom prst="rect">
-            <a:avLst/>
-          </a:prstGeom>
-        </p:spPr>
-      </p:pic>
     </p:spTree>
     <p:extLst>
       <p:ext uri="{BB962C8B-B14F-4D97-AF65-F5344CB8AC3E}">
@@ -4410,6 +4569,13 @@
   <p:clrMapOvr>
     <a:masterClrMapping/>
   </p:clrMapOvr>
+  <p:timing>
+    <p:tnLst>
+      <p:par>
+        <p:cTn id="1" dur="indefinite" restart="never" nodeType="tmRoot"/>
+      </p:par>
+    </p:tnLst>
+  </p:timing>
 </p:sld>
 </file>
 
@@ -4458,8 +4624,8 @@
         </p:blipFill>
         <p:spPr>
           <a:xfrm>
-            <a:off x="1524000" y="0"/>
-            <a:ext cx="9144000" cy="6858000"/>
+            <a:off x="609459" y="762000"/>
+            <a:ext cx="10973125" cy="10667999"/>
           </a:xfrm>
           <a:prstGeom prst="rect">
             <a:avLst/>
@@ -4480,8 +4646,8 @@
         </p:nvSpPr>
         <p:spPr>
           <a:xfrm>
-            <a:off x="2087418" y="833916"/>
-            <a:ext cx="8128000" cy="5150022"/>
+            <a:off x="1285582" y="2061957"/>
+            <a:ext cx="9753886" cy="8109457"/>
           </a:xfrm>
           <a:prstGeom prst="rect">
             <a:avLst/>
@@ -4513,7 +4679,7 @@
           <a:lstStyle/>
           <a:p>
             <a:pPr algn="ctr"/>
-            <a:endParaRPr lang="ko-KR" altLang="en-US" dirty="0">
+            <a:endParaRPr lang="ko-KR" altLang="en-US" sz="2156" dirty="0">
               <a:solidFill>
                 <a:schemeClr val="tx1"/>
               </a:solidFill>
@@ -4543,188 +4709,14 @@
         </p:blipFill>
         <p:spPr>
           <a:xfrm>
-            <a:off x="1812757" y="6136100"/>
-            <a:ext cx="8566485" cy="569738"/>
+            <a:off x="1022461" y="10458856"/>
+            <a:ext cx="10280081" cy="683701"/>
           </a:xfrm>
           <a:prstGeom prst="rect">
             <a:avLst/>
           </a:prstGeom>
         </p:spPr>
       </p:pic>
-      <p:sp>
-        <p:nvSpPr>
-          <p:cNvPr id="2" name="직사각형 1">
-            <a:extLst>
-              <a:ext uri="{FF2B5EF4-FFF2-40B4-BE49-F238E27FC236}">
-                <a16:creationId xmlns:a16="http://schemas.microsoft.com/office/drawing/2014/main" id="{8EE18A7B-D9C7-0634-9830-FF966971084C}"/>
-              </a:ext>
-            </a:extLst>
-          </p:cNvPr>
-          <p:cNvSpPr/>
-          <p:nvPr/>
-        </p:nvSpPr>
-        <p:spPr>
-          <a:xfrm>
-            <a:off x="2313709" y="2196280"/>
-            <a:ext cx="4382654" cy="3484084"/>
-          </a:xfrm>
-          <a:prstGeom prst="rect">
-            <a:avLst/>
-          </a:prstGeom>
-          <a:solidFill>
-            <a:schemeClr val="bg1">
-              <a:alpha val="69000"/>
-            </a:schemeClr>
-          </a:solidFill>
-        </p:spPr>
-        <p:style>
-          <a:lnRef idx="2">
-            <a:schemeClr val="accent1">
-              <a:shade val="50000"/>
-            </a:schemeClr>
-          </a:lnRef>
-          <a:fillRef idx="1">
-            <a:schemeClr val="accent1"/>
-          </a:fillRef>
-          <a:effectRef idx="0">
-            <a:schemeClr val="accent1"/>
-          </a:effectRef>
-          <a:fontRef idx="minor">
-            <a:schemeClr val="lt1"/>
-          </a:fontRef>
-        </p:style>
-        <p:txBody>
-          <a:bodyPr rtlCol="0" anchor="ctr"/>
-          <a:lstStyle/>
-          <a:p>
-            <a:pPr algn="ctr"/>
-            <a:r>
-              <a:rPr lang="ko-KR" altLang="en-US" dirty="0">
-                <a:solidFill>
-                  <a:schemeClr val="tx1"/>
-                </a:solidFill>
-              </a:rPr>
-              <a:t>맵</a:t>
-            </a:r>
-          </a:p>
-        </p:txBody>
-      </p:sp>
-      <p:sp>
-        <p:nvSpPr>
-          <p:cNvPr id="3" name="직사각형 2">
-            <a:extLst>
-              <a:ext uri="{FF2B5EF4-FFF2-40B4-BE49-F238E27FC236}">
-                <a16:creationId xmlns:a16="http://schemas.microsoft.com/office/drawing/2014/main" id="{3F8D0F82-37F8-2D5F-32C0-0F5E4CA19D9D}"/>
-              </a:ext>
-            </a:extLst>
-          </p:cNvPr>
-          <p:cNvSpPr/>
-          <p:nvPr/>
-        </p:nvSpPr>
-        <p:spPr>
-          <a:xfrm>
-            <a:off x="2313709" y="1049234"/>
-            <a:ext cx="4382654" cy="994884"/>
-          </a:xfrm>
-          <a:prstGeom prst="rect">
-            <a:avLst/>
-          </a:prstGeom>
-          <a:solidFill>
-            <a:schemeClr val="bg1">
-              <a:alpha val="69000"/>
-            </a:schemeClr>
-          </a:solidFill>
-        </p:spPr>
-        <p:style>
-          <a:lnRef idx="2">
-            <a:schemeClr val="accent1">
-              <a:shade val="50000"/>
-            </a:schemeClr>
-          </a:lnRef>
-          <a:fillRef idx="1">
-            <a:schemeClr val="accent1"/>
-          </a:fillRef>
-          <a:effectRef idx="0">
-            <a:schemeClr val="accent1"/>
-          </a:effectRef>
-          <a:fontRef idx="minor">
-            <a:schemeClr val="lt1"/>
-          </a:fontRef>
-        </p:style>
-        <p:txBody>
-          <a:bodyPr rtlCol="0" anchor="ctr"/>
-          <a:lstStyle/>
-          <a:p>
-            <a:pPr algn="ctr"/>
-            <a:r>
-              <a:rPr lang="ko-KR" altLang="en-US" dirty="0">
-                <a:solidFill>
-                  <a:schemeClr val="tx1"/>
-                </a:solidFill>
-              </a:rPr>
-              <a:t>관광지 조회 검색</a:t>
-            </a:r>
-          </a:p>
-        </p:txBody>
-      </p:sp>
-      <p:sp>
-        <p:nvSpPr>
-          <p:cNvPr id="4" name="직사각형 3">
-            <a:extLst>
-              <a:ext uri="{FF2B5EF4-FFF2-40B4-BE49-F238E27FC236}">
-                <a16:creationId xmlns:a16="http://schemas.microsoft.com/office/drawing/2014/main" id="{2510843B-90EB-0EDD-F0B6-2E451B0541EC}"/>
-              </a:ext>
-            </a:extLst>
-          </p:cNvPr>
-          <p:cNvSpPr/>
-          <p:nvPr/>
-        </p:nvSpPr>
-        <p:spPr>
-          <a:xfrm>
-            <a:off x="7148945" y="1049234"/>
-            <a:ext cx="2618511" cy="4631130"/>
-          </a:xfrm>
-          <a:prstGeom prst="rect">
-            <a:avLst/>
-          </a:prstGeom>
-          <a:solidFill>
-            <a:schemeClr val="bg1">
-              <a:alpha val="69000"/>
-            </a:schemeClr>
-          </a:solidFill>
-        </p:spPr>
-        <p:style>
-          <a:lnRef idx="2">
-            <a:schemeClr val="accent1">
-              <a:shade val="50000"/>
-            </a:schemeClr>
-          </a:lnRef>
-          <a:fillRef idx="1">
-            <a:schemeClr val="accent1"/>
-          </a:fillRef>
-          <a:effectRef idx="0">
-            <a:schemeClr val="accent1"/>
-          </a:effectRef>
-          <a:fontRef idx="minor">
-            <a:schemeClr val="lt1"/>
-          </a:fontRef>
-        </p:style>
-        <p:txBody>
-          <a:bodyPr rtlCol="0" anchor="ctr"/>
-          <a:lstStyle/>
-          <a:p>
-            <a:pPr algn="ctr"/>
-            <a:r>
-              <a:rPr lang="ko-KR" altLang="en-US" dirty="0">
-                <a:solidFill>
-                  <a:schemeClr val="tx1"/>
-                </a:solidFill>
-              </a:rPr>
-              <a:t>리스트</a:t>
-            </a:r>
-          </a:p>
-        </p:txBody>
-      </p:sp>
       <p:pic>
         <p:nvPicPr>
           <p:cNvPr id="9" name="그림 8"/>
@@ -4741,8 +4733,143 @@
         </p:blipFill>
         <p:spPr>
           <a:xfrm>
-            <a:off x="1812757" y="181588"/>
-            <a:ext cx="8566485" cy="401079"/>
+            <a:off x="955979" y="1171325"/>
+            <a:ext cx="10280081" cy="481307"/>
+          </a:xfrm>
+          <a:prstGeom prst="rect">
+            <a:avLst/>
+          </a:prstGeom>
+        </p:spPr>
+      </p:pic>
+      <p:pic>
+        <p:nvPicPr>
+          <p:cNvPr id="7" name="그림 6"/>
+          <p:cNvPicPr>
+            <a:picLocks noChangeAspect="1"/>
+          </p:cNvPicPr>
+          <p:nvPr/>
+        </p:nvPicPr>
+        <p:blipFill>
+          <a:blip r:embed="rId5"/>
+          <a:stretch>
+            <a:fillRect/>
+          </a:stretch>
+        </p:blipFill>
+        <p:spPr>
+          <a:xfrm>
+            <a:off x="1562105" y="3580672"/>
+            <a:ext cx="5131081" cy="481852"/>
+          </a:xfrm>
+          <a:prstGeom prst="rect">
+            <a:avLst/>
+          </a:prstGeom>
+        </p:spPr>
+      </p:pic>
+      <p:sp>
+        <p:nvSpPr>
+          <p:cNvPr id="11" name="직사각형 10">
+            <a:extLst>
+              <a:ext uri="{FF2B5EF4-FFF2-40B4-BE49-F238E27FC236}">
+                <a16:creationId xmlns:a16="http://schemas.microsoft.com/office/drawing/2014/main" id="{3F8D0F82-37F8-2D5F-32C0-0F5E4CA19D9D}"/>
+              </a:ext>
+            </a:extLst>
+          </p:cNvPr>
+          <p:cNvSpPr/>
+          <p:nvPr/>
+        </p:nvSpPr>
+        <p:spPr>
+          <a:xfrm>
+            <a:off x="4485259" y="2626671"/>
+            <a:ext cx="3354483" cy="544666"/>
+          </a:xfrm>
+          <a:prstGeom prst="rect">
+            <a:avLst/>
+          </a:prstGeom>
+          <a:solidFill>
+            <a:schemeClr val="bg1">
+              <a:alpha val="69000"/>
+            </a:schemeClr>
+          </a:solidFill>
+        </p:spPr>
+        <p:style>
+          <a:lnRef idx="2">
+            <a:schemeClr val="accent1">
+              <a:shade val="50000"/>
+            </a:schemeClr>
+          </a:lnRef>
+          <a:fillRef idx="1">
+            <a:schemeClr val="accent1"/>
+          </a:fillRef>
+          <a:effectRef idx="0">
+            <a:schemeClr val="accent1"/>
+          </a:effectRef>
+          <a:fontRef idx="minor">
+            <a:schemeClr val="lt1"/>
+          </a:fontRef>
+        </p:style>
+        <p:txBody>
+          <a:bodyPr rtlCol="0" anchor="ctr"/>
+          <a:lstStyle/>
+          <a:p>
+            <a:pPr algn="ctr"/>
+            <a:r>
+              <a:rPr lang="ko-KR" altLang="en-US" sz="2156" dirty="0">
+                <a:solidFill>
+                  <a:schemeClr val="tx1"/>
+                </a:solidFill>
+              </a:rPr>
+              <a:t>전국 관광지</a:t>
+            </a:r>
+            <a:endParaRPr lang="ko-KR" altLang="en-US" sz="2156" dirty="0">
+              <a:solidFill>
+                <a:schemeClr val="tx1"/>
+              </a:solidFill>
+            </a:endParaRPr>
+          </a:p>
+        </p:txBody>
+      </p:sp>
+      <p:pic>
+        <p:nvPicPr>
+          <p:cNvPr id="8" name="그림 7"/>
+          <p:cNvPicPr>
+            <a:picLocks noChangeAspect="1"/>
+          </p:cNvPicPr>
+          <p:nvPr/>
+        </p:nvPicPr>
+        <p:blipFill>
+          <a:blip r:embed="rId6"/>
+          <a:stretch>
+            <a:fillRect/>
+          </a:stretch>
+        </p:blipFill>
+        <p:spPr>
+          <a:xfrm>
+            <a:off x="1550677" y="4349966"/>
+            <a:ext cx="5142522" cy="5191085"/>
+          </a:xfrm>
+          <a:prstGeom prst="rect">
+            <a:avLst/>
+          </a:prstGeom>
+        </p:spPr>
+      </p:pic>
+      <p:pic>
+        <p:nvPicPr>
+          <p:cNvPr id="12" name="그림 11"/>
+          <p:cNvPicPr>
+            <a:picLocks noChangeAspect="1"/>
+          </p:cNvPicPr>
+          <p:nvPr/>
+        </p:nvPicPr>
+        <p:blipFill>
+          <a:blip r:embed="rId7"/>
+          <a:stretch>
+            <a:fillRect/>
+          </a:stretch>
+        </p:blipFill>
+        <p:spPr>
+          <a:xfrm>
+            <a:off x="7081561" y="3580662"/>
+            <a:ext cx="3704771" cy="5960389"/>
           </a:xfrm>
           <a:prstGeom prst="rect">
             <a:avLst/>
@@ -4759,6 +4886,13 @@
   <p:clrMapOvr>
     <a:masterClrMapping/>
   </p:clrMapOvr>
+  <p:timing>
+    <p:tnLst>
+      <p:par>
+        <p:cTn id="1" dur="indefinite" restart="never" nodeType="tmRoot"/>
+      </p:par>
+    </p:tnLst>
+  </p:timing>
 </p:sld>
 </file>
 
@@ -4807,8 +4941,8 @@
         </p:blipFill>
         <p:spPr>
           <a:xfrm>
-            <a:off x="1523999" y="-20073"/>
-            <a:ext cx="9144000" cy="6858000"/>
+            <a:off x="609455" y="1123951"/>
+            <a:ext cx="10973125" cy="9592312"/>
           </a:xfrm>
           <a:prstGeom prst="rect">
             <a:avLst/>
@@ -4829,8 +4963,8 @@
         </p:nvSpPr>
         <p:spPr>
           <a:xfrm>
-            <a:off x="2087418" y="833916"/>
-            <a:ext cx="8128000" cy="5150022"/>
+            <a:off x="1304632" y="2590800"/>
+            <a:ext cx="9753886" cy="6610350"/>
           </a:xfrm>
           <a:prstGeom prst="rect">
             <a:avLst/>
@@ -4862,7 +4996,7 @@
           <a:lstStyle/>
           <a:p>
             <a:pPr algn="ctr"/>
-            <a:endParaRPr lang="ko-KR" altLang="en-US" dirty="0">
+            <a:endParaRPr lang="ko-KR" altLang="en-US" sz="2156" dirty="0">
               <a:solidFill>
                 <a:schemeClr val="tx1"/>
               </a:solidFill>
@@ -4892,8 +5026,8 @@
         </p:blipFill>
         <p:spPr>
           <a:xfrm>
-            <a:off x="1812757" y="6136100"/>
-            <a:ext cx="8566485" cy="569738"/>
+            <a:off x="985067" y="9749918"/>
+            <a:ext cx="10280081" cy="683701"/>
           </a:xfrm>
           <a:prstGeom prst="rect">
             <a:avLst/>
@@ -4914,8 +5048,8 @@
         </p:nvSpPr>
         <p:spPr>
           <a:xfrm>
-            <a:off x="2313709" y="1049234"/>
-            <a:ext cx="7661564" cy="587061"/>
+            <a:off x="1557128" y="2948818"/>
+            <a:ext cx="9194147" cy="704495"/>
           </a:xfrm>
           <a:prstGeom prst="rect">
             <a:avLst/>
@@ -4948,357 +5082,14 @@
           <a:p>
             <a:pPr algn="ctr"/>
             <a:r>
-              <a:rPr lang="ko-KR" altLang="en-US" dirty="0" smtClean="0">
+              <a:rPr lang="ko-KR" altLang="en-US" sz="2156" dirty="0">
                 <a:solidFill>
                   <a:schemeClr val="tx1"/>
                 </a:solidFill>
               </a:rPr>
               <a:t>그룹 플랜</a:t>
             </a:r>
-            <a:endParaRPr lang="ko-KR" altLang="en-US" dirty="0">
-              <a:solidFill>
-                <a:schemeClr val="tx1"/>
-              </a:solidFill>
-            </a:endParaRPr>
-          </a:p>
-        </p:txBody>
-      </p:sp>
-      <p:sp>
-        <p:nvSpPr>
-          <p:cNvPr id="12" name="직사각형 11">
-            <a:extLst>
-              <a:ext uri="{FF2B5EF4-FFF2-40B4-BE49-F238E27FC236}">
-                <a16:creationId xmlns:a16="http://schemas.microsoft.com/office/drawing/2014/main" id="{598D4036-4C7D-78D9-D5B4-3B7ED40CB267}"/>
-              </a:ext>
-            </a:extLst>
-          </p:cNvPr>
-          <p:cNvSpPr/>
-          <p:nvPr/>
-        </p:nvSpPr>
-        <p:spPr>
-          <a:xfrm>
-            <a:off x="8238067" y="1973978"/>
-            <a:ext cx="1527079" cy="342592"/>
-          </a:xfrm>
-          <a:prstGeom prst="rect">
-            <a:avLst/>
-          </a:prstGeom>
-          <a:solidFill>
-            <a:schemeClr val="bg1">
-              <a:alpha val="69000"/>
-            </a:schemeClr>
-          </a:solidFill>
-        </p:spPr>
-        <p:style>
-          <a:lnRef idx="2">
-            <a:schemeClr val="accent1">
-              <a:shade val="50000"/>
-            </a:schemeClr>
-          </a:lnRef>
-          <a:fillRef idx="1">
-            <a:schemeClr val="accent1"/>
-          </a:fillRef>
-          <a:effectRef idx="0">
-            <a:schemeClr val="accent1"/>
-          </a:effectRef>
-          <a:fontRef idx="minor">
-            <a:schemeClr val="lt1"/>
-          </a:fontRef>
-        </p:style>
-        <p:txBody>
-          <a:bodyPr rtlCol="0" anchor="ctr"/>
-          <a:lstStyle/>
-          <a:p>
-            <a:pPr algn="ctr"/>
-            <a:r>
-              <a:rPr lang="ko-KR" altLang="en-US" dirty="0" smtClean="0">
-                <a:solidFill>
-                  <a:schemeClr val="tx1"/>
-                </a:solidFill>
-              </a:rPr>
-              <a:t>그룹</a:t>
-            </a:r>
-            <a:r>
-              <a:rPr lang="ko-KR" altLang="en-US" dirty="0" smtClean="0">
-                <a:solidFill>
-                  <a:schemeClr val="tx1"/>
-                </a:solidFill>
-              </a:rPr>
-              <a:t> </a:t>
-            </a:r>
-            <a:r>
-              <a:rPr lang="ko-KR" altLang="en-US" dirty="0">
-                <a:solidFill>
-                  <a:schemeClr val="tx1"/>
-                </a:solidFill>
-              </a:rPr>
-              <a:t>만들기</a:t>
-            </a:r>
-          </a:p>
-        </p:txBody>
-      </p:sp>
-      <p:sp>
-        <p:nvSpPr>
-          <p:cNvPr id="9" name="직사각형 8">
-            <a:extLst>
-              <a:ext uri="{FF2B5EF4-FFF2-40B4-BE49-F238E27FC236}">
-                <a16:creationId xmlns:a16="http://schemas.microsoft.com/office/drawing/2014/main" id="{3F8D0F82-37F8-2D5F-32C0-0F5E4CA19D9D}"/>
-              </a:ext>
-            </a:extLst>
-          </p:cNvPr>
-          <p:cNvSpPr/>
-          <p:nvPr/>
-        </p:nvSpPr>
-        <p:spPr>
-          <a:xfrm>
-            <a:off x="2313709" y="1950173"/>
-            <a:ext cx="1185949" cy="366397"/>
-          </a:xfrm>
-          <a:prstGeom prst="rect">
-            <a:avLst/>
-          </a:prstGeom>
-          <a:solidFill>
-            <a:schemeClr val="bg1">
-              <a:alpha val="69000"/>
-            </a:schemeClr>
-          </a:solidFill>
-        </p:spPr>
-        <p:style>
-          <a:lnRef idx="2">
-            <a:schemeClr val="accent1">
-              <a:shade val="50000"/>
-            </a:schemeClr>
-          </a:lnRef>
-          <a:fillRef idx="1">
-            <a:schemeClr val="accent1"/>
-          </a:fillRef>
-          <a:effectRef idx="0">
-            <a:schemeClr val="accent1"/>
-          </a:effectRef>
-          <a:fontRef idx="minor">
-            <a:schemeClr val="lt1"/>
-          </a:fontRef>
-        </p:style>
-        <p:txBody>
-          <a:bodyPr rtlCol="0" anchor="ctr"/>
-          <a:lstStyle/>
-          <a:p>
-            <a:pPr algn="ctr"/>
-            <a:r>
-              <a:rPr lang="ko-KR" altLang="en-US" dirty="0" smtClean="0">
-                <a:solidFill>
-                  <a:schemeClr val="tx1"/>
-                </a:solidFill>
-              </a:rPr>
-              <a:t>전체</a:t>
-            </a:r>
-            <a:endParaRPr lang="ko-KR" altLang="en-US" dirty="0">
-              <a:solidFill>
-                <a:schemeClr val="tx1"/>
-              </a:solidFill>
-            </a:endParaRPr>
-          </a:p>
-        </p:txBody>
-      </p:sp>
-      <p:sp>
-        <p:nvSpPr>
-          <p:cNvPr id="14" name="직사각형 13">
-            <a:extLst>
-              <a:ext uri="{FF2B5EF4-FFF2-40B4-BE49-F238E27FC236}">
-                <a16:creationId xmlns:a16="http://schemas.microsoft.com/office/drawing/2014/main" id="{3F8D0F82-37F8-2D5F-32C0-0F5E4CA19D9D}"/>
-              </a:ext>
-            </a:extLst>
-          </p:cNvPr>
-          <p:cNvSpPr/>
-          <p:nvPr/>
-        </p:nvSpPr>
-        <p:spPr>
-          <a:xfrm>
-            <a:off x="2313709" y="2503941"/>
-            <a:ext cx="7613072" cy="3198590"/>
-          </a:xfrm>
-          <a:prstGeom prst="rect">
-            <a:avLst/>
-          </a:prstGeom>
-          <a:solidFill>
-            <a:schemeClr val="bg1">
-              <a:alpha val="69000"/>
-            </a:schemeClr>
-          </a:solidFill>
-        </p:spPr>
-        <p:style>
-          <a:lnRef idx="2">
-            <a:schemeClr val="accent1">
-              <a:shade val="50000"/>
-            </a:schemeClr>
-          </a:lnRef>
-          <a:fillRef idx="1">
-            <a:schemeClr val="accent1"/>
-          </a:fillRef>
-          <a:effectRef idx="0">
-            <a:schemeClr val="accent1"/>
-          </a:effectRef>
-          <a:fontRef idx="minor">
-            <a:schemeClr val="lt1"/>
-          </a:fontRef>
-        </p:style>
-        <p:txBody>
-          <a:bodyPr rtlCol="0" anchor="ctr"/>
-          <a:lstStyle/>
-          <a:p>
-            <a:pPr algn="ctr"/>
-            <a:r>
-              <a:rPr lang="ko-KR" altLang="en-US" dirty="0" smtClean="0">
-                <a:solidFill>
-                  <a:schemeClr val="tx1"/>
-                </a:solidFill>
-              </a:rPr>
-              <a:t>번호</a:t>
-            </a:r>
-            <a:r>
-              <a:rPr lang="en-US" altLang="ko-KR" dirty="0" smtClean="0">
-                <a:solidFill>
-                  <a:schemeClr val="tx1"/>
-                </a:solidFill>
-              </a:rPr>
-              <a:t>/ </a:t>
-            </a:r>
-            <a:r>
-              <a:rPr lang="ko-KR" altLang="en-US" dirty="0" smtClean="0">
-                <a:solidFill>
-                  <a:schemeClr val="tx1"/>
-                </a:solidFill>
-              </a:rPr>
-              <a:t>제목 </a:t>
-            </a:r>
-            <a:r>
-              <a:rPr lang="en-US" altLang="ko-KR" dirty="0" smtClean="0">
-                <a:solidFill>
-                  <a:schemeClr val="tx1"/>
-                </a:solidFill>
-              </a:rPr>
-              <a:t>/ </a:t>
-            </a:r>
-            <a:r>
-              <a:rPr lang="ko-KR" altLang="en-US" dirty="0" smtClean="0">
-                <a:solidFill>
-                  <a:schemeClr val="tx1"/>
-                </a:solidFill>
-              </a:rPr>
-              <a:t>방장 </a:t>
-            </a:r>
-            <a:r>
-              <a:rPr lang="en-US" altLang="ko-KR" dirty="0" smtClean="0">
-                <a:solidFill>
-                  <a:schemeClr val="tx1"/>
-                </a:solidFill>
-              </a:rPr>
-              <a:t>/ </a:t>
-            </a:r>
-            <a:r>
-              <a:rPr lang="ko-KR" altLang="en-US" dirty="0" smtClean="0">
-                <a:solidFill>
-                  <a:schemeClr val="tx1"/>
-                </a:solidFill>
-              </a:rPr>
-              <a:t>여행 시작 날짜 </a:t>
-            </a:r>
-            <a:r>
-              <a:rPr lang="en-US" altLang="ko-KR" dirty="0" smtClean="0">
-                <a:solidFill>
-                  <a:schemeClr val="tx1"/>
-                </a:solidFill>
-              </a:rPr>
-              <a:t>/ </a:t>
-            </a:r>
-            <a:r>
-              <a:rPr lang="ko-KR" altLang="en-US" dirty="0" smtClean="0">
-                <a:solidFill>
-                  <a:schemeClr val="tx1"/>
-                </a:solidFill>
-              </a:rPr>
-              <a:t>여행 종료 날짜 </a:t>
-            </a:r>
-            <a:r>
-              <a:rPr lang="en-US" altLang="ko-KR" dirty="0" smtClean="0">
-                <a:solidFill>
-                  <a:schemeClr val="tx1"/>
-                </a:solidFill>
-              </a:rPr>
-              <a:t>/ </a:t>
-            </a:r>
-            <a:r>
-              <a:rPr lang="ko-KR" altLang="en-US" dirty="0" smtClean="0">
-                <a:solidFill>
-                  <a:schemeClr val="tx1"/>
-                </a:solidFill>
-              </a:rPr>
-              <a:t>인원 수</a:t>
-            </a:r>
-            <a:endParaRPr lang="ko-KR" altLang="en-US" dirty="0">
-              <a:solidFill>
-                <a:schemeClr val="tx1"/>
-              </a:solidFill>
-            </a:endParaRPr>
-          </a:p>
-        </p:txBody>
-      </p:sp>
-      <p:sp>
-        <p:nvSpPr>
-          <p:cNvPr id="15" name="직사각형 14">
-            <a:extLst>
-              <a:ext uri="{FF2B5EF4-FFF2-40B4-BE49-F238E27FC236}">
-                <a16:creationId xmlns:a16="http://schemas.microsoft.com/office/drawing/2014/main" id="{3F8D0F82-37F8-2D5F-32C0-0F5E4CA19D9D}"/>
-              </a:ext>
-            </a:extLst>
-          </p:cNvPr>
-          <p:cNvSpPr/>
-          <p:nvPr/>
-        </p:nvSpPr>
-        <p:spPr>
-          <a:xfrm>
-            <a:off x="3725950" y="1950173"/>
-            <a:ext cx="1153622" cy="366397"/>
-          </a:xfrm>
-          <a:prstGeom prst="rect">
-            <a:avLst/>
-          </a:prstGeom>
-          <a:solidFill>
-            <a:schemeClr val="bg1">
-              <a:alpha val="69000"/>
-            </a:schemeClr>
-          </a:solidFill>
-        </p:spPr>
-        <p:style>
-          <a:lnRef idx="2">
-            <a:schemeClr val="accent1">
-              <a:shade val="50000"/>
-            </a:schemeClr>
-          </a:lnRef>
-          <a:fillRef idx="1">
-            <a:schemeClr val="accent1"/>
-          </a:fillRef>
-          <a:effectRef idx="0">
-            <a:schemeClr val="accent1"/>
-          </a:effectRef>
-          <a:fontRef idx="minor">
-            <a:schemeClr val="lt1"/>
-          </a:fontRef>
-        </p:style>
-        <p:txBody>
-          <a:bodyPr rtlCol="0" anchor="ctr"/>
-          <a:lstStyle/>
-          <a:p>
-            <a:pPr algn="ctr"/>
-            <a:r>
-              <a:rPr lang="ko-KR" altLang="en-US" dirty="0" smtClean="0">
-                <a:solidFill>
-                  <a:schemeClr val="tx1"/>
-                </a:solidFill>
-              </a:rPr>
-              <a:t>내 그룹</a:t>
-            </a:r>
-            <a:endParaRPr lang="ko-KR" altLang="en-US" dirty="0">
+            <a:endParaRPr lang="ko-KR" altLang="en-US" sz="2156" dirty="0">
               <a:solidFill>
                 <a:schemeClr val="tx1"/>
               </a:solidFill>
@@ -5322,8 +5113,104 @@
         </p:blipFill>
         <p:spPr>
           <a:xfrm>
-            <a:off x="1812757" y="181588"/>
-            <a:ext cx="8566485" cy="401079"/>
+            <a:off x="985068" y="1493393"/>
+            <a:ext cx="10280081" cy="481307"/>
+          </a:xfrm>
+          <a:prstGeom prst="rect">
+            <a:avLst/>
+          </a:prstGeom>
+        </p:spPr>
+      </p:pic>
+      <p:pic>
+        <p:nvPicPr>
+          <p:cNvPr id="4" name="그림 3"/>
+          <p:cNvPicPr>
+            <a:picLocks noChangeAspect="1"/>
+          </p:cNvPicPr>
+          <p:nvPr/>
+        </p:nvPicPr>
+        <p:blipFill>
+          <a:blip r:embed="rId5"/>
+          <a:stretch>
+            <a:fillRect/>
+          </a:stretch>
+        </p:blipFill>
+        <p:spPr>
+          <a:xfrm>
+            <a:off x="1615315" y="4190355"/>
+            <a:ext cx="9135960" cy="685815"/>
+          </a:xfrm>
+          <a:prstGeom prst="rect">
+            <a:avLst/>
+          </a:prstGeom>
+        </p:spPr>
+      </p:pic>
+      <p:pic>
+        <p:nvPicPr>
+          <p:cNvPr id="8" name="그림 7"/>
+          <p:cNvPicPr>
+            <a:picLocks noChangeAspect="1"/>
+          </p:cNvPicPr>
+          <p:nvPr/>
+        </p:nvPicPr>
+        <p:blipFill>
+          <a:blip r:embed="rId6"/>
+          <a:stretch>
+            <a:fillRect/>
+          </a:stretch>
+        </p:blipFill>
+        <p:spPr>
+          <a:xfrm>
+            <a:off x="1615315" y="4876181"/>
+            <a:ext cx="9135960" cy="3327473"/>
+          </a:xfrm>
+          <a:prstGeom prst="rect">
+            <a:avLst/>
+          </a:prstGeom>
+        </p:spPr>
+      </p:pic>
+      <p:pic>
+        <p:nvPicPr>
+          <p:cNvPr id="11" name="그림 10"/>
+          <p:cNvPicPr>
+            <a:picLocks noChangeAspect="1"/>
+          </p:cNvPicPr>
+          <p:nvPr/>
+        </p:nvPicPr>
+        <p:blipFill>
+          <a:blip r:embed="rId7"/>
+          <a:stretch>
+            <a:fillRect/>
+          </a:stretch>
+        </p:blipFill>
+        <p:spPr>
+          <a:xfrm>
+            <a:off x="9216158" y="4263180"/>
+            <a:ext cx="1325915" cy="430394"/>
+          </a:xfrm>
+          <a:prstGeom prst="rect">
+            <a:avLst/>
+          </a:prstGeom>
+        </p:spPr>
+      </p:pic>
+      <p:pic>
+        <p:nvPicPr>
+          <p:cNvPr id="17" name="그림 16"/>
+          <p:cNvPicPr>
+            <a:picLocks noChangeAspect="1"/>
+          </p:cNvPicPr>
+          <p:nvPr/>
+        </p:nvPicPr>
+        <p:blipFill>
+          <a:blip r:embed="rId8"/>
+          <a:stretch>
+            <a:fillRect/>
+          </a:stretch>
+        </p:blipFill>
+        <p:spPr>
+          <a:xfrm>
+            <a:off x="1615315" y="8071909"/>
+            <a:ext cx="9135960" cy="592199"/>
           </a:xfrm>
           <a:prstGeom prst="rect">
             <a:avLst/>
@@ -5340,6 +5227,13 @@
   <p:clrMapOvr>
     <a:masterClrMapping/>
   </p:clrMapOvr>
+  <p:timing>
+    <p:tnLst>
+      <p:par>
+        <p:cTn id="1" dur="indefinite" restart="never" nodeType="tmRoot"/>
+      </p:par>
+    </p:tnLst>
+  </p:timing>
 </p:sld>
 </file>
 
@@ -5388,8 +5282,8 @@
         </p:blipFill>
         <p:spPr>
           <a:xfrm>
-            <a:off x="1523999" y="-20073"/>
-            <a:ext cx="9144000" cy="6858000"/>
+            <a:off x="609455" y="1800625"/>
+            <a:ext cx="10973125" cy="8229837"/>
           </a:xfrm>
           <a:prstGeom prst="rect">
             <a:avLst/>
@@ -5410,8 +5304,8 @@
         </p:nvSpPr>
         <p:spPr>
           <a:xfrm>
-            <a:off x="2087418" y="833916"/>
-            <a:ext cx="8128000" cy="5150022"/>
+            <a:off x="1285582" y="2825449"/>
+            <a:ext cx="9753886" cy="6180207"/>
           </a:xfrm>
           <a:prstGeom prst="rect">
             <a:avLst/>
@@ -5443,7 +5337,7 @@
           <a:lstStyle/>
           <a:p>
             <a:pPr algn="ctr"/>
-            <a:endParaRPr lang="ko-KR" altLang="en-US" dirty="0">
+            <a:endParaRPr lang="ko-KR" altLang="en-US" sz="2156" dirty="0">
               <a:solidFill>
                 <a:schemeClr val="tx1"/>
               </a:solidFill>
@@ -5473,8 +5367,8 @@
         </p:blipFill>
         <p:spPr>
           <a:xfrm>
-            <a:off x="1812757" y="6136100"/>
-            <a:ext cx="8566485" cy="569738"/>
+            <a:off x="955979" y="9188263"/>
+            <a:ext cx="10280081" cy="683701"/>
           </a:xfrm>
           <a:prstGeom prst="rect">
             <a:avLst/>
@@ -5495,8 +5389,8 @@
         </p:nvSpPr>
         <p:spPr>
           <a:xfrm>
-            <a:off x="4698077" y="1806119"/>
-            <a:ext cx="2891443" cy="437794"/>
+            <a:off x="4418466" y="3992134"/>
+            <a:ext cx="3469836" cy="525369"/>
           </a:xfrm>
           <a:prstGeom prst="rect">
             <a:avLst/>
@@ -5529,13 +5423,34 @@
           <a:p>
             <a:pPr algn="ctr"/>
             <a:r>
-              <a:rPr lang="ko-KR" altLang="en-US" dirty="0">
+              <a:rPr lang="ko-KR" altLang="en-US" sz="2156" dirty="0">
                 <a:solidFill>
                   <a:schemeClr val="tx1"/>
                 </a:solidFill>
               </a:rPr>
-              <a:t>방 제목</a:t>
-            </a:r>
+              <a:t>방 </a:t>
+            </a:r>
+            <a:r>
+              <a:rPr lang="ko-KR" altLang="en-US" sz="2156" dirty="0">
+                <a:solidFill>
+                  <a:schemeClr val="tx1"/>
+                </a:solidFill>
+              </a:rPr>
+              <a:t>제목 </a:t>
+            </a:r>
+            <a:r>
+              <a:rPr lang="en-US" altLang="ko-KR" sz="2156" dirty="0">
+                <a:solidFill>
+                  <a:schemeClr val="tx1"/>
+                </a:solidFill>
+              </a:rPr>
+              <a:t>: </a:t>
+            </a:r>
+            <a:endParaRPr lang="ko-KR" altLang="en-US" sz="2156" dirty="0">
+              <a:solidFill>
+                <a:schemeClr val="tx1"/>
+              </a:solidFill>
+            </a:endParaRPr>
           </a:p>
         </p:txBody>
       </p:sp>
@@ -5553,8 +5468,8 @@
         </p:nvSpPr>
         <p:spPr>
           <a:xfrm>
-            <a:off x="4705696" y="2651467"/>
-            <a:ext cx="2891444" cy="437794"/>
+            <a:off x="4427607" y="5006581"/>
+            <a:ext cx="3469836" cy="525369"/>
           </a:xfrm>
           <a:prstGeom prst="rect">
             <a:avLst/>
@@ -5587,13 +5502,34 @@
           <a:p>
             <a:pPr algn="ctr"/>
             <a:r>
-              <a:rPr lang="ko-KR" altLang="en-US" dirty="0">
+              <a:rPr lang="ko-KR" altLang="en-US" sz="2156" dirty="0">
                 <a:solidFill>
                   <a:schemeClr val="tx1"/>
                 </a:solidFill>
               </a:rPr>
-              <a:t>수용 인원</a:t>
-            </a:r>
+              <a:t>수용 </a:t>
+            </a:r>
+            <a:r>
+              <a:rPr lang="ko-KR" altLang="en-US" sz="2156" dirty="0">
+                <a:solidFill>
+                  <a:schemeClr val="tx1"/>
+                </a:solidFill>
+              </a:rPr>
+              <a:t>인원 </a:t>
+            </a:r>
+            <a:r>
+              <a:rPr lang="en-US" altLang="ko-KR" sz="2156" dirty="0">
+                <a:solidFill>
+                  <a:schemeClr val="tx1"/>
+                </a:solidFill>
+              </a:rPr>
+              <a:t>: </a:t>
+            </a:r>
+            <a:endParaRPr lang="ko-KR" altLang="en-US" sz="2156" dirty="0">
+              <a:solidFill>
+                <a:schemeClr val="tx1"/>
+              </a:solidFill>
+            </a:endParaRPr>
           </a:p>
         </p:txBody>
       </p:sp>
@@ -5611,8 +5547,8 @@
         </p:nvSpPr>
         <p:spPr>
           <a:xfrm>
-            <a:off x="7173938" y="5420668"/>
-            <a:ext cx="1254963" cy="366104"/>
+            <a:off x="7389584" y="8329710"/>
+            <a:ext cx="1506001" cy="439339"/>
           </a:xfrm>
           <a:prstGeom prst="rect">
             <a:avLst/>
@@ -5645,14 +5581,14 @@
           <a:p>
             <a:pPr algn="ctr"/>
             <a:r>
-              <a:rPr lang="ko-KR" altLang="en-US" dirty="0" smtClean="0">
+              <a:rPr lang="ko-KR" altLang="en-US" sz="2156" dirty="0">
                 <a:solidFill>
                   <a:schemeClr val="tx1"/>
                 </a:solidFill>
               </a:rPr>
               <a:t>등록</a:t>
             </a:r>
-            <a:endParaRPr lang="ko-KR" altLang="en-US" dirty="0">
+            <a:endParaRPr lang="ko-KR" altLang="en-US" sz="2156" dirty="0">
               <a:solidFill>
                 <a:schemeClr val="tx1"/>
               </a:solidFill>
@@ -5674,8 +5610,8 @@
         </p:nvSpPr>
         <p:spPr>
           <a:xfrm>
-            <a:off x="8710611" y="5420668"/>
-            <a:ext cx="1254963" cy="366104"/>
+            <a:off x="9233647" y="8329710"/>
+            <a:ext cx="1506001" cy="439339"/>
           </a:xfrm>
           <a:prstGeom prst="rect">
             <a:avLst/>
@@ -5708,7 +5644,7 @@
           <a:p>
             <a:pPr algn="ctr"/>
             <a:r>
-              <a:rPr lang="ko-KR" altLang="en-US" dirty="0">
+              <a:rPr lang="ko-KR" altLang="en-US" sz="2156" dirty="0">
                 <a:solidFill>
                   <a:schemeClr val="tx1"/>
                 </a:solidFill>
@@ -5732,8 +5668,8 @@
         </p:nvSpPr>
         <p:spPr>
           <a:xfrm>
-            <a:off x="3562987" y="960771"/>
-            <a:ext cx="5133109" cy="437794"/>
+            <a:off x="3056314" y="2977679"/>
+            <a:ext cx="6159908" cy="525369"/>
           </a:xfrm>
           <a:prstGeom prst="rect">
             <a:avLst/>
@@ -5766,14 +5702,14 @@
           <a:p>
             <a:pPr algn="ctr"/>
             <a:r>
-              <a:rPr lang="en-US" altLang="ko-KR" dirty="0">
+              <a:rPr lang="en-US" altLang="ko-KR" sz="2156" dirty="0">
                 <a:solidFill>
                   <a:schemeClr val="tx1"/>
                 </a:solidFill>
               </a:rPr>
               <a:t>Create Group</a:t>
             </a:r>
-            <a:endParaRPr lang="ko-KR" altLang="en-US" dirty="0">
+            <a:endParaRPr lang="ko-KR" altLang="en-US" sz="2156" dirty="0">
               <a:solidFill>
                 <a:schemeClr val="tx1"/>
               </a:solidFill>
@@ -5797,8 +5733,8 @@
         </p:blipFill>
         <p:spPr>
           <a:xfrm>
-            <a:off x="1812757" y="181588"/>
-            <a:ext cx="8566485" cy="401079"/>
+            <a:off x="955979" y="2042633"/>
+            <a:ext cx="10280081" cy="481307"/>
           </a:xfrm>
           <a:prstGeom prst="rect">
             <a:avLst/>
@@ -5819,8 +5755,8 @@
         </p:nvSpPr>
         <p:spPr>
           <a:xfrm>
-            <a:off x="4705696" y="3563160"/>
-            <a:ext cx="2891444" cy="437794"/>
+            <a:off x="4427607" y="6100649"/>
+            <a:ext cx="3469836" cy="525369"/>
           </a:xfrm>
           <a:prstGeom prst="rect">
             <a:avLst/>
@@ -5853,14 +5789,22 @@
           <a:p>
             <a:pPr algn="ctr"/>
             <a:r>
-              <a:rPr lang="ko-KR" altLang="en-US" dirty="0" smtClean="0">
+              <a:rPr lang="ko-KR" altLang="en-US" sz="2156" dirty="0">
                 <a:solidFill>
                   <a:schemeClr val="tx1"/>
                 </a:solidFill>
               </a:rPr>
-              <a:t>여행 시작 날짜</a:t>
-            </a:r>
-            <a:endParaRPr lang="ko-KR" altLang="en-US" dirty="0">
+              <a:t>여행 시작 날짜 </a:t>
+            </a:r>
+            <a:r>
+              <a:rPr lang="en-US" altLang="ko-KR" sz="2156" dirty="0">
+                <a:solidFill>
+                  <a:schemeClr val="tx1"/>
+                </a:solidFill>
+              </a:rPr>
+              <a:t>: </a:t>
+            </a:r>
+            <a:endParaRPr lang="ko-KR" altLang="en-US" sz="2156" dirty="0">
               <a:solidFill>
                 <a:schemeClr val="tx1"/>
               </a:solidFill>
@@ -5882,8 +5826,8 @@
         </p:nvSpPr>
         <p:spPr>
           <a:xfrm>
-            <a:off x="4698076" y="4474854"/>
-            <a:ext cx="2891444" cy="437794"/>
+            <a:off x="4418463" y="7194711"/>
+            <a:ext cx="3469836" cy="525369"/>
           </a:xfrm>
           <a:prstGeom prst="rect">
             <a:avLst/>
@@ -5916,14 +5860,22 @@
           <a:p>
             <a:pPr algn="ctr"/>
             <a:r>
-              <a:rPr lang="ko-KR" altLang="en-US" dirty="0" smtClean="0">
+              <a:rPr lang="ko-KR" altLang="en-US" sz="2156" dirty="0">
                 <a:solidFill>
                   <a:schemeClr val="tx1"/>
                 </a:solidFill>
               </a:rPr>
-              <a:t>여행 종료 날짜</a:t>
-            </a:r>
-            <a:endParaRPr lang="ko-KR" altLang="en-US" dirty="0">
+              <a:t>여행 종료 날짜 </a:t>
+            </a:r>
+            <a:r>
+              <a:rPr lang="en-US" altLang="ko-KR" sz="2156" dirty="0">
+                <a:solidFill>
+                  <a:schemeClr val="tx1"/>
+                </a:solidFill>
+              </a:rPr>
+              <a:t>: </a:t>
+            </a:r>
+            <a:endParaRPr lang="ko-KR" altLang="en-US" sz="2156" dirty="0">
               <a:solidFill>
                 <a:schemeClr val="tx1"/>
               </a:solidFill>
@@ -5941,6 +5893,13 @@
   <p:clrMapOvr>
     <a:masterClrMapping/>
   </p:clrMapOvr>
+  <p:timing>
+    <p:tnLst>
+      <p:par>
+        <p:cTn id="1" dur="indefinite" restart="never" nodeType="tmRoot"/>
+      </p:par>
+    </p:tnLst>
+  </p:timing>
 </p:sld>
 </file>
 
@@ -5989,8 +5948,8 @@
         </p:blipFill>
         <p:spPr>
           <a:xfrm>
-            <a:off x="1523999" y="-20073"/>
-            <a:ext cx="9144000" cy="6858000"/>
+            <a:off x="609455" y="381000"/>
+            <a:ext cx="10973125" cy="10725149"/>
           </a:xfrm>
           <a:prstGeom prst="rect">
             <a:avLst/>
@@ -6011,8 +5970,8 @@
         </p:nvSpPr>
         <p:spPr>
           <a:xfrm>
-            <a:off x="2087418" y="833916"/>
-            <a:ext cx="8128000" cy="5150022"/>
+            <a:off x="1285582" y="1333500"/>
+            <a:ext cx="9753886" cy="8443331"/>
           </a:xfrm>
           <a:prstGeom prst="rect">
             <a:avLst/>
@@ -6044,7 +6003,7 @@
           <a:lstStyle/>
           <a:p>
             <a:pPr algn="ctr"/>
-            <a:endParaRPr lang="ko-KR" altLang="en-US" dirty="0">
+            <a:endParaRPr lang="ko-KR" altLang="en-US" sz="2156" dirty="0">
               <a:solidFill>
                 <a:schemeClr val="tx1"/>
               </a:solidFill>
@@ -6074,8 +6033,8 @@
         </p:blipFill>
         <p:spPr>
           <a:xfrm>
-            <a:off x="1812757" y="6136100"/>
-            <a:ext cx="8566485" cy="569738"/>
+            <a:off x="978742" y="10099640"/>
+            <a:ext cx="10280081" cy="683701"/>
           </a:xfrm>
           <a:prstGeom prst="rect">
             <a:avLst/>
@@ -6096,8 +6055,8 @@
         </p:nvSpPr>
         <p:spPr>
           <a:xfrm>
-            <a:off x="2313709" y="1049234"/>
-            <a:ext cx="7661564" cy="587061"/>
+            <a:off x="1565451" y="1538316"/>
+            <a:ext cx="9194147" cy="704495"/>
           </a:xfrm>
           <a:prstGeom prst="rect">
             <a:avLst/>
@@ -6130,14 +6089,14 @@
           <a:p>
             <a:pPr algn="ctr"/>
             <a:r>
-              <a:rPr lang="ko-KR" altLang="en-US" dirty="0" smtClean="0">
+              <a:rPr lang="ko-KR" altLang="en-US" sz="2156" dirty="0">
                 <a:solidFill>
                   <a:schemeClr val="tx1"/>
                 </a:solidFill>
               </a:rPr>
               <a:t>그룹 방</a:t>
             </a:r>
-            <a:endParaRPr lang="ko-KR" altLang="en-US" dirty="0">
+            <a:endParaRPr lang="ko-KR" altLang="en-US" sz="2156" dirty="0">
               <a:solidFill>
                 <a:schemeClr val="tx1"/>
               </a:solidFill>
@@ -6147,10 +6106,10 @@
       </p:sp>
       <p:sp>
         <p:nvSpPr>
-          <p:cNvPr id="14" name="직사각형 13">
+          <p:cNvPr id="12" name="직사각형 11">
             <a:extLst>
               <a:ext uri="{FF2B5EF4-FFF2-40B4-BE49-F238E27FC236}">
-                <a16:creationId xmlns:a16="http://schemas.microsoft.com/office/drawing/2014/main" id="{3F8D0F82-37F8-2D5F-32C0-0F5E4CA19D9D}"/>
+                <a16:creationId xmlns:a16="http://schemas.microsoft.com/office/drawing/2014/main" id="{598D4036-4C7D-78D9-D5B4-3B7ED40CB267}"/>
               </a:ext>
             </a:extLst>
           </p:cNvPr>
@@ -6159,8 +6118,8 @@
         </p:nvSpPr>
         <p:spPr>
           <a:xfrm>
-            <a:off x="2313709" y="1851613"/>
-            <a:ext cx="7613072" cy="3850917"/>
+            <a:off x="7219931" y="2711193"/>
+            <a:ext cx="3279190" cy="773464"/>
           </a:xfrm>
           <a:prstGeom prst="rect">
             <a:avLst/>
@@ -6192,79 +6151,24 @@
           <a:lstStyle/>
           <a:p>
             <a:pPr algn="ctr"/>
-            <a:endParaRPr lang="ko-KR" altLang="en-US" dirty="0">
+            <a:r>
+              <a:rPr lang="ko-KR" altLang="en-US" sz="2156" dirty="0">
+                <a:solidFill>
+                  <a:schemeClr val="tx1"/>
+                </a:solidFill>
+              </a:rPr>
+              <a:t>그룹 참여하기</a:t>
+            </a:r>
+            <a:endParaRPr lang="en-US" altLang="ko-KR" sz="2156" dirty="0">
               <a:solidFill>
                 <a:schemeClr val="tx1"/>
               </a:solidFill>
             </a:endParaRPr>
           </a:p>
-        </p:txBody>
-      </p:sp>
-      <p:sp>
-        <p:nvSpPr>
-          <p:cNvPr id="12" name="직사각형 11">
-            <a:extLst>
-              <a:ext uri="{FF2B5EF4-FFF2-40B4-BE49-F238E27FC236}">
-                <a16:creationId xmlns:a16="http://schemas.microsoft.com/office/drawing/2014/main" id="{598D4036-4C7D-78D9-D5B4-3B7ED40CB267}"/>
-              </a:ext>
-            </a:extLst>
-          </p:cNvPr>
-          <p:cNvSpPr/>
-          <p:nvPr/>
-        </p:nvSpPr>
-        <p:spPr>
-          <a:xfrm>
-            <a:off x="7032567" y="1973978"/>
-            <a:ext cx="2732580" cy="644532"/>
-          </a:xfrm>
-          <a:prstGeom prst="rect">
-            <a:avLst/>
-          </a:prstGeom>
-          <a:solidFill>
-            <a:schemeClr val="bg1">
-              <a:alpha val="69000"/>
-            </a:schemeClr>
-          </a:solidFill>
-        </p:spPr>
-        <p:style>
-          <a:lnRef idx="2">
-            <a:schemeClr val="accent1">
-              <a:shade val="50000"/>
-            </a:schemeClr>
-          </a:lnRef>
-          <a:fillRef idx="1">
-            <a:schemeClr val="accent1"/>
-          </a:fillRef>
-          <a:effectRef idx="0">
-            <a:schemeClr val="accent1"/>
-          </a:effectRef>
-          <a:fontRef idx="minor">
-            <a:schemeClr val="lt1"/>
-          </a:fontRef>
-        </p:style>
-        <p:txBody>
-          <a:bodyPr rtlCol="0" anchor="ctr"/>
-          <a:lstStyle/>
           <a:p>
             <a:pPr algn="ctr"/>
             <a:r>
-              <a:rPr lang="ko-KR" altLang="en-US" dirty="0" smtClean="0">
-                <a:solidFill>
-                  <a:schemeClr val="tx1"/>
-                </a:solidFill>
-              </a:rPr>
-              <a:t>그룹 참여하기</a:t>
-            </a:r>
-            <a:endParaRPr lang="en-US" altLang="ko-KR" dirty="0" smtClean="0">
-              <a:solidFill>
-                <a:schemeClr val="tx1"/>
-              </a:solidFill>
-            </a:endParaRPr>
-          </a:p>
-          <a:p>
-            <a:pPr algn="ctr"/>
-            <a:r>
-              <a:rPr lang="en-US" altLang="ko-KR" dirty="0" smtClean="0">
+              <a:rPr lang="en-US" altLang="ko-KR" sz="2156" dirty="0">
                 <a:solidFill>
                   <a:schemeClr val="tx1"/>
                 </a:solidFill>
@@ -6272,7 +6176,7 @@
               <a:t>/</a:t>
             </a:r>
             <a:r>
-              <a:rPr lang="ko-KR" altLang="en-US" dirty="0">
+              <a:rPr lang="ko-KR" altLang="en-US" sz="2156" dirty="0">
                 <a:solidFill>
                   <a:schemeClr val="tx1"/>
                 </a:solidFill>
@@ -6280,14 +6184,14 @@
               <a:t>여행 계획 </a:t>
             </a:r>
             <a:r>
-              <a:rPr lang="ko-KR" altLang="en-US" dirty="0" smtClean="0">
+              <a:rPr lang="ko-KR" altLang="en-US" sz="2156" dirty="0">
                 <a:solidFill>
                   <a:schemeClr val="tx1"/>
                 </a:solidFill>
               </a:rPr>
               <a:t>만들기</a:t>
             </a:r>
-            <a:endParaRPr lang="ko-KR" altLang="en-US" dirty="0">
+            <a:endParaRPr lang="ko-KR" altLang="en-US" sz="2156" dirty="0">
               <a:solidFill>
                 <a:schemeClr val="tx1"/>
               </a:solidFill>
@@ -6311,8 +6215,8 @@
         </p:blipFill>
         <p:spPr>
           <a:xfrm>
-            <a:off x="1812757" y="181588"/>
-            <a:ext cx="8566485" cy="401079"/>
+            <a:off x="978743" y="699621"/>
+            <a:ext cx="10280081" cy="481307"/>
           </a:xfrm>
           <a:prstGeom prst="rect">
             <a:avLst/>
@@ -6321,10 +6225,10 @@
       </p:pic>
       <p:sp>
         <p:nvSpPr>
-          <p:cNvPr id="16" name="직사각형 15">
+          <p:cNvPr id="18" name="직사각형 17">
             <a:extLst>
               <a:ext uri="{FF2B5EF4-FFF2-40B4-BE49-F238E27FC236}">
-                <a16:creationId xmlns:a16="http://schemas.microsoft.com/office/drawing/2014/main" id="{3F8D0F82-37F8-2D5F-32C0-0F5E4CA19D9D}"/>
+                <a16:creationId xmlns:a16="http://schemas.microsoft.com/office/drawing/2014/main" id="{598D4036-4C7D-78D9-D5B4-3B7ED40CB267}"/>
               </a:ext>
             </a:extLst>
           </p:cNvPr>
@@ -6333,8 +6237,8 @@
         </p:nvSpPr>
         <p:spPr>
           <a:xfrm>
-            <a:off x="2485737" y="2827495"/>
-            <a:ext cx="7279410" cy="1908903"/>
+            <a:off x="1738436" y="2717472"/>
+            <a:ext cx="4122882" cy="490268"/>
           </a:xfrm>
           <a:prstGeom prst="rect">
             <a:avLst/>
@@ -6367,78 +6271,22 @@
           <a:p>
             <a:pPr algn="ctr"/>
             <a:r>
-              <a:rPr lang="ko-KR" altLang="en-US" dirty="0" smtClean="0">
+              <a:rPr lang="ko-KR" altLang="en-US" sz="2156" dirty="0">
                 <a:solidFill>
                   <a:schemeClr val="tx1"/>
                 </a:solidFill>
               </a:rPr>
-              <a:t>번호 </a:t>
-            </a:r>
-            <a:r>
-              <a:rPr lang="en-US" altLang="ko-KR" dirty="0" smtClean="0">
+              <a:t>그룹 멤버 </a:t>
+            </a:r>
+            <a:r>
+              <a:rPr lang="en-US" altLang="ko-KR" sz="2156" dirty="0" smtClean="0">
                 <a:solidFill>
                   <a:schemeClr val="tx1"/>
                 </a:solidFill>
               </a:rPr>
-              <a:t>/  </a:t>
-            </a:r>
-            <a:r>
-              <a:rPr lang="ko-KR" altLang="en-US" dirty="0" smtClean="0">
-                <a:solidFill>
-                  <a:schemeClr val="tx1"/>
-                </a:solidFill>
-              </a:rPr>
-              <a:t>제목 </a:t>
-            </a:r>
-            <a:r>
-              <a:rPr lang="en-US" altLang="ko-KR" dirty="0" smtClean="0">
-                <a:solidFill>
-                  <a:schemeClr val="tx1"/>
-                </a:solidFill>
-              </a:rPr>
-              <a:t>/ </a:t>
-            </a:r>
-            <a:r>
-              <a:rPr lang="ko-KR" altLang="en-US" dirty="0" smtClean="0">
-                <a:solidFill>
-                  <a:schemeClr val="tx1"/>
-                </a:solidFill>
-              </a:rPr>
-              <a:t>작성자 </a:t>
-            </a:r>
-            <a:r>
-              <a:rPr lang="en-US" altLang="ko-KR" dirty="0" smtClean="0">
-                <a:solidFill>
-                  <a:schemeClr val="tx1"/>
-                </a:solidFill>
-              </a:rPr>
-              <a:t>/ </a:t>
-            </a:r>
-            <a:r>
-              <a:rPr lang="ko-KR" altLang="en-US" dirty="0" smtClean="0">
-                <a:solidFill>
-                  <a:schemeClr val="tx1"/>
-                </a:solidFill>
-              </a:rPr>
-              <a:t>좋아요 수 </a:t>
-            </a:r>
-            <a:r>
-              <a:rPr lang="en-US" altLang="ko-KR" dirty="0" smtClean="0">
-                <a:solidFill>
-                  <a:schemeClr val="tx1"/>
-                </a:solidFill>
-              </a:rPr>
-              <a:t>/ </a:t>
-            </a:r>
-            <a:r>
-              <a:rPr lang="ko-KR" altLang="en-US" dirty="0" smtClean="0">
-                <a:solidFill>
-                  <a:schemeClr val="tx1"/>
-                </a:solidFill>
-              </a:rPr>
-              <a:t>좋아요 버튼</a:t>
-            </a:r>
-            <a:endParaRPr lang="ko-KR" altLang="en-US" dirty="0">
+              <a:t>: ssafy,ssafy1,ssafy2</a:t>
+            </a:r>
+            <a:endParaRPr lang="ko-KR" altLang="en-US" sz="2156" dirty="0">
               <a:solidFill>
                 <a:schemeClr val="tx1"/>
               </a:solidFill>
@@ -6446,9 +6294,81 @@
           </a:p>
         </p:txBody>
       </p:sp>
-      <p:sp>
-        <p:nvSpPr>
-          <p:cNvPr id="17" name="직사각형 16">
+      <p:pic>
+        <p:nvPicPr>
+          <p:cNvPr id="2" name="그림 1"/>
+          <p:cNvPicPr>
+            <a:picLocks noChangeAspect="1"/>
+          </p:cNvPicPr>
+          <p:nvPr/>
+        </p:nvPicPr>
+        <p:blipFill>
+          <a:blip r:embed="rId5"/>
+          <a:stretch>
+            <a:fillRect/>
+          </a:stretch>
+        </p:blipFill>
+        <p:spPr>
+          <a:xfrm>
+            <a:off x="1738436" y="3807467"/>
+            <a:ext cx="8760696" cy="2617784"/>
+          </a:xfrm>
+          <a:prstGeom prst="rect">
+            <a:avLst/>
+          </a:prstGeom>
+        </p:spPr>
+      </p:pic>
+      <p:pic>
+        <p:nvPicPr>
+          <p:cNvPr id="20" name="그림 19"/>
+          <p:cNvPicPr>
+            <a:picLocks noChangeAspect="1"/>
+          </p:cNvPicPr>
+          <p:nvPr/>
+        </p:nvPicPr>
+        <p:blipFill>
+          <a:blip r:embed="rId6"/>
+          <a:stretch>
+            <a:fillRect/>
+          </a:stretch>
+        </p:blipFill>
+        <p:spPr>
+          <a:xfrm>
+            <a:off x="9792324" y="5587946"/>
+            <a:ext cx="260026" cy="261537"/>
+          </a:xfrm>
+          <a:prstGeom prst="rect">
+            <a:avLst/>
+          </a:prstGeom>
+        </p:spPr>
+      </p:pic>
+      <p:pic>
+        <p:nvPicPr>
+          <p:cNvPr id="22" name="그림 21"/>
+          <p:cNvPicPr>
+            <a:picLocks noChangeAspect="1"/>
+          </p:cNvPicPr>
+          <p:nvPr/>
+        </p:nvPicPr>
+        <p:blipFill>
+          <a:blip r:embed="rId6"/>
+          <a:stretch>
+            <a:fillRect/>
+          </a:stretch>
+        </p:blipFill>
+        <p:spPr>
+          <a:xfrm>
+            <a:off x="9792324" y="5996967"/>
+            <a:ext cx="260026" cy="261537"/>
+          </a:xfrm>
+          <a:prstGeom prst="rect">
+            <a:avLst/>
+          </a:prstGeom>
+        </p:spPr>
+      </p:pic>
+      <p:sp>
+        <p:nvSpPr>
+          <p:cNvPr id="14" name="직사각형 13">
             <a:extLst>
               <a:ext uri="{FF2B5EF4-FFF2-40B4-BE49-F238E27FC236}">
                 <a16:creationId xmlns:a16="http://schemas.microsoft.com/office/drawing/2014/main" id="{3F8D0F82-37F8-2D5F-32C0-0F5E4CA19D9D}"/>
@@ -6460,15 +6380,15 @@
         </p:nvSpPr>
         <p:spPr>
           <a:xfrm>
-            <a:off x="2485737" y="4868487"/>
-            <a:ext cx="7279410" cy="588600"/>
+            <a:off x="7851846" y="381000"/>
+            <a:ext cx="3715554" cy="10725149"/>
           </a:xfrm>
           <a:prstGeom prst="rect">
             <a:avLst/>
           </a:prstGeom>
           <a:solidFill>
             <a:schemeClr val="bg1">
-              <a:alpha val="69000"/>
+              <a:alpha val="54000"/>
             </a:schemeClr>
           </a:solidFill>
         </p:spPr>
@@ -6493,15 +6413,7 @@
           <a:lstStyle/>
           <a:p>
             <a:pPr algn="ctr"/>
-            <a:r>
-              <a:rPr lang="ko-KR" altLang="en-US" dirty="0" smtClean="0">
-                <a:solidFill>
-                  <a:schemeClr val="tx1"/>
-                </a:solidFill>
-              </a:rPr>
-              <a:t>소통 창</a:t>
-            </a:r>
-            <a:endParaRPr lang="ko-KR" altLang="en-US" dirty="0">
+            <a:endParaRPr lang="ko-KR" altLang="en-US" sz="2156" dirty="0">
               <a:solidFill>
                 <a:schemeClr val="tx1"/>
               </a:solidFill>
@@ -6509,31 +6421,107 @@
           </a:p>
         </p:txBody>
       </p:sp>
-      <p:sp>
-        <p:nvSpPr>
-          <p:cNvPr id="18" name="직사각형 17">
-            <a:extLst>
-              <a:ext uri="{FF2B5EF4-FFF2-40B4-BE49-F238E27FC236}">
-                <a16:creationId xmlns:a16="http://schemas.microsoft.com/office/drawing/2014/main" id="{598D4036-4C7D-78D9-D5B4-3B7ED40CB267}"/>
-              </a:ext>
-            </a:extLst>
-          </p:cNvPr>
+      <p:pic>
+        <p:nvPicPr>
+          <p:cNvPr id="4" name="그림 3"/>
+          <p:cNvPicPr>
+            <a:picLocks noChangeAspect="1"/>
+          </p:cNvPicPr>
+          <p:nvPr/>
+        </p:nvPicPr>
+        <p:blipFill>
+          <a:blip r:embed="rId7"/>
+          <a:stretch>
+            <a:fillRect/>
+          </a:stretch>
+        </p:blipFill>
+        <p:spPr>
+          <a:xfrm>
+            <a:off x="9744255" y="4355484"/>
+            <a:ext cx="356197" cy="330996"/>
+          </a:xfrm>
+          <a:prstGeom prst="rect">
+            <a:avLst/>
+          </a:prstGeom>
+        </p:spPr>
+      </p:pic>
+      <p:pic>
+        <p:nvPicPr>
+          <p:cNvPr id="6" name="그림 5"/>
+          <p:cNvPicPr>
+            <a:picLocks noChangeAspect="1"/>
+          </p:cNvPicPr>
+          <p:nvPr/>
+        </p:nvPicPr>
+        <p:blipFill>
+          <a:blip r:embed="rId6"/>
+          <a:stretch>
+            <a:fillRect/>
+          </a:stretch>
+        </p:blipFill>
+        <p:spPr>
+          <a:xfrm>
+            <a:off x="9792324" y="4762664"/>
+            <a:ext cx="260026" cy="261537"/>
+          </a:xfrm>
+          <a:prstGeom prst="rect">
+            <a:avLst/>
+          </a:prstGeom>
+        </p:spPr>
+      </p:pic>
+      <p:pic>
+        <p:nvPicPr>
+          <p:cNvPr id="19" name="그림 18"/>
+          <p:cNvPicPr>
+            <a:picLocks noChangeAspect="1"/>
+          </p:cNvPicPr>
+          <p:nvPr/>
+        </p:nvPicPr>
+        <p:blipFill>
+          <a:blip r:embed="rId7"/>
+          <a:stretch>
+            <a:fillRect/>
+          </a:stretch>
+        </p:blipFill>
+        <p:spPr>
+          <a:xfrm>
+            <a:off x="9744255" y="5144293"/>
+            <a:ext cx="356197" cy="330996"/>
+          </a:xfrm>
+          <a:prstGeom prst="rect">
+            <a:avLst/>
+          </a:prstGeom>
+        </p:spPr>
+      </p:pic>
+      <p:sp>
+        <p:nvSpPr>
+          <p:cNvPr id="23" name="모서리가 둥근 사각형 설명선 22"/>
           <p:cNvSpPr/>
           <p:nvPr/>
         </p:nvSpPr>
         <p:spPr>
           <a:xfrm>
-            <a:off x="2485737" y="1973978"/>
-            <a:ext cx="2732580" cy="644532"/>
-          </a:xfrm>
-          <a:prstGeom prst="rect">
-            <a:avLst/>
+            <a:off x="8924946" y="2959152"/>
+            <a:ext cx="2567376" cy="839866"/>
+          </a:xfrm>
+          <a:prstGeom prst="wedgeRoundRectCallout">
+            <a:avLst>
+              <a:gd name="adj1" fmla="val 50078"/>
+              <a:gd name="adj2" fmla="val 75404"/>
+              <a:gd name="adj3" fmla="val 16667"/>
+            </a:avLst>
           </a:prstGeom>
           <a:solidFill>
-            <a:schemeClr val="bg1">
-              <a:alpha val="69000"/>
-            </a:schemeClr>
+            <a:schemeClr val="bg1"/>
           </a:solidFill>
+          <a:ln>
+            <a:solidFill>
+              <a:schemeClr val="accent1">
+                <a:lumMod val="60000"/>
+                <a:lumOff val="40000"/>
+              </a:schemeClr>
+            </a:solidFill>
+          </a:ln>
         </p:spPr>
         <p:style>
           <a:lnRef idx="2">
@@ -6559,20 +6547,285 @@
             <a:r>
               <a:rPr lang="ko-KR" altLang="en-US" dirty="0" smtClean="0">
                 <a:solidFill>
+                  <a:sysClr val="windowText" lastClr="000000"/>
+                </a:solidFill>
+              </a:rPr>
+              <a:t>제 여행 계획 봐보세요</a:t>
+            </a:r>
+            <a:r>
+              <a:rPr lang="en-US" altLang="ko-KR" dirty="0" smtClean="0">
+                <a:solidFill>
+                  <a:sysClr val="windowText" lastClr="000000"/>
+                </a:solidFill>
+              </a:rPr>
+              <a:t>! </a:t>
+            </a:r>
+            <a:r>
+              <a:rPr lang="ko-KR" altLang="en-US" dirty="0" smtClean="0">
+                <a:solidFill>
+                  <a:sysClr val="windowText" lastClr="000000"/>
+                </a:solidFill>
+              </a:rPr>
+              <a:t> </a:t>
+            </a:r>
+            <a:r>
+              <a:rPr lang="ko-KR" altLang="en-US" dirty="0" err="1" smtClean="0">
+                <a:solidFill>
+                  <a:sysClr val="windowText" lastClr="000000"/>
+                </a:solidFill>
+              </a:rPr>
+              <a:t>재밌어요</a:t>
+            </a:r>
+            <a:endParaRPr lang="ko-KR" altLang="en-US" dirty="0">
+              <a:solidFill>
+                <a:sysClr val="windowText" lastClr="000000"/>
+              </a:solidFill>
+            </a:endParaRPr>
+          </a:p>
+        </p:txBody>
+      </p:sp>
+      <p:pic>
+        <p:nvPicPr>
+          <p:cNvPr id="13" name="그림 12"/>
+          <p:cNvPicPr>
+            <a:picLocks noChangeAspect="1"/>
+          </p:cNvPicPr>
+          <p:nvPr/>
+        </p:nvPicPr>
+        <p:blipFill>
+          <a:blip r:embed="rId8"/>
+          <a:stretch>
+            <a:fillRect/>
+          </a:stretch>
+        </p:blipFill>
+        <p:spPr>
+          <a:xfrm>
+            <a:off x="9183159" y="6625683"/>
+            <a:ext cx="1263945" cy="695170"/>
+          </a:xfrm>
+          <a:prstGeom prst="rect">
+            <a:avLst/>
+          </a:prstGeom>
+        </p:spPr>
+      </p:pic>
+      <p:sp>
+        <p:nvSpPr>
+          <p:cNvPr id="7" name="모서리가 둥근 사각형 설명선 6"/>
+          <p:cNvSpPr/>
+          <p:nvPr/>
+        </p:nvSpPr>
+        <p:spPr>
+          <a:xfrm>
+            <a:off x="7957533" y="1628056"/>
+            <a:ext cx="3028492" cy="822278"/>
+          </a:xfrm>
+          <a:prstGeom prst="wedgeRoundRectCallout">
+            <a:avLst>
+              <a:gd name="adj1" fmla="val -47903"/>
+              <a:gd name="adj2" fmla="val 78629"/>
+              <a:gd name="adj3" fmla="val 16667"/>
+            </a:avLst>
+          </a:prstGeom>
+          <a:solidFill>
+            <a:schemeClr val="bg1"/>
+          </a:solidFill>
+          <a:ln>
+            <a:solidFill>
+              <a:schemeClr val="accent1">
+                <a:lumMod val="40000"/>
+                <a:lumOff val="60000"/>
+              </a:schemeClr>
+            </a:solidFill>
+          </a:ln>
+        </p:spPr>
+        <p:style>
+          <a:lnRef idx="2">
+            <a:schemeClr val="accent1">
+              <a:shade val="50000"/>
+            </a:schemeClr>
+          </a:lnRef>
+          <a:fillRef idx="1">
+            <a:schemeClr val="accent1"/>
+          </a:fillRef>
+          <a:effectRef idx="0">
+            <a:schemeClr val="accent1"/>
+          </a:effectRef>
+          <a:fontRef idx="minor">
+            <a:schemeClr val="lt1"/>
+          </a:fontRef>
+        </p:style>
+        <p:txBody>
+          <a:bodyPr rtlCol="0" anchor="ctr"/>
+          <a:lstStyle/>
+          <a:p>
+            <a:pPr algn="ctr"/>
+            <a:r>
+              <a:rPr lang="ko-KR" altLang="en-US" dirty="0" smtClean="0">
+                <a:solidFill>
+                  <a:sysClr val="windowText" lastClr="000000"/>
+                </a:solidFill>
+              </a:rPr>
+              <a:t>가고 싶은 여행지에 좋아요 눌러주세요</a:t>
+            </a:r>
+            <a:endParaRPr lang="ko-KR" altLang="en-US" dirty="0">
+              <a:solidFill>
+                <a:sysClr val="windowText" lastClr="000000"/>
+              </a:solidFill>
+            </a:endParaRPr>
+          </a:p>
+        </p:txBody>
+      </p:sp>
+      <p:pic>
+        <p:nvPicPr>
+          <p:cNvPr id="9" name="그림 8"/>
+          <p:cNvPicPr>
+            <a:picLocks noChangeAspect="1"/>
+          </p:cNvPicPr>
+          <p:nvPr/>
+        </p:nvPicPr>
+        <p:blipFill>
+          <a:blip r:embed="rId9"/>
+          <a:stretch>
+            <a:fillRect/>
+          </a:stretch>
+        </p:blipFill>
+        <p:spPr>
+          <a:xfrm>
+            <a:off x="8010975" y="563565"/>
+            <a:ext cx="444435" cy="444435"/>
+          </a:xfrm>
+          <a:prstGeom prst="rect">
+            <a:avLst/>
+          </a:prstGeom>
+        </p:spPr>
+      </p:pic>
+      <p:sp>
+        <p:nvSpPr>
+          <p:cNvPr id="26" name="직사각형 25">
+            <a:extLst>
+              <a:ext uri="{FF2B5EF4-FFF2-40B4-BE49-F238E27FC236}">
+                <a16:creationId xmlns:a16="http://schemas.microsoft.com/office/drawing/2014/main" id="{B03F5ED1-0775-590B-203F-CDC7F5615043}"/>
+              </a:ext>
+            </a:extLst>
+          </p:cNvPr>
+          <p:cNvSpPr/>
+          <p:nvPr/>
+        </p:nvSpPr>
+        <p:spPr>
+          <a:xfrm>
+            <a:off x="8029587" y="10364374"/>
+            <a:ext cx="2531817" cy="522258"/>
+          </a:xfrm>
+          <a:prstGeom prst="rect">
+            <a:avLst/>
+          </a:prstGeom>
+          <a:solidFill>
+            <a:schemeClr val="bg1">
+              <a:alpha val="69000"/>
+            </a:schemeClr>
+          </a:solidFill>
+        </p:spPr>
+        <p:style>
+          <a:lnRef idx="2">
+            <a:schemeClr val="accent1">
+              <a:shade val="50000"/>
+            </a:schemeClr>
+          </a:lnRef>
+          <a:fillRef idx="1">
+            <a:schemeClr val="accent1"/>
+          </a:fillRef>
+          <a:effectRef idx="0">
+            <a:schemeClr val="accent1"/>
+          </a:effectRef>
+          <a:fontRef idx="minor">
+            <a:schemeClr val="lt1"/>
+          </a:fontRef>
+        </p:style>
+        <p:txBody>
+          <a:bodyPr rtlCol="0" anchor="ctr"/>
+          <a:lstStyle/>
+          <a:p>
+            <a:pPr algn="ctr"/>
+            <a:r>
+              <a:rPr lang="ko-KR" altLang="en-US" sz="2156" dirty="0" smtClean="0">
+                <a:solidFill>
                   <a:schemeClr val="tx1"/>
                 </a:solidFill>
               </a:rPr>
-              <a:t>그룹 멤버 </a:t>
-            </a:r>
-            <a:r>
-              <a:rPr lang="en-US" altLang="ko-KR" dirty="0" smtClean="0">
+              <a:t>채팅 </a:t>
+            </a:r>
+            <a:r>
+              <a:rPr lang="ko-KR" altLang="en-US" sz="2156" dirty="0">
                 <a:solidFill>
                   <a:schemeClr val="tx1"/>
                 </a:solidFill>
               </a:rPr>
-              <a:t>: id1, id2..</a:t>
-            </a:r>
-            <a:endParaRPr lang="ko-KR" altLang="en-US" dirty="0">
+              <a:t>입력</a:t>
+            </a:r>
+            <a:endParaRPr lang="ko-KR" altLang="en-US" sz="2156" dirty="0">
+              <a:solidFill>
+                <a:schemeClr val="tx1"/>
+              </a:solidFill>
+            </a:endParaRPr>
+          </a:p>
+        </p:txBody>
+      </p:sp>
+      <p:sp>
+        <p:nvSpPr>
+          <p:cNvPr id="27" name="직사각형 26">
+            <a:extLst>
+              <a:ext uri="{FF2B5EF4-FFF2-40B4-BE49-F238E27FC236}">
+                <a16:creationId xmlns:a16="http://schemas.microsoft.com/office/drawing/2014/main" id="{D52EEC39-1952-117F-F195-8C3FD1FD8D2B}"/>
+              </a:ext>
+            </a:extLst>
+          </p:cNvPr>
+          <p:cNvSpPr/>
+          <p:nvPr/>
+        </p:nvSpPr>
+        <p:spPr>
+          <a:xfrm>
+            <a:off x="10655889" y="10358260"/>
+            <a:ext cx="780675" cy="522258"/>
+          </a:xfrm>
+          <a:prstGeom prst="rect">
+            <a:avLst/>
+          </a:prstGeom>
+          <a:solidFill>
+            <a:schemeClr val="bg1">
+              <a:alpha val="69000"/>
+            </a:schemeClr>
+          </a:solidFill>
+        </p:spPr>
+        <p:style>
+          <a:lnRef idx="2">
+            <a:schemeClr val="accent1">
+              <a:shade val="50000"/>
+            </a:schemeClr>
+          </a:lnRef>
+          <a:fillRef idx="1">
+            <a:schemeClr val="accent1"/>
+          </a:fillRef>
+          <a:effectRef idx="0">
+            <a:schemeClr val="accent1"/>
+          </a:effectRef>
+          <a:fontRef idx="minor">
+            <a:schemeClr val="lt1"/>
+          </a:fontRef>
+        </p:style>
+        <p:txBody>
+          <a:bodyPr rtlCol="0" anchor="ctr"/>
+          <a:lstStyle/>
+          <a:p>
+            <a:pPr algn="ctr"/>
+            <a:r>
+              <a:rPr lang="ko-KR" altLang="en-US" sz="2156" dirty="0">
+                <a:solidFill>
+                  <a:schemeClr val="tx1"/>
+                </a:solidFill>
+              </a:rPr>
+              <a:t>등록</a:t>
+            </a:r>
+            <a:endParaRPr lang="ko-KR" altLang="en-US" sz="2156" dirty="0">
               <a:solidFill>
                 <a:schemeClr val="tx1"/>
               </a:solidFill>
@@ -6590,6 +6843,13 @@
   <p:clrMapOvr>
     <a:masterClrMapping/>
   </p:clrMapOvr>
+  <p:timing>
+    <p:tnLst>
+      <p:par>
+        <p:cTn id="1" dur="indefinite" restart="never" nodeType="tmRoot"/>
+      </p:par>
+    </p:tnLst>
+  </p:timing>
 </p:sld>
 </file>
 
@@ -6638,8 +6898,8 @@
         </p:blipFill>
         <p:spPr>
           <a:xfrm>
-            <a:off x="1523999" y="-20073"/>
-            <a:ext cx="9144000" cy="6858000"/>
+            <a:off x="609455" y="314725"/>
+            <a:ext cx="10973125" cy="10981925"/>
           </a:xfrm>
           <a:prstGeom prst="rect">
             <a:avLst/>
@@ -6660,8 +6920,8 @@
         </p:nvSpPr>
         <p:spPr>
           <a:xfrm>
-            <a:off x="2087418" y="833916"/>
-            <a:ext cx="8128000" cy="5150022"/>
+            <a:off x="1285582" y="1339549"/>
+            <a:ext cx="9753886" cy="8754178"/>
           </a:xfrm>
           <a:prstGeom prst="rect">
             <a:avLst/>
@@ -6693,7 +6953,7 @@
           <a:lstStyle/>
           <a:p>
             <a:pPr algn="ctr"/>
-            <a:endParaRPr lang="ko-KR" altLang="en-US" dirty="0">
+            <a:endParaRPr lang="ko-KR" altLang="en-US" sz="2156" dirty="0">
               <a:solidFill>
                 <a:schemeClr val="tx1"/>
               </a:solidFill>
@@ -6723,8 +6983,8 @@
         </p:blipFill>
         <p:spPr>
           <a:xfrm>
-            <a:off x="1812757" y="6136100"/>
-            <a:ext cx="8566485" cy="569738"/>
+            <a:off x="1022483" y="10353338"/>
+            <a:ext cx="10280081" cy="683701"/>
           </a:xfrm>
           <a:prstGeom prst="rect">
             <a:avLst/>
@@ -6745,8 +7005,8 @@
         </p:nvSpPr>
         <p:spPr>
           <a:xfrm>
-            <a:off x="4132811" y="1553419"/>
-            <a:ext cx="3775364" cy="437794"/>
+            <a:off x="1565456" y="2196559"/>
+            <a:ext cx="5375168" cy="525369"/>
           </a:xfrm>
           <a:prstGeom prst="rect">
             <a:avLst/>
@@ -6779,23 +7039,15 @@
           <a:p>
             <a:pPr algn="ctr"/>
             <a:r>
-              <a:rPr lang="ko-KR" altLang="en-US" dirty="0" smtClean="0">
+              <a:rPr lang="ko-KR" altLang="en-US" sz="2156" dirty="0">
                 <a:solidFill>
                   <a:schemeClr val="tx1"/>
                 </a:solidFill>
               </a:rPr>
-              <a:t>계획</a:t>
-            </a:r>
-            <a:r>
-              <a:rPr lang="ko-KR" altLang="en-US" dirty="0" smtClean="0">
-                <a:solidFill>
-                  <a:schemeClr val="tx1"/>
-                </a:solidFill>
-              </a:rPr>
-              <a:t> </a:t>
-            </a:r>
-            <a:r>
-              <a:rPr lang="ko-KR" altLang="en-US" dirty="0">
+              <a:t>계획 </a:t>
+            </a:r>
+            <a:r>
+              <a:rPr lang="ko-KR" altLang="en-US" sz="2156" dirty="0">
                 <a:solidFill>
                   <a:schemeClr val="tx1"/>
                 </a:solidFill>
@@ -6807,10 +7059,10 @@
       </p:sp>
       <p:sp>
         <p:nvSpPr>
-          <p:cNvPr id="14" name="직사각형 13">
+          <p:cNvPr id="13" name="직사각형 12">
             <a:extLst>
               <a:ext uri="{FF2B5EF4-FFF2-40B4-BE49-F238E27FC236}">
-                <a16:creationId xmlns:a16="http://schemas.microsoft.com/office/drawing/2014/main" id="{AD07592D-5A07-6B15-E037-834A5BE18FFE}"/>
+                <a16:creationId xmlns:a16="http://schemas.microsoft.com/office/drawing/2014/main" id="{F7E2E362-C7D9-A66A-D00C-51F44B28ADAD}"/>
               </a:ext>
             </a:extLst>
           </p:cNvPr>
@@ -6819,8 +7071,8 @@
         </p:nvSpPr>
         <p:spPr>
           <a:xfrm>
-            <a:off x="8727237" y="5528733"/>
-            <a:ext cx="1254963" cy="366104"/>
+            <a:off x="7409530" y="9475951"/>
+            <a:ext cx="1506001" cy="439339"/>
           </a:xfrm>
           <a:prstGeom prst="rect">
             <a:avLst/>
@@ -6853,27 +7105,22 @@
           <a:p>
             <a:pPr algn="ctr"/>
             <a:r>
-              <a:rPr lang="ko-KR" altLang="en-US" dirty="0" smtClean="0">
+              <a:rPr lang="ko-KR" altLang="en-US" sz="2156" dirty="0">
                 <a:solidFill>
                   <a:schemeClr val="tx1"/>
                 </a:solidFill>
               </a:rPr>
-              <a:t>목록</a:t>
-            </a:r>
-            <a:endParaRPr lang="ko-KR" altLang="en-US" dirty="0">
-              <a:solidFill>
-                <a:schemeClr val="tx1"/>
-              </a:solidFill>
-            </a:endParaRPr>
-          </a:p>
-        </p:txBody>
-      </p:sp>
-      <p:sp>
-        <p:nvSpPr>
-          <p:cNvPr id="15" name="직사각형 14">
+              <a:t>등록</a:t>
+            </a:r>
+          </a:p>
+        </p:txBody>
+      </p:sp>
+      <p:sp>
+        <p:nvSpPr>
+          <p:cNvPr id="14" name="직사각형 13">
             <a:extLst>
               <a:ext uri="{FF2B5EF4-FFF2-40B4-BE49-F238E27FC236}">
-                <a16:creationId xmlns:a16="http://schemas.microsoft.com/office/drawing/2014/main" id="{0DC8297D-FFD0-E842-A050-FDD57C2B9B9C}"/>
+                <a16:creationId xmlns:a16="http://schemas.microsoft.com/office/drawing/2014/main" id="{AD07592D-5A07-6B15-E037-834A5BE18FFE}"/>
               </a:ext>
             </a:extLst>
           </p:cNvPr>
@@ -6882,8 +7129,8 @@
         </p:nvSpPr>
         <p:spPr>
           <a:xfrm>
-            <a:off x="4420228" y="2195004"/>
-            <a:ext cx="1505990" cy="1189649"/>
+            <a:off x="9253589" y="9475951"/>
+            <a:ext cx="1506001" cy="439339"/>
           </a:xfrm>
           <a:prstGeom prst="rect">
             <a:avLst/>
@@ -6916,50 +7163,13 @@
           <a:p>
             <a:pPr algn="ctr"/>
             <a:r>
-              <a:rPr lang="ko-KR" altLang="en-US" dirty="0">
+              <a:rPr lang="ko-KR" altLang="en-US" sz="2156" dirty="0">
                 <a:solidFill>
                   <a:schemeClr val="tx1"/>
                 </a:solidFill>
               </a:rPr>
-              <a:t>관광지 </a:t>
-            </a:r>
-            <a:r>
-              <a:rPr lang="ko-KR" altLang="en-US" dirty="0" smtClean="0">
-                <a:solidFill>
-                  <a:schemeClr val="tx1"/>
-                </a:solidFill>
-              </a:rPr>
-              <a:t>카드</a:t>
-            </a:r>
-            <a:endParaRPr lang="en-US" altLang="ko-KR" dirty="0" smtClean="0">
-              <a:solidFill>
-                <a:schemeClr val="tx1"/>
-              </a:solidFill>
-            </a:endParaRPr>
-          </a:p>
-          <a:p>
-            <a:pPr algn="ctr"/>
-            <a:endParaRPr lang="en-US" altLang="ko-KR" dirty="0">
-              <a:solidFill>
-                <a:schemeClr val="tx1"/>
-              </a:solidFill>
-            </a:endParaRPr>
-          </a:p>
-          <a:p>
-            <a:pPr algn="ctr"/>
-            <a:r>
-              <a:rPr lang="en-US" altLang="ko-KR" dirty="0" smtClean="0">
-                <a:solidFill>
-                  <a:schemeClr val="tx1"/>
-                </a:solidFill>
-              </a:rPr>
-              <a:t>comment</a:t>
-            </a:r>
-            <a:endParaRPr lang="ko-KR" altLang="en-US" dirty="0">
-              <a:solidFill>
-                <a:schemeClr val="tx1"/>
-              </a:solidFill>
-            </a:endParaRPr>
+              <a:t>취소</a:t>
+            </a:r>
           </a:p>
         </p:txBody>
       </p:sp>
@@ -6977,8 +7187,8 @@
         </p:nvSpPr>
         <p:spPr>
           <a:xfrm>
-            <a:off x="3562987" y="960771"/>
-            <a:ext cx="5133109" cy="437794"/>
+            <a:off x="3056314" y="1491779"/>
+            <a:ext cx="6159908" cy="525369"/>
           </a:xfrm>
           <a:prstGeom prst="rect">
             <a:avLst/>
@@ -7011,22 +7221,85 @@
           <a:p>
             <a:pPr algn="ctr"/>
             <a:r>
-              <a:rPr lang="ko-KR" altLang="en-US" dirty="0" smtClean="0">
+              <a:rPr lang="en-US" altLang="ko-KR" sz="2156" dirty="0">
                 <a:solidFill>
                   <a:schemeClr val="tx1"/>
                 </a:solidFill>
               </a:rPr>
-              <a:t>계획 </a:t>
-            </a:r>
-            <a:r>
-              <a:rPr lang="en-US" altLang="ko-KR" dirty="0" smtClean="0">
+              <a:t>Create </a:t>
+            </a:r>
+            <a:r>
+              <a:rPr lang="en-US" altLang="ko-KR" sz="2156" dirty="0">
                 <a:solidFill>
                   <a:schemeClr val="tx1"/>
                 </a:solidFill>
               </a:rPr>
-              <a:t>view</a:t>
-            </a:r>
-            <a:endParaRPr lang="ko-KR" altLang="en-US" dirty="0">
+              <a:t>Plan</a:t>
+            </a:r>
+            <a:endParaRPr lang="ko-KR" altLang="en-US" sz="2156" dirty="0">
+              <a:solidFill>
+                <a:schemeClr val="tx1"/>
+              </a:solidFill>
+            </a:endParaRPr>
+          </a:p>
+        </p:txBody>
+      </p:sp>
+      <p:sp>
+        <p:nvSpPr>
+          <p:cNvPr id="19" name="직사각형 18">
+            <a:extLst>
+              <a:ext uri="{FF2B5EF4-FFF2-40B4-BE49-F238E27FC236}">
+                <a16:creationId xmlns:a16="http://schemas.microsoft.com/office/drawing/2014/main" id="{D0A4ABD9-8023-D99F-5712-7CF7C3292E9C}"/>
+              </a:ext>
+            </a:extLst>
+          </p:cNvPr>
+          <p:cNvSpPr/>
+          <p:nvPr/>
+        </p:nvSpPr>
+        <p:spPr>
+          <a:xfrm>
+            <a:off x="8645770" y="2211495"/>
+            <a:ext cx="2113820" cy="525369"/>
+          </a:xfrm>
+          <a:prstGeom prst="rect">
+            <a:avLst/>
+          </a:prstGeom>
+          <a:solidFill>
+            <a:schemeClr val="bg1">
+              <a:alpha val="69000"/>
+            </a:schemeClr>
+          </a:solidFill>
+        </p:spPr>
+        <p:style>
+          <a:lnRef idx="2">
+            <a:schemeClr val="accent1">
+              <a:shade val="50000"/>
+            </a:schemeClr>
+          </a:lnRef>
+          <a:fillRef idx="1">
+            <a:schemeClr val="accent1"/>
+          </a:fillRef>
+          <a:effectRef idx="0">
+            <a:schemeClr val="accent1"/>
+          </a:effectRef>
+          <a:fontRef idx="minor">
+            <a:schemeClr val="lt1"/>
+          </a:fontRef>
+        </p:style>
+        <p:txBody>
+          <a:bodyPr rtlCol="0" anchor="ctr"/>
+          <a:lstStyle/>
+          <a:p>
+            <a:pPr algn="ctr"/>
+            <a:r>
+              <a:rPr lang="ko-KR" altLang="en-US" sz="2156" dirty="0">
+                <a:solidFill>
+                  <a:schemeClr val="tx1"/>
+                </a:solidFill>
+              </a:rPr>
+              <a:t>작성자</a:t>
+            </a:r>
+            <a:endParaRPr lang="ko-KR" altLang="en-US" sz="2156" dirty="0">
               <a:solidFill>
                 <a:schemeClr val="tx1"/>
               </a:solidFill>
@@ -7050,20 +7323,44 @@
         </p:blipFill>
         <p:spPr>
           <a:xfrm>
-            <a:off x="1812757" y="181588"/>
-            <a:ext cx="8566485" cy="401079"/>
+            <a:off x="955979" y="556733"/>
+            <a:ext cx="10280081" cy="481307"/>
           </a:xfrm>
           <a:prstGeom prst="rect">
             <a:avLst/>
           </a:prstGeom>
         </p:spPr>
       </p:pic>
-      <p:sp>
-        <p:nvSpPr>
-          <p:cNvPr id="22" name="직사각형 21">
+      <p:pic>
+        <p:nvPicPr>
+          <p:cNvPr id="2" name="그림 1"/>
+          <p:cNvPicPr>
+            <a:picLocks noChangeAspect="1"/>
+          </p:cNvPicPr>
+          <p:nvPr/>
+        </p:nvPicPr>
+        <p:blipFill>
+          <a:blip r:embed="rId5"/>
+          <a:stretch>
+            <a:fillRect/>
+          </a:stretch>
+        </p:blipFill>
+        <p:spPr>
+          <a:xfrm>
+            <a:off x="1565454" y="2901342"/>
+            <a:ext cx="9194140" cy="3347058"/>
+          </a:xfrm>
+          <a:prstGeom prst="rect">
+            <a:avLst/>
+          </a:prstGeom>
+        </p:spPr>
+      </p:pic>
+      <p:sp>
+        <p:nvSpPr>
+          <p:cNvPr id="17" name="직사각형 16">
             <a:extLst>
               <a:ext uri="{FF2B5EF4-FFF2-40B4-BE49-F238E27FC236}">
-                <a16:creationId xmlns:a16="http://schemas.microsoft.com/office/drawing/2014/main" id="{0DC8297D-FFD0-E842-A050-FDD57C2B9B9C}"/>
+                <a16:creationId xmlns:a16="http://schemas.microsoft.com/office/drawing/2014/main" id="{0DF0AD0C-F28C-C0BA-D9F6-47935286BD32}"/>
               </a:ext>
             </a:extLst>
           </p:cNvPr>
@@ -7072,8 +7369,8 @@
         </p:nvSpPr>
         <p:spPr>
           <a:xfrm>
-            <a:off x="6183502" y="2820466"/>
-            <a:ext cx="1578977" cy="1189649"/>
+            <a:off x="3910858" y="6412878"/>
+            <a:ext cx="4530571" cy="525369"/>
           </a:xfrm>
           <a:prstGeom prst="rect">
             <a:avLst/>
@@ -7106,221 +7403,86 @@
           <a:p>
             <a:pPr algn="ctr"/>
             <a:r>
-              <a:rPr lang="ko-KR" altLang="en-US" dirty="0">
+              <a:rPr lang="ko-KR" altLang="en-US" sz="2156" dirty="0" smtClean="0">
                 <a:solidFill>
                   <a:schemeClr val="tx1"/>
                 </a:solidFill>
               </a:rPr>
-              <a:t>관광지 </a:t>
-            </a:r>
-            <a:r>
-              <a:rPr lang="ko-KR" altLang="en-US" dirty="0" smtClean="0">
-                <a:solidFill>
-                  <a:schemeClr val="tx1"/>
-                </a:solidFill>
-              </a:rPr>
-              <a:t>카드</a:t>
-            </a:r>
-            <a:endParaRPr lang="en-US" altLang="ko-KR" dirty="0" smtClean="0">
+              <a:t>떠나요</a:t>
+            </a:r>
+            <a:endParaRPr lang="ko-KR" altLang="en-US" sz="2156" dirty="0">
               <a:solidFill>
                 <a:schemeClr val="tx1"/>
               </a:solidFill>
             </a:endParaRPr>
           </a:p>
-          <a:p>
-            <a:pPr algn="ctr"/>
-            <a:endParaRPr lang="en-US" altLang="ko-KR" dirty="0">
-              <a:solidFill>
-                <a:schemeClr val="tx1"/>
-              </a:solidFill>
-            </a:endParaRPr>
-          </a:p>
-          <a:p>
-            <a:pPr algn="ctr"/>
-            <a:r>
-              <a:rPr lang="en-US" altLang="ko-KR" dirty="0" smtClean="0">
-                <a:solidFill>
-                  <a:schemeClr val="tx1"/>
-                </a:solidFill>
-              </a:rPr>
-              <a:t>comment</a:t>
-            </a:r>
-            <a:endParaRPr lang="ko-KR" altLang="en-US" dirty="0">
-              <a:solidFill>
-                <a:schemeClr val="tx1"/>
-              </a:solidFill>
-            </a:endParaRPr>
-          </a:p>
-        </p:txBody>
-      </p:sp>
-      <p:sp>
-        <p:nvSpPr>
-          <p:cNvPr id="23" name="직사각형 22">
-            <a:extLst>
-              <a:ext uri="{FF2B5EF4-FFF2-40B4-BE49-F238E27FC236}">
-                <a16:creationId xmlns:a16="http://schemas.microsoft.com/office/drawing/2014/main" id="{0DC8297D-FFD0-E842-A050-FDD57C2B9B9C}"/>
-              </a:ext>
-            </a:extLst>
-          </p:cNvPr>
-          <p:cNvSpPr/>
-          <p:nvPr/>
-        </p:nvSpPr>
-        <p:spPr>
-          <a:xfrm>
-            <a:off x="4420228" y="3635902"/>
-            <a:ext cx="1505990" cy="1189649"/>
-          </a:xfrm>
-          <a:prstGeom prst="rect">
-            <a:avLst/>
-          </a:prstGeom>
-          <a:solidFill>
-            <a:schemeClr val="bg1">
-              <a:alpha val="69000"/>
-            </a:schemeClr>
-          </a:solidFill>
-        </p:spPr>
-        <p:style>
-          <a:lnRef idx="2">
-            <a:schemeClr val="accent1">
-              <a:shade val="50000"/>
-            </a:schemeClr>
-          </a:lnRef>
-          <a:fillRef idx="1">
-            <a:schemeClr val="accent1"/>
-          </a:fillRef>
-          <a:effectRef idx="0">
-            <a:schemeClr val="accent1"/>
-          </a:effectRef>
-          <a:fontRef idx="minor">
-            <a:schemeClr val="lt1"/>
-          </a:fontRef>
-        </p:style>
-        <p:txBody>
-          <a:bodyPr rtlCol="0" anchor="ctr"/>
-          <a:lstStyle/>
-          <a:p>
-            <a:pPr algn="ctr"/>
-            <a:r>
-              <a:rPr lang="ko-KR" altLang="en-US" dirty="0">
-                <a:solidFill>
-                  <a:schemeClr val="tx1"/>
-                </a:solidFill>
-              </a:rPr>
-              <a:t>관광지 </a:t>
-            </a:r>
-            <a:r>
-              <a:rPr lang="ko-KR" altLang="en-US" dirty="0" smtClean="0">
-                <a:solidFill>
-                  <a:schemeClr val="tx1"/>
-                </a:solidFill>
-              </a:rPr>
-              <a:t>카드</a:t>
-            </a:r>
-            <a:endParaRPr lang="en-US" altLang="ko-KR" dirty="0" smtClean="0">
-              <a:solidFill>
-                <a:schemeClr val="tx1"/>
-              </a:solidFill>
-            </a:endParaRPr>
-          </a:p>
-          <a:p>
-            <a:pPr algn="ctr"/>
-            <a:endParaRPr lang="en-US" altLang="ko-KR" dirty="0">
-              <a:solidFill>
-                <a:schemeClr val="tx1"/>
-              </a:solidFill>
-            </a:endParaRPr>
-          </a:p>
-          <a:p>
-            <a:pPr algn="ctr"/>
-            <a:r>
-              <a:rPr lang="en-US" altLang="ko-KR" dirty="0" smtClean="0">
-                <a:solidFill>
-                  <a:schemeClr val="tx1"/>
-                </a:solidFill>
-              </a:rPr>
-              <a:t>comment</a:t>
-            </a:r>
-            <a:endParaRPr lang="ko-KR" altLang="en-US" dirty="0">
-              <a:solidFill>
-                <a:schemeClr val="tx1"/>
-              </a:solidFill>
-            </a:endParaRPr>
-          </a:p>
-        </p:txBody>
-      </p:sp>
-      <p:sp>
-        <p:nvSpPr>
-          <p:cNvPr id="25" name="직사각형 24">
-            <a:extLst>
-              <a:ext uri="{FF2B5EF4-FFF2-40B4-BE49-F238E27FC236}">
-                <a16:creationId xmlns:a16="http://schemas.microsoft.com/office/drawing/2014/main" id="{AD07592D-5A07-6B15-E037-834A5BE18FFE}"/>
-              </a:ext>
-            </a:extLst>
-          </p:cNvPr>
-          <p:cNvSpPr/>
-          <p:nvPr/>
-        </p:nvSpPr>
-        <p:spPr>
-          <a:xfrm>
-            <a:off x="7441133" y="5528733"/>
-            <a:ext cx="1254963" cy="366104"/>
-          </a:xfrm>
-          <a:prstGeom prst="rect">
-            <a:avLst/>
-          </a:prstGeom>
-          <a:solidFill>
-            <a:schemeClr val="bg1">
-              <a:alpha val="69000"/>
-            </a:schemeClr>
-          </a:solidFill>
-        </p:spPr>
-        <p:style>
-          <a:lnRef idx="2">
-            <a:schemeClr val="accent1">
-              <a:shade val="50000"/>
-            </a:schemeClr>
-          </a:lnRef>
-          <a:fillRef idx="1">
-            <a:schemeClr val="accent1"/>
-          </a:fillRef>
-          <a:effectRef idx="0">
-            <a:schemeClr val="accent1"/>
-          </a:effectRef>
-          <a:fontRef idx="minor">
-            <a:schemeClr val="lt1"/>
-          </a:fontRef>
-        </p:style>
-        <p:txBody>
-          <a:bodyPr rtlCol="0" anchor="ctr"/>
-          <a:lstStyle/>
-          <a:p>
-            <a:pPr algn="ctr"/>
-            <a:r>
-              <a:rPr lang="ko-KR" altLang="en-US" smtClean="0">
-                <a:solidFill>
-                  <a:schemeClr val="tx1"/>
-                </a:solidFill>
-              </a:rPr>
-              <a:t>수정</a:t>
-            </a:r>
-            <a:endParaRPr lang="ko-KR" altLang="en-US" dirty="0">
-              <a:solidFill>
-                <a:schemeClr val="tx1"/>
-              </a:solidFill>
-            </a:endParaRPr>
-          </a:p>
-        </p:txBody>
-      </p:sp>
+        </p:txBody>
+      </p:sp>
+      <p:pic>
+        <p:nvPicPr>
+          <p:cNvPr id="23" name="그림 22"/>
+          <p:cNvPicPr>
+            <a:picLocks noChangeAspect="1"/>
+          </p:cNvPicPr>
+          <p:nvPr/>
+        </p:nvPicPr>
+        <p:blipFill>
+          <a:blip r:embed="rId6"/>
+          <a:stretch>
+            <a:fillRect/>
+          </a:stretch>
+        </p:blipFill>
+        <p:spPr>
+          <a:xfrm>
+            <a:off x="4281849" y="7940133"/>
+            <a:ext cx="1567156" cy="1553274"/>
+          </a:xfrm>
+          <a:prstGeom prst="rect">
+            <a:avLst/>
+          </a:prstGeom>
+        </p:spPr>
+      </p:pic>
+      <p:pic>
+        <p:nvPicPr>
+          <p:cNvPr id="24" name="그림 23"/>
+          <p:cNvPicPr>
+            <a:picLocks noChangeAspect="1"/>
+          </p:cNvPicPr>
+          <p:nvPr/>
+        </p:nvPicPr>
+        <p:blipFill>
+          <a:blip r:embed="rId6"/>
+          <a:stretch>
+            <a:fillRect/>
+          </a:stretch>
+        </p:blipFill>
+        <p:spPr>
+          <a:xfrm>
+            <a:off x="6392117" y="7163496"/>
+            <a:ext cx="1567156" cy="1553274"/>
+          </a:xfrm>
+          <a:prstGeom prst="rect">
+            <a:avLst/>
+          </a:prstGeom>
+        </p:spPr>
+      </p:pic>
     </p:spTree>
     <p:extLst>
       <p:ext uri="{BB962C8B-B14F-4D97-AF65-F5344CB8AC3E}">
-        <p14:creationId xmlns:p14="http://schemas.microsoft.com/office/powerpoint/2010/main" val="1806832822"/>
+        <p14:creationId xmlns:p14="http://schemas.microsoft.com/office/powerpoint/2010/main" val="2914425097"/>
       </p:ext>
     </p:extLst>
   </p:cSld>
   <p:clrMapOvr>
     <a:masterClrMapping/>
   </p:clrMapOvr>
+  <p:timing>
+    <p:tnLst>
+      <p:par>
+        <p:cTn id="1" dur="indefinite" restart="never" nodeType="tmRoot"/>
+      </p:par>
+    </p:tnLst>
+  </p:timing>
 </p:sld>
 </file>
 
@@ -7369,8 +7531,8 @@
         </p:blipFill>
         <p:spPr>
           <a:xfrm>
-            <a:off x="1523999" y="-20073"/>
-            <a:ext cx="9144000" cy="6858000"/>
+            <a:off x="609455" y="1800625"/>
+            <a:ext cx="10973125" cy="8229837"/>
           </a:xfrm>
           <a:prstGeom prst="rect">
             <a:avLst/>
@@ -7391,8 +7553,8 @@
         </p:nvSpPr>
         <p:spPr>
           <a:xfrm>
-            <a:off x="2087418" y="833916"/>
-            <a:ext cx="8128000" cy="5150022"/>
+            <a:off x="1285582" y="2825449"/>
+            <a:ext cx="9753886" cy="6180207"/>
           </a:xfrm>
           <a:prstGeom prst="rect">
             <a:avLst/>
@@ -7424,7 +7586,7 @@
           <a:lstStyle/>
           <a:p>
             <a:pPr algn="ctr"/>
-            <a:endParaRPr lang="ko-KR" altLang="en-US" dirty="0">
+            <a:endParaRPr lang="ko-KR" altLang="en-US" sz="2156" dirty="0">
               <a:solidFill>
                 <a:schemeClr val="tx1"/>
               </a:solidFill>
@@ -7454,8 +7616,8 @@
         </p:blipFill>
         <p:spPr>
           <a:xfrm>
-            <a:off x="1812757" y="6136100"/>
-            <a:ext cx="8566485" cy="569738"/>
+            <a:off x="955979" y="9188263"/>
+            <a:ext cx="10280081" cy="683701"/>
           </a:xfrm>
           <a:prstGeom prst="rect">
             <a:avLst/>
@@ -7476,8 +7638,8 @@
         </p:nvSpPr>
         <p:spPr>
           <a:xfrm>
-            <a:off x="2320637" y="1548065"/>
-            <a:ext cx="4479174" cy="437794"/>
+            <a:off x="3740137" y="3688881"/>
+            <a:ext cx="4530571" cy="525369"/>
           </a:xfrm>
           <a:prstGeom prst="rect">
             <a:avLst/>
@@ -7510,23 +7672,15 @@
           <a:p>
             <a:pPr algn="ctr"/>
             <a:r>
-              <a:rPr lang="ko-KR" altLang="en-US" dirty="0" smtClean="0">
+              <a:rPr lang="ko-KR" altLang="en-US" sz="2156" dirty="0">
                 <a:solidFill>
                   <a:schemeClr val="tx1"/>
                 </a:solidFill>
               </a:rPr>
-              <a:t>계획</a:t>
-            </a:r>
-            <a:r>
-              <a:rPr lang="ko-KR" altLang="en-US" dirty="0" smtClean="0">
-                <a:solidFill>
-                  <a:schemeClr val="tx1"/>
-                </a:solidFill>
-              </a:rPr>
-              <a:t> </a:t>
-            </a:r>
-            <a:r>
-              <a:rPr lang="ko-KR" altLang="en-US" dirty="0">
+              <a:t>계획 </a:t>
+            </a:r>
+            <a:r>
+              <a:rPr lang="ko-KR" altLang="en-US" sz="2156" dirty="0">
                 <a:solidFill>
                   <a:schemeClr val="tx1"/>
                 </a:solidFill>
@@ -7538,10 +7692,10 @@
       </p:sp>
       <p:sp>
         <p:nvSpPr>
-          <p:cNvPr id="13" name="직사각형 12">
+          <p:cNvPr id="14" name="직사각형 13">
             <a:extLst>
               <a:ext uri="{FF2B5EF4-FFF2-40B4-BE49-F238E27FC236}">
-                <a16:creationId xmlns:a16="http://schemas.microsoft.com/office/drawing/2014/main" id="{F7E2E362-C7D9-A66A-D00C-51F44B28ADAD}"/>
+                <a16:creationId xmlns:a16="http://schemas.microsoft.com/office/drawing/2014/main" id="{AD07592D-5A07-6B15-E037-834A5BE18FFE}"/>
               </a:ext>
             </a:extLst>
           </p:cNvPr>
@@ -7550,8 +7704,8 @@
         </p:nvSpPr>
         <p:spPr>
           <a:xfrm>
-            <a:off x="7190564" y="5528733"/>
-            <a:ext cx="1254963" cy="366104"/>
+            <a:off x="9253597" y="8459392"/>
+            <a:ext cx="1506001" cy="439339"/>
           </a:xfrm>
           <a:prstGeom prst="rect">
             <a:avLst/>
@@ -7584,22 +7738,27 @@
           <a:p>
             <a:pPr algn="ctr"/>
             <a:r>
-              <a:rPr lang="ko-KR" altLang="en-US" dirty="0">
+              <a:rPr lang="ko-KR" altLang="en-US" sz="2156" dirty="0">
                 <a:solidFill>
                   <a:schemeClr val="tx1"/>
                 </a:solidFill>
               </a:rPr>
-              <a:t>등록</a:t>
-            </a:r>
-          </a:p>
-        </p:txBody>
-      </p:sp>
-      <p:sp>
-        <p:nvSpPr>
-          <p:cNvPr id="14" name="직사각형 13">
+              <a:t>목록</a:t>
+            </a:r>
+            <a:endParaRPr lang="ko-KR" altLang="en-US" sz="2156" dirty="0">
+              <a:solidFill>
+                <a:schemeClr val="tx1"/>
+              </a:solidFill>
+            </a:endParaRPr>
+          </a:p>
+        </p:txBody>
+      </p:sp>
+      <p:sp>
+        <p:nvSpPr>
+          <p:cNvPr id="18" name="직사각형 17">
             <a:extLst>
               <a:ext uri="{FF2B5EF4-FFF2-40B4-BE49-F238E27FC236}">
-                <a16:creationId xmlns:a16="http://schemas.microsoft.com/office/drawing/2014/main" id="{AD07592D-5A07-6B15-E037-834A5BE18FFE}"/>
+                <a16:creationId xmlns:a16="http://schemas.microsoft.com/office/drawing/2014/main" id="{68323086-26DE-AF00-34DB-F4236D98558A}"/>
               </a:ext>
             </a:extLst>
           </p:cNvPr>
@@ -7608,8 +7767,8 @@
         </p:nvSpPr>
         <p:spPr>
           <a:xfrm>
-            <a:off x="8727237" y="5528733"/>
-            <a:ext cx="1254963" cy="366104"/>
+            <a:off x="3056314" y="2977679"/>
+            <a:ext cx="6159908" cy="525369"/>
           </a:xfrm>
           <a:prstGeom prst="rect">
             <a:avLst/>
@@ -7642,317 +7801,22 @@
           <a:p>
             <a:pPr algn="ctr"/>
             <a:r>
-              <a:rPr lang="ko-KR" altLang="en-US" dirty="0">
+              <a:rPr lang="ko-KR" altLang="en-US" sz="2156" dirty="0">
                 <a:solidFill>
                   <a:schemeClr val="tx1"/>
                 </a:solidFill>
               </a:rPr>
-              <a:t>취소</a:t>
-            </a:r>
-          </a:p>
-        </p:txBody>
-      </p:sp>
-      <p:sp>
-        <p:nvSpPr>
-          <p:cNvPr id="15" name="직사각형 14">
-            <a:extLst>
-              <a:ext uri="{FF2B5EF4-FFF2-40B4-BE49-F238E27FC236}">
-                <a16:creationId xmlns:a16="http://schemas.microsoft.com/office/drawing/2014/main" id="{0DC8297D-FFD0-E842-A050-FDD57C2B9B9C}"/>
-              </a:ext>
-            </a:extLst>
-          </p:cNvPr>
-          <p:cNvSpPr/>
-          <p:nvPr/>
-        </p:nvSpPr>
-        <p:spPr>
-          <a:xfrm>
-            <a:off x="2320637" y="2193631"/>
-            <a:ext cx="2098964" cy="3060013"/>
-          </a:xfrm>
-          <a:prstGeom prst="rect">
-            <a:avLst/>
-          </a:prstGeom>
-          <a:solidFill>
-            <a:schemeClr val="bg1">
-              <a:alpha val="69000"/>
-            </a:schemeClr>
-          </a:solidFill>
-        </p:spPr>
-        <p:style>
-          <a:lnRef idx="2">
-            <a:schemeClr val="accent1">
-              <a:shade val="50000"/>
-            </a:schemeClr>
-          </a:lnRef>
-          <a:fillRef idx="1">
-            <a:schemeClr val="accent1"/>
-          </a:fillRef>
-          <a:effectRef idx="0">
-            <a:schemeClr val="accent1"/>
-          </a:effectRef>
-          <a:fontRef idx="minor">
-            <a:schemeClr val="lt1"/>
-          </a:fontRef>
-        </p:style>
-        <p:txBody>
-          <a:bodyPr rtlCol="0" anchor="ctr"/>
-          <a:lstStyle/>
-          <a:p>
-            <a:pPr algn="ctr"/>
-            <a:r>
-              <a:rPr lang="ko-KR" altLang="en-US" dirty="0">
+              <a:t>계획 </a:t>
+            </a:r>
+            <a:r>
+              <a:rPr lang="en-US" altLang="ko-KR" sz="2156" dirty="0">
                 <a:solidFill>
                   <a:schemeClr val="tx1"/>
                 </a:solidFill>
               </a:rPr>
-              <a:t>관광지 검색</a:t>
-            </a:r>
-          </a:p>
-        </p:txBody>
-      </p:sp>
-      <p:sp>
-        <p:nvSpPr>
-          <p:cNvPr id="16" name="직사각형 15">
-            <a:extLst>
-              <a:ext uri="{FF2B5EF4-FFF2-40B4-BE49-F238E27FC236}">
-                <a16:creationId xmlns:a16="http://schemas.microsoft.com/office/drawing/2014/main" id="{03153F1D-3BAF-C8B7-72BB-B94F666A3B1F}"/>
-              </a:ext>
-            </a:extLst>
-          </p:cNvPr>
-          <p:cNvSpPr/>
-          <p:nvPr/>
-        </p:nvSpPr>
-        <p:spPr>
-          <a:xfrm>
-            <a:off x="4652820" y="2210948"/>
-            <a:ext cx="2800925" cy="3042696"/>
-          </a:xfrm>
-          <a:prstGeom prst="rect">
-            <a:avLst/>
-          </a:prstGeom>
-          <a:solidFill>
-            <a:schemeClr val="bg1">
-              <a:alpha val="69000"/>
-            </a:schemeClr>
-          </a:solidFill>
-        </p:spPr>
-        <p:style>
-          <a:lnRef idx="2">
-            <a:schemeClr val="accent1">
-              <a:shade val="50000"/>
-            </a:schemeClr>
-          </a:lnRef>
-          <a:fillRef idx="1">
-            <a:schemeClr val="accent1"/>
-          </a:fillRef>
-          <a:effectRef idx="0">
-            <a:schemeClr val="accent1"/>
-          </a:effectRef>
-          <a:fontRef idx="minor">
-            <a:schemeClr val="lt1"/>
-          </a:fontRef>
-        </p:style>
-        <p:txBody>
-          <a:bodyPr rtlCol="0" anchor="ctr"/>
-          <a:lstStyle/>
-          <a:p>
-            <a:pPr algn="ctr"/>
-            <a:r>
-              <a:rPr lang="ko-KR" altLang="en-US" dirty="0">
-                <a:solidFill>
-                  <a:schemeClr val="tx1"/>
-                </a:solidFill>
-              </a:rPr>
-              <a:t>맵</a:t>
-            </a:r>
-          </a:p>
-        </p:txBody>
-      </p:sp>
-      <p:sp>
-        <p:nvSpPr>
-          <p:cNvPr id="17" name="직사각형 16">
-            <a:extLst>
-              <a:ext uri="{FF2B5EF4-FFF2-40B4-BE49-F238E27FC236}">
-                <a16:creationId xmlns:a16="http://schemas.microsoft.com/office/drawing/2014/main" id="{B2B5362E-F1B6-736A-828A-EAEA108C0BC8}"/>
-              </a:ext>
-            </a:extLst>
-          </p:cNvPr>
-          <p:cNvSpPr/>
-          <p:nvPr/>
-        </p:nvSpPr>
-        <p:spPr>
-          <a:xfrm>
-            <a:off x="7772400" y="2246740"/>
-            <a:ext cx="2209799" cy="3006904"/>
-          </a:xfrm>
-          <a:prstGeom prst="rect">
-            <a:avLst/>
-          </a:prstGeom>
-          <a:solidFill>
-            <a:schemeClr val="bg1">
-              <a:alpha val="69000"/>
-            </a:schemeClr>
-          </a:solidFill>
-        </p:spPr>
-        <p:style>
-          <a:lnRef idx="2">
-            <a:schemeClr val="accent1">
-              <a:shade val="50000"/>
-            </a:schemeClr>
-          </a:lnRef>
-          <a:fillRef idx="1">
-            <a:schemeClr val="accent1"/>
-          </a:fillRef>
-          <a:effectRef idx="0">
-            <a:schemeClr val="accent1"/>
-          </a:effectRef>
-          <a:fontRef idx="minor">
-            <a:schemeClr val="lt1"/>
-          </a:fontRef>
-        </p:style>
-        <p:txBody>
-          <a:bodyPr rtlCol="0" anchor="ctr"/>
-          <a:lstStyle/>
-          <a:p>
-            <a:pPr algn="ctr"/>
-            <a:r>
-              <a:rPr lang="ko-KR" altLang="en-US" dirty="0">
-                <a:solidFill>
-                  <a:schemeClr val="tx1"/>
-                </a:solidFill>
-              </a:rPr>
-              <a:t>선택 여행 리스트</a:t>
-            </a:r>
-          </a:p>
-        </p:txBody>
-      </p:sp>
-      <p:sp>
-        <p:nvSpPr>
-          <p:cNvPr id="18" name="직사각형 17">
-            <a:extLst>
-              <a:ext uri="{FF2B5EF4-FFF2-40B4-BE49-F238E27FC236}">
-                <a16:creationId xmlns:a16="http://schemas.microsoft.com/office/drawing/2014/main" id="{68323086-26DE-AF00-34DB-F4236D98558A}"/>
-              </a:ext>
-            </a:extLst>
-          </p:cNvPr>
-          <p:cNvSpPr/>
-          <p:nvPr/>
-        </p:nvSpPr>
-        <p:spPr>
-          <a:xfrm>
-            <a:off x="3562987" y="960771"/>
-            <a:ext cx="5133109" cy="437794"/>
-          </a:xfrm>
-          <a:prstGeom prst="rect">
-            <a:avLst/>
-          </a:prstGeom>
-          <a:solidFill>
-            <a:schemeClr val="bg1">
-              <a:alpha val="69000"/>
-            </a:schemeClr>
-          </a:solidFill>
-        </p:spPr>
-        <p:style>
-          <a:lnRef idx="2">
-            <a:schemeClr val="accent1">
-              <a:shade val="50000"/>
-            </a:schemeClr>
-          </a:lnRef>
-          <a:fillRef idx="1">
-            <a:schemeClr val="accent1"/>
-          </a:fillRef>
-          <a:effectRef idx="0">
-            <a:schemeClr val="accent1"/>
-          </a:effectRef>
-          <a:fontRef idx="minor">
-            <a:schemeClr val="lt1"/>
-          </a:fontRef>
-        </p:style>
-        <p:txBody>
-          <a:bodyPr rtlCol="0" anchor="ctr"/>
-          <a:lstStyle/>
-          <a:p>
-            <a:pPr algn="ctr"/>
-            <a:r>
-              <a:rPr lang="en-US" altLang="ko-KR" dirty="0">
-                <a:solidFill>
-                  <a:schemeClr val="tx1"/>
-                </a:solidFill>
-              </a:rPr>
-              <a:t>Create </a:t>
-            </a:r>
-            <a:r>
-              <a:rPr lang="en-US" altLang="ko-KR" dirty="0" smtClean="0">
-                <a:solidFill>
-                  <a:schemeClr val="tx1"/>
-                </a:solidFill>
-              </a:rPr>
-              <a:t>Plan</a:t>
-            </a:r>
-            <a:endParaRPr lang="ko-KR" altLang="en-US" dirty="0">
-              <a:solidFill>
-                <a:schemeClr val="tx1"/>
-              </a:solidFill>
-            </a:endParaRPr>
-          </a:p>
-        </p:txBody>
-      </p:sp>
-      <p:sp>
-        <p:nvSpPr>
-          <p:cNvPr id="19" name="직사각형 18">
-            <a:extLst>
-              <a:ext uri="{FF2B5EF4-FFF2-40B4-BE49-F238E27FC236}">
-                <a16:creationId xmlns:a16="http://schemas.microsoft.com/office/drawing/2014/main" id="{D0A4ABD9-8023-D99F-5712-7CF7C3292E9C}"/>
-              </a:ext>
-            </a:extLst>
-          </p:cNvPr>
-          <p:cNvSpPr/>
-          <p:nvPr/>
-        </p:nvSpPr>
-        <p:spPr>
-          <a:xfrm>
-            <a:off x="7996566" y="1557697"/>
-            <a:ext cx="1761465" cy="437794"/>
-          </a:xfrm>
-          <a:prstGeom prst="rect">
-            <a:avLst/>
-          </a:prstGeom>
-          <a:solidFill>
-            <a:schemeClr val="bg1">
-              <a:alpha val="69000"/>
-            </a:schemeClr>
-          </a:solidFill>
-        </p:spPr>
-        <p:style>
-          <a:lnRef idx="2">
-            <a:schemeClr val="accent1">
-              <a:shade val="50000"/>
-            </a:schemeClr>
-          </a:lnRef>
-          <a:fillRef idx="1">
-            <a:schemeClr val="accent1"/>
-          </a:fillRef>
-          <a:effectRef idx="0">
-            <a:schemeClr val="accent1"/>
-          </a:effectRef>
-          <a:fontRef idx="minor">
-            <a:schemeClr val="lt1"/>
-          </a:fontRef>
-        </p:style>
-        <p:txBody>
-          <a:bodyPr rtlCol="0" anchor="ctr"/>
-          <a:lstStyle/>
-          <a:p>
-            <a:pPr algn="ctr"/>
-            <a:r>
-              <a:rPr lang="ko-KR" altLang="en-US" dirty="0" smtClean="0">
-                <a:solidFill>
-                  <a:schemeClr val="tx1"/>
-                </a:solidFill>
-              </a:rPr>
-              <a:t>작성자</a:t>
-            </a:r>
-            <a:endParaRPr lang="ko-KR" altLang="en-US" dirty="0">
+              <a:t>view</a:t>
+            </a:r>
+            <a:endParaRPr lang="ko-KR" altLang="en-US" sz="2156" dirty="0">
               <a:solidFill>
                 <a:schemeClr val="tx1"/>
               </a:solidFill>
@@ -7976,8 +7840,143 @@
         </p:blipFill>
         <p:spPr>
           <a:xfrm>
-            <a:off x="1812757" y="181588"/>
-            <a:ext cx="8566485" cy="401079"/>
+            <a:off x="955979" y="2042633"/>
+            <a:ext cx="10280081" cy="481307"/>
+          </a:xfrm>
+          <a:prstGeom prst="rect">
+            <a:avLst/>
+          </a:prstGeom>
+        </p:spPr>
+      </p:pic>
+      <p:sp>
+        <p:nvSpPr>
+          <p:cNvPr id="25" name="직사각형 24">
+            <a:extLst>
+              <a:ext uri="{FF2B5EF4-FFF2-40B4-BE49-F238E27FC236}">
+                <a16:creationId xmlns:a16="http://schemas.microsoft.com/office/drawing/2014/main" id="{AD07592D-5A07-6B15-E037-834A5BE18FFE}"/>
+              </a:ext>
+            </a:extLst>
+          </p:cNvPr>
+          <p:cNvSpPr/>
+          <p:nvPr/>
+        </p:nvSpPr>
+        <p:spPr>
+          <a:xfrm>
+            <a:off x="7710230" y="8459392"/>
+            <a:ext cx="1506001" cy="439339"/>
+          </a:xfrm>
+          <a:prstGeom prst="rect">
+            <a:avLst/>
+          </a:prstGeom>
+          <a:solidFill>
+            <a:schemeClr val="bg1">
+              <a:alpha val="69000"/>
+            </a:schemeClr>
+          </a:solidFill>
+        </p:spPr>
+        <p:style>
+          <a:lnRef idx="2">
+            <a:schemeClr val="accent1">
+              <a:shade val="50000"/>
+            </a:schemeClr>
+          </a:lnRef>
+          <a:fillRef idx="1">
+            <a:schemeClr val="accent1"/>
+          </a:fillRef>
+          <a:effectRef idx="0">
+            <a:schemeClr val="accent1"/>
+          </a:effectRef>
+          <a:fontRef idx="minor">
+            <a:schemeClr val="lt1"/>
+          </a:fontRef>
+        </p:style>
+        <p:txBody>
+          <a:bodyPr rtlCol="0" anchor="ctr"/>
+          <a:lstStyle/>
+          <a:p>
+            <a:pPr algn="ctr"/>
+            <a:r>
+              <a:rPr lang="ko-KR" altLang="en-US" sz="2156">
+                <a:solidFill>
+                  <a:schemeClr val="tx1"/>
+                </a:solidFill>
+              </a:rPr>
+              <a:t>수정</a:t>
+            </a:r>
+            <a:endParaRPr lang="ko-KR" altLang="en-US" sz="2156" dirty="0">
+              <a:solidFill>
+                <a:schemeClr val="tx1"/>
+              </a:solidFill>
+            </a:endParaRPr>
+          </a:p>
+        </p:txBody>
+      </p:sp>
+      <p:pic>
+        <p:nvPicPr>
+          <p:cNvPr id="13" name="그림 12"/>
+          <p:cNvPicPr>
+            <a:picLocks noChangeAspect="1"/>
+          </p:cNvPicPr>
+          <p:nvPr/>
+        </p:nvPicPr>
+        <p:blipFill>
+          <a:blip r:embed="rId5"/>
+          <a:stretch>
+            <a:fillRect/>
+          </a:stretch>
+        </p:blipFill>
+        <p:spPr>
+          <a:xfrm>
+            <a:off x="4023743" y="4515766"/>
+            <a:ext cx="1567156" cy="1553274"/>
+          </a:xfrm>
+          <a:prstGeom prst="rect">
+            <a:avLst/>
+          </a:prstGeom>
+        </p:spPr>
+      </p:pic>
+      <p:pic>
+        <p:nvPicPr>
+          <p:cNvPr id="16" name="그림 15"/>
+          <p:cNvPicPr>
+            <a:picLocks noChangeAspect="1"/>
+          </p:cNvPicPr>
+          <p:nvPr/>
+        </p:nvPicPr>
+        <p:blipFill>
+          <a:blip r:embed="rId5"/>
+          <a:stretch>
+            <a:fillRect/>
+          </a:stretch>
+        </p:blipFill>
+        <p:spPr>
+          <a:xfrm>
+            <a:off x="5964448" y="5484917"/>
+            <a:ext cx="1567156" cy="1553274"/>
+          </a:xfrm>
+          <a:prstGeom prst="rect">
+            <a:avLst/>
+          </a:prstGeom>
+        </p:spPr>
+      </p:pic>
+      <p:pic>
+        <p:nvPicPr>
+          <p:cNvPr id="17" name="그림 16"/>
+          <p:cNvPicPr>
+            <a:picLocks noChangeAspect="1"/>
+          </p:cNvPicPr>
+          <p:nvPr/>
+        </p:nvPicPr>
+        <p:blipFill>
+          <a:blip r:embed="rId5"/>
+          <a:stretch>
+            <a:fillRect/>
+          </a:stretch>
+        </p:blipFill>
+        <p:spPr>
+          <a:xfrm>
+            <a:off x="4098016" y="6562337"/>
+            <a:ext cx="1567156" cy="1553274"/>
           </a:xfrm>
           <a:prstGeom prst="rect">
             <a:avLst/>
@@ -7987,13 +7986,20 @@
     </p:spTree>
     <p:extLst>
       <p:ext uri="{BB962C8B-B14F-4D97-AF65-F5344CB8AC3E}">
-        <p14:creationId xmlns:p14="http://schemas.microsoft.com/office/powerpoint/2010/main" val="2914425097"/>
+        <p14:creationId xmlns:p14="http://schemas.microsoft.com/office/powerpoint/2010/main" val="1806832822"/>
       </p:ext>
     </p:extLst>
   </p:cSld>
   <p:clrMapOvr>
     <a:masterClrMapping/>
   </p:clrMapOvr>
+  <p:timing>
+    <p:tnLst>
+      <p:par>
+        <p:cTn id="1" dur="indefinite" restart="never" nodeType="tmRoot"/>
+      </p:par>
+    </p:tnLst>
+  </p:timing>
 </p:sld>
 </file>
 
@@ -8042,8 +8048,8 @@
         </p:blipFill>
         <p:spPr>
           <a:xfrm>
-            <a:off x="1523999" y="-20073"/>
-            <a:ext cx="9144000" cy="6858000"/>
+            <a:off x="609455" y="1800625"/>
+            <a:ext cx="10973125" cy="8229837"/>
           </a:xfrm>
           <a:prstGeom prst="rect">
             <a:avLst/>
@@ -8064,8 +8070,8 @@
         </p:nvSpPr>
         <p:spPr>
           <a:xfrm>
-            <a:off x="2087418" y="833916"/>
-            <a:ext cx="8128000" cy="5150022"/>
+            <a:off x="1285582" y="2825449"/>
+            <a:ext cx="9753886" cy="6180207"/>
           </a:xfrm>
           <a:prstGeom prst="rect">
             <a:avLst/>
@@ -8097,7 +8103,7 @@
           <a:lstStyle/>
           <a:p>
             <a:pPr algn="ctr"/>
-            <a:endParaRPr lang="ko-KR" altLang="en-US" dirty="0">
+            <a:endParaRPr lang="ko-KR" altLang="en-US" sz="2156" dirty="0">
               <a:solidFill>
                 <a:schemeClr val="tx1"/>
               </a:solidFill>
@@ -8127,8 +8133,8 @@
         </p:blipFill>
         <p:spPr>
           <a:xfrm>
-            <a:off x="1812757" y="6136100"/>
-            <a:ext cx="8566485" cy="569738"/>
+            <a:off x="955979" y="9188263"/>
+            <a:ext cx="10280081" cy="683701"/>
           </a:xfrm>
           <a:prstGeom prst="rect">
             <a:avLst/>
@@ -8149,8 +8155,8 @@
         </p:nvSpPr>
         <p:spPr>
           <a:xfrm>
-            <a:off x="2313709" y="1049234"/>
-            <a:ext cx="7661564" cy="994884"/>
+            <a:off x="1557128" y="3083849"/>
+            <a:ext cx="9194147" cy="900671"/>
           </a:xfrm>
           <a:prstGeom prst="rect">
             <a:avLst/>
@@ -8183,192 +8189,12 @@
           <a:p>
             <a:pPr algn="ctr"/>
             <a:r>
-              <a:rPr lang="ko-KR" altLang="en-US" dirty="0">
+              <a:rPr lang="ko-KR" altLang="en-US" sz="2156" dirty="0">
                 <a:solidFill>
                   <a:schemeClr val="tx1"/>
                 </a:solidFill>
               </a:rPr>
               <a:t>여행후기</a:t>
-            </a:r>
-          </a:p>
-        </p:txBody>
-      </p:sp>
-      <p:sp>
-        <p:nvSpPr>
-          <p:cNvPr id="6" name="직사각형 5">
-            <a:extLst>
-              <a:ext uri="{FF2B5EF4-FFF2-40B4-BE49-F238E27FC236}">
-                <a16:creationId xmlns:a16="http://schemas.microsoft.com/office/drawing/2014/main" id="{93A48854-3D49-9FD7-F64C-FB8151AA3538}"/>
-              </a:ext>
-            </a:extLst>
-          </p:cNvPr>
-          <p:cNvSpPr/>
-          <p:nvPr/>
-        </p:nvSpPr>
-        <p:spPr>
-          <a:xfrm>
-            <a:off x="2320636" y="2196280"/>
-            <a:ext cx="7661564" cy="3484084"/>
-          </a:xfrm>
-          <a:prstGeom prst="rect">
-            <a:avLst/>
-          </a:prstGeom>
-          <a:solidFill>
-            <a:schemeClr val="bg1">
-              <a:alpha val="69000"/>
-            </a:schemeClr>
-          </a:solidFill>
-        </p:spPr>
-        <p:style>
-          <a:lnRef idx="2">
-            <a:schemeClr val="accent1">
-              <a:shade val="50000"/>
-            </a:schemeClr>
-          </a:lnRef>
-          <a:fillRef idx="1">
-            <a:schemeClr val="accent1"/>
-          </a:fillRef>
-          <a:effectRef idx="0">
-            <a:schemeClr val="accent1"/>
-          </a:effectRef>
-          <a:fontRef idx="minor">
-            <a:schemeClr val="lt1"/>
-          </a:fontRef>
-        </p:style>
-        <p:txBody>
-          <a:bodyPr rtlCol="0" anchor="ctr"/>
-          <a:lstStyle/>
-          <a:p>
-            <a:pPr algn="ctr"/>
-            <a:r>
-              <a:rPr lang="ko-KR" altLang="en-US" dirty="0">
-                <a:solidFill>
-                  <a:schemeClr val="tx1"/>
-                </a:solidFill>
-              </a:rPr>
-              <a:t>리스트</a:t>
-            </a:r>
-          </a:p>
-        </p:txBody>
-      </p:sp>
-      <p:sp>
-        <p:nvSpPr>
-          <p:cNvPr id="2" name="직사각형 1">
-            <a:extLst>
-              <a:ext uri="{FF2B5EF4-FFF2-40B4-BE49-F238E27FC236}">
-                <a16:creationId xmlns:a16="http://schemas.microsoft.com/office/drawing/2014/main" id="{22BC5BA2-1FED-FDBE-7E26-0A43F6657EEA}"/>
-              </a:ext>
-            </a:extLst>
-          </p:cNvPr>
-          <p:cNvSpPr/>
-          <p:nvPr/>
-        </p:nvSpPr>
-        <p:spPr>
-          <a:xfrm>
-            <a:off x="2715491" y="2259436"/>
-            <a:ext cx="7047346" cy="478554"/>
-          </a:xfrm>
-          <a:prstGeom prst="rect">
-            <a:avLst/>
-          </a:prstGeom>
-          <a:solidFill>
-            <a:schemeClr val="bg1">
-              <a:alpha val="69000"/>
-            </a:schemeClr>
-          </a:solidFill>
-        </p:spPr>
-        <p:style>
-          <a:lnRef idx="2">
-            <a:schemeClr val="accent1">
-              <a:shade val="50000"/>
-            </a:schemeClr>
-          </a:lnRef>
-          <a:fillRef idx="1">
-            <a:schemeClr val="accent1"/>
-          </a:fillRef>
-          <a:effectRef idx="0">
-            <a:schemeClr val="accent1"/>
-          </a:effectRef>
-          <a:fontRef idx="minor">
-            <a:schemeClr val="lt1"/>
-          </a:fontRef>
-        </p:style>
-        <p:txBody>
-          <a:bodyPr rtlCol="0" anchor="ctr"/>
-          <a:lstStyle/>
-          <a:p>
-            <a:pPr algn="ctr"/>
-            <a:r>
-              <a:rPr lang="ko-KR" altLang="en-US" dirty="0">
-                <a:solidFill>
-                  <a:schemeClr val="tx1"/>
-                </a:solidFill>
-              </a:rPr>
-              <a:t>번호 </a:t>
-            </a:r>
-            <a:r>
-              <a:rPr lang="en-US" altLang="ko-KR" dirty="0">
-                <a:solidFill>
-                  <a:schemeClr val="tx1"/>
-                </a:solidFill>
-              </a:rPr>
-              <a:t>/ </a:t>
-            </a:r>
-            <a:r>
-              <a:rPr lang="ko-KR" altLang="en-US" dirty="0">
-                <a:solidFill>
-                  <a:schemeClr val="tx1"/>
-                </a:solidFill>
-              </a:rPr>
-              <a:t>제목 </a:t>
-            </a:r>
-            <a:r>
-              <a:rPr lang="en-US" altLang="ko-KR" dirty="0">
-                <a:solidFill>
-                  <a:schemeClr val="tx1"/>
-                </a:solidFill>
-              </a:rPr>
-              <a:t>/ </a:t>
-            </a:r>
-            <a:r>
-              <a:rPr lang="ko-KR" altLang="en-US" dirty="0">
-                <a:solidFill>
-                  <a:schemeClr val="tx1"/>
-                </a:solidFill>
-              </a:rPr>
-              <a:t>작성자 </a:t>
-            </a:r>
-            <a:r>
-              <a:rPr lang="en-US" altLang="ko-KR" dirty="0">
-                <a:solidFill>
-                  <a:schemeClr val="tx1"/>
-                </a:solidFill>
-              </a:rPr>
-              <a:t>/ </a:t>
-            </a:r>
-            <a:r>
-              <a:rPr lang="ko-KR" altLang="en-US" dirty="0">
-                <a:solidFill>
-                  <a:schemeClr val="tx1"/>
-                </a:solidFill>
-              </a:rPr>
-              <a:t>작성 날짜 </a:t>
-            </a:r>
-            <a:r>
-              <a:rPr lang="en-US" altLang="ko-KR" dirty="0">
-                <a:solidFill>
-                  <a:schemeClr val="tx1"/>
-                </a:solidFill>
-              </a:rPr>
-              <a:t>/ </a:t>
-            </a:r>
-            <a:r>
-              <a:rPr lang="ko-KR" altLang="en-US" dirty="0">
-                <a:solidFill>
-                  <a:schemeClr val="tx1"/>
-                </a:solidFill>
-              </a:rPr>
-              <a:t>좋아요 </a:t>
             </a:r>
           </a:p>
         </p:txBody>
@@ -8389,8 +8215,127 @@
         </p:blipFill>
         <p:spPr>
           <a:xfrm>
-            <a:off x="1812757" y="181588"/>
-            <a:ext cx="8566485" cy="401079"/>
+            <a:off x="955979" y="2042633"/>
+            <a:ext cx="10280081" cy="481307"/>
+          </a:xfrm>
+          <a:prstGeom prst="rect">
+            <a:avLst/>
+          </a:prstGeom>
+        </p:spPr>
+      </p:pic>
+      <p:pic>
+        <p:nvPicPr>
+          <p:cNvPr id="4" name="그림 3"/>
+          <p:cNvPicPr>
+            <a:picLocks noChangeAspect="1"/>
+          </p:cNvPicPr>
+          <p:nvPr/>
+        </p:nvPicPr>
+        <p:blipFill>
+          <a:blip r:embed="rId5"/>
+          <a:stretch>
+            <a:fillRect/>
+          </a:stretch>
+        </p:blipFill>
+        <p:spPr>
+          <a:xfrm>
+            <a:off x="1827602" y="4885305"/>
+            <a:ext cx="8657665" cy="3077188"/>
+          </a:xfrm>
+          <a:prstGeom prst="rect">
+            <a:avLst/>
+          </a:prstGeom>
+        </p:spPr>
+      </p:pic>
+      <p:sp>
+        <p:nvSpPr>
+          <p:cNvPr id="13" name="직사각형 12">
+            <a:extLst>
+              <a:ext uri="{FF2B5EF4-FFF2-40B4-BE49-F238E27FC236}">
+                <a16:creationId xmlns:a16="http://schemas.microsoft.com/office/drawing/2014/main" id="{AD07592D-5A07-6B15-E037-834A5BE18FFE}"/>
+              </a:ext>
+            </a:extLst>
+          </p:cNvPr>
+          <p:cNvSpPr/>
+          <p:nvPr/>
+        </p:nvSpPr>
+        <p:spPr>
+          <a:xfrm>
+            <a:off x="8220968" y="4242895"/>
+            <a:ext cx="2264295" cy="439339"/>
+          </a:xfrm>
+          <a:prstGeom prst="rect">
+            <a:avLst/>
+          </a:prstGeom>
+          <a:solidFill>
+            <a:schemeClr val="bg1">
+              <a:alpha val="69000"/>
+            </a:schemeClr>
+          </a:solidFill>
+        </p:spPr>
+        <p:style>
+          <a:lnRef idx="2">
+            <a:schemeClr val="accent1">
+              <a:shade val="50000"/>
+            </a:schemeClr>
+          </a:lnRef>
+          <a:fillRef idx="1">
+            <a:schemeClr val="accent1"/>
+          </a:fillRef>
+          <a:effectRef idx="0">
+            <a:schemeClr val="accent1"/>
+          </a:effectRef>
+          <a:fontRef idx="minor">
+            <a:schemeClr val="lt1"/>
+          </a:fontRef>
+        </p:style>
+        <p:txBody>
+          <a:bodyPr rtlCol="0" anchor="ctr"/>
+          <a:lstStyle/>
+          <a:p>
+            <a:pPr algn="ctr"/>
+            <a:r>
+              <a:rPr lang="ko-KR" altLang="en-US" sz="2156" dirty="0">
+                <a:solidFill>
+                  <a:schemeClr val="tx1"/>
+                </a:solidFill>
+              </a:rPr>
+              <a:t>여행 </a:t>
+            </a:r>
+            <a:r>
+              <a:rPr lang="ko-KR" altLang="en-US" sz="2156">
+                <a:solidFill>
+                  <a:schemeClr val="tx1"/>
+                </a:solidFill>
+              </a:rPr>
+              <a:t>후기 작성</a:t>
+            </a:r>
+            <a:endParaRPr lang="ko-KR" altLang="en-US" sz="2156" dirty="0">
+              <a:solidFill>
+                <a:schemeClr val="tx1"/>
+              </a:solidFill>
+            </a:endParaRPr>
+          </a:p>
+        </p:txBody>
+      </p:sp>
+      <p:pic>
+        <p:nvPicPr>
+          <p:cNvPr id="15" name="그림 14"/>
+          <p:cNvPicPr>
+            <a:picLocks noChangeAspect="1"/>
+          </p:cNvPicPr>
+          <p:nvPr/>
+        </p:nvPicPr>
+        <p:blipFill>
+          <a:blip r:embed="rId6"/>
+          <a:stretch>
+            <a:fillRect/>
+          </a:stretch>
+        </p:blipFill>
+        <p:spPr>
+          <a:xfrm>
+            <a:off x="1827595" y="7938336"/>
+            <a:ext cx="8657665" cy="487690"/>
           </a:xfrm>
           <a:prstGeom prst="rect">
             <a:avLst/>
@@ -8407,6 +8352,13 @@
   <p:clrMapOvr>
     <a:masterClrMapping/>
   </p:clrMapOvr>
+  <p:timing>
+    <p:tnLst>
+      <p:par>
+        <p:cTn id="1" dur="indefinite" restart="never" nodeType="tmRoot"/>
+      </p:par>
+    </p:tnLst>
+  </p:timing>
 </p:sld>
 </file>
 
@@ -8455,8 +8407,8 @@
         </p:blipFill>
         <p:spPr>
           <a:xfrm>
-            <a:off x="1523999" y="-20073"/>
-            <a:ext cx="9144000" cy="6858000"/>
+            <a:off x="609455" y="1800625"/>
+            <a:ext cx="10973125" cy="8229837"/>
           </a:xfrm>
           <a:prstGeom prst="rect">
             <a:avLst/>
@@ -8477,8 +8429,8 @@
         </p:nvSpPr>
         <p:spPr>
           <a:xfrm>
-            <a:off x="2087418" y="833916"/>
-            <a:ext cx="8128000" cy="5150022"/>
+            <a:off x="1285582" y="2825449"/>
+            <a:ext cx="9753886" cy="6180207"/>
           </a:xfrm>
           <a:prstGeom prst="rect">
             <a:avLst/>
@@ -8510,7 +8462,7 @@
           <a:lstStyle/>
           <a:p>
             <a:pPr algn="ctr"/>
-            <a:endParaRPr lang="ko-KR" altLang="en-US" dirty="0">
+            <a:endParaRPr lang="ko-KR" altLang="en-US" sz="2156" dirty="0">
               <a:solidFill>
                 <a:schemeClr val="tx1"/>
               </a:solidFill>
@@ -8540,8 +8492,8 @@
         </p:blipFill>
         <p:spPr>
           <a:xfrm>
-            <a:off x="1812757" y="6136100"/>
-            <a:ext cx="8566485" cy="569738"/>
+            <a:off x="955979" y="9188263"/>
+            <a:ext cx="10280081" cy="683701"/>
           </a:xfrm>
           <a:prstGeom prst="rect">
             <a:avLst/>
@@ -8562,8 +8514,8 @@
         </p:nvSpPr>
         <p:spPr>
           <a:xfrm>
-            <a:off x="2320636" y="1777231"/>
-            <a:ext cx="7661564" cy="3903133"/>
+            <a:off x="1565441" y="3957475"/>
+            <a:ext cx="9194147" cy="4683899"/>
           </a:xfrm>
           <a:prstGeom prst="rect">
             <a:avLst/>
@@ -8595,7 +8547,7 @@
           <a:lstStyle/>
           <a:p>
             <a:pPr algn="ctr"/>
-            <a:endParaRPr lang="ko-KR" altLang="en-US" dirty="0">
+            <a:endParaRPr lang="ko-KR" altLang="en-US" sz="2156" dirty="0">
               <a:solidFill>
                 <a:schemeClr val="tx1"/>
               </a:solidFill>
@@ -8617,8 +8569,8 @@
         </p:nvSpPr>
         <p:spPr>
           <a:xfrm>
-            <a:off x="4292600" y="1019414"/>
-            <a:ext cx="3420534" cy="572319"/>
+            <a:off x="3931886" y="3048063"/>
+            <a:ext cx="4104759" cy="686807"/>
           </a:xfrm>
           <a:prstGeom prst="rect">
             <a:avLst/>
@@ -8651,7 +8603,7 @@
           <a:p>
             <a:pPr algn="ctr"/>
             <a:r>
-              <a:rPr lang="ko-KR" altLang="en-US" dirty="0">
+              <a:rPr lang="ko-KR" altLang="en-US" sz="2156" dirty="0">
                 <a:solidFill>
                   <a:schemeClr val="tx1"/>
                 </a:solidFill>
@@ -8675,8 +8627,8 @@
         </p:nvSpPr>
         <p:spPr>
           <a:xfrm>
-            <a:off x="2730884" y="2060815"/>
-            <a:ext cx="3420534" cy="377586"/>
+            <a:off x="2057764" y="4297778"/>
+            <a:ext cx="8422466" cy="453114"/>
           </a:xfrm>
           <a:prstGeom prst="rect">
             <a:avLst/>
@@ -8709,13 +8661,83 @@
           <a:p>
             <a:pPr algn="ctr"/>
             <a:r>
-              <a:rPr lang="ko-KR" altLang="en-US" dirty="0">
+              <a:rPr lang="ko-KR" altLang="en-US" sz="2156" dirty="0">
                 <a:solidFill>
                   <a:schemeClr val="tx1"/>
                 </a:solidFill>
               </a:rPr>
-              <a:t>제목</a:t>
-            </a:r>
+              <a:t>작성자</a:t>
+            </a:r>
+            <a:r>
+              <a:rPr lang="en-US" altLang="ko-KR" sz="2156" dirty="0">
+                <a:solidFill>
+                  <a:schemeClr val="tx1"/>
+                </a:solidFill>
+              </a:rPr>
+              <a:t>: SSAFY	</a:t>
+            </a:r>
+            <a:r>
+              <a:rPr lang="ko-KR" altLang="en-US" sz="2156" dirty="0">
+                <a:solidFill>
+                  <a:schemeClr val="tx1"/>
+                </a:solidFill>
+              </a:rPr>
+              <a:t>이메일</a:t>
+            </a:r>
+            <a:r>
+              <a:rPr lang="en-US" altLang="ko-KR" sz="2156" dirty="0">
+                <a:solidFill>
+                  <a:schemeClr val="tx1"/>
+                </a:solidFill>
+              </a:rPr>
+              <a:t>: </a:t>
+            </a:r>
+            <a:r>
+              <a:rPr lang="en-US" altLang="ko-KR" sz="2156" dirty="0">
+                <a:solidFill>
+                  <a:schemeClr val="tx1"/>
+                </a:solidFill>
+                <a:hlinkClick r:id="rId4"/>
+              </a:rPr>
+              <a:t>ssafy@ssafy.com</a:t>
+            </a:r>
+            <a:r>
+              <a:rPr lang="en-US" altLang="ko-KR" sz="2156" dirty="0">
+                <a:solidFill>
+                  <a:schemeClr val="tx1"/>
+                </a:solidFill>
+              </a:rPr>
+              <a:t>	</a:t>
+            </a:r>
+            <a:r>
+              <a:rPr lang="en-US" altLang="ko-KR" sz="2156" dirty="0">
+                <a:solidFill>
+                  <a:schemeClr val="tx1"/>
+                </a:solidFill>
+              </a:rPr>
+              <a:t> </a:t>
+            </a:r>
+            <a:r>
+              <a:rPr lang="ko-KR" altLang="en-US" sz="2156" dirty="0">
+                <a:solidFill>
+                  <a:schemeClr val="tx1"/>
+                </a:solidFill>
+              </a:rPr>
+              <a:t>추천수</a:t>
+            </a:r>
+            <a:r>
+              <a:rPr lang="en-US" altLang="ko-KR" sz="2156" dirty="0">
+                <a:solidFill>
+                  <a:schemeClr val="tx1"/>
+                </a:solidFill>
+              </a:rPr>
+              <a:t>: 0</a:t>
+            </a:r>
+            <a:endParaRPr lang="ko-KR" altLang="en-US" sz="2156" dirty="0">
+              <a:solidFill>
+                <a:schemeClr val="tx1"/>
+              </a:solidFill>
+            </a:endParaRPr>
           </a:p>
         </p:txBody>
       </p:sp>
@@ -8733,8 +8755,8 @@
         </p:nvSpPr>
         <p:spPr>
           <a:xfrm>
-            <a:off x="2730884" y="2629515"/>
-            <a:ext cx="7031183" cy="1920618"/>
+            <a:off x="2061173" y="5555109"/>
+            <a:ext cx="8437671" cy="2304813"/>
           </a:xfrm>
           <a:prstGeom prst="rect">
             <a:avLst/>
@@ -8767,14 +8789,14 @@
           <a:p>
             <a:pPr algn="ctr"/>
             <a:r>
-              <a:rPr lang="ko-KR" altLang="en-US">
+              <a:rPr lang="ko-KR" altLang="en-US" sz="2156">
                 <a:solidFill>
                   <a:schemeClr val="tx1"/>
                 </a:solidFill>
               </a:rPr>
               <a:t>내용</a:t>
             </a:r>
-            <a:endParaRPr lang="ko-KR" altLang="en-US" dirty="0">
+            <a:endParaRPr lang="ko-KR" altLang="en-US" sz="2156" dirty="0">
               <a:solidFill>
                 <a:schemeClr val="tx1"/>
               </a:solidFill>
@@ -8796,8 +8818,8 @@
         </p:nvSpPr>
         <p:spPr>
           <a:xfrm>
-            <a:off x="2730885" y="4702295"/>
-            <a:ext cx="5676516" cy="377586"/>
+            <a:off x="2042539" y="4943320"/>
+            <a:ext cx="6812023" cy="453114"/>
           </a:xfrm>
           <a:prstGeom prst="rect">
             <a:avLst/>
@@ -8830,7 +8852,7 @@
           <a:p>
             <a:pPr algn="ctr"/>
             <a:r>
-              <a:rPr lang="ko-KR" altLang="en-US" dirty="0">
+              <a:rPr lang="ko-KR" altLang="en-US" sz="2156" dirty="0">
                 <a:solidFill>
                   <a:schemeClr val="tx1"/>
                 </a:solidFill>
@@ -8854,8 +8876,8 @@
         </p:nvSpPr>
         <p:spPr>
           <a:xfrm>
-            <a:off x="8522083" y="4694106"/>
-            <a:ext cx="1239984" cy="377586"/>
+            <a:off x="8992200" y="4933493"/>
+            <a:ext cx="1488021" cy="453114"/>
           </a:xfrm>
           <a:prstGeom prst="rect">
             <a:avLst/>
@@ -8888,7 +8910,7 @@
           <a:p>
             <a:pPr algn="ctr"/>
             <a:r>
-              <a:rPr lang="ko-KR" altLang="en-US" dirty="0">
+              <a:rPr lang="ko-KR" altLang="en-US" sz="2156" dirty="0">
                 <a:solidFill>
                   <a:schemeClr val="tx1"/>
                 </a:solidFill>
@@ -8912,8 +8934,8 @@
         </p:nvSpPr>
         <p:spPr>
           <a:xfrm>
-            <a:off x="7476067" y="5205596"/>
-            <a:ext cx="1045661" cy="366104"/>
+            <a:off x="7752138" y="8071616"/>
+            <a:ext cx="1254828" cy="439339"/>
           </a:xfrm>
           <a:prstGeom prst="rect">
             <a:avLst/>
@@ -8946,7 +8968,7 @@
           <a:p>
             <a:pPr algn="ctr"/>
             <a:r>
-              <a:rPr lang="ko-KR" altLang="en-US" dirty="0">
+              <a:rPr lang="ko-KR" altLang="en-US" sz="2156" dirty="0">
                 <a:solidFill>
                   <a:schemeClr val="tx1"/>
                 </a:solidFill>
@@ -8970,8 +8992,8 @@
         </p:nvSpPr>
         <p:spPr>
           <a:xfrm>
-            <a:off x="8703735" y="5197348"/>
-            <a:ext cx="1045661" cy="366104"/>
+            <a:off x="9225386" y="8061716"/>
+            <a:ext cx="1254828" cy="439339"/>
           </a:xfrm>
           <a:prstGeom prst="rect">
             <a:avLst/>
@@ -9004,7 +9026,7 @@
           <a:p>
             <a:pPr algn="ctr"/>
             <a:r>
-              <a:rPr lang="ko-KR" altLang="en-US" dirty="0">
+              <a:rPr lang="ko-KR" altLang="en-US" sz="2156" dirty="0">
                 <a:solidFill>
                   <a:schemeClr val="tx1"/>
                 </a:solidFill>
@@ -9023,15 +9045,15 @@
           <p:nvPr/>
         </p:nvPicPr>
         <p:blipFill>
-          <a:blip r:embed="rId4"/>
+          <a:blip r:embed="rId5"/>
           <a:stretch>
             <a:fillRect/>
           </a:stretch>
         </p:blipFill>
         <p:spPr>
           <a:xfrm>
-            <a:off x="1812757" y="181588"/>
-            <a:ext cx="8566485" cy="401079"/>
+            <a:off x="955979" y="2042633"/>
+            <a:ext cx="10280081" cy="481307"/>
           </a:xfrm>
           <a:prstGeom prst="rect">
             <a:avLst/>
@@ -9041,20 +9063,27 @@
     </p:spTree>
     <p:extLst>
       <p:ext uri="{BB962C8B-B14F-4D97-AF65-F5344CB8AC3E}">
-        <p14:creationId xmlns:p14="http://schemas.microsoft.com/office/powerpoint/2010/main" val="1902277537"/>
+        <p14:creationId xmlns:p14="http://schemas.microsoft.com/office/powerpoint/2010/main" val="2147333653"/>
       </p:ext>
     </p:extLst>
   </p:cSld>
   <p:clrMapOvr>
     <a:masterClrMapping/>
   </p:clrMapOvr>
+  <p:timing>
+    <p:tnLst>
+      <p:par>
+        <p:cTn id="1" dur="indefinite" restart="never" nodeType="tmRoot"/>
+      </p:par>
+    </p:tnLst>
+  </p:timing>
 </p:sld>
 </file>
 
 <file path=ppt/theme/theme1.xml><?xml version="1.0" encoding="utf-8"?>
 <a:theme xmlns:a="http://schemas.openxmlformats.org/drawingml/2006/main" name="Office 테마">
   <a:themeElements>
-    <a:clrScheme name="Office">
+    <a:clrScheme name="Office 테마">
       <a:dk1>
         <a:sysClr val="windowText" lastClr="000000"/>
       </a:dk1>
@@ -9068,7 +9097,7 @@
         <a:srgbClr val="E7E6E6"/>
       </a:lt2>
       <a:accent1>
-        <a:srgbClr val="4472C4"/>
+        <a:srgbClr val="5B9BD5"/>
       </a:accent1>
       <a:accent2>
         <a:srgbClr val="ED7D31"/>
@@ -9080,7 +9109,7 @@
         <a:srgbClr val="FFC000"/>
       </a:accent4>
       <a:accent5>
-        <a:srgbClr val="5B9BD5"/>
+        <a:srgbClr val="4472C4"/>
       </a:accent5>
       <a:accent6>
         <a:srgbClr val="70AD47"/>
@@ -9092,9 +9121,9 @@
         <a:srgbClr val="954F72"/>
       </a:folHlink>
     </a:clrScheme>
-    <a:fontScheme name="Office">
+    <a:fontScheme name="Office 테마">
       <a:majorFont>
-        <a:latin typeface="맑은 고딕" panose="020F0302020204030204"/>
+        <a:latin typeface="Calibri Light" panose="020F0302020204030204"/>
         <a:ea typeface=""/>
         <a:cs typeface=""/>
         <a:font script="Jpan" typeface="游ゴシック Light"/>
@@ -9127,26 +9156,9 @@
         <a:font script="Viet" typeface="Times New Roman"/>
         <a:font script="Uigh" typeface="Microsoft Uighur"/>
         <a:font script="Geor" typeface="Sylfaen"/>
-        <a:font script="Armn" typeface="Arial"/>
-        <a:font script="Bugi" typeface="Leelawadee UI"/>
-        <a:font script="Bopo" typeface="Microsoft JhengHei"/>
-        <a:font script="Java" typeface="Javanese Text"/>
-        <a:font script="Lisu" typeface="Segoe UI"/>
-        <a:font script="Mymr" typeface="Myanmar Text"/>
-        <a:font script="Nkoo" typeface="Ebrima"/>
-        <a:font script="Olck" typeface="Nirmala UI"/>
-        <a:font script="Osma" typeface="Ebrima"/>
-        <a:font script="Phag" typeface="Phagspa"/>
-        <a:font script="Syrn" typeface="Estrangelo Edessa"/>
-        <a:font script="Syrj" typeface="Estrangelo Edessa"/>
-        <a:font script="Syre" typeface="Estrangelo Edessa"/>
-        <a:font script="Sora" typeface="Nirmala UI"/>
-        <a:font script="Tale" typeface="Microsoft Tai Le"/>
-        <a:font script="Talu" typeface="Microsoft New Tai Lue"/>
-        <a:font script="Tfng" typeface="Ebrima"/>
       </a:majorFont>
       <a:minorFont>
-        <a:latin typeface="맑은 고딕" panose="020F0502020204030204"/>
+        <a:latin typeface="Calibri" panose="020F0502020204030204"/>
         <a:ea typeface=""/>
         <a:cs typeface=""/>
         <a:font script="Jpan" typeface="游ゴシック"/>
@@ -9179,26 +9191,9 @@
         <a:font script="Viet" typeface="Arial"/>
         <a:font script="Uigh" typeface="Microsoft Uighur"/>
         <a:font script="Geor" typeface="Sylfaen"/>
-        <a:font script="Armn" typeface="Arial"/>
-        <a:font script="Bugi" typeface="Leelawadee UI"/>
-        <a:font script="Bopo" typeface="Microsoft JhengHei"/>
-        <a:font script="Java" typeface="Javanese Text"/>
-        <a:font script="Lisu" typeface="Segoe UI"/>
-        <a:font script="Mymr" typeface="Myanmar Text"/>
-        <a:font script="Nkoo" typeface="Ebrima"/>
-        <a:font script="Olck" typeface="Nirmala UI"/>
-        <a:font script="Osma" typeface="Ebrima"/>
-        <a:font script="Phag" typeface="Phagspa"/>
-        <a:font script="Syrn" typeface="Estrangelo Edessa"/>
-        <a:font script="Syrj" typeface="Estrangelo Edessa"/>
-        <a:font script="Syre" typeface="Estrangelo Edessa"/>
-        <a:font script="Sora" typeface="Nirmala UI"/>
-        <a:font script="Tale" typeface="Microsoft Tai Le"/>
-        <a:font script="Talu" typeface="Microsoft New Tai Lue"/>
-        <a:font script="Tfng" typeface="Ebrima"/>
       </a:minorFont>
     </a:fontScheme>
-    <a:fmtScheme name="Office">
+    <a:fmtScheme name="Office 테마">
       <a:fillStyleLst>
         <a:solidFill>
           <a:schemeClr val="phClr"/>
